--- a/Master.pptx
+++ b/Master.pptx
@@ -160,6 +160,10 @@
 </p:presentation>
 </file>
 
+<file path=ppt/revisionInfo.xml><?xml version="1.0" encoding="utf-8"?>
+<p1510:revInfo xmlns:a="http://schemas.openxmlformats.org/drawingml/2006/main" xmlns:r="http://schemas.openxmlformats.org/officeDocument/2006/relationships" xmlns:p1510="http://schemas.microsoft.com/office/powerpoint/2015/10/main"/>
+</file>
+
 <file path=ppt/handoutMasters/handoutMaster1.xml><?xml version="1.0" encoding="utf-8"?>
 <p:handoutMaster xmlns:a="http://schemas.openxmlformats.org/drawingml/2006/main" xmlns:r="http://schemas.openxmlformats.org/officeDocument/2006/relationships" xmlns:p="http://schemas.openxmlformats.org/presentationml/2006/main">
   <p:cSld>
@@ -242,7 +246,7 @@
           <a:p>
             <a:fld id="{FE5B4EDC-59C0-49C7-8ADA-5A781B329E02}" type="datetimeFigureOut">
               <a:rPr lang="en-US"/>
-              <a:t>1/15/2018</a:t>
+              <a:t>1/17/2018</a:t>
             </a:fld>
             <a:endParaRPr/>
           </a:p>
@@ -407,7 +411,7 @@
           <a:p>
             <a:fld id="{F2D8D46A-B586-417D-BFBD-8C8FE0AAF762}" type="datetimeFigureOut">
               <a:rPr lang="en-US"/>
-              <a:t>1/15/2018</a:t>
+              <a:t>1/17/2018</a:t>
             </a:fld>
             <a:endParaRPr/>
           </a:p>
@@ -1425,7 +1429,7 @@
           <a:p>
             <a:fld id="{F0DFD029-FB74-4578-B929-F66AA97659CA}" type="datetimeFigureOut">
               <a:rPr lang="en-US"/>
-              <a:t>1/15/2018</a:t>
+              <a:t>1/17/2018</a:t>
             </a:fld>
             <a:endParaRPr/>
           </a:p>
@@ -1623,7 +1627,7 @@
           <a:p>
             <a:fld id="{F0DFD029-FB74-4578-B929-F66AA97659CA}" type="datetimeFigureOut">
               <a:rPr lang="en-US"/>
-              <a:t>1/15/2018</a:t>
+              <a:t>1/17/2018</a:t>
             </a:fld>
             <a:endParaRPr/>
           </a:p>
@@ -1831,7 +1835,7 @@
           <a:p>
             <a:fld id="{F0DFD029-FB74-4578-B929-F66AA97659CA}" type="datetimeFigureOut">
               <a:rPr lang="en-US"/>
-              <a:t>1/15/2018</a:t>
+              <a:t>1/17/2018</a:t>
             </a:fld>
             <a:endParaRPr/>
           </a:p>
@@ -2029,7 +2033,7 @@
           <a:p>
             <a:fld id="{F0DFD029-FB74-4578-B929-F66AA97659CA}" type="datetimeFigureOut">
               <a:rPr lang="en-US"/>
-              <a:t>1/15/2018</a:t>
+              <a:t>1/17/2018</a:t>
             </a:fld>
             <a:endParaRPr/>
           </a:p>
@@ -2461,7 +2465,7 @@
           <a:p>
             <a:fld id="{F0DFD029-FB74-4578-B929-F66AA97659CA}" type="datetimeFigureOut">
               <a:rPr lang="en-US"/>
-              <a:t>1/15/2018</a:t>
+              <a:t>1/17/2018</a:t>
             </a:fld>
             <a:endParaRPr/>
           </a:p>
@@ -2765,7 +2769,7 @@
           <a:p>
             <a:fld id="{F0DFD029-FB74-4578-B929-F66AA97659CA}" type="datetimeFigureOut">
               <a:rPr lang="en-US"/>
-              <a:t>1/15/2018</a:t>
+              <a:t>1/17/2018</a:t>
             </a:fld>
             <a:endParaRPr/>
           </a:p>
@@ -3221,7 +3225,7 @@
           <a:p>
             <a:fld id="{F0DFD029-FB74-4578-B929-F66AA97659CA}" type="datetimeFigureOut">
               <a:rPr lang="en-US"/>
-              <a:t>1/15/2018</a:t>
+              <a:t>1/17/2018</a:t>
             </a:fld>
             <a:endParaRPr/>
           </a:p>
@@ -3351,7 +3355,7 @@
           <a:p>
             <a:fld id="{F0DFD029-FB74-4578-B929-F66AA97659CA}" type="datetimeFigureOut">
               <a:rPr lang="en-US"/>
-              <a:t>1/15/2018</a:t>
+              <a:t>1/17/2018</a:t>
             </a:fld>
             <a:endParaRPr/>
           </a:p>
@@ -3458,7 +3462,7 @@
           <a:p>
             <a:fld id="{F0DFD029-FB74-4578-B929-F66AA97659CA}" type="datetimeFigureOut">
               <a:rPr lang="en-US"/>
-              <a:t>1/15/2018</a:t>
+              <a:t>1/17/2018</a:t>
             </a:fld>
             <a:endParaRPr/>
           </a:p>
@@ -3757,7 +3761,7 @@
           <a:p>
             <a:fld id="{F0DFD029-FB74-4578-B929-F66AA97659CA}" type="datetimeFigureOut">
               <a:rPr lang="en-US"/>
-              <a:t>1/15/2018</a:t>
+              <a:t>1/17/2018</a:t>
             </a:fld>
             <a:endParaRPr/>
           </a:p>
@@ -4045,7 +4049,7 @@
           <a:p>
             <a:fld id="{F0DFD029-FB74-4578-B929-F66AA97659CA}" type="datetimeFigureOut">
               <a:rPr lang="en-US"/>
-              <a:t>1/15/2018</a:t>
+              <a:t>1/17/2018</a:t>
             </a:fld>
             <a:endParaRPr/>
           </a:p>
@@ -4668,7 +4672,7 @@
             <a:fld id="{F0DFD029-FB74-4578-B929-F66AA97659CA}" type="datetimeFigureOut">
               <a:rPr lang="en-US"/>
               <a:pPr/>
-              <a:t>1/15/2018</a:t>
+              <a:t>1/17/2018</a:t>
             </a:fld>
             <a:endParaRPr/>
           </a:p>
@@ -5548,6 +5552,23 @@
           <a:bodyPr/>
           <a:lstStyle/>
           <a:p>
+            <a:r>
+              <a:rPr lang="mk-MK" dirty="0"/>
+              <a:t>Проблемите од административна природа како што се недостаток на кадар и простор за евиденција резултирале со формирање на нови дисциплини меѓу кои и медицински секретари и библиотекари кои треба да ги извршуваат административните работи</a:t>
+            </a:r>
+          </a:p>
+          <a:p>
+            <a:r>
+              <a:rPr lang="mk-MK" dirty="0"/>
+              <a:t>Повеќето болници во САД се приватни и секоја болница креирала софтвер само за нејзините потреби, стандардизацијата на сите тие софтвери било многу тешко да се постигне</a:t>
+            </a:r>
+            <a:endParaRPr lang="en-US" dirty="0"/>
+          </a:p>
+          <a:p>
+            <a:r>
+              <a:rPr lang="mk-MK" dirty="0"/>
+              <a:t>Овој проблем сеуште не е решен и приватните болници во САД сеуште не соработуваат и не споделуваат досиеја меѓусебе.</a:t>
+            </a:r>
             <a:endParaRPr lang="en-US" dirty="0"/>
           </a:p>
         </p:txBody>
@@ -5614,6 +5635,18 @@
           <a:bodyPr/>
           <a:lstStyle/>
           <a:p>
+            <a:r>
+              <a:rPr lang="mk-MK" dirty="0"/>
+              <a:t>Студија на случај</a:t>
+            </a:r>
+            <a:r>
+              <a:rPr lang="en-US" dirty="0"/>
+              <a:t>:</a:t>
+            </a:r>
+            <a:r>
+              <a:rPr lang="mk-MK" dirty="0"/>
+              <a:t> Данска	</a:t>
+            </a:r>
             <a:endParaRPr lang="en-US" dirty="0"/>
           </a:p>
         </p:txBody>
@@ -5635,8 +5668,66 @@
           </a:xfrm>
         </p:spPr>
         <p:txBody>
-          <a:bodyPr/>
+          <a:bodyPr>
+            <a:normAutofit fontScale="92500"/>
+          </a:bodyPr>
           <a:lstStyle/>
+          <a:p>
+            <a:r>
+              <a:rPr lang="mk-MK" dirty="0"/>
+              <a:t>Брзиот напредок на ИТ индустријата демонстрира дека дигиталните досиеја се решение за проблемите кои произлегуваат од користењето на хартиени документи на пациентите</a:t>
+            </a:r>
+          </a:p>
+          <a:p>
+            <a:r>
+              <a:rPr lang="mk-MK" dirty="0"/>
+              <a:t>Искуството покажало дека за едно ИТ решение во медицината да биде успешно треба да бидат исполнети следните услови</a:t>
+            </a:r>
+            <a:r>
+              <a:rPr lang="en-US" dirty="0"/>
+              <a:t>:</a:t>
+            </a:r>
+          </a:p>
+          <a:p>
+            <a:pPr lvl="1"/>
+            <a:r>
+              <a:rPr lang="mk-MK" dirty="0"/>
+              <a:t>рана инволвираност на медицинските работници</a:t>
+            </a:r>
+            <a:endParaRPr lang="en-US" dirty="0"/>
+          </a:p>
+          <a:p>
+            <a:pPr lvl="1"/>
+            <a:r>
+              <a:rPr lang="mk-MK" dirty="0"/>
+              <a:t>заедничко носење на одлуките</a:t>
+            </a:r>
+            <a:endParaRPr lang="en-US" dirty="0"/>
+          </a:p>
+          <a:p>
+            <a:pPr lvl="1"/>
+            <a:r>
+              <a:rPr lang="mk-MK" dirty="0"/>
+              <a:t>прифаќање на решението од страна на лекарите</a:t>
+            </a:r>
+          </a:p>
+          <a:p>
+            <a:pPr lvl="1"/>
+            <a:r>
+              <a:rPr lang="mk-MK" dirty="0"/>
+              <a:t>подолг процес на планирање</a:t>
+            </a:r>
+          </a:p>
+          <a:p>
+            <a:r>
+              <a:rPr lang="mk-MK" dirty="0"/>
+              <a:t>Лекарите мора да имаат значајна улога во фазите на планирање, развивање и имплементација на дигиталните решенија</a:t>
+            </a:r>
+            <a:br>
+              <a:rPr lang="en-US" dirty="0"/>
+            </a:br>
+            <a:endParaRPr lang="en-US" dirty="0"/>
+          </a:p>
           <a:p>
             <a:endParaRPr lang="en-US" dirty="0"/>
           </a:p>
@@ -5696,14 +5787,20 @@
         </p:nvSpPr>
         <p:spPr>
           <a:xfrm>
-            <a:off x="1218883" y="274637"/>
+            <a:off x="1218883" y="381000"/>
             <a:ext cx="10360501" cy="715963"/>
           </a:xfrm>
         </p:spPr>
         <p:txBody>
-          <a:bodyPr/>
+          <a:bodyPr>
+            <a:normAutofit fontScale="90000"/>
+          </a:bodyPr>
           <a:lstStyle/>
           <a:p>
+            <a:r>
+              <a:rPr lang="ru-RU" dirty="0"/>
+              <a:t>Студија на случај: Кориснички ориентиран дизајн во апликација за самоуправување кај дијабетичари</a:t>
+            </a:r>
             <a:endParaRPr lang="en-US" dirty="0"/>
           </a:p>
         </p:txBody>
@@ -5727,6 +5824,39 @@
         <p:txBody>
           <a:bodyPr/>
           <a:lstStyle/>
+          <a:p>
+            <a:r>
+              <a:rPr lang="mk-MK" dirty="0"/>
+              <a:t>Дијабетесот кој е една од најраширените хронични заболувања бара константна нега и самоуправување</a:t>
+            </a:r>
+          </a:p>
+          <a:p>
+            <a:r>
+              <a:rPr lang="mk-MK" dirty="0"/>
+              <a:t>Квалитетни интервјуа кои биле извршени во раните фази на дизајнот допринеле за успехот на </a:t>
+            </a:r>
+            <a:r>
+              <a:rPr lang="en-US" dirty="0" err="1"/>
+              <a:t>mHealth</a:t>
+            </a:r>
+            <a:r>
+              <a:rPr lang="mk-MK" dirty="0"/>
+              <a:t> апликацијата</a:t>
+            </a:r>
+          </a:p>
+          <a:p>
+            <a:r>
+              <a:rPr lang="mk-MK" dirty="0"/>
+              <a:t>Кога корисниците се вклучени низ целиот процес на дизајн и развивање, голем број на клучни кориснички и системски побарувања можат да бидат идентификувани, кои во поинаков дизајн процес не би биле забележани</a:t>
+            </a:r>
+          </a:p>
+          <a:p>
+            <a:r>
+              <a:rPr lang="mk-MK" dirty="0"/>
+              <a:t>Придобивките од кориснички ориентираниот дизајн принцип се препознаени од страна на здравствените системи во последните неколку години</a:t>
+            </a:r>
+            <a:endParaRPr lang="en-US" dirty="0"/>
+          </a:p>
           <a:p>
             <a:endParaRPr lang="en-US" dirty="0"/>
           </a:p>
@@ -5794,6 +5924,10 @@
           <a:bodyPr/>
           <a:lstStyle/>
           <a:p>
+            <a:r>
+              <a:rPr lang="mk-MK" dirty="0"/>
+              <a:t>Целни групи </a:t>
+            </a:r>
             <a:endParaRPr lang="en-US" dirty="0"/>
           </a:p>
         </p:txBody>
@@ -5817,6 +5951,18 @@
         <p:txBody>
           <a:bodyPr/>
           <a:lstStyle/>
+          <a:p>
+            <a:r>
+              <a:rPr lang="mk-MK" dirty="0"/>
+              <a:t>Пациенти	</a:t>
+            </a:r>
+          </a:p>
+          <a:p>
+            <a:r>
+              <a:rPr lang="mk-MK" dirty="0"/>
+              <a:t>Лекари</a:t>
+            </a:r>
+          </a:p>
           <a:p>
             <a:endParaRPr lang="en-US" dirty="0"/>
           </a:p>
@@ -5884,6 +6030,10 @@
           <a:bodyPr/>
           <a:lstStyle/>
           <a:p>
+            <a:r>
+              <a:rPr lang="mk-MK" dirty="0"/>
+              <a:t>Пациенти</a:t>
+            </a:r>
             <a:endParaRPr lang="en-US" dirty="0"/>
           </a:p>
         </p:txBody>
@@ -5907,6 +6057,48 @@
         <p:txBody>
           <a:bodyPr/>
           <a:lstStyle/>
+          <a:p>
+            <a:r>
+              <a:rPr lang="mk-MK" dirty="0"/>
+              <a:t>Болните од хронични опструктивни белодробни заболувања и од дијабетес</a:t>
+            </a:r>
+          </a:p>
+          <a:p>
+            <a:r>
+              <a:rPr lang="mk-MK" dirty="0"/>
+              <a:t>Постари и/или изнемоштени лица</a:t>
+            </a:r>
+          </a:p>
+          <a:p>
+            <a:r>
+              <a:rPr lang="mk-MK" dirty="0"/>
+              <a:t>Потешко се справуваат со новата технологијата и не се во тек со најновите технолошки иновации</a:t>
+            </a:r>
+          </a:p>
+          <a:p>
+            <a:r>
+              <a:rPr lang="mk-MK" dirty="0"/>
+              <a:t>Тешко навигираат низ здравствениот систем</a:t>
+            </a:r>
+          </a:p>
+          <a:p>
+            <a:r>
+              <a:rPr lang="mk-MK" dirty="0"/>
+              <a:t>Многу од нив не ги добиваат неопходните насоки и совети во текот на нивната рехабилитација</a:t>
+            </a:r>
+          </a:p>
+          <a:p>
+            <a:r>
+              <a:rPr lang="mk-MK" dirty="0"/>
+              <a:t>На домашно лекување со често посетување на болница</a:t>
+            </a:r>
+          </a:p>
+          <a:p>
+            <a:r>
+              <a:rPr lang="mk-MK" dirty="0"/>
+              <a:t>Бројот на овие пациенти постојано се зголемува</a:t>
+            </a:r>
+          </a:p>
           <a:p>
             <a:endParaRPr lang="en-US" dirty="0"/>
           </a:p>
@@ -5974,6 +6166,10 @@
           <a:bodyPr/>
           <a:lstStyle/>
           <a:p>
+            <a:r>
+              <a:rPr lang="mk-MK" dirty="0"/>
+              <a:t>Пациенти</a:t>
+            </a:r>
             <a:endParaRPr lang="en-US" dirty="0"/>
           </a:p>
         </p:txBody>
@@ -5998,6 +6194,29 @@
           <a:bodyPr/>
           <a:lstStyle/>
           <a:p>
+            <a:r>
+              <a:rPr lang="mk-MK" dirty="0"/>
+              <a:t>Здравствениот систем троши два пати повеќе ресурси за пациентите болни од хронични опструктивни белодробни заболувања и од дијабетес, отколку за било која друга група на пациенти</a:t>
+            </a:r>
+          </a:p>
+          <a:p>
+            <a:r>
+              <a:rPr lang="mk-MK" dirty="0"/>
+              <a:t>Квалитетот на живот кај овие пациенти е на многу ниско ниво</a:t>
+            </a:r>
+            <a:endParaRPr lang="en-US" dirty="0"/>
+          </a:p>
+          <a:p>
+            <a:r>
+              <a:rPr lang="mk-MK" dirty="0"/>
+              <a:t>Мора секојдневно да прават вежби со кои ќе го олеснат нивното дишење</a:t>
+            </a:r>
+          </a:p>
+          <a:p>
+            <a:r>
+              <a:rPr lang="mk-MK" dirty="0"/>
+              <a:t>Овие болести се неизлечиви, па така пациентите мора да се подготват за живот со хронична болест</a:t>
+            </a:r>
             <a:endParaRPr lang="en-US" dirty="0"/>
           </a:p>
         </p:txBody>
@@ -6064,6 +6283,10 @@
           <a:bodyPr/>
           <a:lstStyle/>
           <a:p>
+            <a:r>
+              <a:rPr lang="mk-MK" dirty="0"/>
+              <a:t>Лекари</a:t>
+            </a:r>
             <a:endParaRPr lang="en-US" dirty="0"/>
           </a:p>
         </p:txBody>
@@ -6085,9 +6308,70 @@
           </a:xfrm>
         </p:spPr>
         <p:txBody>
-          <a:bodyPr/>
+          <a:bodyPr>
+            <a:normAutofit lnSpcReduction="10000"/>
+          </a:bodyPr>
           <a:lstStyle/>
           <a:p>
+            <a:r>
+              <a:rPr lang="mk-MK" dirty="0"/>
+              <a:t>Имаат разбирање и се отворени кон тоа да се имплементираат нови знаења и нови технологии во секојдневната грижа за нивните пациенти за да се осигура оптимален третман</a:t>
+            </a:r>
+          </a:p>
+          <a:p>
+            <a:r>
+              <a:rPr lang="mk-MK" dirty="0"/>
+              <a:t>Идентификувани се 4 главни теми кои блијаат на односот на лекарите кон имплементација на нова технологија или апликација</a:t>
+            </a:r>
+          </a:p>
+          <a:p>
+            <a:pPr marL="819096" lvl="1" indent="-514350">
+              <a:buFont typeface="+mj-lt"/>
+              <a:buAutoNum type="arabicPeriod"/>
+            </a:pPr>
+            <a:r>
+              <a:rPr lang="mk-MK" dirty="0"/>
+              <a:t>Значајни и квалитетни подобрувања</a:t>
+            </a:r>
+            <a:endParaRPr lang="en-US" dirty="0"/>
+          </a:p>
+          <a:p>
+            <a:pPr marL="819096" lvl="1" indent="-514350">
+              <a:buFont typeface="+mj-lt"/>
+              <a:buAutoNum type="arabicPeriod"/>
+            </a:pPr>
+            <a:r>
+              <a:rPr lang="mk-MK" dirty="0"/>
+              <a:t>Поделба на одговорноста</a:t>
+            </a:r>
+            <a:endParaRPr lang="en-US" dirty="0"/>
+          </a:p>
+          <a:p>
+            <a:pPr marL="819096" lvl="1" indent="-514350">
+              <a:buFont typeface="+mj-lt"/>
+              <a:buAutoNum type="arabicPeriod"/>
+            </a:pPr>
+            <a:r>
+              <a:rPr lang="mk-MK" dirty="0"/>
+              <a:t>Неадекватна имплементација</a:t>
+            </a:r>
+            <a:endParaRPr lang="en-US" dirty="0"/>
+          </a:p>
+          <a:p>
+            <a:pPr marL="819096" lvl="1" indent="-514350">
+              <a:buFont typeface="+mj-lt"/>
+              <a:buAutoNum type="arabicPeriod"/>
+            </a:pPr>
+            <a:r>
+              <a:rPr lang="mk-MK" dirty="0"/>
+              <a:t>Софтверски проблеми и човечкиот фактор</a:t>
+            </a:r>
+          </a:p>
+          <a:p>
+            <a:r>
+              <a:rPr lang="mk-MK" dirty="0"/>
+              <a:t>Сакаат новитетите кои се носат во медицината да бидат значајни и директно да го подобруваат квалитетот на нивната работа</a:t>
+            </a:r>
             <a:endParaRPr lang="en-US" dirty="0"/>
           </a:p>
         </p:txBody>
@@ -6154,6 +6438,10 @@
           <a:bodyPr/>
           <a:lstStyle/>
           <a:p>
+            <a:r>
+              <a:rPr lang="mk-MK" dirty="0"/>
+              <a:t>Лекари	</a:t>
+            </a:r>
             <a:endParaRPr lang="en-US" dirty="0"/>
           </a:p>
         </p:txBody>
@@ -6178,6 +6466,28 @@
           <a:bodyPr/>
           <a:lstStyle/>
           <a:p>
+            <a:r>
+              <a:rPr lang="mk-MK" dirty="0"/>
+              <a:t>Сакаат да сносат одговорност само за третманот кои тие самите го извршиле</a:t>
+            </a:r>
+          </a:p>
+          <a:p>
+            <a:r>
+              <a:rPr lang="mk-MK" dirty="0"/>
+              <a:t>Ажурирањето на податоците треба да биде извршувано често и целосно</a:t>
+            </a:r>
+          </a:p>
+          <a:p>
+            <a:r>
+              <a:rPr lang="mk-MK" dirty="0"/>
+              <a:t>Во голем број на случаеви, софтверот кој бил имплементиран, не бил целосен и немал дефиниран терк на работа, односно лекарите не знаеле како да го користат</a:t>
+            </a:r>
+          </a:p>
+          <a:p>
+            <a:r>
+              <a:rPr lang="mk-MK" dirty="0"/>
+              <a:t>Ова предизвикува еден вид на отпор и фрустрација кај лекарите да го користат новиот софтвер</a:t>
+            </a:r>
             <a:endParaRPr lang="en-US" dirty="0"/>
           </a:p>
         </p:txBody>
@@ -6244,6 +6554,10 @@
           <a:bodyPr/>
           <a:lstStyle/>
           <a:p>
+            <a:r>
+              <a:rPr lang="mk-MK" dirty="0"/>
+              <a:t>Начин на третман	</a:t>
+            </a:r>
             <a:endParaRPr lang="en-US" dirty="0"/>
           </a:p>
         </p:txBody>
@@ -8375,6 +8689,1046 @@
 </file>
 
 <file path=customXml/item1.xml><?xml version="1.0" encoding="utf-8"?>
+<ct:contentTypeSchema xmlns:ct="http://schemas.microsoft.com/office/2006/metadata/contentType" xmlns:ma="http://schemas.microsoft.com/office/2006/metadata/properties/metaAttributes" ct:_="" ma:_="" ma:contentTypeName="TemplateFile" ma:contentTypeID="0x0101006EDDDB5EE6D98C44930B742096920B300400F5B6D36B3EF94B4E9A635CDF2A18F5B8" ma:contentTypeVersion="72" ma:contentTypeDescription="Create a new document." ma:contentTypeScope="" ma:versionID="a23e56308344d904b51738559c3d67c9">
+  <xsd:schema xmlns:xsd="http://www.w3.org/2001/XMLSchema" xmlns:xs="http://www.w3.org/2001/XMLSchema" xmlns:p="http://schemas.microsoft.com/office/2006/metadata/properties" xmlns:ns2="4873beb7-5857-4685-be1f-d57550cc96cc" targetNamespace="http://schemas.microsoft.com/office/2006/metadata/properties" ma:root="true" ma:fieldsID="cd0908cc4600e77bf5da051303e00c8d" ns2:_="">
+    <xsd:import namespace="4873beb7-5857-4685-be1f-d57550cc96cc"/>
+    <xsd:element name="properties">
+      <xsd:complexType>
+        <xsd:sequence>
+          <xsd:element name="documentManagement">
+            <xsd:complexType>
+              <xsd:all>
+                <xsd:element ref="ns2:AcquiredFrom" minOccurs="0"/>
+                <xsd:element ref="ns2:UACurrentWords" minOccurs="0"/>
+                <xsd:element ref="ns2:TPApplication" minOccurs="0"/>
+                <xsd:element ref="ns2:ApprovalLog" minOccurs="0"/>
+                <xsd:element ref="ns2:ApprovalStatus" minOccurs="0"/>
+                <xsd:element ref="ns2:AssetStart" minOccurs="0"/>
+                <xsd:element ref="ns2:AssetExpire" minOccurs="0"/>
+                <xsd:element ref="ns2:AssetId" minOccurs="0"/>
+                <xsd:element ref="ns2:IsSearchable" minOccurs="0"/>
+                <xsd:element ref="ns2:AssetType" minOccurs="0"/>
+                <xsd:element ref="ns2:APAuthor" minOccurs="0"/>
+                <xsd:element ref="ns2:AverageRating" minOccurs="0"/>
+                <xsd:element ref="ns2:BlockPublish" minOccurs="0"/>
+                <xsd:element ref="ns2:BugNumber" minOccurs="0"/>
+                <xsd:element ref="ns2:CampaignTagsTaxHTField0" minOccurs="0"/>
+                <xsd:element ref="ns2:TPClientViewer" minOccurs="0"/>
+                <xsd:element ref="ns2:ClipArtFilename" minOccurs="0"/>
+                <xsd:element ref="ns2:TPCommandLine" minOccurs="0"/>
+                <xsd:element ref="ns2:TPComponent" minOccurs="0"/>
+                <xsd:element ref="ns2:ContentItem" minOccurs="0"/>
+                <xsd:element ref="ns2:CrawlForDependencies" minOccurs="0"/>
+                <xsd:element ref="ns2:CSXHash" minOccurs="0"/>
+                <xsd:element ref="ns2:CSXSubmissionMarket" minOccurs="0"/>
+                <xsd:element ref="ns2:CSXUpdate" minOccurs="0"/>
+                <xsd:element ref="ns2:IntlLangReviewDate" minOccurs="0"/>
+                <xsd:element ref="ns2:IsDeleted" minOccurs="0"/>
+                <xsd:element ref="ns2:APDescription" minOccurs="0"/>
+                <xsd:element ref="ns2:DirectSourceMarket" minOccurs="0"/>
+                <xsd:element ref="ns2:Downloads" minOccurs="0"/>
+                <xsd:element ref="ns2:DSATActionTaken" minOccurs="0"/>
+                <xsd:element ref="ns2:APEditor" minOccurs="0"/>
+                <xsd:element ref="ns2:EditorialStatus" minOccurs="0"/>
+                <xsd:element ref="ns2:EditorialTags" minOccurs="0"/>
+                <xsd:element ref="ns2:TPExecutable" minOccurs="0"/>
+                <xsd:element ref="ns2:FeatureTagsTaxHTField0" minOccurs="0"/>
+                <xsd:element ref="ns2:TPFriendlyName" minOccurs="0"/>
+                <xsd:element ref="ns2:FriendlyTitle" minOccurs="0"/>
+                <xsd:element ref="ns2:PrimaryImageGen" minOccurs="0"/>
+                <xsd:element ref="ns2:HandoffToMSDN" minOccurs="0"/>
+                <xsd:element ref="ns2:InProjectListLookup" minOccurs="0"/>
+                <xsd:element ref="ns2:TPInstallLocation" minOccurs="0"/>
+                <xsd:element ref="ns2:InternalTagsTaxHTField0" minOccurs="0"/>
+                <xsd:element ref="ns2:IntlLangReview" minOccurs="0"/>
+                <xsd:element ref="ns2:IntlLangReviewer" minOccurs="0"/>
+                <xsd:element ref="ns2:MarketSpecific" minOccurs="0"/>
+                <xsd:element ref="ns2:LastCompleteVersionLookup" minOccurs="0"/>
+                <xsd:element ref="ns2:LastHandOff" minOccurs="0"/>
+                <xsd:element ref="ns2:LastModifiedDateTime" minOccurs="0"/>
+                <xsd:element ref="ns2:LastPreviewErrorLookup" minOccurs="0"/>
+                <xsd:element ref="ns2:LastPreviewResultLookup" minOccurs="0"/>
+                <xsd:element ref="ns2:LastPreviewAttemptDateLookup" minOccurs="0"/>
+                <xsd:element ref="ns2:LastPreviewedByLookup" minOccurs="0"/>
+                <xsd:element ref="ns2:LastPreviewTimeLookup" minOccurs="0"/>
+                <xsd:element ref="ns2:LastPreviewVersionLookup" minOccurs="0"/>
+                <xsd:element ref="ns2:LastPublishErrorLookup" minOccurs="0"/>
+                <xsd:element ref="ns2:LastPublishResultLookup" minOccurs="0"/>
+                <xsd:element ref="ns2:LastPublishAttemptDateLookup" minOccurs="0"/>
+                <xsd:element ref="ns2:LastPublishedByLookup" minOccurs="0"/>
+                <xsd:element ref="ns2:LastPublishTimeLookup" minOccurs="0"/>
+                <xsd:element ref="ns2:LastPublishVersionLookup" minOccurs="0"/>
+                <xsd:element ref="ns2:TPLaunchHelpLinkType" minOccurs="0"/>
+                <xsd:element ref="ns2:LegacyData" minOccurs="0"/>
+                <xsd:element ref="ns2:TPLaunchHelpLink" minOccurs="0"/>
+                <xsd:element ref="ns2:LocComments" minOccurs="0"/>
+                <xsd:element ref="ns2:LocLastLocAttemptVersionLookup" minOccurs="0"/>
+                <xsd:element ref="ns2:LocLastLocAttemptVersionTypeLookup" minOccurs="0"/>
+                <xsd:element ref="ns2:LocManualTestRequired" minOccurs="0"/>
+                <xsd:element ref="ns2:LocMarketGroupTiers2" minOccurs="0"/>
+                <xsd:element ref="ns2:LocNewPublishedVersionLookup" minOccurs="0"/>
+                <xsd:element ref="ns2:LocOverallHandbackStatusLookup" minOccurs="0"/>
+                <xsd:element ref="ns2:LocOverallLocStatusLookup" minOccurs="0"/>
+                <xsd:element ref="ns2:LocOverallPreviewStatusLookup" minOccurs="0"/>
+                <xsd:element ref="ns2:LocOverallPublishStatusLookup" minOccurs="0"/>
+                <xsd:element ref="ns2:IntlLocPriority" minOccurs="0"/>
+                <xsd:element ref="ns2:LocProcessedForHandoffsLookup" minOccurs="0"/>
+                <xsd:element ref="ns2:LocProcessedForMarketsLookup" minOccurs="0"/>
+                <xsd:element ref="ns2:LocPublishedDependentAssetsLookup" minOccurs="0"/>
+                <xsd:element ref="ns2:LocPublishedLinkedAssetsLookup" minOccurs="0"/>
+                <xsd:element ref="ns2:LocRecommendedHandoff" minOccurs="0"/>
+                <xsd:element ref="ns2:LocalizationTagsTaxHTField0" minOccurs="0"/>
+                <xsd:element ref="ns2:MachineTranslated" minOccurs="0"/>
+                <xsd:element ref="ns2:Manager" minOccurs="0"/>
+                <xsd:element ref="ns2:Markets" minOccurs="0"/>
+                <xsd:element ref="ns2:Milestone" minOccurs="0"/>
+                <xsd:element ref="ns2:TPNamespace" minOccurs="0"/>
+                <xsd:element ref="ns2:NumericId" minOccurs="0"/>
+                <xsd:element ref="ns2:NumOfRatingsLookup" minOccurs="0"/>
+                <xsd:element ref="ns2:OOCacheId" minOccurs="0"/>
+                <xsd:element ref="ns2:OpenTemplate" minOccurs="0"/>
+                <xsd:element ref="ns2:OriginAsset" minOccurs="0"/>
+                <xsd:element ref="ns2:OriginalRelease" minOccurs="0"/>
+                <xsd:element ref="ns2:OriginalSourceMarket" minOccurs="0"/>
+                <xsd:element ref="ns2:OutputCachingOn" minOccurs="0"/>
+                <xsd:element ref="ns2:ParentAssetId" minOccurs="0"/>
+                <xsd:element ref="ns2:PlannedPubDate" minOccurs="0"/>
+                <xsd:element ref="ns2:PolicheckWords" minOccurs="0"/>
+                <xsd:element ref="ns2:BusinessGroup" minOccurs="0"/>
+                <xsd:element ref="ns2:UAProjectedTotalWords" minOccurs="0"/>
+                <xsd:element ref="ns2:Provider" minOccurs="0"/>
+                <xsd:element ref="ns2:Providers" minOccurs="0"/>
+                <xsd:element ref="ns2:PublishStatusLookup" minOccurs="0"/>
+                <xsd:element ref="ns2:PublishTargets" minOccurs="0"/>
+                <xsd:element ref="ns2:RecommendationsModifier" minOccurs="0"/>
+                <xsd:element ref="ns2:ArtSampleDocs" minOccurs="0"/>
+                <xsd:element ref="ns2:ScenarioTagsTaxHTField0" minOccurs="0"/>
+                <xsd:element ref="ns2:ShowIn" minOccurs="0"/>
+                <xsd:element ref="ns2:SourceTitle" minOccurs="0"/>
+                <xsd:element ref="ns2:CSXSubmissionDate" minOccurs="0"/>
+                <xsd:element ref="ns2:SubmitterId" minOccurs="0"/>
+                <xsd:element ref="ns2:TaxCatchAll" minOccurs="0"/>
+                <xsd:element ref="ns2:TaxCatchAllLabel" minOccurs="0"/>
+                <xsd:element ref="ns2:TemplateStatus" minOccurs="0"/>
+                <xsd:element ref="ns2:TemplateTemplateType" minOccurs="0"/>
+                <xsd:element ref="ns2:ThumbnailAssetId" minOccurs="0"/>
+                <xsd:element ref="ns2:TimesCloned" minOccurs="0"/>
+                <xsd:element ref="ns2:TrustLevel" minOccurs="0"/>
+                <xsd:element ref="ns2:UALocComments" minOccurs="0"/>
+                <xsd:element ref="ns2:UALocRecommendation" minOccurs="0"/>
+                <xsd:element ref="ns2:UANotes" minOccurs="0"/>
+                <xsd:element ref="ns2:TPAppVersion" minOccurs="0"/>
+                <xsd:element ref="ns2:VoteCount" minOccurs="0"/>
+              </xsd:all>
+            </xsd:complexType>
+          </xsd:element>
+        </xsd:sequence>
+      </xsd:complexType>
+    </xsd:element>
+  </xsd:schema>
+  <xsd:schema xmlns:xsd="http://www.w3.org/2001/XMLSchema" xmlns:xs="http://www.w3.org/2001/XMLSchema" xmlns:dms="http://schemas.microsoft.com/office/2006/documentManagement/types" xmlns:pc="http://schemas.microsoft.com/office/infopath/2007/PartnerControls" targetNamespace="4873beb7-5857-4685-be1f-d57550cc96cc" elementFormDefault="qualified">
+    <xsd:import namespace="http://schemas.microsoft.com/office/2006/documentManagement/types"/>
+    <xsd:import namespace="http://schemas.microsoft.com/office/infopath/2007/PartnerControls"/>
+    <xsd:element name="AcquiredFrom" ma:index="1" nillable="true" ma:displayName="Acquired From" ma:default="Internal MS" ma:internalName="AcquiredFrom" ma:readOnly="false">
+      <xsd:simpleType>
+        <xsd:restriction base="dms:Choice">
+          <xsd:enumeration value="Internal MS"/>
+          <xsd:enumeration value="Community"/>
+          <xsd:enumeration value="MVP"/>
+          <xsd:enumeration value="Publisher"/>
+          <xsd:enumeration value="Partner"/>
+          <xsd:enumeration value="None"/>
+        </xsd:restriction>
+      </xsd:simpleType>
+    </xsd:element>
+    <xsd:element name="UACurrentWords" ma:index="2" nillable="true" ma:displayName="Actual Word Count" ma:default="" ma:internalName="UACurrentWords" ma:readOnly="false">
+      <xsd:simpleType>
+        <xsd:restriction base="dms:Unknown"/>
+      </xsd:simpleType>
+    </xsd:element>
+    <xsd:element name="TPApplication" ma:index="3" nillable="true" ma:displayName="Application to Open Template With" ma:default="" ma:internalName="TPApplication">
+      <xsd:simpleType>
+        <xsd:restriction base="dms:Text"/>
+      </xsd:simpleType>
+    </xsd:element>
+    <xsd:element name="ApprovalLog" ma:index="4" nillable="true" ma:displayName="Approval Log" ma:default="" ma:hidden="true" ma:internalName="ApprovalLog" ma:readOnly="false">
+      <xsd:simpleType>
+        <xsd:restriction base="dms:Note"/>
+      </xsd:simpleType>
+    </xsd:element>
+    <xsd:element name="ApprovalStatus" ma:index="5" nillable="true" ma:displayName="Approval Status" ma:default="InProgress" ma:internalName="ApprovalStatus" ma:readOnly="false">
+      <xsd:simpleType>
+        <xsd:restriction base="dms:Choice">
+          <xsd:enumeration value="InProgress"/>
+          <xsd:enumeration value="Rejected"/>
+          <xsd:enumeration value="Questionable"/>
+          <xsd:enumeration value="ApprovedAutomatic"/>
+          <xsd:enumeration value="ApprovedManual"/>
+          <xsd:enumeration value="On Hold"/>
+          <xsd:enumeration value="Needs Review"/>
+          <xsd:enumeration value="A Violation"/>
+          <xsd:enumeration value="Unpublished Violation"/>
+        </xsd:restriction>
+      </xsd:simpleType>
+    </xsd:element>
+    <xsd:element name="AssetStart" ma:index="6" nillable="true" ma:displayName="Asset Begin Date" ma:default="[Today]" ma:internalName="AssetStart" ma:readOnly="false">
+      <xsd:simpleType>
+        <xsd:restriction base="dms:DateTime"/>
+      </xsd:simpleType>
+    </xsd:element>
+    <xsd:element name="AssetExpire" ma:index="7" nillable="true" ma:displayName="Asset End Date" ma:default="2029-01-01T08:00:00Z" ma:format="DateTime" ma:internalName="AssetExpire" ma:readOnly="false">
+      <xsd:simpleType>
+        <xsd:restriction base="dms:DateTime"/>
+      </xsd:simpleType>
+    </xsd:element>
+    <xsd:element name="AssetId" ma:index="8" nillable="true" ma:displayName="Asset ID" ma:default="" ma:indexed="true" ma:internalName="AssetId" ma:readOnly="false">
+      <xsd:simpleType>
+        <xsd:restriction base="dms:Text">
+          <xsd:maxLength value="255"/>
+        </xsd:restriction>
+      </xsd:simpleType>
+    </xsd:element>
+    <xsd:element name="IsSearchable" ma:index="9" nillable="true" ma:displayName="Asset Searchable?" ma:default="true" ma:internalName="IsSearchable" ma:readOnly="false">
+      <xsd:simpleType>
+        <xsd:restriction base="dms:Boolean"/>
+      </xsd:simpleType>
+    </xsd:element>
+    <xsd:element name="AssetType" ma:index="10" nillable="true" ma:displayName="Asset Type" ma:default="" ma:internalName="AssetType" ma:readOnly="false">
+      <xsd:simpleType>
+        <xsd:restriction base="dms:Unknown"/>
+      </xsd:simpleType>
+    </xsd:element>
+    <xsd:element name="APAuthor" ma:index="11" nillable="true" ma:displayName="Author" ma:default="" ma:list="UserInfo" ma:internalName="APAuthor" ma:readOnly="false">
+      <xsd:complexType>
+        <xsd:complexContent>
+          <xsd:extension base="dms:User">
+            <xsd:sequence>
+              <xsd:element name="UserInfo" minOccurs="0" maxOccurs="unbounded">
+                <xsd:complexType>
+                  <xsd:sequence>
+                    <xsd:element name="DisplayName" type="xsd:string" minOccurs="0"/>
+                    <xsd:element name="AccountId" type="dms:UserId" minOccurs="0" nillable="true"/>
+                    <xsd:element name="AccountType" type="xsd:string" minOccurs="0"/>
+                  </xsd:sequence>
+                </xsd:complexType>
+              </xsd:element>
+            </xsd:sequence>
+          </xsd:extension>
+        </xsd:complexContent>
+      </xsd:complexType>
+    </xsd:element>
+    <xsd:element name="AverageRating" ma:index="12" nillable="true" ma:displayName="Average Rating" ma:internalName="AverageRating" ma:readOnly="false">
+      <xsd:simpleType>
+        <xsd:restriction base="dms:Text"/>
+      </xsd:simpleType>
+    </xsd:element>
+    <xsd:element name="BlockPublish" ma:index="13" nillable="true" ma:displayName="Block from Publishing?" ma:default="" ma:internalName="BlockPublish" ma:readOnly="false">
+      <xsd:simpleType>
+        <xsd:restriction base="dms:Boolean"/>
+      </xsd:simpleType>
+    </xsd:element>
+    <xsd:element name="BugNumber" ma:index="14" nillable="true" ma:displayName="Bug Number" ma:default="" ma:internalName="BugNumber" ma:readOnly="false">
+      <xsd:simpleType>
+        <xsd:restriction base="dms:Text"/>
+      </xsd:simpleType>
+    </xsd:element>
+    <xsd:element name="CampaignTagsTaxHTField0" ma:index="16" nillable="true" ma:taxonomy="true" ma:internalName="CampaignTagsTaxHTField0" ma:taxonomyFieldName="CampaignTags" ma:displayName="Campaigns" ma:readOnly="false" ma:default="" ma:fieldId="{1df42cc3-2301-4f11-a52a-6ead923c29ed}" ma:taxonomyMulti="true" ma:sspId="8f79753a-75d3-41f5-8ca3-40b843941b4f" ma:termSetId="ca0e50d4-faa1-44ce-961e-bb1441c60e66" ma:anchorId="00000000-0000-0000-0000-000000000000" ma:open="false" ma:isKeyword="false">
+      <xsd:complexType>
+        <xsd:sequence>
+          <xsd:element ref="pc:Terms" minOccurs="0" maxOccurs="1"/>
+        </xsd:sequence>
+      </xsd:complexType>
+    </xsd:element>
+    <xsd:element name="TPClientViewer" ma:index="17" nillable="true" ma:displayName="Client Viewer" ma:default="" ma:internalName="TPClientViewer">
+      <xsd:simpleType>
+        <xsd:restriction base="dms:Text"/>
+      </xsd:simpleType>
+    </xsd:element>
+    <xsd:element name="ClipArtFilename" ma:index="18" nillable="true" ma:displayName="Clip Art Name" ma:default="" ma:internalName="ClipArtFilename" ma:readOnly="false">
+      <xsd:simpleType>
+        <xsd:restriction base="dms:Text"/>
+      </xsd:simpleType>
+    </xsd:element>
+    <xsd:element name="TPCommandLine" ma:index="19" nillable="true" ma:displayName="Command Line" ma:default="" ma:internalName="TPCommandLine">
+      <xsd:simpleType>
+        <xsd:restriction base="dms:Text"/>
+      </xsd:simpleType>
+    </xsd:element>
+    <xsd:element name="TPComponent" ma:index="20" nillable="true" ma:displayName="Component" ma:default="" ma:internalName="TPComponent">
+      <xsd:simpleType>
+        <xsd:restriction base="dms:Text"/>
+      </xsd:simpleType>
+    </xsd:element>
+    <xsd:element name="ContentItem" ma:index="21" nillable="true" ma:displayName="Content Item" ma:default="" ma:hidden="true" ma:internalName="ContentItem" ma:readOnly="false">
+      <xsd:simpleType>
+        <xsd:restriction base="dms:Unknown"/>
+      </xsd:simpleType>
+    </xsd:element>
+    <xsd:element name="CrawlForDependencies" ma:index="23" nillable="true" ma:displayName="Crawl for Dependencies?" ma:default="true" ma:internalName="CrawlForDependencies" ma:readOnly="false">
+      <xsd:simpleType>
+        <xsd:restriction base="dms:Boolean"/>
+      </xsd:simpleType>
+    </xsd:element>
+    <xsd:element name="CSXHash" ma:index="26" nillable="true" ma:displayName="CSX Hash" ma:default="" ma:indexed="true" ma:internalName="CSXHash" ma:readOnly="false">
+      <xsd:simpleType>
+        <xsd:restriction base="dms:Text"/>
+      </xsd:simpleType>
+    </xsd:element>
+    <xsd:element name="CSXSubmissionMarket" ma:index="27" nillable="true" ma:displayName="CSX Submission Market" ma:default="" ma:list="{2FBD1B11-2ACE-4FDC-B5A3-635D4ADF6F1B}" ma:internalName="CSXSubmissionMarket" ma:readOnly="false" ma:showField="MarketName" ma:web="4873beb7-5857-4685-be1f-d57550cc96cc">
+      <xsd:simpleType>
+        <xsd:restriction base="dms:Lookup"/>
+      </xsd:simpleType>
+    </xsd:element>
+    <xsd:element name="CSXUpdate" ma:index="28" nillable="true" ma:displayName="CSX Updated?" ma:default="false" ma:internalName="CSXUpdate" ma:readOnly="false">
+      <xsd:simpleType>
+        <xsd:restriction base="dms:Boolean"/>
+      </xsd:simpleType>
+    </xsd:element>
+    <xsd:element name="IntlLangReviewDate" ma:index="29" nillable="true" ma:displayName="Date to Complete Intl QA" ma:default="" ma:internalName="IntlLangReviewDate" ma:readOnly="false">
+      <xsd:simpleType>
+        <xsd:restriction base="dms:DateTime"/>
+      </xsd:simpleType>
+    </xsd:element>
+    <xsd:element name="IsDeleted" ma:index="30" nillable="true" ma:displayName="Deleted?" ma:default="" ma:internalName="IsDeleted" ma:readOnly="false">
+      <xsd:simpleType>
+        <xsd:restriction base="dms:Boolean"/>
+      </xsd:simpleType>
+    </xsd:element>
+    <xsd:element name="APDescription" ma:index="31" nillable="true" ma:displayName="Description" ma:default="" ma:internalName="APDescription" ma:readOnly="false">
+      <xsd:simpleType>
+        <xsd:restriction base="dms:Note"/>
+      </xsd:simpleType>
+    </xsd:element>
+    <xsd:element name="DirectSourceMarket" ma:index="32" nillable="true" ma:displayName="Direct Source Market Group" ma:default="" ma:internalName="DirectSourceMarket" ma:readOnly="false">
+      <xsd:simpleType>
+        <xsd:restriction base="dms:Text"/>
+      </xsd:simpleType>
+    </xsd:element>
+    <xsd:element name="Downloads" ma:index="33" nillable="true" ma:displayName="Downloads" ma:default="0" ma:hidden="true" ma:internalName="Downloads" ma:readOnly="false">
+      <xsd:simpleType>
+        <xsd:restriction base="dms:Unknown"/>
+      </xsd:simpleType>
+    </xsd:element>
+    <xsd:element name="DSATActionTaken" ma:index="34" nillable="true" ma:displayName="DSAT Action Taken" ma:default="" ma:internalName="DSATActionTaken" ma:readOnly="false">
+      <xsd:simpleType>
+        <xsd:restriction base="dms:Choice">
+          <xsd:enumeration value="Best Bets"/>
+          <xsd:enumeration value="Expire"/>
+          <xsd:enumeration value="Hide"/>
+          <xsd:enumeration value="None"/>
+        </xsd:restriction>
+      </xsd:simpleType>
+    </xsd:element>
+    <xsd:element name="APEditor" ma:index="35" nillable="true" ma:displayName="Editor" ma:default="" ma:list="UserInfo" ma:internalName="APEditor" ma:readOnly="false">
+      <xsd:complexType>
+        <xsd:complexContent>
+          <xsd:extension base="dms:User">
+            <xsd:sequence>
+              <xsd:element name="UserInfo" minOccurs="0" maxOccurs="unbounded">
+                <xsd:complexType>
+                  <xsd:sequence>
+                    <xsd:element name="DisplayName" type="xsd:string" minOccurs="0"/>
+                    <xsd:element name="AccountId" type="dms:UserId" minOccurs="0" nillable="true"/>
+                    <xsd:element name="AccountType" type="xsd:string" minOccurs="0"/>
+                  </xsd:sequence>
+                </xsd:complexType>
+              </xsd:element>
+            </xsd:sequence>
+          </xsd:extension>
+        </xsd:complexContent>
+      </xsd:complexType>
+    </xsd:element>
+    <xsd:element name="EditorialStatus" ma:index="36" nillable="true" ma:displayName="Editorial Status" ma:default="" ma:internalName="EditorialStatus" ma:readOnly="false">
+      <xsd:simpleType>
+        <xsd:restriction base="dms:Unknown"/>
+      </xsd:simpleType>
+    </xsd:element>
+    <xsd:element name="EditorialTags" ma:index="37" nillable="true" ma:displayName="Editorial Tags" ma:default="" ma:internalName="EditorialTags">
+      <xsd:simpleType>
+        <xsd:restriction base="dms:Unknown"/>
+      </xsd:simpleType>
+    </xsd:element>
+    <xsd:element name="TPExecutable" ma:index="38" nillable="true" ma:displayName="Executable" ma:default="" ma:internalName="TPExecutable">
+      <xsd:simpleType>
+        <xsd:restriction base="dms:Text"/>
+      </xsd:simpleType>
+    </xsd:element>
+    <xsd:element name="FeatureTagsTaxHTField0" ma:index="40" nillable="true" ma:taxonomy="true" ma:internalName="FeatureTagsTaxHTField0" ma:taxonomyFieldName="FeatureTags" ma:displayName="Features" ma:readOnly="false" ma:default="" ma:fieldId="{7fc0d542-15c6-4882-a8e3-13bca44403fb}" ma:taxonomyMulti="true" ma:sspId="8f79753a-75d3-41f5-8ca3-40b843941b4f" ma:termSetId="f1ab6845-967d-4854-a0ba-4ec07f0f8113" ma:anchorId="00000000-0000-0000-0000-000000000000" ma:open="false" ma:isKeyword="false">
+      <xsd:complexType>
+        <xsd:sequence>
+          <xsd:element ref="pc:Terms" minOccurs="0" maxOccurs="1"/>
+        </xsd:sequence>
+      </xsd:complexType>
+    </xsd:element>
+    <xsd:element name="TPFriendlyName" ma:index="41" nillable="true" ma:displayName="Friendly Name" ma:default="" ma:internalName="TPFriendlyName">
+      <xsd:simpleType>
+        <xsd:restriction base="dms:Text"/>
+      </xsd:simpleType>
+    </xsd:element>
+    <xsd:element name="FriendlyTitle" ma:index="42" nillable="true" ma:displayName="Friendly Title" ma:default="" ma:description="Shorter title to be used when displaying search results" ma:internalName="FriendlyTitle" ma:readOnly="false">
+      <xsd:simpleType>
+        <xsd:restriction base="dms:Text"/>
+      </xsd:simpleType>
+    </xsd:element>
+    <xsd:element name="PrimaryImageGen" ma:index="43" nillable="true" ma:displayName="Generate Images?" ma:default="true" ma:internalName="PrimaryImageGen">
+      <xsd:simpleType>
+        <xsd:restriction base="dms:Boolean"/>
+      </xsd:simpleType>
+    </xsd:element>
+    <xsd:element name="HandoffToMSDN" ma:index="44" nillable="true" ma:displayName="Handoff To MSDN Date" ma:default="" ma:internalName="HandoffToMSDN" ma:readOnly="false">
+      <xsd:simpleType>
+        <xsd:restriction base="dms:DateTime"/>
+      </xsd:simpleType>
+    </xsd:element>
+    <xsd:element name="InProjectListLookup" ma:index="45" nillable="true" ma:displayName="InProjectListLookup" ma:list="{9E343742-310B-4684-A24C-1D137CB4B230}" ma:internalName="InProjectListLookup" ma:readOnly="true" ma:showField="InProjectList" ma:web="4873beb7-5857-4685-be1f-d57550cc96cc">
+      <xsd:complexType>
+        <xsd:complexContent>
+          <xsd:extension base="dms:MultiChoiceLookup">
+            <xsd:sequence>
+              <xsd:element name="Value" type="dms:Lookup" maxOccurs="unbounded" minOccurs="0" nillable="true"/>
+            </xsd:sequence>
+          </xsd:extension>
+        </xsd:complexContent>
+      </xsd:complexType>
+    </xsd:element>
+    <xsd:element name="TPInstallLocation" ma:index="46" nillable="true" ma:displayName="Install Location" ma:default="" ma:internalName="TPInstallLocation">
+      <xsd:simpleType>
+        <xsd:restriction base="dms:Text"/>
+      </xsd:simpleType>
+    </xsd:element>
+    <xsd:element name="InternalTagsTaxHTField0" ma:index="48" nillable="true" ma:taxonomy="true" ma:internalName="InternalTagsTaxHTField0" ma:taxonomyFieldName="InternalTags" ma:displayName="Internal Tags" ma:readOnly="false" ma:default="" ma:fieldId="{1490b8a4-2706-41ec-b5e3-73176dccf34e}" ma:taxonomyMulti="true" ma:sspId="8f79753a-75d3-41f5-8ca3-40b843941b4f" ma:termSetId="82b6639e-f7fc-4c18-ad2d-003a6e707765" ma:anchorId="00000000-0000-0000-0000-000000000000" ma:open="false" ma:isKeyword="false">
+      <xsd:complexType>
+        <xsd:sequence>
+          <xsd:element ref="pc:Terms" minOccurs="0" maxOccurs="1"/>
+        </xsd:sequence>
+      </xsd:complexType>
+    </xsd:element>
+    <xsd:element name="IntlLangReview" ma:index="49" nillable="true" ma:displayName="Intl Lang QA Review Required?" ma:default="" ma:internalName="IntlLangReview" ma:readOnly="false">
+      <xsd:simpleType>
+        <xsd:restriction base="dms:Boolean"/>
+      </xsd:simpleType>
+    </xsd:element>
+    <xsd:element name="IntlLangReviewer" ma:index="50" nillable="true" ma:displayName="Intl Lang QA Reviewer" ma:default="" ma:internalName="IntlLangReviewer" ma:readOnly="false">
+      <xsd:simpleType>
+        <xsd:restriction base="dms:Text"/>
+      </xsd:simpleType>
+    </xsd:element>
+    <xsd:element name="MarketSpecific" ma:index="51" nillable="true" ma:displayName="Is Market Specific?" ma:default="" ma:internalName="MarketSpecific" ma:readOnly="false">
+      <xsd:simpleType>
+        <xsd:restriction base="dms:Boolean"/>
+      </xsd:simpleType>
+    </xsd:element>
+    <xsd:element name="LastCompleteVersionLookup" ma:index="52" nillable="true" ma:displayName="Last Complete Version Lookup" ma:default="" ma:list="{9E343742-310B-4684-A24C-1D137CB4B230}" ma:internalName="LastCompleteVersionLookup" ma:readOnly="true" ma:showField="LastCompleteVersion" ma:web="4873beb7-5857-4685-be1f-d57550cc96cc">
+      <xsd:complexType>
+        <xsd:complexContent>
+          <xsd:extension base="dms:MultiChoiceLookup">
+            <xsd:sequence>
+              <xsd:element name="Value" type="dms:Lookup" maxOccurs="unbounded" minOccurs="0" nillable="true"/>
+            </xsd:sequence>
+          </xsd:extension>
+        </xsd:complexContent>
+      </xsd:complexType>
+    </xsd:element>
+    <xsd:element name="LastHandOff" ma:index="53" nillable="true" ma:displayName="Last Hand-off" ma:default="" ma:internalName="LastHandOff" ma:readOnly="false">
+      <xsd:simpleType>
+        <xsd:restriction base="dms:DateTime"/>
+      </xsd:simpleType>
+    </xsd:element>
+    <xsd:element name="LastModifiedDateTime" ma:index="54" nillable="true" ma:displayName="Last Modified Date" ma:default="" ma:internalName="LastModifiedDateTime" ma:readOnly="false">
+      <xsd:simpleType>
+        <xsd:restriction base="dms:DateTime"/>
+      </xsd:simpleType>
+    </xsd:element>
+    <xsd:element name="LastPreviewErrorLookup" ma:index="55" nillable="true" ma:displayName="Last Preview Attempt Error" ma:default="" ma:list="{9E343742-310B-4684-A24C-1D137CB4B230}" ma:internalName="LastPreviewErrorLookup" ma:readOnly="true" ma:showField="LastPreviewError" ma:web="4873beb7-5857-4685-be1f-d57550cc96cc">
+      <xsd:complexType>
+        <xsd:complexContent>
+          <xsd:extension base="dms:MultiChoiceLookup">
+            <xsd:sequence>
+              <xsd:element name="Value" type="dms:Lookup" maxOccurs="unbounded" minOccurs="0" nillable="true"/>
+            </xsd:sequence>
+          </xsd:extension>
+        </xsd:complexContent>
+      </xsd:complexType>
+    </xsd:element>
+    <xsd:element name="LastPreviewResultLookup" ma:index="56" nillable="true" ma:displayName="Last Preview Attempt Result" ma:default="" ma:list="{9E343742-310B-4684-A24C-1D137CB4B230}" ma:internalName="LastPreviewResultLookup" ma:readOnly="true" ma:showField="LastPreviewResult" ma:web="4873beb7-5857-4685-be1f-d57550cc96cc">
+      <xsd:complexType>
+        <xsd:complexContent>
+          <xsd:extension base="dms:MultiChoiceLookup">
+            <xsd:sequence>
+              <xsd:element name="Value" type="dms:Lookup" maxOccurs="unbounded" minOccurs="0" nillable="true"/>
+            </xsd:sequence>
+          </xsd:extension>
+        </xsd:complexContent>
+      </xsd:complexType>
+    </xsd:element>
+    <xsd:element name="LastPreviewAttemptDateLookup" ma:index="57" nillable="true" ma:displayName="Last Preview Attempted On" ma:default="" ma:list="{9E343742-310B-4684-A24C-1D137CB4B230}" ma:internalName="LastPreviewAttemptDateLookup" ma:readOnly="true" ma:showField="LastPreviewAttemptDate" ma:web="4873beb7-5857-4685-be1f-d57550cc96cc">
+      <xsd:complexType>
+        <xsd:complexContent>
+          <xsd:extension base="dms:MultiChoiceLookup">
+            <xsd:sequence>
+              <xsd:element name="Value" type="dms:Lookup" maxOccurs="unbounded" minOccurs="0" nillable="true"/>
+            </xsd:sequence>
+          </xsd:extension>
+        </xsd:complexContent>
+      </xsd:complexType>
+    </xsd:element>
+    <xsd:element name="LastPreviewedByLookup" ma:index="58" nillable="true" ma:displayName="Last Previewed By" ma:default="" ma:list="{9E343742-310B-4684-A24C-1D137CB4B230}" ma:internalName="LastPreviewedByLookup" ma:readOnly="true" ma:showField="LastPreviewedBy" ma:web="4873beb7-5857-4685-be1f-d57550cc96cc">
+      <xsd:complexType>
+        <xsd:complexContent>
+          <xsd:extension base="dms:MultiChoiceLookup">
+            <xsd:sequence>
+              <xsd:element name="Value" type="dms:Lookup" maxOccurs="unbounded" minOccurs="0" nillable="true"/>
+            </xsd:sequence>
+          </xsd:extension>
+        </xsd:complexContent>
+      </xsd:complexType>
+    </xsd:element>
+    <xsd:element name="LastPreviewTimeLookup" ma:index="59" nillable="true" ma:displayName="Last Previewed Date" ma:default="" ma:list="{9E343742-310B-4684-A24C-1D137CB4B230}" ma:internalName="LastPreviewTimeLookup" ma:readOnly="true" ma:showField="LastPreviewTime" ma:web="4873beb7-5857-4685-be1f-d57550cc96cc">
+      <xsd:complexType>
+        <xsd:complexContent>
+          <xsd:extension base="dms:MultiChoiceLookup">
+            <xsd:sequence>
+              <xsd:element name="Value" type="dms:Lookup" maxOccurs="unbounded" minOccurs="0" nillable="true"/>
+            </xsd:sequence>
+          </xsd:extension>
+        </xsd:complexContent>
+      </xsd:complexType>
+    </xsd:element>
+    <xsd:element name="LastPreviewVersionLookup" ma:index="60" nillable="true" ma:displayName="Last Previewed Version" ma:default="" ma:list="{9E343742-310B-4684-A24C-1D137CB4B230}" ma:internalName="LastPreviewVersionLookup" ma:readOnly="true" ma:showField="LastPreviewVersion" ma:web="4873beb7-5857-4685-be1f-d57550cc96cc">
+      <xsd:complexType>
+        <xsd:complexContent>
+          <xsd:extension base="dms:MultiChoiceLookup">
+            <xsd:sequence>
+              <xsd:element name="Value" type="dms:Lookup" maxOccurs="unbounded" minOccurs="0" nillable="true"/>
+            </xsd:sequence>
+          </xsd:extension>
+        </xsd:complexContent>
+      </xsd:complexType>
+    </xsd:element>
+    <xsd:element name="LastPublishErrorLookup" ma:index="61" nillable="true" ma:displayName="Last Publish Attempt Error" ma:default="" ma:list="{9E343742-310B-4684-A24C-1D137CB4B230}" ma:internalName="LastPublishErrorLookup" ma:readOnly="true" ma:showField="LastPublishError" ma:web="4873beb7-5857-4685-be1f-d57550cc96cc">
+      <xsd:complexType>
+        <xsd:complexContent>
+          <xsd:extension base="dms:MultiChoiceLookup">
+            <xsd:sequence>
+              <xsd:element name="Value" type="dms:Lookup" maxOccurs="unbounded" minOccurs="0" nillable="true"/>
+            </xsd:sequence>
+          </xsd:extension>
+        </xsd:complexContent>
+      </xsd:complexType>
+    </xsd:element>
+    <xsd:element name="LastPublishResultLookup" ma:index="62" nillable="true" ma:displayName="Last Publish Attempt Result" ma:default="" ma:list="{9E343742-310B-4684-A24C-1D137CB4B230}" ma:internalName="LastPublishResultLookup" ma:readOnly="true" ma:showField="LastPublishResult" ma:web="4873beb7-5857-4685-be1f-d57550cc96cc">
+      <xsd:complexType>
+        <xsd:complexContent>
+          <xsd:extension base="dms:MultiChoiceLookup">
+            <xsd:sequence>
+              <xsd:element name="Value" type="dms:Lookup" maxOccurs="unbounded" minOccurs="0" nillable="true"/>
+            </xsd:sequence>
+          </xsd:extension>
+        </xsd:complexContent>
+      </xsd:complexType>
+    </xsd:element>
+    <xsd:element name="LastPublishAttemptDateLookup" ma:index="63" nillable="true" ma:displayName="Last Publish Attempted On" ma:default="" ma:list="{9E343742-310B-4684-A24C-1D137CB4B230}" ma:internalName="LastPublishAttemptDateLookup" ma:readOnly="true" ma:showField="LastPublishAttemptDate" ma:web="4873beb7-5857-4685-be1f-d57550cc96cc">
+      <xsd:complexType>
+        <xsd:complexContent>
+          <xsd:extension base="dms:MultiChoiceLookup">
+            <xsd:sequence>
+              <xsd:element name="Value" type="dms:Lookup" maxOccurs="unbounded" minOccurs="0" nillable="true"/>
+            </xsd:sequence>
+          </xsd:extension>
+        </xsd:complexContent>
+      </xsd:complexType>
+    </xsd:element>
+    <xsd:element name="LastPublishedByLookup" ma:index="64" nillable="true" ma:displayName="Last Published By" ma:default="" ma:list="{9E343742-310B-4684-A24C-1D137CB4B230}" ma:internalName="LastPublishedByLookup" ma:readOnly="true" ma:showField="LastPublishedBy" ma:web="4873beb7-5857-4685-be1f-d57550cc96cc">
+      <xsd:complexType>
+        <xsd:complexContent>
+          <xsd:extension base="dms:MultiChoiceLookup">
+            <xsd:sequence>
+              <xsd:element name="Value" type="dms:Lookup" maxOccurs="unbounded" minOccurs="0" nillable="true"/>
+            </xsd:sequence>
+          </xsd:extension>
+        </xsd:complexContent>
+      </xsd:complexType>
+    </xsd:element>
+    <xsd:element name="LastPublishTimeLookup" ma:index="65" nillable="true" ma:displayName="Last Published Date" ma:default="" ma:list="{9E343742-310B-4684-A24C-1D137CB4B230}" ma:internalName="LastPublishTimeLookup" ma:readOnly="true" ma:showField="LastPublishTime" ma:web="4873beb7-5857-4685-be1f-d57550cc96cc">
+      <xsd:complexType>
+        <xsd:complexContent>
+          <xsd:extension base="dms:MultiChoiceLookup">
+            <xsd:sequence>
+              <xsd:element name="Value" type="dms:Lookup" maxOccurs="unbounded" minOccurs="0" nillable="true"/>
+            </xsd:sequence>
+          </xsd:extension>
+        </xsd:complexContent>
+      </xsd:complexType>
+    </xsd:element>
+    <xsd:element name="LastPublishVersionLookup" ma:index="66" nillable="true" ma:displayName="Last Published Version" ma:default="" ma:list="{9E343742-310B-4684-A24C-1D137CB4B230}" ma:internalName="LastPublishVersionLookup" ma:readOnly="true" ma:showField="LastPublishVersion" ma:web="4873beb7-5857-4685-be1f-d57550cc96cc">
+      <xsd:complexType>
+        <xsd:complexContent>
+          <xsd:extension base="dms:MultiChoiceLookup">
+            <xsd:sequence>
+              <xsd:element name="Value" type="dms:Lookup" maxOccurs="unbounded" minOccurs="0" nillable="true"/>
+            </xsd:sequence>
+          </xsd:extension>
+        </xsd:complexContent>
+      </xsd:complexType>
+    </xsd:element>
+    <xsd:element name="TPLaunchHelpLinkType" ma:index="67" nillable="true" ma:displayName="Launch Help Link Type" ma:default="Template" ma:internalName="TPLaunchHelpLinkType">
+      <xsd:simpleType>
+        <xsd:restriction base="dms:Choice">
+          <xsd:enumeration value="Template"/>
+          <xsd:enumeration value="Training"/>
+          <xsd:enumeration value="URL"/>
+          <xsd:enumeration value="None"/>
+        </xsd:restriction>
+      </xsd:simpleType>
+    </xsd:element>
+    <xsd:element name="LegacyData" ma:index="68" nillable="true" ma:displayName="Legacy Data" ma:default="" ma:internalName="LegacyData" ma:readOnly="false">
+      <xsd:simpleType>
+        <xsd:restriction base="dms:Note"/>
+      </xsd:simpleType>
+    </xsd:element>
+    <xsd:element name="TPLaunchHelpLink" ma:index="69" nillable="true" ma:displayName="Link to Launch Help Topic" ma:default="" ma:internalName="TPLaunchHelpLink">
+      <xsd:simpleType>
+        <xsd:restriction base="dms:Text"/>
+      </xsd:simpleType>
+    </xsd:element>
+    <xsd:element name="LocComments" ma:index="70" nillable="true" ma:displayName="Loc Approval Comments" ma:default="" ma:internalName="LocComments" ma:readOnly="false">
+      <xsd:simpleType>
+        <xsd:restriction base="dms:Note"/>
+      </xsd:simpleType>
+    </xsd:element>
+    <xsd:element name="LocLastLocAttemptVersionLookup" ma:index="71" nillable="true" ma:displayName="Loc Last Loc Attempt Version" ma:default="" ma:list="{7DD1DCEC-E449-43D3-891F-7DC62F62AD21}" ma:internalName="LocLastLocAttemptVersionLookup" ma:readOnly="false" ma:showField="LastLocAttemptVersion" ma:web="4873beb7-5857-4685-be1f-d57550cc96cc">
+      <xsd:simpleType>
+        <xsd:restriction base="dms:Lookup"/>
+      </xsd:simpleType>
+    </xsd:element>
+    <xsd:element name="LocLastLocAttemptVersionTypeLookup" ma:index="72" nillable="true" ma:displayName="Loc Last Loc Attempt Version Type" ma:default="" ma:list="{7DD1DCEC-E449-43D3-891F-7DC62F62AD21}" ma:internalName="LocLastLocAttemptVersionTypeLookup" ma:readOnly="true" ma:showField="LastLocAttemptVersionType" ma:web="4873beb7-5857-4685-be1f-d57550cc96cc">
+      <xsd:simpleType>
+        <xsd:restriction base="dms:Lookup"/>
+      </xsd:simpleType>
+    </xsd:element>
+    <xsd:element name="LocManualTestRequired" ma:index="73" nillable="true" ma:displayName="Loc Manual Test Required" ma:default="" ma:internalName="LocManualTestRequired" ma:readOnly="false">
+      <xsd:simpleType>
+        <xsd:restriction base="dms:Boolean"/>
+      </xsd:simpleType>
+    </xsd:element>
+    <xsd:element name="LocMarketGroupTiers2" ma:index="74" nillable="true" ma:displayName="Loc Market Group Tiers" ma:internalName="LocMarketGroupTiers2" ma:readOnly="false">
+      <xsd:simpleType>
+        <xsd:restriction base="dms:Unknown"/>
+      </xsd:simpleType>
+    </xsd:element>
+    <xsd:element name="LocNewPublishedVersionLookup" ma:index="75" nillable="true" ma:displayName="Loc New Published Version Lookup" ma:default="" ma:list="{7DD1DCEC-E449-43D3-891F-7DC62F62AD21}" ma:internalName="LocNewPublishedVersionLookup" ma:readOnly="true" ma:showField="NewPublishedVersion" ma:web="4873beb7-5857-4685-be1f-d57550cc96cc">
+      <xsd:simpleType>
+        <xsd:restriction base="dms:Lookup"/>
+      </xsd:simpleType>
+    </xsd:element>
+    <xsd:element name="LocOverallHandbackStatusLookup" ma:index="76" nillable="true" ma:displayName="Loc Overall Handback Status" ma:default="" ma:list="{7DD1DCEC-E449-43D3-891F-7DC62F62AD21}" ma:internalName="LocOverallHandbackStatusLookup" ma:readOnly="true" ma:showField="OverallHandbackStatus" ma:web="4873beb7-5857-4685-be1f-d57550cc96cc">
+      <xsd:simpleType>
+        <xsd:restriction base="dms:Lookup"/>
+      </xsd:simpleType>
+    </xsd:element>
+    <xsd:element name="LocOverallLocStatusLookup" ma:index="77" nillable="true" ma:displayName="Loc Overall Localize Status" ma:default="" ma:list="{7DD1DCEC-E449-43D3-891F-7DC62F62AD21}" ma:internalName="LocOverallLocStatusLookup" ma:readOnly="true" ma:showField="OverallLocStatus" ma:web="4873beb7-5857-4685-be1f-d57550cc96cc">
+      <xsd:simpleType>
+        <xsd:restriction base="dms:Lookup"/>
+      </xsd:simpleType>
+    </xsd:element>
+    <xsd:element name="LocOverallPreviewStatusLookup" ma:index="78" nillable="true" ma:displayName="Loc Overall Preview Status" ma:default="" ma:list="{7DD1DCEC-E449-43D3-891F-7DC62F62AD21}" ma:internalName="LocOverallPreviewStatusLookup" ma:readOnly="true" ma:showField="OverallPreviewStatus" ma:web="4873beb7-5857-4685-be1f-d57550cc96cc">
+      <xsd:simpleType>
+        <xsd:restriction base="dms:Lookup"/>
+      </xsd:simpleType>
+    </xsd:element>
+    <xsd:element name="LocOverallPublishStatusLookup" ma:index="79" nillable="true" ma:displayName="Loc Overall Publish Status" ma:default="" ma:list="{7DD1DCEC-E449-43D3-891F-7DC62F62AD21}" ma:internalName="LocOverallPublishStatusLookup" ma:readOnly="true" ma:showField="OverallPublishStatus" ma:web="4873beb7-5857-4685-be1f-d57550cc96cc">
+      <xsd:simpleType>
+        <xsd:restriction base="dms:Lookup"/>
+      </xsd:simpleType>
+    </xsd:element>
+    <xsd:element name="IntlLocPriority" ma:index="80" nillable="true" ma:displayName="Loc Priority" ma:default="" ma:internalName="IntlLocPriority" ma:readOnly="false">
+      <xsd:simpleType>
+        <xsd:restriction base="dms:Unknown"/>
+      </xsd:simpleType>
+    </xsd:element>
+    <xsd:element name="LocProcessedForHandoffsLookup" ma:index="81" nillable="true" ma:displayName="Loc Processed For Handoffs" ma:default="" ma:list="{7DD1DCEC-E449-43D3-891F-7DC62F62AD21}" ma:internalName="LocProcessedForHandoffsLookup" ma:readOnly="true" ma:showField="ProcessedForHandoffs" ma:web="4873beb7-5857-4685-be1f-d57550cc96cc">
+      <xsd:simpleType>
+        <xsd:restriction base="dms:Lookup"/>
+      </xsd:simpleType>
+    </xsd:element>
+    <xsd:element name="LocProcessedForMarketsLookup" ma:index="82" nillable="true" ma:displayName="Loc Processed For Markets" ma:default="" ma:list="{7DD1DCEC-E449-43D3-891F-7DC62F62AD21}" ma:internalName="LocProcessedForMarketsLookup" ma:readOnly="true" ma:showField="ProcessedForMarkets" ma:web="4873beb7-5857-4685-be1f-d57550cc96cc">
+      <xsd:simpleType>
+        <xsd:restriction base="dms:Lookup"/>
+      </xsd:simpleType>
+    </xsd:element>
+    <xsd:element name="LocPublishedDependentAssetsLookup" ma:index="83" nillable="true" ma:displayName="Loc Published Dependent Assets" ma:default="" ma:list="{7DD1DCEC-E449-43D3-891F-7DC62F62AD21}" ma:internalName="LocPublishedDependentAssetsLookup" ma:readOnly="true" ma:showField="PublishedDependentAssets" ma:web="4873beb7-5857-4685-be1f-d57550cc96cc">
+      <xsd:simpleType>
+        <xsd:restriction base="dms:Lookup"/>
+      </xsd:simpleType>
+    </xsd:element>
+    <xsd:element name="LocPublishedLinkedAssetsLookup" ma:index="84" nillable="true" ma:displayName="Loc Published Linked Assets" ma:default="" ma:list="{7DD1DCEC-E449-43D3-891F-7DC62F62AD21}" ma:internalName="LocPublishedLinkedAssetsLookup" ma:readOnly="true" ma:showField="PublishedLinkedAssets" ma:web="4873beb7-5857-4685-be1f-d57550cc96cc">
+      <xsd:simpleType>
+        <xsd:restriction base="dms:Lookup"/>
+      </xsd:simpleType>
+    </xsd:element>
+    <xsd:element name="LocRecommendedHandoff" ma:index="85" nillable="true" ma:displayName="Loc Recommended Handoff" ma:default="" ma:indexed="true" ma:internalName="LocRecommendedHandoff" ma:readOnly="false">
+      <xsd:simpleType>
+        <xsd:restriction base="dms:Text"/>
+      </xsd:simpleType>
+    </xsd:element>
+    <xsd:element name="LocalizationTagsTaxHTField0" ma:index="87" nillable="true" ma:taxonomy="true" ma:internalName="LocalizationTagsTaxHTField0" ma:taxonomyFieldName="LocalizationTags" ma:displayName="Localization Tags" ma:readOnly="false" ma:default="" ma:fieldId="{00f02cb3-2c7c-424a-9c61-10e9b6878429}" ma:taxonomyMulti="true" ma:sspId="8f79753a-75d3-41f5-8ca3-40b843941b4f" ma:termSetId="5b7703a5-8e8b-4b58-8b31-1cea35331da3" ma:anchorId="00000000-0000-0000-0000-000000000000" ma:open="false" ma:isKeyword="false">
+      <xsd:complexType>
+        <xsd:sequence>
+          <xsd:element ref="pc:Terms" minOccurs="0" maxOccurs="1"/>
+        </xsd:sequence>
+      </xsd:complexType>
+    </xsd:element>
+    <xsd:element name="MachineTranslated" ma:index="88" nillable="true" ma:displayName="Machine Translated" ma:default="" ma:internalName="MachineTranslated" ma:readOnly="false">
+      <xsd:simpleType>
+        <xsd:restriction base="dms:Boolean"/>
+      </xsd:simpleType>
+    </xsd:element>
+    <xsd:element name="Manager" ma:index="89" nillable="true" ma:displayName="Manager" ma:hidden="true" ma:internalName="Manager" ma:readOnly="false">
+      <xsd:simpleType>
+        <xsd:restriction base="dms:Text"/>
+      </xsd:simpleType>
+    </xsd:element>
+    <xsd:element name="Markets" ma:index="90" nillable="true" ma:displayName="Markets" ma:default="" ma:description="Leave blank to show in all markets" ma:list="{2FBD1B11-2ACE-4FDC-B5A3-635D4ADF6F1B}" ma:internalName="Markets" ma:readOnly="false" ma:showField="MarketName" ma:web="4873beb7-5857-4685-be1f-d57550cc96cc">
+      <xsd:complexType>
+        <xsd:complexContent>
+          <xsd:extension base="dms:MultiChoiceLookup">
+            <xsd:sequence>
+              <xsd:element name="Value" type="dms:Lookup" maxOccurs="unbounded" minOccurs="0" nillable="true"/>
+            </xsd:sequence>
+          </xsd:extension>
+        </xsd:complexContent>
+      </xsd:complexType>
+    </xsd:element>
+    <xsd:element name="Milestone" ma:index="91" nillable="true" ma:displayName="Milestone" ma:default="" ma:internalName="Milestone" ma:readOnly="false">
+      <xsd:simpleType>
+        <xsd:restriction base="dms:Unknown"/>
+      </xsd:simpleType>
+    </xsd:element>
+    <xsd:element name="TPNamespace" ma:index="94" nillable="true" ma:displayName="Namespace" ma:default="" ma:internalName="TPNamespace">
+      <xsd:simpleType>
+        <xsd:restriction base="dms:Text"/>
+      </xsd:simpleType>
+    </xsd:element>
+    <xsd:element name="NumericId" ma:index="95" nillable="true" ma:displayName="Numeric ID" ma:default="" ma:indexed="true" ma:internalName="NumericId" ma:readOnly="false">
+      <xsd:simpleType>
+        <xsd:restriction base="dms:Number"/>
+      </xsd:simpleType>
+    </xsd:element>
+    <xsd:element name="NumOfRatingsLookup" ma:index="96" nillable="true" ma:displayName="NumOfRatings" ma:default="" ma:list="{9E343742-310B-4684-A24C-1D137CB4B230}" ma:internalName="NumOfRatingsLookup" ma:readOnly="true" ma:showField="NumOfRatings" ma:web="4873beb7-5857-4685-be1f-d57550cc96cc">
+      <xsd:complexType>
+        <xsd:complexContent>
+          <xsd:extension base="dms:MultiChoiceLookup">
+            <xsd:sequence>
+              <xsd:element name="Value" type="dms:Lookup" maxOccurs="unbounded" minOccurs="0" nillable="true"/>
+            </xsd:sequence>
+          </xsd:extension>
+        </xsd:complexContent>
+      </xsd:complexType>
+    </xsd:element>
+    <xsd:element name="OOCacheId" ma:index="97" nillable="true" ma:displayName="OOCacheId" ma:internalName="OOCacheId" ma:readOnly="false">
+      <xsd:simpleType>
+        <xsd:restriction base="dms:Text"/>
+      </xsd:simpleType>
+    </xsd:element>
+    <xsd:element name="OpenTemplate" ma:index="98" nillable="true" ma:displayName="Open Template" ma:default="true" ma:internalName="OpenTemplate">
+      <xsd:simpleType>
+        <xsd:restriction base="dms:Boolean"/>
+      </xsd:simpleType>
+    </xsd:element>
+    <xsd:element name="OriginAsset" ma:index="99" nillable="true" ma:displayName="Origin Asset" ma:default="" ma:internalName="OriginAsset" ma:readOnly="false">
+      <xsd:simpleType>
+        <xsd:restriction base="dms:Text"/>
+      </xsd:simpleType>
+    </xsd:element>
+    <xsd:element name="OriginalRelease" ma:index="100" nillable="true" ma:displayName="Original Release" ma:default="15" ma:internalName="OriginalRelease" ma:readOnly="false">
+      <xsd:simpleType>
+        <xsd:restriction base="dms:Choice">
+          <xsd:enumeration value="14"/>
+          <xsd:enumeration value="15"/>
+          <xsd:enumeration value="16"/>
+        </xsd:restriction>
+      </xsd:simpleType>
+    </xsd:element>
+    <xsd:element name="OriginalSourceMarket" ma:index="101" nillable="true" ma:displayName="Original Source Market Group" ma:default="" ma:internalName="OriginalSourceMarket" ma:readOnly="false">
+      <xsd:simpleType>
+        <xsd:restriction base="dms:Text"/>
+      </xsd:simpleType>
+    </xsd:element>
+    <xsd:element name="OutputCachingOn" ma:index="102" nillable="true" ma:displayName="Output Caching" ma:default="true" ma:hidden="true" ma:internalName="OutputCachingOn" ma:readOnly="false">
+      <xsd:simpleType>
+        <xsd:restriction base="dms:Boolean"/>
+      </xsd:simpleType>
+    </xsd:element>
+    <xsd:element name="ParentAssetId" ma:index="103" nillable="true" ma:displayName="Parent Asset Id" ma:default="" ma:internalName="ParentAssetId" ma:readOnly="false">
+      <xsd:simpleType>
+        <xsd:restriction base="dms:Text"/>
+      </xsd:simpleType>
+    </xsd:element>
+    <xsd:element name="PlannedPubDate" ma:index="104" nillable="true" ma:displayName="Planned Publish Date" ma:default="" ma:indexed="true" ma:internalName="PlannedPubDate" ma:readOnly="false">
+      <xsd:simpleType>
+        <xsd:restriction base="dms:DateTime"/>
+      </xsd:simpleType>
+    </xsd:element>
+    <xsd:element name="PolicheckWords" ma:index="105" nillable="true" ma:displayName="Policheck Words" ma:default="" ma:internalName="PolicheckWords" ma:readOnly="false">
+      <xsd:simpleType>
+        <xsd:restriction base="dms:Text"/>
+      </xsd:simpleType>
+    </xsd:element>
+    <xsd:element name="BusinessGroup" ma:index="106" nillable="true" ma:displayName="Product Division Owner" ma:default="" ma:internalName="BusinessGroup" ma:readOnly="false">
+      <xsd:simpleType>
+        <xsd:restriction base="dms:Unknown"/>
+      </xsd:simpleType>
+    </xsd:element>
+    <xsd:element name="UAProjectedTotalWords" ma:index="107" nillable="true" ma:displayName="Projected Word Count" ma:default="" ma:internalName="UAProjectedTotalWords" ma:readOnly="false">
+      <xsd:simpleType>
+        <xsd:restriction base="dms:Unknown"/>
+      </xsd:simpleType>
+    </xsd:element>
+    <xsd:element name="Provider" ma:index="108" nillable="true" ma:displayName="Provider" ma:default="" ma:internalName="Provider" ma:readOnly="false">
+      <xsd:simpleType>
+        <xsd:restriction base="dms:Unknown"/>
+      </xsd:simpleType>
+    </xsd:element>
+    <xsd:element name="Providers" ma:index="109" nillable="true" ma:displayName="Providers" ma:default="" ma:internalName="Providers">
+      <xsd:simpleType>
+        <xsd:restriction base="dms:Unknown"/>
+      </xsd:simpleType>
+    </xsd:element>
+    <xsd:element name="PublishStatusLookup" ma:index="110" nillable="true" ma:displayName="Publish Status" ma:default="" ma:list="{9E343742-310B-4684-A24C-1D137CB4B230}" ma:internalName="PublishStatusLookup" ma:readOnly="false" ma:showField="PublishStatus" ma:web="4873beb7-5857-4685-be1f-d57550cc96cc">
+      <xsd:complexType>
+        <xsd:complexContent>
+          <xsd:extension base="dms:MultiChoiceLookup">
+            <xsd:sequence>
+              <xsd:element name="Value" type="dms:Lookup" maxOccurs="unbounded" minOccurs="0" nillable="true"/>
+            </xsd:sequence>
+          </xsd:extension>
+        </xsd:complexContent>
+      </xsd:complexType>
+    </xsd:element>
+    <xsd:element name="PublishTargets" ma:index="111" nillable="true" ma:displayName="Publish Target" ma:default="OfficeOnlineVNext" ma:internalName="PublishTargets" ma:readOnly="false">
+      <xsd:simpleType>
+        <xsd:restriction base="dms:Unknown"/>
+      </xsd:simpleType>
+    </xsd:element>
+    <xsd:element name="RecommendationsModifier" ma:index="112" nillable="true" ma:displayName="Recommendations Modifier" ma:default="" ma:internalName="RecommendationsModifier" ma:readOnly="false">
+      <xsd:simpleType>
+        <xsd:restriction base="dms:Number"/>
+      </xsd:simpleType>
+    </xsd:element>
+    <xsd:element name="ArtSampleDocs" ma:index="113" nillable="true" ma:displayName="Sample Docs" ma:default="" ma:hidden="true" ma:internalName="ArtSampleDocs" ma:readOnly="false">
+      <xsd:simpleType>
+        <xsd:restriction base="dms:Text"/>
+      </xsd:simpleType>
+    </xsd:element>
+    <xsd:element name="ScenarioTagsTaxHTField0" ma:index="115" nillable="true" ma:taxonomy="true" ma:internalName="ScenarioTagsTaxHTField0" ma:taxonomyFieldName="ScenarioTags" ma:displayName="Scenarios" ma:readOnly="false" ma:default="" ma:fieldId="{93aef74d-6c78-4815-8310-51477dceeccc}" ma:taxonomyMulti="true" ma:sspId="8f79753a-75d3-41f5-8ca3-40b843941b4f" ma:termSetId="4b7d5f16-e2f2-4fc0-bab3-6e8b931e57d6" ma:anchorId="00000000-0000-0000-0000-000000000000" ma:open="false" ma:isKeyword="false">
+      <xsd:complexType>
+        <xsd:sequence>
+          <xsd:element ref="pc:Terms" minOccurs="0" maxOccurs="1"/>
+        </xsd:sequence>
+      </xsd:complexType>
+    </xsd:element>
+    <xsd:element name="ShowIn" ma:index="117" nillable="true" ma:displayName="Show In" ma:default="Show everywhere" ma:internalName="ShowIn" ma:readOnly="false">
+      <xsd:simpleType>
+        <xsd:restriction base="dms:Choice">
+          <xsd:enumeration value="Hide on web"/>
+          <xsd:enumeration value="On Web no search"/>
+          <xsd:enumeration value="Show everywhere"/>
+          <xsd:enumeration value="Special use only"/>
+        </xsd:restriction>
+      </xsd:simpleType>
+    </xsd:element>
+    <xsd:element name="SourceTitle" ma:index="118" nillable="true" ma:displayName="Source Title" ma:default="" ma:indexed="true" ma:internalName="SourceTitle" ma:readOnly="false">
+      <xsd:simpleType>
+        <xsd:restriction base="dms:Text"/>
+      </xsd:simpleType>
+    </xsd:element>
+    <xsd:element name="CSXSubmissionDate" ma:index="119" nillable="true" ma:displayName="Submission Date" ma:default="" ma:internalName="CSXSubmissionDate" ma:readOnly="false">
+      <xsd:simpleType>
+        <xsd:restriction base="dms:DateTime"/>
+      </xsd:simpleType>
+    </xsd:element>
+    <xsd:element name="SubmitterId" ma:index="120" nillable="true" ma:displayName="Submitter ID" ma:default="" ma:internalName="SubmitterId" ma:readOnly="false">
+      <xsd:simpleType>
+        <xsd:restriction base="dms:Text"/>
+      </xsd:simpleType>
+    </xsd:element>
+    <xsd:element name="TaxCatchAll" ma:index="121" nillable="true" ma:displayName="Taxonomy Catch All Column" ma:hidden="true" ma:list="{530f955b-6704-4601-bd83-f81d87f1e440}" ma:internalName="TaxCatchAll" ma:showField="CatchAllData" ma:web="4873beb7-5857-4685-be1f-d57550cc96cc">
+      <xsd:complexType>
+        <xsd:complexContent>
+          <xsd:extension base="dms:MultiChoiceLookup">
+            <xsd:sequence>
+              <xsd:element name="Value" type="dms:Lookup" maxOccurs="unbounded" minOccurs="0" nillable="true"/>
+            </xsd:sequence>
+          </xsd:extension>
+        </xsd:complexContent>
+      </xsd:complexType>
+    </xsd:element>
+    <xsd:element name="TaxCatchAllLabel" ma:index="122" nillable="true" ma:displayName="Taxonomy Catch All Column1" ma:hidden="true" ma:list="{530f955b-6704-4601-bd83-f81d87f1e440}" ma:internalName="TaxCatchAllLabel" ma:readOnly="true" ma:showField="CatchAllDataLabel" ma:web="4873beb7-5857-4685-be1f-d57550cc96cc">
+      <xsd:complexType>
+        <xsd:complexContent>
+          <xsd:extension base="dms:MultiChoiceLookup">
+            <xsd:sequence>
+              <xsd:element name="Value" type="dms:Lookup" maxOccurs="unbounded" minOccurs="0" nillable="true"/>
+            </xsd:sequence>
+          </xsd:extension>
+        </xsd:complexContent>
+      </xsd:complexType>
+    </xsd:element>
+    <xsd:element name="TemplateStatus" ma:index="123" nillable="true" ma:displayName="Template Status" ma:default="" ma:internalName="TemplateStatus">
+      <xsd:simpleType>
+        <xsd:restriction base="dms:Unknown"/>
+      </xsd:simpleType>
+    </xsd:element>
+    <xsd:element name="TemplateTemplateType" ma:index="124" nillable="true" ma:displayName="Template Type" ma:default="" ma:internalName="TemplateTemplateType">
+      <xsd:simpleType>
+        <xsd:restriction base="dms:Unknown"/>
+      </xsd:simpleType>
+    </xsd:element>
+    <xsd:element name="ThumbnailAssetId" ma:index="125" nillable="true" ma:displayName="Thumbnail Image Asset" ma:default="" ma:internalName="ThumbnailAssetId" ma:readOnly="false">
+      <xsd:simpleType>
+        <xsd:restriction base="dms:Text"/>
+      </xsd:simpleType>
+    </xsd:element>
+    <xsd:element name="TimesCloned" ma:index="126" nillable="true" ma:displayName="Times Cloned" ma:default="" ma:internalName="TimesCloned" ma:readOnly="false">
+      <xsd:simpleType>
+        <xsd:restriction base="dms:Number"/>
+      </xsd:simpleType>
+    </xsd:element>
+    <xsd:element name="TrustLevel" ma:index="128" nillable="true" ma:displayName="Trust Level" ma:default="1 Microsoft Managed Content" ma:internalName="TrustLevel" ma:readOnly="false">
+      <xsd:simpleType>
+        <xsd:restriction base="dms:Unknown"/>
+      </xsd:simpleType>
+    </xsd:element>
+    <xsd:element name="UALocComments" ma:index="129" nillable="true" ma:displayName="UA Loc Comments" ma:default="" ma:internalName="UALocComments" ma:readOnly="false">
+      <xsd:simpleType>
+        <xsd:restriction base="dms:Note"/>
+      </xsd:simpleType>
+    </xsd:element>
+    <xsd:element name="UALocRecommendation" ma:index="130" nillable="true" ma:displayName="UA Loc Recommendation" ma:default="Localize" ma:internalName="UALocRecommendation" ma:readOnly="false">
+      <xsd:simpleType>
+        <xsd:restriction base="dms:Choice">
+          <xsd:enumeration value="Localize"/>
+          <xsd:enumeration value="Never Localize"/>
+          <xsd:enumeration value="Priority Localize"/>
+        </xsd:restriction>
+      </xsd:simpleType>
+    </xsd:element>
+    <xsd:element name="UANotes" ma:index="131" nillable="true" ma:displayName="UA Notes" ma:default="" ma:internalName="UANotes" ma:readOnly="false">
+      <xsd:simpleType>
+        <xsd:restriction base="dms:Note"/>
+      </xsd:simpleType>
+    </xsd:element>
+    <xsd:element name="TPAppVersion" ma:index="132" nillable="true" ma:displayName="Version" ma:default="" ma:internalName="TPAppVersion">
+      <xsd:simpleType>
+        <xsd:restriction base="dms:Text"/>
+      </xsd:simpleType>
+    </xsd:element>
+    <xsd:element name="VoteCount" ma:index="133" nillable="true" ma:displayName="Vote Count" ma:default="" ma:internalName="VoteCount" ma:readOnly="false">
+      <xsd:simpleType>
+        <xsd:restriction base="dms:Unknown"/>
+      </xsd:simpleType>
+    </xsd:element>
+  </xsd:schema>
+  <xsd:schema xmlns="http://schemas.openxmlformats.org/package/2006/metadata/core-properties" xmlns:xsd="http://www.w3.org/2001/XMLSchema" xmlns:xsi="http://www.w3.org/2001/XMLSchema-instance" xmlns:dc="http://purl.org/dc/elements/1.1/" xmlns:dcterms="http://purl.org/dc/terms/" xmlns:odoc="http://schemas.microsoft.com/internal/obd" targetNamespace="http://schemas.openxmlformats.org/package/2006/metadata/core-properties" elementFormDefault="qualified" attributeFormDefault="unqualified" blockDefault="#all">
+    <xsd:import namespace="http://purl.org/dc/elements/1.1/" schemaLocation="http://dublincore.org/schemas/xmls/qdc/2003/04/02/dc.xsd"/>
+    <xsd:import namespace="http://purl.org/dc/terms/" schemaLocation="http://dublincore.org/schemas/xmls/qdc/2003/04/02/dcterms.xsd"/>
+    <xsd:element name="coreProperties" type="CT_coreProperties"/>
+    <xsd:complexType name="CT_coreProperties">
+      <xsd:all>
+        <xsd:element ref="dc:creator" minOccurs="0" maxOccurs="1"/>
+        <xsd:element ref="dcterms:created" minOccurs="0" maxOccurs="1"/>
+        <xsd:element ref="dc:identifier" minOccurs="0" maxOccurs="1"/>
+        <xsd:element name="contentType" minOccurs="0" maxOccurs="1" type="xsd:string" ma:index="22" ma:displayName="Content Type"/>
+        <xsd:element ref="dc:title" minOccurs="0" maxOccurs="1" ma:index="127" ma:displayName="Title"/>
+        <xsd:element ref="dc:subject" minOccurs="0" maxOccurs="1"/>
+        <xsd:element ref="dc:description" minOccurs="0" maxOccurs="1"/>
+        <xsd:element name="keywords" minOccurs="0" maxOccurs="1" type="xsd:string"/>
+        <xsd:element ref="dc:language" minOccurs="0" maxOccurs="1"/>
+        <xsd:element name="category" minOccurs="0" maxOccurs="1" type="xsd:string"/>
+        <xsd:element name="version" minOccurs="0" maxOccurs="1" type="xsd:string"/>
+        <xsd:element name="revision" minOccurs="0" maxOccurs="1" type="xsd:string">
+          <xsd:annotation>
+            <xsd:documentation>
+                        This value indicates the number of saves or revisions. The application is responsible for updating this value after each revision.
+                    </xsd:documentation>
+          </xsd:annotation>
+        </xsd:element>
+        <xsd:element name="lastModifiedBy" minOccurs="0" maxOccurs="1" type="xsd:string"/>
+        <xsd:element ref="dcterms:modified" minOccurs="0" maxOccurs="1"/>
+        <xsd:element name="contentStatus" minOccurs="0" maxOccurs="1" type="xsd:string"/>
+      </xsd:all>
+    </xsd:complexType>
+  </xsd:schema>
+  <xs:schema xmlns:pc="http://schemas.microsoft.com/office/infopath/2007/PartnerControls" xmlns:xs="http://www.w3.org/2001/XMLSchema" targetNamespace="http://schemas.microsoft.com/office/infopath/2007/PartnerControls" elementFormDefault="qualified" attributeFormDefault="unqualified">
+    <xs:element name="Person">
+      <xs:complexType>
+        <xs:sequence>
+          <xs:element ref="pc:DisplayName" minOccurs="0"/>
+          <xs:element ref="pc:AccountId" minOccurs="0"/>
+          <xs:element ref="pc:AccountType" minOccurs="0"/>
+        </xs:sequence>
+      </xs:complexType>
+    </xs:element>
+    <xs:element name="DisplayName" type="xs:string"/>
+    <xs:element name="AccountId" type="xs:string"/>
+    <xs:element name="AccountType" type="xs:string"/>
+    <xs:element name="BDCAssociatedEntity">
+      <xs:complexType>
+        <xs:sequence>
+          <xs:element ref="pc:BDCEntity" minOccurs="0" maxOccurs="unbounded"/>
+        </xs:sequence>
+        <xs:attribute ref="pc:EntityNamespace"/>
+        <xs:attribute ref="pc:EntityName"/>
+        <xs:attribute ref="pc:SystemInstanceName"/>
+        <xs:attribute ref="pc:AssociationName"/>
+      </xs:complexType>
+    </xs:element>
+    <xs:attribute name="EntityNamespace" type="xs:string"/>
+    <xs:attribute name="EntityName" type="xs:string"/>
+    <xs:attribute name="SystemInstanceName" type="xs:string"/>
+    <xs:attribute name="AssociationName" type="xs:string"/>
+    <xs:element name="BDCEntity">
+      <xs:complexType>
+        <xs:sequence>
+          <xs:element ref="pc:EntityDisplayName" minOccurs="0"/>
+          <xs:element ref="pc:EntityInstanceReference" minOccurs="0"/>
+          <xs:element ref="pc:EntityId1" minOccurs="0"/>
+          <xs:element ref="pc:EntityId2" minOccurs="0"/>
+          <xs:element ref="pc:EntityId3" minOccurs="0"/>
+          <xs:element ref="pc:EntityId4" minOccurs="0"/>
+          <xs:element ref="pc:EntityId5" minOccurs="0"/>
+        </xs:sequence>
+      </xs:complexType>
+    </xs:element>
+    <xs:element name="EntityDisplayName" type="xs:string"/>
+    <xs:element name="EntityInstanceReference" type="xs:string"/>
+    <xs:element name="EntityId1" type="xs:string"/>
+    <xs:element name="EntityId2" type="xs:string"/>
+    <xs:element name="EntityId3" type="xs:string"/>
+    <xs:element name="EntityId4" type="xs:string"/>
+    <xs:element name="EntityId5" type="xs:string"/>
+    <xs:element name="Terms">
+      <xs:complexType>
+        <xs:sequence>
+          <xs:element ref="pc:TermInfo" minOccurs="0" maxOccurs="unbounded"/>
+        </xs:sequence>
+      </xs:complexType>
+    </xs:element>
+    <xs:element name="TermInfo">
+      <xs:complexType>
+        <xs:sequence>
+          <xs:element ref="pc:TermName" minOccurs="0"/>
+          <xs:element ref="pc:TermId" minOccurs="0"/>
+        </xs:sequence>
+      </xs:complexType>
+    </xs:element>
+    <xs:element name="TermName" type="xs:string"/>
+    <xs:element name="TermId" type="xs:string"/>
+  </xs:schema>
+</ct:contentTypeSchema>
+</file>
+
+<file path=customXml/item2.xml><?xml version="1.0" encoding="utf-8"?>
 <p:properties xmlns:p="http://schemas.microsoft.com/office/2006/metadata/properties" xmlns:xsi="http://www.w3.org/2001/XMLSchema-instance" xmlns:pc="http://schemas.microsoft.com/office/infopath/2007/PartnerControls">
   <documentManagement>
     <LocPublishedLinkedAssetsLookup xmlns="4873beb7-5857-4685-be1f-d57550cc96cc" xsi:nil="true"/>
@@ -8510,1046 +9864,6 @@
 </p:properties>
 </file>
 
-<file path=customXml/item2.xml><?xml version="1.0" encoding="utf-8"?>
-<ct:contentTypeSchema xmlns:ct="http://schemas.microsoft.com/office/2006/metadata/contentType" xmlns:ma="http://schemas.microsoft.com/office/2006/metadata/properties/metaAttributes" ct:_="" ma:_="" ma:contentTypeName="TemplateFile" ma:contentTypeID="0x0101006EDDDB5EE6D98C44930B742096920B300400F5B6D36B3EF94B4E9A635CDF2A18F5B8" ma:contentTypeVersion="72" ma:contentTypeDescription="Create a new document." ma:contentTypeScope="" ma:versionID="a23e56308344d904b51738559c3d67c9">
-  <xsd:schema xmlns:xsd="http://www.w3.org/2001/XMLSchema" xmlns:xs="http://www.w3.org/2001/XMLSchema" xmlns:p="http://schemas.microsoft.com/office/2006/metadata/properties" xmlns:ns2="4873beb7-5857-4685-be1f-d57550cc96cc" targetNamespace="http://schemas.microsoft.com/office/2006/metadata/properties" ma:root="true" ma:fieldsID="cd0908cc4600e77bf5da051303e00c8d" ns2:_="">
-    <xsd:import namespace="4873beb7-5857-4685-be1f-d57550cc96cc"/>
-    <xsd:element name="properties">
-      <xsd:complexType>
-        <xsd:sequence>
-          <xsd:element name="documentManagement">
-            <xsd:complexType>
-              <xsd:all>
-                <xsd:element ref="ns2:AcquiredFrom" minOccurs="0"/>
-                <xsd:element ref="ns2:UACurrentWords" minOccurs="0"/>
-                <xsd:element ref="ns2:TPApplication" minOccurs="0"/>
-                <xsd:element ref="ns2:ApprovalLog" minOccurs="0"/>
-                <xsd:element ref="ns2:ApprovalStatus" minOccurs="0"/>
-                <xsd:element ref="ns2:AssetStart" minOccurs="0"/>
-                <xsd:element ref="ns2:AssetExpire" minOccurs="0"/>
-                <xsd:element ref="ns2:AssetId" minOccurs="0"/>
-                <xsd:element ref="ns2:IsSearchable" minOccurs="0"/>
-                <xsd:element ref="ns2:AssetType" minOccurs="0"/>
-                <xsd:element ref="ns2:APAuthor" minOccurs="0"/>
-                <xsd:element ref="ns2:AverageRating" minOccurs="0"/>
-                <xsd:element ref="ns2:BlockPublish" minOccurs="0"/>
-                <xsd:element ref="ns2:BugNumber" minOccurs="0"/>
-                <xsd:element ref="ns2:CampaignTagsTaxHTField0" minOccurs="0"/>
-                <xsd:element ref="ns2:TPClientViewer" minOccurs="0"/>
-                <xsd:element ref="ns2:ClipArtFilename" minOccurs="0"/>
-                <xsd:element ref="ns2:TPCommandLine" minOccurs="0"/>
-                <xsd:element ref="ns2:TPComponent" minOccurs="0"/>
-                <xsd:element ref="ns2:ContentItem" minOccurs="0"/>
-                <xsd:element ref="ns2:CrawlForDependencies" minOccurs="0"/>
-                <xsd:element ref="ns2:CSXHash" minOccurs="0"/>
-                <xsd:element ref="ns2:CSXSubmissionMarket" minOccurs="0"/>
-                <xsd:element ref="ns2:CSXUpdate" minOccurs="0"/>
-                <xsd:element ref="ns2:IntlLangReviewDate" minOccurs="0"/>
-                <xsd:element ref="ns2:IsDeleted" minOccurs="0"/>
-                <xsd:element ref="ns2:APDescription" minOccurs="0"/>
-                <xsd:element ref="ns2:DirectSourceMarket" minOccurs="0"/>
-                <xsd:element ref="ns2:Downloads" minOccurs="0"/>
-                <xsd:element ref="ns2:DSATActionTaken" minOccurs="0"/>
-                <xsd:element ref="ns2:APEditor" minOccurs="0"/>
-                <xsd:element ref="ns2:EditorialStatus" minOccurs="0"/>
-                <xsd:element ref="ns2:EditorialTags" minOccurs="0"/>
-                <xsd:element ref="ns2:TPExecutable" minOccurs="0"/>
-                <xsd:element ref="ns2:FeatureTagsTaxHTField0" minOccurs="0"/>
-                <xsd:element ref="ns2:TPFriendlyName" minOccurs="0"/>
-                <xsd:element ref="ns2:FriendlyTitle" minOccurs="0"/>
-                <xsd:element ref="ns2:PrimaryImageGen" minOccurs="0"/>
-                <xsd:element ref="ns2:HandoffToMSDN" minOccurs="0"/>
-                <xsd:element ref="ns2:InProjectListLookup" minOccurs="0"/>
-                <xsd:element ref="ns2:TPInstallLocation" minOccurs="0"/>
-                <xsd:element ref="ns2:InternalTagsTaxHTField0" minOccurs="0"/>
-                <xsd:element ref="ns2:IntlLangReview" minOccurs="0"/>
-                <xsd:element ref="ns2:IntlLangReviewer" minOccurs="0"/>
-                <xsd:element ref="ns2:MarketSpecific" minOccurs="0"/>
-                <xsd:element ref="ns2:LastCompleteVersionLookup" minOccurs="0"/>
-                <xsd:element ref="ns2:LastHandOff" minOccurs="0"/>
-                <xsd:element ref="ns2:LastModifiedDateTime" minOccurs="0"/>
-                <xsd:element ref="ns2:LastPreviewErrorLookup" minOccurs="0"/>
-                <xsd:element ref="ns2:LastPreviewResultLookup" minOccurs="0"/>
-                <xsd:element ref="ns2:LastPreviewAttemptDateLookup" minOccurs="0"/>
-                <xsd:element ref="ns2:LastPreviewedByLookup" minOccurs="0"/>
-                <xsd:element ref="ns2:LastPreviewTimeLookup" minOccurs="0"/>
-                <xsd:element ref="ns2:LastPreviewVersionLookup" minOccurs="0"/>
-                <xsd:element ref="ns2:LastPublishErrorLookup" minOccurs="0"/>
-                <xsd:element ref="ns2:LastPublishResultLookup" minOccurs="0"/>
-                <xsd:element ref="ns2:LastPublishAttemptDateLookup" minOccurs="0"/>
-                <xsd:element ref="ns2:LastPublishedByLookup" minOccurs="0"/>
-                <xsd:element ref="ns2:LastPublishTimeLookup" minOccurs="0"/>
-                <xsd:element ref="ns2:LastPublishVersionLookup" minOccurs="0"/>
-                <xsd:element ref="ns2:TPLaunchHelpLinkType" minOccurs="0"/>
-                <xsd:element ref="ns2:LegacyData" minOccurs="0"/>
-                <xsd:element ref="ns2:TPLaunchHelpLink" minOccurs="0"/>
-                <xsd:element ref="ns2:LocComments" minOccurs="0"/>
-                <xsd:element ref="ns2:LocLastLocAttemptVersionLookup" minOccurs="0"/>
-                <xsd:element ref="ns2:LocLastLocAttemptVersionTypeLookup" minOccurs="0"/>
-                <xsd:element ref="ns2:LocManualTestRequired" minOccurs="0"/>
-                <xsd:element ref="ns2:LocMarketGroupTiers2" minOccurs="0"/>
-                <xsd:element ref="ns2:LocNewPublishedVersionLookup" minOccurs="0"/>
-                <xsd:element ref="ns2:LocOverallHandbackStatusLookup" minOccurs="0"/>
-                <xsd:element ref="ns2:LocOverallLocStatusLookup" minOccurs="0"/>
-                <xsd:element ref="ns2:LocOverallPreviewStatusLookup" minOccurs="0"/>
-                <xsd:element ref="ns2:LocOverallPublishStatusLookup" minOccurs="0"/>
-                <xsd:element ref="ns2:IntlLocPriority" minOccurs="0"/>
-                <xsd:element ref="ns2:LocProcessedForHandoffsLookup" minOccurs="0"/>
-                <xsd:element ref="ns2:LocProcessedForMarketsLookup" minOccurs="0"/>
-                <xsd:element ref="ns2:LocPublishedDependentAssetsLookup" minOccurs="0"/>
-                <xsd:element ref="ns2:LocPublishedLinkedAssetsLookup" minOccurs="0"/>
-                <xsd:element ref="ns2:LocRecommendedHandoff" minOccurs="0"/>
-                <xsd:element ref="ns2:LocalizationTagsTaxHTField0" minOccurs="0"/>
-                <xsd:element ref="ns2:MachineTranslated" minOccurs="0"/>
-                <xsd:element ref="ns2:Manager" minOccurs="0"/>
-                <xsd:element ref="ns2:Markets" minOccurs="0"/>
-                <xsd:element ref="ns2:Milestone" minOccurs="0"/>
-                <xsd:element ref="ns2:TPNamespace" minOccurs="0"/>
-                <xsd:element ref="ns2:NumericId" minOccurs="0"/>
-                <xsd:element ref="ns2:NumOfRatingsLookup" minOccurs="0"/>
-                <xsd:element ref="ns2:OOCacheId" minOccurs="0"/>
-                <xsd:element ref="ns2:OpenTemplate" minOccurs="0"/>
-                <xsd:element ref="ns2:OriginAsset" minOccurs="0"/>
-                <xsd:element ref="ns2:OriginalRelease" minOccurs="0"/>
-                <xsd:element ref="ns2:OriginalSourceMarket" minOccurs="0"/>
-                <xsd:element ref="ns2:OutputCachingOn" minOccurs="0"/>
-                <xsd:element ref="ns2:ParentAssetId" minOccurs="0"/>
-                <xsd:element ref="ns2:PlannedPubDate" minOccurs="0"/>
-                <xsd:element ref="ns2:PolicheckWords" minOccurs="0"/>
-                <xsd:element ref="ns2:BusinessGroup" minOccurs="0"/>
-                <xsd:element ref="ns2:UAProjectedTotalWords" minOccurs="0"/>
-                <xsd:element ref="ns2:Provider" minOccurs="0"/>
-                <xsd:element ref="ns2:Providers" minOccurs="0"/>
-                <xsd:element ref="ns2:PublishStatusLookup" minOccurs="0"/>
-                <xsd:element ref="ns2:PublishTargets" minOccurs="0"/>
-                <xsd:element ref="ns2:RecommendationsModifier" minOccurs="0"/>
-                <xsd:element ref="ns2:ArtSampleDocs" minOccurs="0"/>
-                <xsd:element ref="ns2:ScenarioTagsTaxHTField0" minOccurs="0"/>
-                <xsd:element ref="ns2:ShowIn" minOccurs="0"/>
-                <xsd:element ref="ns2:SourceTitle" minOccurs="0"/>
-                <xsd:element ref="ns2:CSXSubmissionDate" minOccurs="0"/>
-                <xsd:element ref="ns2:SubmitterId" minOccurs="0"/>
-                <xsd:element ref="ns2:TaxCatchAll" minOccurs="0"/>
-                <xsd:element ref="ns2:TaxCatchAllLabel" minOccurs="0"/>
-                <xsd:element ref="ns2:TemplateStatus" minOccurs="0"/>
-                <xsd:element ref="ns2:TemplateTemplateType" minOccurs="0"/>
-                <xsd:element ref="ns2:ThumbnailAssetId" minOccurs="0"/>
-                <xsd:element ref="ns2:TimesCloned" minOccurs="0"/>
-                <xsd:element ref="ns2:TrustLevel" minOccurs="0"/>
-                <xsd:element ref="ns2:UALocComments" minOccurs="0"/>
-                <xsd:element ref="ns2:UALocRecommendation" minOccurs="0"/>
-                <xsd:element ref="ns2:UANotes" minOccurs="0"/>
-                <xsd:element ref="ns2:TPAppVersion" minOccurs="0"/>
-                <xsd:element ref="ns2:VoteCount" minOccurs="0"/>
-              </xsd:all>
-            </xsd:complexType>
-          </xsd:element>
-        </xsd:sequence>
-      </xsd:complexType>
-    </xsd:element>
-  </xsd:schema>
-  <xsd:schema xmlns:xsd="http://www.w3.org/2001/XMLSchema" xmlns:xs="http://www.w3.org/2001/XMLSchema" xmlns:dms="http://schemas.microsoft.com/office/2006/documentManagement/types" xmlns:pc="http://schemas.microsoft.com/office/infopath/2007/PartnerControls" targetNamespace="4873beb7-5857-4685-be1f-d57550cc96cc" elementFormDefault="qualified">
-    <xsd:import namespace="http://schemas.microsoft.com/office/2006/documentManagement/types"/>
-    <xsd:import namespace="http://schemas.microsoft.com/office/infopath/2007/PartnerControls"/>
-    <xsd:element name="AcquiredFrom" ma:index="1" nillable="true" ma:displayName="Acquired From" ma:default="Internal MS" ma:internalName="AcquiredFrom" ma:readOnly="false">
-      <xsd:simpleType>
-        <xsd:restriction base="dms:Choice">
-          <xsd:enumeration value="Internal MS"/>
-          <xsd:enumeration value="Community"/>
-          <xsd:enumeration value="MVP"/>
-          <xsd:enumeration value="Publisher"/>
-          <xsd:enumeration value="Partner"/>
-          <xsd:enumeration value="None"/>
-        </xsd:restriction>
-      </xsd:simpleType>
-    </xsd:element>
-    <xsd:element name="UACurrentWords" ma:index="2" nillable="true" ma:displayName="Actual Word Count" ma:default="" ma:internalName="UACurrentWords" ma:readOnly="false">
-      <xsd:simpleType>
-        <xsd:restriction base="dms:Unknown"/>
-      </xsd:simpleType>
-    </xsd:element>
-    <xsd:element name="TPApplication" ma:index="3" nillable="true" ma:displayName="Application to Open Template With" ma:default="" ma:internalName="TPApplication">
-      <xsd:simpleType>
-        <xsd:restriction base="dms:Text"/>
-      </xsd:simpleType>
-    </xsd:element>
-    <xsd:element name="ApprovalLog" ma:index="4" nillable="true" ma:displayName="Approval Log" ma:default="" ma:hidden="true" ma:internalName="ApprovalLog" ma:readOnly="false">
-      <xsd:simpleType>
-        <xsd:restriction base="dms:Note"/>
-      </xsd:simpleType>
-    </xsd:element>
-    <xsd:element name="ApprovalStatus" ma:index="5" nillable="true" ma:displayName="Approval Status" ma:default="InProgress" ma:internalName="ApprovalStatus" ma:readOnly="false">
-      <xsd:simpleType>
-        <xsd:restriction base="dms:Choice">
-          <xsd:enumeration value="InProgress"/>
-          <xsd:enumeration value="Rejected"/>
-          <xsd:enumeration value="Questionable"/>
-          <xsd:enumeration value="ApprovedAutomatic"/>
-          <xsd:enumeration value="ApprovedManual"/>
-          <xsd:enumeration value="On Hold"/>
-          <xsd:enumeration value="Needs Review"/>
-          <xsd:enumeration value="A Violation"/>
-          <xsd:enumeration value="Unpublished Violation"/>
-        </xsd:restriction>
-      </xsd:simpleType>
-    </xsd:element>
-    <xsd:element name="AssetStart" ma:index="6" nillable="true" ma:displayName="Asset Begin Date" ma:default="[Today]" ma:internalName="AssetStart" ma:readOnly="false">
-      <xsd:simpleType>
-        <xsd:restriction base="dms:DateTime"/>
-      </xsd:simpleType>
-    </xsd:element>
-    <xsd:element name="AssetExpire" ma:index="7" nillable="true" ma:displayName="Asset End Date" ma:default="2029-01-01T08:00:00Z" ma:format="DateTime" ma:internalName="AssetExpire" ma:readOnly="false">
-      <xsd:simpleType>
-        <xsd:restriction base="dms:DateTime"/>
-      </xsd:simpleType>
-    </xsd:element>
-    <xsd:element name="AssetId" ma:index="8" nillable="true" ma:displayName="Asset ID" ma:default="" ma:indexed="true" ma:internalName="AssetId" ma:readOnly="false">
-      <xsd:simpleType>
-        <xsd:restriction base="dms:Text">
-          <xsd:maxLength value="255"/>
-        </xsd:restriction>
-      </xsd:simpleType>
-    </xsd:element>
-    <xsd:element name="IsSearchable" ma:index="9" nillable="true" ma:displayName="Asset Searchable?" ma:default="true" ma:internalName="IsSearchable" ma:readOnly="false">
-      <xsd:simpleType>
-        <xsd:restriction base="dms:Boolean"/>
-      </xsd:simpleType>
-    </xsd:element>
-    <xsd:element name="AssetType" ma:index="10" nillable="true" ma:displayName="Asset Type" ma:default="" ma:internalName="AssetType" ma:readOnly="false">
-      <xsd:simpleType>
-        <xsd:restriction base="dms:Unknown"/>
-      </xsd:simpleType>
-    </xsd:element>
-    <xsd:element name="APAuthor" ma:index="11" nillable="true" ma:displayName="Author" ma:default="" ma:list="UserInfo" ma:internalName="APAuthor" ma:readOnly="false">
-      <xsd:complexType>
-        <xsd:complexContent>
-          <xsd:extension base="dms:User">
-            <xsd:sequence>
-              <xsd:element name="UserInfo" minOccurs="0" maxOccurs="unbounded">
-                <xsd:complexType>
-                  <xsd:sequence>
-                    <xsd:element name="DisplayName" type="xsd:string" minOccurs="0"/>
-                    <xsd:element name="AccountId" type="dms:UserId" minOccurs="0" nillable="true"/>
-                    <xsd:element name="AccountType" type="xsd:string" minOccurs="0"/>
-                  </xsd:sequence>
-                </xsd:complexType>
-              </xsd:element>
-            </xsd:sequence>
-          </xsd:extension>
-        </xsd:complexContent>
-      </xsd:complexType>
-    </xsd:element>
-    <xsd:element name="AverageRating" ma:index="12" nillable="true" ma:displayName="Average Rating" ma:internalName="AverageRating" ma:readOnly="false">
-      <xsd:simpleType>
-        <xsd:restriction base="dms:Text"/>
-      </xsd:simpleType>
-    </xsd:element>
-    <xsd:element name="BlockPublish" ma:index="13" nillable="true" ma:displayName="Block from Publishing?" ma:default="" ma:internalName="BlockPublish" ma:readOnly="false">
-      <xsd:simpleType>
-        <xsd:restriction base="dms:Boolean"/>
-      </xsd:simpleType>
-    </xsd:element>
-    <xsd:element name="BugNumber" ma:index="14" nillable="true" ma:displayName="Bug Number" ma:default="" ma:internalName="BugNumber" ma:readOnly="false">
-      <xsd:simpleType>
-        <xsd:restriction base="dms:Text"/>
-      </xsd:simpleType>
-    </xsd:element>
-    <xsd:element name="CampaignTagsTaxHTField0" ma:index="16" nillable="true" ma:taxonomy="true" ma:internalName="CampaignTagsTaxHTField0" ma:taxonomyFieldName="CampaignTags" ma:displayName="Campaigns" ma:readOnly="false" ma:default="" ma:fieldId="{1df42cc3-2301-4f11-a52a-6ead923c29ed}" ma:taxonomyMulti="true" ma:sspId="8f79753a-75d3-41f5-8ca3-40b843941b4f" ma:termSetId="ca0e50d4-faa1-44ce-961e-bb1441c60e66" ma:anchorId="00000000-0000-0000-0000-000000000000" ma:open="false" ma:isKeyword="false">
-      <xsd:complexType>
-        <xsd:sequence>
-          <xsd:element ref="pc:Terms" minOccurs="0" maxOccurs="1"/>
-        </xsd:sequence>
-      </xsd:complexType>
-    </xsd:element>
-    <xsd:element name="TPClientViewer" ma:index="17" nillable="true" ma:displayName="Client Viewer" ma:default="" ma:internalName="TPClientViewer">
-      <xsd:simpleType>
-        <xsd:restriction base="dms:Text"/>
-      </xsd:simpleType>
-    </xsd:element>
-    <xsd:element name="ClipArtFilename" ma:index="18" nillable="true" ma:displayName="Clip Art Name" ma:default="" ma:internalName="ClipArtFilename" ma:readOnly="false">
-      <xsd:simpleType>
-        <xsd:restriction base="dms:Text"/>
-      </xsd:simpleType>
-    </xsd:element>
-    <xsd:element name="TPCommandLine" ma:index="19" nillable="true" ma:displayName="Command Line" ma:default="" ma:internalName="TPCommandLine">
-      <xsd:simpleType>
-        <xsd:restriction base="dms:Text"/>
-      </xsd:simpleType>
-    </xsd:element>
-    <xsd:element name="TPComponent" ma:index="20" nillable="true" ma:displayName="Component" ma:default="" ma:internalName="TPComponent">
-      <xsd:simpleType>
-        <xsd:restriction base="dms:Text"/>
-      </xsd:simpleType>
-    </xsd:element>
-    <xsd:element name="ContentItem" ma:index="21" nillable="true" ma:displayName="Content Item" ma:default="" ma:hidden="true" ma:internalName="ContentItem" ma:readOnly="false">
-      <xsd:simpleType>
-        <xsd:restriction base="dms:Unknown"/>
-      </xsd:simpleType>
-    </xsd:element>
-    <xsd:element name="CrawlForDependencies" ma:index="23" nillable="true" ma:displayName="Crawl for Dependencies?" ma:default="true" ma:internalName="CrawlForDependencies" ma:readOnly="false">
-      <xsd:simpleType>
-        <xsd:restriction base="dms:Boolean"/>
-      </xsd:simpleType>
-    </xsd:element>
-    <xsd:element name="CSXHash" ma:index="26" nillable="true" ma:displayName="CSX Hash" ma:default="" ma:indexed="true" ma:internalName="CSXHash" ma:readOnly="false">
-      <xsd:simpleType>
-        <xsd:restriction base="dms:Text"/>
-      </xsd:simpleType>
-    </xsd:element>
-    <xsd:element name="CSXSubmissionMarket" ma:index="27" nillable="true" ma:displayName="CSX Submission Market" ma:default="" ma:list="{2FBD1B11-2ACE-4FDC-B5A3-635D4ADF6F1B}" ma:internalName="CSXSubmissionMarket" ma:readOnly="false" ma:showField="MarketName" ma:web="4873beb7-5857-4685-be1f-d57550cc96cc">
-      <xsd:simpleType>
-        <xsd:restriction base="dms:Lookup"/>
-      </xsd:simpleType>
-    </xsd:element>
-    <xsd:element name="CSXUpdate" ma:index="28" nillable="true" ma:displayName="CSX Updated?" ma:default="false" ma:internalName="CSXUpdate" ma:readOnly="false">
-      <xsd:simpleType>
-        <xsd:restriction base="dms:Boolean"/>
-      </xsd:simpleType>
-    </xsd:element>
-    <xsd:element name="IntlLangReviewDate" ma:index="29" nillable="true" ma:displayName="Date to Complete Intl QA" ma:default="" ma:internalName="IntlLangReviewDate" ma:readOnly="false">
-      <xsd:simpleType>
-        <xsd:restriction base="dms:DateTime"/>
-      </xsd:simpleType>
-    </xsd:element>
-    <xsd:element name="IsDeleted" ma:index="30" nillable="true" ma:displayName="Deleted?" ma:default="" ma:internalName="IsDeleted" ma:readOnly="false">
-      <xsd:simpleType>
-        <xsd:restriction base="dms:Boolean"/>
-      </xsd:simpleType>
-    </xsd:element>
-    <xsd:element name="APDescription" ma:index="31" nillable="true" ma:displayName="Description" ma:default="" ma:internalName="APDescription" ma:readOnly="false">
-      <xsd:simpleType>
-        <xsd:restriction base="dms:Note"/>
-      </xsd:simpleType>
-    </xsd:element>
-    <xsd:element name="DirectSourceMarket" ma:index="32" nillable="true" ma:displayName="Direct Source Market Group" ma:default="" ma:internalName="DirectSourceMarket" ma:readOnly="false">
-      <xsd:simpleType>
-        <xsd:restriction base="dms:Text"/>
-      </xsd:simpleType>
-    </xsd:element>
-    <xsd:element name="Downloads" ma:index="33" nillable="true" ma:displayName="Downloads" ma:default="0" ma:hidden="true" ma:internalName="Downloads" ma:readOnly="false">
-      <xsd:simpleType>
-        <xsd:restriction base="dms:Unknown"/>
-      </xsd:simpleType>
-    </xsd:element>
-    <xsd:element name="DSATActionTaken" ma:index="34" nillable="true" ma:displayName="DSAT Action Taken" ma:default="" ma:internalName="DSATActionTaken" ma:readOnly="false">
-      <xsd:simpleType>
-        <xsd:restriction base="dms:Choice">
-          <xsd:enumeration value="Best Bets"/>
-          <xsd:enumeration value="Expire"/>
-          <xsd:enumeration value="Hide"/>
-          <xsd:enumeration value="None"/>
-        </xsd:restriction>
-      </xsd:simpleType>
-    </xsd:element>
-    <xsd:element name="APEditor" ma:index="35" nillable="true" ma:displayName="Editor" ma:default="" ma:list="UserInfo" ma:internalName="APEditor" ma:readOnly="false">
-      <xsd:complexType>
-        <xsd:complexContent>
-          <xsd:extension base="dms:User">
-            <xsd:sequence>
-              <xsd:element name="UserInfo" minOccurs="0" maxOccurs="unbounded">
-                <xsd:complexType>
-                  <xsd:sequence>
-                    <xsd:element name="DisplayName" type="xsd:string" minOccurs="0"/>
-                    <xsd:element name="AccountId" type="dms:UserId" minOccurs="0" nillable="true"/>
-                    <xsd:element name="AccountType" type="xsd:string" minOccurs="0"/>
-                  </xsd:sequence>
-                </xsd:complexType>
-              </xsd:element>
-            </xsd:sequence>
-          </xsd:extension>
-        </xsd:complexContent>
-      </xsd:complexType>
-    </xsd:element>
-    <xsd:element name="EditorialStatus" ma:index="36" nillable="true" ma:displayName="Editorial Status" ma:default="" ma:internalName="EditorialStatus" ma:readOnly="false">
-      <xsd:simpleType>
-        <xsd:restriction base="dms:Unknown"/>
-      </xsd:simpleType>
-    </xsd:element>
-    <xsd:element name="EditorialTags" ma:index="37" nillable="true" ma:displayName="Editorial Tags" ma:default="" ma:internalName="EditorialTags">
-      <xsd:simpleType>
-        <xsd:restriction base="dms:Unknown"/>
-      </xsd:simpleType>
-    </xsd:element>
-    <xsd:element name="TPExecutable" ma:index="38" nillable="true" ma:displayName="Executable" ma:default="" ma:internalName="TPExecutable">
-      <xsd:simpleType>
-        <xsd:restriction base="dms:Text"/>
-      </xsd:simpleType>
-    </xsd:element>
-    <xsd:element name="FeatureTagsTaxHTField0" ma:index="40" nillable="true" ma:taxonomy="true" ma:internalName="FeatureTagsTaxHTField0" ma:taxonomyFieldName="FeatureTags" ma:displayName="Features" ma:readOnly="false" ma:default="" ma:fieldId="{7fc0d542-15c6-4882-a8e3-13bca44403fb}" ma:taxonomyMulti="true" ma:sspId="8f79753a-75d3-41f5-8ca3-40b843941b4f" ma:termSetId="f1ab6845-967d-4854-a0ba-4ec07f0f8113" ma:anchorId="00000000-0000-0000-0000-000000000000" ma:open="false" ma:isKeyword="false">
-      <xsd:complexType>
-        <xsd:sequence>
-          <xsd:element ref="pc:Terms" minOccurs="0" maxOccurs="1"/>
-        </xsd:sequence>
-      </xsd:complexType>
-    </xsd:element>
-    <xsd:element name="TPFriendlyName" ma:index="41" nillable="true" ma:displayName="Friendly Name" ma:default="" ma:internalName="TPFriendlyName">
-      <xsd:simpleType>
-        <xsd:restriction base="dms:Text"/>
-      </xsd:simpleType>
-    </xsd:element>
-    <xsd:element name="FriendlyTitle" ma:index="42" nillable="true" ma:displayName="Friendly Title" ma:default="" ma:description="Shorter title to be used when displaying search results" ma:internalName="FriendlyTitle" ma:readOnly="false">
-      <xsd:simpleType>
-        <xsd:restriction base="dms:Text"/>
-      </xsd:simpleType>
-    </xsd:element>
-    <xsd:element name="PrimaryImageGen" ma:index="43" nillable="true" ma:displayName="Generate Images?" ma:default="true" ma:internalName="PrimaryImageGen">
-      <xsd:simpleType>
-        <xsd:restriction base="dms:Boolean"/>
-      </xsd:simpleType>
-    </xsd:element>
-    <xsd:element name="HandoffToMSDN" ma:index="44" nillable="true" ma:displayName="Handoff To MSDN Date" ma:default="" ma:internalName="HandoffToMSDN" ma:readOnly="false">
-      <xsd:simpleType>
-        <xsd:restriction base="dms:DateTime"/>
-      </xsd:simpleType>
-    </xsd:element>
-    <xsd:element name="InProjectListLookup" ma:index="45" nillable="true" ma:displayName="InProjectListLookup" ma:list="{9E343742-310B-4684-A24C-1D137CB4B230}" ma:internalName="InProjectListLookup" ma:readOnly="true" ma:showField="InProjectList" ma:web="4873beb7-5857-4685-be1f-d57550cc96cc">
-      <xsd:complexType>
-        <xsd:complexContent>
-          <xsd:extension base="dms:MultiChoiceLookup">
-            <xsd:sequence>
-              <xsd:element name="Value" type="dms:Lookup" maxOccurs="unbounded" minOccurs="0" nillable="true"/>
-            </xsd:sequence>
-          </xsd:extension>
-        </xsd:complexContent>
-      </xsd:complexType>
-    </xsd:element>
-    <xsd:element name="TPInstallLocation" ma:index="46" nillable="true" ma:displayName="Install Location" ma:default="" ma:internalName="TPInstallLocation">
-      <xsd:simpleType>
-        <xsd:restriction base="dms:Text"/>
-      </xsd:simpleType>
-    </xsd:element>
-    <xsd:element name="InternalTagsTaxHTField0" ma:index="48" nillable="true" ma:taxonomy="true" ma:internalName="InternalTagsTaxHTField0" ma:taxonomyFieldName="InternalTags" ma:displayName="Internal Tags" ma:readOnly="false" ma:default="" ma:fieldId="{1490b8a4-2706-41ec-b5e3-73176dccf34e}" ma:taxonomyMulti="true" ma:sspId="8f79753a-75d3-41f5-8ca3-40b843941b4f" ma:termSetId="82b6639e-f7fc-4c18-ad2d-003a6e707765" ma:anchorId="00000000-0000-0000-0000-000000000000" ma:open="false" ma:isKeyword="false">
-      <xsd:complexType>
-        <xsd:sequence>
-          <xsd:element ref="pc:Terms" minOccurs="0" maxOccurs="1"/>
-        </xsd:sequence>
-      </xsd:complexType>
-    </xsd:element>
-    <xsd:element name="IntlLangReview" ma:index="49" nillable="true" ma:displayName="Intl Lang QA Review Required?" ma:default="" ma:internalName="IntlLangReview" ma:readOnly="false">
-      <xsd:simpleType>
-        <xsd:restriction base="dms:Boolean"/>
-      </xsd:simpleType>
-    </xsd:element>
-    <xsd:element name="IntlLangReviewer" ma:index="50" nillable="true" ma:displayName="Intl Lang QA Reviewer" ma:default="" ma:internalName="IntlLangReviewer" ma:readOnly="false">
-      <xsd:simpleType>
-        <xsd:restriction base="dms:Text"/>
-      </xsd:simpleType>
-    </xsd:element>
-    <xsd:element name="MarketSpecific" ma:index="51" nillable="true" ma:displayName="Is Market Specific?" ma:default="" ma:internalName="MarketSpecific" ma:readOnly="false">
-      <xsd:simpleType>
-        <xsd:restriction base="dms:Boolean"/>
-      </xsd:simpleType>
-    </xsd:element>
-    <xsd:element name="LastCompleteVersionLookup" ma:index="52" nillable="true" ma:displayName="Last Complete Version Lookup" ma:default="" ma:list="{9E343742-310B-4684-A24C-1D137CB4B230}" ma:internalName="LastCompleteVersionLookup" ma:readOnly="true" ma:showField="LastCompleteVersion" ma:web="4873beb7-5857-4685-be1f-d57550cc96cc">
-      <xsd:complexType>
-        <xsd:complexContent>
-          <xsd:extension base="dms:MultiChoiceLookup">
-            <xsd:sequence>
-              <xsd:element name="Value" type="dms:Lookup" maxOccurs="unbounded" minOccurs="0" nillable="true"/>
-            </xsd:sequence>
-          </xsd:extension>
-        </xsd:complexContent>
-      </xsd:complexType>
-    </xsd:element>
-    <xsd:element name="LastHandOff" ma:index="53" nillable="true" ma:displayName="Last Hand-off" ma:default="" ma:internalName="LastHandOff" ma:readOnly="false">
-      <xsd:simpleType>
-        <xsd:restriction base="dms:DateTime"/>
-      </xsd:simpleType>
-    </xsd:element>
-    <xsd:element name="LastModifiedDateTime" ma:index="54" nillable="true" ma:displayName="Last Modified Date" ma:default="" ma:internalName="LastModifiedDateTime" ma:readOnly="false">
-      <xsd:simpleType>
-        <xsd:restriction base="dms:DateTime"/>
-      </xsd:simpleType>
-    </xsd:element>
-    <xsd:element name="LastPreviewErrorLookup" ma:index="55" nillable="true" ma:displayName="Last Preview Attempt Error" ma:default="" ma:list="{9E343742-310B-4684-A24C-1D137CB4B230}" ma:internalName="LastPreviewErrorLookup" ma:readOnly="true" ma:showField="LastPreviewError" ma:web="4873beb7-5857-4685-be1f-d57550cc96cc">
-      <xsd:complexType>
-        <xsd:complexContent>
-          <xsd:extension base="dms:MultiChoiceLookup">
-            <xsd:sequence>
-              <xsd:element name="Value" type="dms:Lookup" maxOccurs="unbounded" minOccurs="0" nillable="true"/>
-            </xsd:sequence>
-          </xsd:extension>
-        </xsd:complexContent>
-      </xsd:complexType>
-    </xsd:element>
-    <xsd:element name="LastPreviewResultLookup" ma:index="56" nillable="true" ma:displayName="Last Preview Attempt Result" ma:default="" ma:list="{9E343742-310B-4684-A24C-1D137CB4B230}" ma:internalName="LastPreviewResultLookup" ma:readOnly="true" ma:showField="LastPreviewResult" ma:web="4873beb7-5857-4685-be1f-d57550cc96cc">
-      <xsd:complexType>
-        <xsd:complexContent>
-          <xsd:extension base="dms:MultiChoiceLookup">
-            <xsd:sequence>
-              <xsd:element name="Value" type="dms:Lookup" maxOccurs="unbounded" minOccurs="0" nillable="true"/>
-            </xsd:sequence>
-          </xsd:extension>
-        </xsd:complexContent>
-      </xsd:complexType>
-    </xsd:element>
-    <xsd:element name="LastPreviewAttemptDateLookup" ma:index="57" nillable="true" ma:displayName="Last Preview Attempted On" ma:default="" ma:list="{9E343742-310B-4684-A24C-1D137CB4B230}" ma:internalName="LastPreviewAttemptDateLookup" ma:readOnly="true" ma:showField="LastPreviewAttemptDate" ma:web="4873beb7-5857-4685-be1f-d57550cc96cc">
-      <xsd:complexType>
-        <xsd:complexContent>
-          <xsd:extension base="dms:MultiChoiceLookup">
-            <xsd:sequence>
-              <xsd:element name="Value" type="dms:Lookup" maxOccurs="unbounded" minOccurs="0" nillable="true"/>
-            </xsd:sequence>
-          </xsd:extension>
-        </xsd:complexContent>
-      </xsd:complexType>
-    </xsd:element>
-    <xsd:element name="LastPreviewedByLookup" ma:index="58" nillable="true" ma:displayName="Last Previewed By" ma:default="" ma:list="{9E343742-310B-4684-A24C-1D137CB4B230}" ma:internalName="LastPreviewedByLookup" ma:readOnly="true" ma:showField="LastPreviewedBy" ma:web="4873beb7-5857-4685-be1f-d57550cc96cc">
-      <xsd:complexType>
-        <xsd:complexContent>
-          <xsd:extension base="dms:MultiChoiceLookup">
-            <xsd:sequence>
-              <xsd:element name="Value" type="dms:Lookup" maxOccurs="unbounded" minOccurs="0" nillable="true"/>
-            </xsd:sequence>
-          </xsd:extension>
-        </xsd:complexContent>
-      </xsd:complexType>
-    </xsd:element>
-    <xsd:element name="LastPreviewTimeLookup" ma:index="59" nillable="true" ma:displayName="Last Previewed Date" ma:default="" ma:list="{9E343742-310B-4684-A24C-1D137CB4B230}" ma:internalName="LastPreviewTimeLookup" ma:readOnly="true" ma:showField="LastPreviewTime" ma:web="4873beb7-5857-4685-be1f-d57550cc96cc">
-      <xsd:complexType>
-        <xsd:complexContent>
-          <xsd:extension base="dms:MultiChoiceLookup">
-            <xsd:sequence>
-              <xsd:element name="Value" type="dms:Lookup" maxOccurs="unbounded" minOccurs="0" nillable="true"/>
-            </xsd:sequence>
-          </xsd:extension>
-        </xsd:complexContent>
-      </xsd:complexType>
-    </xsd:element>
-    <xsd:element name="LastPreviewVersionLookup" ma:index="60" nillable="true" ma:displayName="Last Previewed Version" ma:default="" ma:list="{9E343742-310B-4684-A24C-1D137CB4B230}" ma:internalName="LastPreviewVersionLookup" ma:readOnly="true" ma:showField="LastPreviewVersion" ma:web="4873beb7-5857-4685-be1f-d57550cc96cc">
-      <xsd:complexType>
-        <xsd:complexContent>
-          <xsd:extension base="dms:MultiChoiceLookup">
-            <xsd:sequence>
-              <xsd:element name="Value" type="dms:Lookup" maxOccurs="unbounded" minOccurs="0" nillable="true"/>
-            </xsd:sequence>
-          </xsd:extension>
-        </xsd:complexContent>
-      </xsd:complexType>
-    </xsd:element>
-    <xsd:element name="LastPublishErrorLookup" ma:index="61" nillable="true" ma:displayName="Last Publish Attempt Error" ma:default="" ma:list="{9E343742-310B-4684-A24C-1D137CB4B230}" ma:internalName="LastPublishErrorLookup" ma:readOnly="true" ma:showField="LastPublishError" ma:web="4873beb7-5857-4685-be1f-d57550cc96cc">
-      <xsd:complexType>
-        <xsd:complexContent>
-          <xsd:extension base="dms:MultiChoiceLookup">
-            <xsd:sequence>
-              <xsd:element name="Value" type="dms:Lookup" maxOccurs="unbounded" minOccurs="0" nillable="true"/>
-            </xsd:sequence>
-          </xsd:extension>
-        </xsd:complexContent>
-      </xsd:complexType>
-    </xsd:element>
-    <xsd:element name="LastPublishResultLookup" ma:index="62" nillable="true" ma:displayName="Last Publish Attempt Result" ma:default="" ma:list="{9E343742-310B-4684-A24C-1D137CB4B230}" ma:internalName="LastPublishResultLookup" ma:readOnly="true" ma:showField="LastPublishResult" ma:web="4873beb7-5857-4685-be1f-d57550cc96cc">
-      <xsd:complexType>
-        <xsd:complexContent>
-          <xsd:extension base="dms:MultiChoiceLookup">
-            <xsd:sequence>
-              <xsd:element name="Value" type="dms:Lookup" maxOccurs="unbounded" minOccurs="0" nillable="true"/>
-            </xsd:sequence>
-          </xsd:extension>
-        </xsd:complexContent>
-      </xsd:complexType>
-    </xsd:element>
-    <xsd:element name="LastPublishAttemptDateLookup" ma:index="63" nillable="true" ma:displayName="Last Publish Attempted On" ma:default="" ma:list="{9E343742-310B-4684-A24C-1D137CB4B230}" ma:internalName="LastPublishAttemptDateLookup" ma:readOnly="true" ma:showField="LastPublishAttemptDate" ma:web="4873beb7-5857-4685-be1f-d57550cc96cc">
-      <xsd:complexType>
-        <xsd:complexContent>
-          <xsd:extension base="dms:MultiChoiceLookup">
-            <xsd:sequence>
-              <xsd:element name="Value" type="dms:Lookup" maxOccurs="unbounded" minOccurs="0" nillable="true"/>
-            </xsd:sequence>
-          </xsd:extension>
-        </xsd:complexContent>
-      </xsd:complexType>
-    </xsd:element>
-    <xsd:element name="LastPublishedByLookup" ma:index="64" nillable="true" ma:displayName="Last Published By" ma:default="" ma:list="{9E343742-310B-4684-A24C-1D137CB4B230}" ma:internalName="LastPublishedByLookup" ma:readOnly="true" ma:showField="LastPublishedBy" ma:web="4873beb7-5857-4685-be1f-d57550cc96cc">
-      <xsd:complexType>
-        <xsd:complexContent>
-          <xsd:extension base="dms:MultiChoiceLookup">
-            <xsd:sequence>
-              <xsd:element name="Value" type="dms:Lookup" maxOccurs="unbounded" minOccurs="0" nillable="true"/>
-            </xsd:sequence>
-          </xsd:extension>
-        </xsd:complexContent>
-      </xsd:complexType>
-    </xsd:element>
-    <xsd:element name="LastPublishTimeLookup" ma:index="65" nillable="true" ma:displayName="Last Published Date" ma:default="" ma:list="{9E343742-310B-4684-A24C-1D137CB4B230}" ma:internalName="LastPublishTimeLookup" ma:readOnly="true" ma:showField="LastPublishTime" ma:web="4873beb7-5857-4685-be1f-d57550cc96cc">
-      <xsd:complexType>
-        <xsd:complexContent>
-          <xsd:extension base="dms:MultiChoiceLookup">
-            <xsd:sequence>
-              <xsd:element name="Value" type="dms:Lookup" maxOccurs="unbounded" minOccurs="0" nillable="true"/>
-            </xsd:sequence>
-          </xsd:extension>
-        </xsd:complexContent>
-      </xsd:complexType>
-    </xsd:element>
-    <xsd:element name="LastPublishVersionLookup" ma:index="66" nillable="true" ma:displayName="Last Published Version" ma:default="" ma:list="{9E343742-310B-4684-A24C-1D137CB4B230}" ma:internalName="LastPublishVersionLookup" ma:readOnly="true" ma:showField="LastPublishVersion" ma:web="4873beb7-5857-4685-be1f-d57550cc96cc">
-      <xsd:complexType>
-        <xsd:complexContent>
-          <xsd:extension base="dms:MultiChoiceLookup">
-            <xsd:sequence>
-              <xsd:element name="Value" type="dms:Lookup" maxOccurs="unbounded" minOccurs="0" nillable="true"/>
-            </xsd:sequence>
-          </xsd:extension>
-        </xsd:complexContent>
-      </xsd:complexType>
-    </xsd:element>
-    <xsd:element name="TPLaunchHelpLinkType" ma:index="67" nillable="true" ma:displayName="Launch Help Link Type" ma:default="Template" ma:internalName="TPLaunchHelpLinkType">
-      <xsd:simpleType>
-        <xsd:restriction base="dms:Choice">
-          <xsd:enumeration value="Template"/>
-          <xsd:enumeration value="Training"/>
-          <xsd:enumeration value="URL"/>
-          <xsd:enumeration value="None"/>
-        </xsd:restriction>
-      </xsd:simpleType>
-    </xsd:element>
-    <xsd:element name="LegacyData" ma:index="68" nillable="true" ma:displayName="Legacy Data" ma:default="" ma:internalName="LegacyData" ma:readOnly="false">
-      <xsd:simpleType>
-        <xsd:restriction base="dms:Note"/>
-      </xsd:simpleType>
-    </xsd:element>
-    <xsd:element name="TPLaunchHelpLink" ma:index="69" nillable="true" ma:displayName="Link to Launch Help Topic" ma:default="" ma:internalName="TPLaunchHelpLink">
-      <xsd:simpleType>
-        <xsd:restriction base="dms:Text"/>
-      </xsd:simpleType>
-    </xsd:element>
-    <xsd:element name="LocComments" ma:index="70" nillable="true" ma:displayName="Loc Approval Comments" ma:default="" ma:internalName="LocComments" ma:readOnly="false">
-      <xsd:simpleType>
-        <xsd:restriction base="dms:Note"/>
-      </xsd:simpleType>
-    </xsd:element>
-    <xsd:element name="LocLastLocAttemptVersionLookup" ma:index="71" nillable="true" ma:displayName="Loc Last Loc Attempt Version" ma:default="" ma:list="{7DD1DCEC-E449-43D3-891F-7DC62F62AD21}" ma:internalName="LocLastLocAttemptVersionLookup" ma:readOnly="false" ma:showField="LastLocAttemptVersion" ma:web="4873beb7-5857-4685-be1f-d57550cc96cc">
-      <xsd:simpleType>
-        <xsd:restriction base="dms:Lookup"/>
-      </xsd:simpleType>
-    </xsd:element>
-    <xsd:element name="LocLastLocAttemptVersionTypeLookup" ma:index="72" nillable="true" ma:displayName="Loc Last Loc Attempt Version Type" ma:default="" ma:list="{7DD1DCEC-E449-43D3-891F-7DC62F62AD21}" ma:internalName="LocLastLocAttemptVersionTypeLookup" ma:readOnly="true" ma:showField="LastLocAttemptVersionType" ma:web="4873beb7-5857-4685-be1f-d57550cc96cc">
-      <xsd:simpleType>
-        <xsd:restriction base="dms:Lookup"/>
-      </xsd:simpleType>
-    </xsd:element>
-    <xsd:element name="LocManualTestRequired" ma:index="73" nillable="true" ma:displayName="Loc Manual Test Required" ma:default="" ma:internalName="LocManualTestRequired" ma:readOnly="false">
-      <xsd:simpleType>
-        <xsd:restriction base="dms:Boolean"/>
-      </xsd:simpleType>
-    </xsd:element>
-    <xsd:element name="LocMarketGroupTiers2" ma:index="74" nillable="true" ma:displayName="Loc Market Group Tiers" ma:internalName="LocMarketGroupTiers2" ma:readOnly="false">
-      <xsd:simpleType>
-        <xsd:restriction base="dms:Unknown"/>
-      </xsd:simpleType>
-    </xsd:element>
-    <xsd:element name="LocNewPublishedVersionLookup" ma:index="75" nillable="true" ma:displayName="Loc New Published Version Lookup" ma:default="" ma:list="{7DD1DCEC-E449-43D3-891F-7DC62F62AD21}" ma:internalName="LocNewPublishedVersionLookup" ma:readOnly="true" ma:showField="NewPublishedVersion" ma:web="4873beb7-5857-4685-be1f-d57550cc96cc">
-      <xsd:simpleType>
-        <xsd:restriction base="dms:Lookup"/>
-      </xsd:simpleType>
-    </xsd:element>
-    <xsd:element name="LocOverallHandbackStatusLookup" ma:index="76" nillable="true" ma:displayName="Loc Overall Handback Status" ma:default="" ma:list="{7DD1DCEC-E449-43D3-891F-7DC62F62AD21}" ma:internalName="LocOverallHandbackStatusLookup" ma:readOnly="true" ma:showField="OverallHandbackStatus" ma:web="4873beb7-5857-4685-be1f-d57550cc96cc">
-      <xsd:simpleType>
-        <xsd:restriction base="dms:Lookup"/>
-      </xsd:simpleType>
-    </xsd:element>
-    <xsd:element name="LocOverallLocStatusLookup" ma:index="77" nillable="true" ma:displayName="Loc Overall Localize Status" ma:default="" ma:list="{7DD1DCEC-E449-43D3-891F-7DC62F62AD21}" ma:internalName="LocOverallLocStatusLookup" ma:readOnly="true" ma:showField="OverallLocStatus" ma:web="4873beb7-5857-4685-be1f-d57550cc96cc">
-      <xsd:simpleType>
-        <xsd:restriction base="dms:Lookup"/>
-      </xsd:simpleType>
-    </xsd:element>
-    <xsd:element name="LocOverallPreviewStatusLookup" ma:index="78" nillable="true" ma:displayName="Loc Overall Preview Status" ma:default="" ma:list="{7DD1DCEC-E449-43D3-891F-7DC62F62AD21}" ma:internalName="LocOverallPreviewStatusLookup" ma:readOnly="true" ma:showField="OverallPreviewStatus" ma:web="4873beb7-5857-4685-be1f-d57550cc96cc">
-      <xsd:simpleType>
-        <xsd:restriction base="dms:Lookup"/>
-      </xsd:simpleType>
-    </xsd:element>
-    <xsd:element name="LocOverallPublishStatusLookup" ma:index="79" nillable="true" ma:displayName="Loc Overall Publish Status" ma:default="" ma:list="{7DD1DCEC-E449-43D3-891F-7DC62F62AD21}" ma:internalName="LocOverallPublishStatusLookup" ma:readOnly="true" ma:showField="OverallPublishStatus" ma:web="4873beb7-5857-4685-be1f-d57550cc96cc">
-      <xsd:simpleType>
-        <xsd:restriction base="dms:Lookup"/>
-      </xsd:simpleType>
-    </xsd:element>
-    <xsd:element name="IntlLocPriority" ma:index="80" nillable="true" ma:displayName="Loc Priority" ma:default="" ma:internalName="IntlLocPriority" ma:readOnly="false">
-      <xsd:simpleType>
-        <xsd:restriction base="dms:Unknown"/>
-      </xsd:simpleType>
-    </xsd:element>
-    <xsd:element name="LocProcessedForHandoffsLookup" ma:index="81" nillable="true" ma:displayName="Loc Processed For Handoffs" ma:default="" ma:list="{7DD1DCEC-E449-43D3-891F-7DC62F62AD21}" ma:internalName="LocProcessedForHandoffsLookup" ma:readOnly="true" ma:showField="ProcessedForHandoffs" ma:web="4873beb7-5857-4685-be1f-d57550cc96cc">
-      <xsd:simpleType>
-        <xsd:restriction base="dms:Lookup"/>
-      </xsd:simpleType>
-    </xsd:element>
-    <xsd:element name="LocProcessedForMarketsLookup" ma:index="82" nillable="true" ma:displayName="Loc Processed For Markets" ma:default="" ma:list="{7DD1DCEC-E449-43D3-891F-7DC62F62AD21}" ma:internalName="LocProcessedForMarketsLookup" ma:readOnly="true" ma:showField="ProcessedForMarkets" ma:web="4873beb7-5857-4685-be1f-d57550cc96cc">
-      <xsd:simpleType>
-        <xsd:restriction base="dms:Lookup"/>
-      </xsd:simpleType>
-    </xsd:element>
-    <xsd:element name="LocPublishedDependentAssetsLookup" ma:index="83" nillable="true" ma:displayName="Loc Published Dependent Assets" ma:default="" ma:list="{7DD1DCEC-E449-43D3-891F-7DC62F62AD21}" ma:internalName="LocPublishedDependentAssetsLookup" ma:readOnly="true" ma:showField="PublishedDependentAssets" ma:web="4873beb7-5857-4685-be1f-d57550cc96cc">
-      <xsd:simpleType>
-        <xsd:restriction base="dms:Lookup"/>
-      </xsd:simpleType>
-    </xsd:element>
-    <xsd:element name="LocPublishedLinkedAssetsLookup" ma:index="84" nillable="true" ma:displayName="Loc Published Linked Assets" ma:default="" ma:list="{7DD1DCEC-E449-43D3-891F-7DC62F62AD21}" ma:internalName="LocPublishedLinkedAssetsLookup" ma:readOnly="true" ma:showField="PublishedLinkedAssets" ma:web="4873beb7-5857-4685-be1f-d57550cc96cc">
-      <xsd:simpleType>
-        <xsd:restriction base="dms:Lookup"/>
-      </xsd:simpleType>
-    </xsd:element>
-    <xsd:element name="LocRecommendedHandoff" ma:index="85" nillable="true" ma:displayName="Loc Recommended Handoff" ma:default="" ma:indexed="true" ma:internalName="LocRecommendedHandoff" ma:readOnly="false">
-      <xsd:simpleType>
-        <xsd:restriction base="dms:Text"/>
-      </xsd:simpleType>
-    </xsd:element>
-    <xsd:element name="LocalizationTagsTaxHTField0" ma:index="87" nillable="true" ma:taxonomy="true" ma:internalName="LocalizationTagsTaxHTField0" ma:taxonomyFieldName="LocalizationTags" ma:displayName="Localization Tags" ma:readOnly="false" ma:default="" ma:fieldId="{00f02cb3-2c7c-424a-9c61-10e9b6878429}" ma:taxonomyMulti="true" ma:sspId="8f79753a-75d3-41f5-8ca3-40b843941b4f" ma:termSetId="5b7703a5-8e8b-4b58-8b31-1cea35331da3" ma:anchorId="00000000-0000-0000-0000-000000000000" ma:open="false" ma:isKeyword="false">
-      <xsd:complexType>
-        <xsd:sequence>
-          <xsd:element ref="pc:Terms" minOccurs="0" maxOccurs="1"/>
-        </xsd:sequence>
-      </xsd:complexType>
-    </xsd:element>
-    <xsd:element name="MachineTranslated" ma:index="88" nillable="true" ma:displayName="Machine Translated" ma:default="" ma:internalName="MachineTranslated" ma:readOnly="false">
-      <xsd:simpleType>
-        <xsd:restriction base="dms:Boolean"/>
-      </xsd:simpleType>
-    </xsd:element>
-    <xsd:element name="Manager" ma:index="89" nillable="true" ma:displayName="Manager" ma:hidden="true" ma:internalName="Manager" ma:readOnly="false">
-      <xsd:simpleType>
-        <xsd:restriction base="dms:Text"/>
-      </xsd:simpleType>
-    </xsd:element>
-    <xsd:element name="Markets" ma:index="90" nillable="true" ma:displayName="Markets" ma:default="" ma:description="Leave blank to show in all markets" ma:list="{2FBD1B11-2ACE-4FDC-B5A3-635D4ADF6F1B}" ma:internalName="Markets" ma:readOnly="false" ma:showField="MarketName" ma:web="4873beb7-5857-4685-be1f-d57550cc96cc">
-      <xsd:complexType>
-        <xsd:complexContent>
-          <xsd:extension base="dms:MultiChoiceLookup">
-            <xsd:sequence>
-              <xsd:element name="Value" type="dms:Lookup" maxOccurs="unbounded" minOccurs="0" nillable="true"/>
-            </xsd:sequence>
-          </xsd:extension>
-        </xsd:complexContent>
-      </xsd:complexType>
-    </xsd:element>
-    <xsd:element name="Milestone" ma:index="91" nillable="true" ma:displayName="Milestone" ma:default="" ma:internalName="Milestone" ma:readOnly="false">
-      <xsd:simpleType>
-        <xsd:restriction base="dms:Unknown"/>
-      </xsd:simpleType>
-    </xsd:element>
-    <xsd:element name="TPNamespace" ma:index="94" nillable="true" ma:displayName="Namespace" ma:default="" ma:internalName="TPNamespace">
-      <xsd:simpleType>
-        <xsd:restriction base="dms:Text"/>
-      </xsd:simpleType>
-    </xsd:element>
-    <xsd:element name="NumericId" ma:index="95" nillable="true" ma:displayName="Numeric ID" ma:default="" ma:indexed="true" ma:internalName="NumericId" ma:readOnly="false">
-      <xsd:simpleType>
-        <xsd:restriction base="dms:Number"/>
-      </xsd:simpleType>
-    </xsd:element>
-    <xsd:element name="NumOfRatingsLookup" ma:index="96" nillable="true" ma:displayName="NumOfRatings" ma:default="" ma:list="{9E343742-310B-4684-A24C-1D137CB4B230}" ma:internalName="NumOfRatingsLookup" ma:readOnly="true" ma:showField="NumOfRatings" ma:web="4873beb7-5857-4685-be1f-d57550cc96cc">
-      <xsd:complexType>
-        <xsd:complexContent>
-          <xsd:extension base="dms:MultiChoiceLookup">
-            <xsd:sequence>
-              <xsd:element name="Value" type="dms:Lookup" maxOccurs="unbounded" minOccurs="0" nillable="true"/>
-            </xsd:sequence>
-          </xsd:extension>
-        </xsd:complexContent>
-      </xsd:complexType>
-    </xsd:element>
-    <xsd:element name="OOCacheId" ma:index="97" nillable="true" ma:displayName="OOCacheId" ma:internalName="OOCacheId" ma:readOnly="false">
-      <xsd:simpleType>
-        <xsd:restriction base="dms:Text"/>
-      </xsd:simpleType>
-    </xsd:element>
-    <xsd:element name="OpenTemplate" ma:index="98" nillable="true" ma:displayName="Open Template" ma:default="true" ma:internalName="OpenTemplate">
-      <xsd:simpleType>
-        <xsd:restriction base="dms:Boolean"/>
-      </xsd:simpleType>
-    </xsd:element>
-    <xsd:element name="OriginAsset" ma:index="99" nillable="true" ma:displayName="Origin Asset" ma:default="" ma:internalName="OriginAsset" ma:readOnly="false">
-      <xsd:simpleType>
-        <xsd:restriction base="dms:Text"/>
-      </xsd:simpleType>
-    </xsd:element>
-    <xsd:element name="OriginalRelease" ma:index="100" nillable="true" ma:displayName="Original Release" ma:default="15" ma:internalName="OriginalRelease" ma:readOnly="false">
-      <xsd:simpleType>
-        <xsd:restriction base="dms:Choice">
-          <xsd:enumeration value="14"/>
-          <xsd:enumeration value="15"/>
-          <xsd:enumeration value="16"/>
-        </xsd:restriction>
-      </xsd:simpleType>
-    </xsd:element>
-    <xsd:element name="OriginalSourceMarket" ma:index="101" nillable="true" ma:displayName="Original Source Market Group" ma:default="" ma:internalName="OriginalSourceMarket" ma:readOnly="false">
-      <xsd:simpleType>
-        <xsd:restriction base="dms:Text"/>
-      </xsd:simpleType>
-    </xsd:element>
-    <xsd:element name="OutputCachingOn" ma:index="102" nillable="true" ma:displayName="Output Caching" ma:default="true" ma:hidden="true" ma:internalName="OutputCachingOn" ma:readOnly="false">
-      <xsd:simpleType>
-        <xsd:restriction base="dms:Boolean"/>
-      </xsd:simpleType>
-    </xsd:element>
-    <xsd:element name="ParentAssetId" ma:index="103" nillable="true" ma:displayName="Parent Asset Id" ma:default="" ma:internalName="ParentAssetId" ma:readOnly="false">
-      <xsd:simpleType>
-        <xsd:restriction base="dms:Text"/>
-      </xsd:simpleType>
-    </xsd:element>
-    <xsd:element name="PlannedPubDate" ma:index="104" nillable="true" ma:displayName="Planned Publish Date" ma:default="" ma:indexed="true" ma:internalName="PlannedPubDate" ma:readOnly="false">
-      <xsd:simpleType>
-        <xsd:restriction base="dms:DateTime"/>
-      </xsd:simpleType>
-    </xsd:element>
-    <xsd:element name="PolicheckWords" ma:index="105" nillable="true" ma:displayName="Policheck Words" ma:default="" ma:internalName="PolicheckWords" ma:readOnly="false">
-      <xsd:simpleType>
-        <xsd:restriction base="dms:Text"/>
-      </xsd:simpleType>
-    </xsd:element>
-    <xsd:element name="BusinessGroup" ma:index="106" nillable="true" ma:displayName="Product Division Owner" ma:default="" ma:internalName="BusinessGroup" ma:readOnly="false">
-      <xsd:simpleType>
-        <xsd:restriction base="dms:Unknown"/>
-      </xsd:simpleType>
-    </xsd:element>
-    <xsd:element name="UAProjectedTotalWords" ma:index="107" nillable="true" ma:displayName="Projected Word Count" ma:default="" ma:internalName="UAProjectedTotalWords" ma:readOnly="false">
-      <xsd:simpleType>
-        <xsd:restriction base="dms:Unknown"/>
-      </xsd:simpleType>
-    </xsd:element>
-    <xsd:element name="Provider" ma:index="108" nillable="true" ma:displayName="Provider" ma:default="" ma:internalName="Provider" ma:readOnly="false">
-      <xsd:simpleType>
-        <xsd:restriction base="dms:Unknown"/>
-      </xsd:simpleType>
-    </xsd:element>
-    <xsd:element name="Providers" ma:index="109" nillable="true" ma:displayName="Providers" ma:default="" ma:internalName="Providers">
-      <xsd:simpleType>
-        <xsd:restriction base="dms:Unknown"/>
-      </xsd:simpleType>
-    </xsd:element>
-    <xsd:element name="PublishStatusLookup" ma:index="110" nillable="true" ma:displayName="Publish Status" ma:default="" ma:list="{9E343742-310B-4684-A24C-1D137CB4B230}" ma:internalName="PublishStatusLookup" ma:readOnly="false" ma:showField="PublishStatus" ma:web="4873beb7-5857-4685-be1f-d57550cc96cc">
-      <xsd:complexType>
-        <xsd:complexContent>
-          <xsd:extension base="dms:MultiChoiceLookup">
-            <xsd:sequence>
-              <xsd:element name="Value" type="dms:Lookup" maxOccurs="unbounded" minOccurs="0" nillable="true"/>
-            </xsd:sequence>
-          </xsd:extension>
-        </xsd:complexContent>
-      </xsd:complexType>
-    </xsd:element>
-    <xsd:element name="PublishTargets" ma:index="111" nillable="true" ma:displayName="Publish Target" ma:default="OfficeOnlineVNext" ma:internalName="PublishTargets" ma:readOnly="false">
-      <xsd:simpleType>
-        <xsd:restriction base="dms:Unknown"/>
-      </xsd:simpleType>
-    </xsd:element>
-    <xsd:element name="RecommendationsModifier" ma:index="112" nillable="true" ma:displayName="Recommendations Modifier" ma:default="" ma:internalName="RecommendationsModifier" ma:readOnly="false">
-      <xsd:simpleType>
-        <xsd:restriction base="dms:Number"/>
-      </xsd:simpleType>
-    </xsd:element>
-    <xsd:element name="ArtSampleDocs" ma:index="113" nillable="true" ma:displayName="Sample Docs" ma:default="" ma:hidden="true" ma:internalName="ArtSampleDocs" ma:readOnly="false">
-      <xsd:simpleType>
-        <xsd:restriction base="dms:Text"/>
-      </xsd:simpleType>
-    </xsd:element>
-    <xsd:element name="ScenarioTagsTaxHTField0" ma:index="115" nillable="true" ma:taxonomy="true" ma:internalName="ScenarioTagsTaxHTField0" ma:taxonomyFieldName="ScenarioTags" ma:displayName="Scenarios" ma:readOnly="false" ma:default="" ma:fieldId="{93aef74d-6c78-4815-8310-51477dceeccc}" ma:taxonomyMulti="true" ma:sspId="8f79753a-75d3-41f5-8ca3-40b843941b4f" ma:termSetId="4b7d5f16-e2f2-4fc0-bab3-6e8b931e57d6" ma:anchorId="00000000-0000-0000-0000-000000000000" ma:open="false" ma:isKeyword="false">
-      <xsd:complexType>
-        <xsd:sequence>
-          <xsd:element ref="pc:Terms" minOccurs="0" maxOccurs="1"/>
-        </xsd:sequence>
-      </xsd:complexType>
-    </xsd:element>
-    <xsd:element name="ShowIn" ma:index="117" nillable="true" ma:displayName="Show In" ma:default="Show everywhere" ma:internalName="ShowIn" ma:readOnly="false">
-      <xsd:simpleType>
-        <xsd:restriction base="dms:Choice">
-          <xsd:enumeration value="Hide on web"/>
-          <xsd:enumeration value="On Web no search"/>
-          <xsd:enumeration value="Show everywhere"/>
-          <xsd:enumeration value="Special use only"/>
-        </xsd:restriction>
-      </xsd:simpleType>
-    </xsd:element>
-    <xsd:element name="SourceTitle" ma:index="118" nillable="true" ma:displayName="Source Title" ma:default="" ma:indexed="true" ma:internalName="SourceTitle" ma:readOnly="false">
-      <xsd:simpleType>
-        <xsd:restriction base="dms:Text"/>
-      </xsd:simpleType>
-    </xsd:element>
-    <xsd:element name="CSXSubmissionDate" ma:index="119" nillable="true" ma:displayName="Submission Date" ma:default="" ma:internalName="CSXSubmissionDate" ma:readOnly="false">
-      <xsd:simpleType>
-        <xsd:restriction base="dms:DateTime"/>
-      </xsd:simpleType>
-    </xsd:element>
-    <xsd:element name="SubmitterId" ma:index="120" nillable="true" ma:displayName="Submitter ID" ma:default="" ma:internalName="SubmitterId" ma:readOnly="false">
-      <xsd:simpleType>
-        <xsd:restriction base="dms:Text"/>
-      </xsd:simpleType>
-    </xsd:element>
-    <xsd:element name="TaxCatchAll" ma:index="121" nillable="true" ma:displayName="Taxonomy Catch All Column" ma:hidden="true" ma:list="{530f955b-6704-4601-bd83-f81d87f1e440}" ma:internalName="TaxCatchAll" ma:showField="CatchAllData" ma:web="4873beb7-5857-4685-be1f-d57550cc96cc">
-      <xsd:complexType>
-        <xsd:complexContent>
-          <xsd:extension base="dms:MultiChoiceLookup">
-            <xsd:sequence>
-              <xsd:element name="Value" type="dms:Lookup" maxOccurs="unbounded" minOccurs="0" nillable="true"/>
-            </xsd:sequence>
-          </xsd:extension>
-        </xsd:complexContent>
-      </xsd:complexType>
-    </xsd:element>
-    <xsd:element name="TaxCatchAllLabel" ma:index="122" nillable="true" ma:displayName="Taxonomy Catch All Column1" ma:hidden="true" ma:list="{530f955b-6704-4601-bd83-f81d87f1e440}" ma:internalName="TaxCatchAllLabel" ma:readOnly="true" ma:showField="CatchAllDataLabel" ma:web="4873beb7-5857-4685-be1f-d57550cc96cc">
-      <xsd:complexType>
-        <xsd:complexContent>
-          <xsd:extension base="dms:MultiChoiceLookup">
-            <xsd:sequence>
-              <xsd:element name="Value" type="dms:Lookup" maxOccurs="unbounded" minOccurs="0" nillable="true"/>
-            </xsd:sequence>
-          </xsd:extension>
-        </xsd:complexContent>
-      </xsd:complexType>
-    </xsd:element>
-    <xsd:element name="TemplateStatus" ma:index="123" nillable="true" ma:displayName="Template Status" ma:default="" ma:internalName="TemplateStatus">
-      <xsd:simpleType>
-        <xsd:restriction base="dms:Unknown"/>
-      </xsd:simpleType>
-    </xsd:element>
-    <xsd:element name="TemplateTemplateType" ma:index="124" nillable="true" ma:displayName="Template Type" ma:default="" ma:internalName="TemplateTemplateType">
-      <xsd:simpleType>
-        <xsd:restriction base="dms:Unknown"/>
-      </xsd:simpleType>
-    </xsd:element>
-    <xsd:element name="ThumbnailAssetId" ma:index="125" nillable="true" ma:displayName="Thumbnail Image Asset" ma:default="" ma:internalName="ThumbnailAssetId" ma:readOnly="false">
-      <xsd:simpleType>
-        <xsd:restriction base="dms:Text"/>
-      </xsd:simpleType>
-    </xsd:element>
-    <xsd:element name="TimesCloned" ma:index="126" nillable="true" ma:displayName="Times Cloned" ma:default="" ma:internalName="TimesCloned" ma:readOnly="false">
-      <xsd:simpleType>
-        <xsd:restriction base="dms:Number"/>
-      </xsd:simpleType>
-    </xsd:element>
-    <xsd:element name="TrustLevel" ma:index="128" nillable="true" ma:displayName="Trust Level" ma:default="1 Microsoft Managed Content" ma:internalName="TrustLevel" ma:readOnly="false">
-      <xsd:simpleType>
-        <xsd:restriction base="dms:Unknown"/>
-      </xsd:simpleType>
-    </xsd:element>
-    <xsd:element name="UALocComments" ma:index="129" nillable="true" ma:displayName="UA Loc Comments" ma:default="" ma:internalName="UALocComments" ma:readOnly="false">
-      <xsd:simpleType>
-        <xsd:restriction base="dms:Note"/>
-      </xsd:simpleType>
-    </xsd:element>
-    <xsd:element name="UALocRecommendation" ma:index="130" nillable="true" ma:displayName="UA Loc Recommendation" ma:default="Localize" ma:internalName="UALocRecommendation" ma:readOnly="false">
-      <xsd:simpleType>
-        <xsd:restriction base="dms:Choice">
-          <xsd:enumeration value="Localize"/>
-          <xsd:enumeration value="Never Localize"/>
-          <xsd:enumeration value="Priority Localize"/>
-        </xsd:restriction>
-      </xsd:simpleType>
-    </xsd:element>
-    <xsd:element name="UANotes" ma:index="131" nillable="true" ma:displayName="UA Notes" ma:default="" ma:internalName="UANotes" ma:readOnly="false">
-      <xsd:simpleType>
-        <xsd:restriction base="dms:Note"/>
-      </xsd:simpleType>
-    </xsd:element>
-    <xsd:element name="TPAppVersion" ma:index="132" nillable="true" ma:displayName="Version" ma:default="" ma:internalName="TPAppVersion">
-      <xsd:simpleType>
-        <xsd:restriction base="dms:Text"/>
-      </xsd:simpleType>
-    </xsd:element>
-    <xsd:element name="VoteCount" ma:index="133" nillable="true" ma:displayName="Vote Count" ma:default="" ma:internalName="VoteCount" ma:readOnly="false">
-      <xsd:simpleType>
-        <xsd:restriction base="dms:Unknown"/>
-      </xsd:simpleType>
-    </xsd:element>
-  </xsd:schema>
-  <xsd:schema xmlns="http://schemas.openxmlformats.org/package/2006/metadata/core-properties" xmlns:xsd="http://www.w3.org/2001/XMLSchema" xmlns:xsi="http://www.w3.org/2001/XMLSchema-instance" xmlns:dc="http://purl.org/dc/elements/1.1/" xmlns:dcterms="http://purl.org/dc/terms/" xmlns:odoc="http://schemas.microsoft.com/internal/obd" targetNamespace="http://schemas.openxmlformats.org/package/2006/metadata/core-properties" elementFormDefault="qualified" attributeFormDefault="unqualified" blockDefault="#all">
-    <xsd:import namespace="http://purl.org/dc/elements/1.1/" schemaLocation="http://dublincore.org/schemas/xmls/qdc/2003/04/02/dc.xsd"/>
-    <xsd:import namespace="http://purl.org/dc/terms/" schemaLocation="http://dublincore.org/schemas/xmls/qdc/2003/04/02/dcterms.xsd"/>
-    <xsd:element name="coreProperties" type="CT_coreProperties"/>
-    <xsd:complexType name="CT_coreProperties">
-      <xsd:all>
-        <xsd:element ref="dc:creator" minOccurs="0" maxOccurs="1"/>
-        <xsd:element ref="dcterms:created" minOccurs="0" maxOccurs="1"/>
-        <xsd:element ref="dc:identifier" minOccurs="0" maxOccurs="1"/>
-        <xsd:element name="contentType" minOccurs="0" maxOccurs="1" type="xsd:string" ma:index="22" ma:displayName="Content Type"/>
-        <xsd:element ref="dc:title" minOccurs="0" maxOccurs="1" ma:index="127" ma:displayName="Title"/>
-        <xsd:element ref="dc:subject" minOccurs="0" maxOccurs="1"/>
-        <xsd:element ref="dc:description" minOccurs="0" maxOccurs="1"/>
-        <xsd:element name="keywords" minOccurs="0" maxOccurs="1" type="xsd:string"/>
-        <xsd:element ref="dc:language" minOccurs="0" maxOccurs="1"/>
-        <xsd:element name="category" minOccurs="0" maxOccurs="1" type="xsd:string"/>
-        <xsd:element name="version" minOccurs="0" maxOccurs="1" type="xsd:string"/>
-        <xsd:element name="revision" minOccurs="0" maxOccurs="1" type="xsd:string">
-          <xsd:annotation>
-            <xsd:documentation>
-                        This value indicates the number of saves or revisions. The application is responsible for updating this value after each revision.
-                    </xsd:documentation>
-          </xsd:annotation>
-        </xsd:element>
-        <xsd:element name="lastModifiedBy" minOccurs="0" maxOccurs="1" type="xsd:string"/>
-        <xsd:element ref="dcterms:modified" minOccurs="0" maxOccurs="1"/>
-        <xsd:element name="contentStatus" minOccurs="0" maxOccurs="1" type="xsd:string"/>
-      </xsd:all>
-    </xsd:complexType>
-  </xsd:schema>
-  <xs:schema xmlns:pc="http://schemas.microsoft.com/office/infopath/2007/PartnerControls" xmlns:xs="http://www.w3.org/2001/XMLSchema" targetNamespace="http://schemas.microsoft.com/office/infopath/2007/PartnerControls" elementFormDefault="qualified" attributeFormDefault="unqualified">
-    <xs:element name="Person">
-      <xs:complexType>
-        <xs:sequence>
-          <xs:element ref="pc:DisplayName" minOccurs="0"/>
-          <xs:element ref="pc:AccountId" minOccurs="0"/>
-          <xs:element ref="pc:AccountType" minOccurs="0"/>
-        </xs:sequence>
-      </xs:complexType>
-    </xs:element>
-    <xs:element name="DisplayName" type="xs:string"/>
-    <xs:element name="AccountId" type="xs:string"/>
-    <xs:element name="AccountType" type="xs:string"/>
-    <xs:element name="BDCAssociatedEntity">
-      <xs:complexType>
-        <xs:sequence>
-          <xs:element ref="pc:BDCEntity" minOccurs="0" maxOccurs="unbounded"/>
-        </xs:sequence>
-        <xs:attribute ref="pc:EntityNamespace"/>
-        <xs:attribute ref="pc:EntityName"/>
-        <xs:attribute ref="pc:SystemInstanceName"/>
-        <xs:attribute ref="pc:AssociationName"/>
-      </xs:complexType>
-    </xs:element>
-    <xs:attribute name="EntityNamespace" type="xs:string"/>
-    <xs:attribute name="EntityName" type="xs:string"/>
-    <xs:attribute name="SystemInstanceName" type="xs:string"/>
-    <xs:attribute name="AssociationName" type="xs:string"/>
-    <xs:element name="BDCEntity">
-      <xs:complexType>
-        <xs:sequence>
-          <xs:element ref="pc:EntityDisplayName" minOccurs="0"/>
-          <xs:element ref="pc:EntityInstanceReference" minOccurs="0"/>
-          <xs:element ref="pc:EntityId1" minOccurs="0"/>
-          <xs:element ref="pc:EntityId2" minOccurs="0"/>
-          <xs:element ref="pc:EntityId3" minOccurs="0"/>
-          <xs:element ref="pc:EntityId4" minOccurs="0"/>
-          <xs:element ref="pc:EntityId5" minOccurs="0"/>
-        </xs:sequence>
-      </xs:complexType>
-    </xs:element>
-    <xs:element name="EntityDisplayName" type="xs:string"/>
-    <xs:element name="EntityInstanceReference" type="xs:string"/>
-    <xs:element name="EntityId1" type="xs:string"/>
-    <xs:element name="EntityId2" type="xs:string"/>
-    <xs:element name="EntityId3" type="xs:string"/>
-    <xs:element name="EntityId4" type="xs:string"/>
-    <xs:element name="EntityId5" type="xs:string"/>
-    <xs:element name="Terms">
-      <xs:complexType>
-        <xs:sequence>
-          <xs:element ref="pc:TermInfo" minOccurs="0" maxOccurs="unbounded"/>
-        </xs:sequence>
-      </xs:complexType>
-    </xs:element>
-    <xs:element name="TermInfo">
-      <xs:complexType>
-        <xs:sequence>
-          <xs:element ref="pc:TermName" minOccurs="0"/>
-          <xs:element ref="pc:TermId" minOccurs="0"/>
-        </xs:sequence>
-      </xs:complexType>
-    </xs:element>
-    <xs:element name="TermName" type="xs:string"/>
-    <xs:element name="TermId" type="xs:string"/>
-  </xs:schema>
-</ct:contentTypeSchema>
-</file>
-
 <file path=customXml/item3.xml><?xml version="1.0" encoding="utf-8"?>
 <?mso-contentType ?>
 <FormTemplates xmlns="http://schemas.microsoft.com/sharepoint/v3/contenttype/forms">
@@ -9560,22 +9874,6 @@
 </file>
 
 <file path=customXml/itemProps1.xml><?xml version="1.0" encoding="utf-8"?>
-<ds:datastoreItem xmlns:ds="http://schemas.openxmlformats.org/officeDocument/2006/customXml" ds:itemID="{60C67BEE-D13F-4BD2-98A5-34D8A0977F68}">
-  <ds:schemaRefs>
-    <ds:schemaRef ds:uri="http://purl.org/dc/terms/"/>
-    <ds:schemaRef ds:uri="http://schemas.openxmlformats.org/package/2006/metadata/core-properties"/>
-    <ds:schemaRef ds:uri="4873beb7-5857-4685-be1f-d57550cc96cc"/>
-    <ds:schemaRef ds:uri="http://schemas.microsoft.com/office/2006/documentManagement/types"/>
-    <ds:schemaRef ds:uri="http://schemas.microsoft.com/office/infopath/2007/PartnerControls"/>
-    <ds:schemaRef ds:uri="http://purl.org/dc/elements/1.1/"/>
-    <ds:schemaRef ds:uri="http://schemas.microsoft.com/office/2006/metadata/properties"/>
-    <ds:schemaRef ds:uri="http://www.w3.org/XML/1998/namespace"/>
-    <ds:schemaRef ds:uri="http://purl.org/dc/dcmitype/"/>
-  </ds:schemaRefs>
-</ds:datastoreItem>
-</file>
-
-<file path=customXml/itemProps2.xml><?xml version="1.0" encoding="utf-8"?>
 <ds:datastoreItem xmlns:ds="http://schemas.openxmlformats.org/officeDocument/2006/customXml" ds:itemID="{A09BF4D4-EF60-4196-BFC3-9462D607978C}">
   <ds:schemaRefs>
     <ds:schemaRef ds:uri="http://schemas.microsoft.com/office/2006/metadata/contentType"/>
@@ -9593,6 +9891,22 @@
 </ds:datastoreItem>
 </file>
 
+<file path=customXml/itemProps2.xml><?xml version="1.0" encoding="utf-8"?>
+<ds:datastoreItem xmlns:ds="http://schemas.openxmlformats.org/officeDocument/2006/customXml" ds:itemID="{60C67BEE-D13F-4BD2-98A5-34D8A0977F68}">
+  <ds:schemaRefs>
+    <ds:schemaRef ds:uri="http://purl.org/dc/terms/"/>
+    <ds:schemaRef ds:uri="http://schemas.openxmlformats.org/package/2006/metadata/core-properties"/>
+    <ds:schemaRef ds:uri="4873beb7-5857-4685-be1f-d57550cc96cc"/>
+    <ds:schemaRef ds:uri="http://schemas.microsoft.com/office/2006/documentManagement/types"/>
+    <ds:schemaRef ds:uri="http://schemas.microsoft.com/office/infopath/2007/PartnerControls"/>
+    <ds:schemaRef ds:uri="http://purl.org/dc/elements/1.1/"/>
+    <ds:schemaRef ds:uri="http://schemas.microsoft.com/office/2006/metadata/properties"/>
+    <ds:schemaRef ds:uri="http://www.w3.org/XML/1998/namespace"/>
+    <ds:schemaRef ds:uri="http://purl.org/dc/dcmitype/"/>
+  </ds:schemaRefs>
+</ds:datastoreItem>
+</file>
+
 <file path=customXml/itemProps3.xml><?xml version="1.0" encoding="utf-8"?>
 <ds:datastoreItem xmlns:ds="http://schemas.openxmlformats.org/officeDocument/2006/customXml" ds:itemID="{3836F65B-1B07-41EE-A0E8-BC6EF3855225}">
   <ds:schemaRefs>

--- a/Master.pptx
+++ b/Master.pptx
@@ -5,30 +5,34 @@
     <p:sldMasterId id="2147483660" r:id="rId4"/>
   </p:sldMasterIdLst>
   <p:notesMasterIdLst>
-    <p:notesMasterId r:id="rId23"/>
+    <p:notesMasterId r:id="rId27"/>
   </p:notesMasterIdLst>
   <p:handoutMasterIdLst>
-    <p:handoutMasterId r:id="rId24"/>
+    <p:handoutMasterId r:id="rId28"/>
   </p:handoutMasterIdLst>
   <p:sldIdLst>
     <p:sldId id="257" r:id="rId5"/>
-    <p:sldId id="268" r:id="rId6"/>
-    <p:sldId id="272" r:id="rId7"/>
-    <p:sldId id="273" r:id="rId8"/>
-    <p:sldId id="274" r:id="rId9"/>
-    <p:sldId id="275" r:id="rId10"/>
-    <p:sldId id="276" r:id="rId11"/>
-    <p:sldId id="277" r:id="rId12"/>
-    <p:sldId id="278" r:id="rId13"/>
-    <p:sldId id="279" r:id="rId14"/>
-    <p:sldId id="280" r:id="rId15"/>
-    <p:sldId id="281" r:id="rId16"/>
-    <p:sldId id="282" r:id="rId17"/>
-    <p:sldId id="283" r:id="rId18"/>
-    <p:sldId id="284" r:id="rId19"/>
-    <p:sldId id="285" r:id="rId20"/>
-    <p:sldId id="286" r:id="rId21"/>
-    <p:sldId id="287" r:id="rId22"/>
+    <p:sldId id="289" r:id="rId6"/>
+    <p:sldId id="268" r:id="rId7"/>
+    <p:sldId id="272" r:id="rId8"/>
+    <p:sldId id="273" r:id="rId9"/>
+    <p:sldId id="274" r:id="rId10"/>
+    <p:sldId id="275" r:id="rId11"/>
+    <p:sldId id="276" r:id="rId12"/>
+    <p:sldId id="277" r:id="rId13"/>
+    <p:sldId id="278" r:id="rId14"/>
+    <p:sldId id="279" r:id="rId15"/>
+    <p:sldId id="280" r:id="rId16"/>
+    <p:sldId id="281" r:id="rId17"/>
+    <p:sldId id="282" r:id="rId18"/>
+    <p:sldId id="283" r:id="rId19"/>
+    <p:sldId id="284" r:id="rId20"/>
+    <p:sldId id="285" r:id="rId21"/>
+    <p:sldId id="286" r:id="rId22"/>
+    <p:sldId id="287" r:id="rId23"/>
+    <p:sldId id="288" r:id="rId24"/>
+    <p:sldId id="290" r:id="rId25"/>
+    <p:sldId id="291" r:id="rId26"/>
   </p:sldIdLst>
   <p:sldSz cx="12188825" cy="6858000"/>
   <p:notesSz cx="6858000" cy="9144000"/>
@@ -246,7 +250,7 @@
           <a:p>
             <a:fld id="{FE5B4EDC-59C0-49C7-8ADA-5A781B329E02}" type="datetimeFigureOut">
               <a:rPr lang="en-US"/>
-              <a:t>1/17/2018</a:t>
+              <a:t>1/29/2018</a:t>
             </a:fld>
             <a:endParaRPr/>
           </a:p>
@@ -411,7 +415,7 @@
           <a:p>
             <a:fld id="{F2D8D46A-B586-417D-BFBD-8C8FE0AAF762}" type="datetimeFigureOut">
               <a:rPr lang="en-US"/>
-              <a:t>1/17/2018</a:t>
+              <a:t>1/29/2018</a:t>
             </a:fld>
             <a:endParaRPr/>
           </a:p>
@@ -1429,7 +1433,7 @@
           <a:p>
             <a:fld id="{F0DFD029-FB74-4578-B929-F66AA97659CA}" type="datetimeFigureOut">
               <a:rPr lang="en-US"/>
-              <a:t>1/17/2018</a:t>
+              <a:t>1/29/2018</a:t>
             </a:fld>
             <a:endParaRPr/>
           </a:p>
@@ -1627,7 +1631,7 @@
           <a:p>
             <a:fld id="{F0DFD029-FB74-4578-B929-F66AA97659CA}" type="datetimeFigureOut">
               <a:rPr lang="en-US"/>
-              <a:t>1/17/2018</a:t>
+              <a:t>1/29/2018</a:t>
             </a:fld>
             <a:endParaRPr/>
           </a:p>
@@ -1835,7 +1839,7 @@
           <a:p>
             <a:fld id="{F0DFD029-FB74-4578-B929-F66AA97659CA}" type="datetimeFigureOut">
               <a:rPr lang="en-US"/>
-              <a:t>1/17/2018</a:t>
+              <a:t>1/29/2018</a:t>
             </a:fld>
             <a:endParaRPr/>
           </a:p>
@@ -2033,7 +2037,7 @@
           <a:p>
             <a:fld id="{F0DFD029-FB74-4578-B929-F66AA97659CA}" type="datetimeFigureOut">
               <a:rPr lang="en-US"/>
-              <a:t>1/17/2018</a:t>
+              <a:t>1/29/2018</a:t>
             </a:fld>
             <a:endParaRPr/>
           </a:p>
@@ -2465,7 +2469,7 @@
           <a:p>
             <a:fld id="{F0DFD029-FB74-4578-B929-F66AA97659CA}" type="datetimeFigureOut">
               <a:rPr lang="en-US"/>
-              <a:t>1/17/2018</a:t>
+              <a:t>1/29/2018</a:t>
             </a:fld>
             <a:endParaRPr/>
           </a:p>
@@ -2769,7 +2773,7 @@
           <a:p>
             <a:fld id="{F0DFD029-FB74-4578-B929-F66AA97659CA}" type="datetimeFigureOut">
               <a:rPr lang="en-US"/>
-              <a:t>1/17/2018</a:t>
+              <a:t>1/29/2018</a:t>
             </a:fld>
             <a:endParaRPr/>
           </a:p>
@@ -3225,7 +3229,7 @@
           <a:p>
             <a:fld id="{F0DFD029-FB74-4578-B929-F66AA97659CA}" type="datetimeFigureOut">
               <a:rPr lang="en-US"/>
-              <a:t>1/17/2018</a:t>
+              <a:t>1/29/2018</a:t>
             </a:fld>
             <a:endParaRPr/>
           </a:p>
@@ -3355,7 +3359,7 @@
           <a:p>
             <a:fld id="{F0DFD029-FB74-4578-B929-F66AA97659CA}" type="datetimeFigureOut">
               <a:rPr lang="en-US"/>
-              <a:t>1/17/2018</a:t>
+              <a:t>1/29/2018</a:t>
             </a:fld>
             <a:endParaRPr/>
           </a:p>
@@ -3462,7 +3466,7 @@
           <a:p>
             <a:fld id="{F0DFD029-FB74-4578-B929-F66AA97659CA}" type="datetimeFigureOut">
               <a:rPr lang="en-US"/>
-              <a:t>1/17/2018</a:t>
+              <a:t>1/29/2018</a:t>
             </a:fld>
             <a:endParaRPr/>
           </a:p>
@@ -3761,7 +3765,7 @@
           <a:p>
             <a:fld id="{F0DFD029-FB74-4578-B929-F66AA97659CA}" type="datetimeFigureOut">
               <a:rPr lang="en-US"/>
-              <a:t>1/17/2018</a:t>
+              <a:t>1/29/2018</a:t>
             </a:fld>
             <a:endParaRPr/>
           </a:p>
@@ -4049,7 +4053,7 @@
           <a:p>
             <a:fld id="{F0DFD029-FB74-4578-B929-F66AA97659CA}" type="datetimeFigureOut">
               <a:rPr lang="en-US"/>
-              <a:t>1/17/2018</a:t>
+              <a:t>1/29/2018</a:t>
             </a:fld>
             <a:endParaRPr/>
           </a:p>
@@ -4672,7 +4676,7 @@
             <a:fld id="{F0DFD029-FB74-4578-B929-F66AA97659CA}" type="datetimeFigureOut">
               <a:rPr lang="en-US"/>
               <a:pPr/>
-              <a:t>1/17/2018</a:t>
+              <a:t>1/29/2018</a:t>
             </a:fld>
             <a:endParaRPr/>
           </a:p>
@@ -5526,7 +5530,7 @@
             </a:r>
             <a:r>
               <a:rPr lang="mk-MK" dirty="0"/>
-              <a:t>САД</a:t>
+              <a:t>Македонија</a:t>
             </a:r>
             <a:endParaRPr lang="en-US" dirty="0"/>
           </a:p>
@@ -5554,29 +5558,39 @@
           <a:p>
             <a:r>
               <a:rPr lang="mk-MK" dirty="0"/>
-              <a:t>Проблемите од административна природа како што се недостаток на кадар и простор за евиденција резултирале со формирање на нови дисциплини меѓу кои и медицински секретари и библиотекари кои треба да ги извршуваат административните работи</a:t>
-            </a:r>
-          </a:p>
-          <a:p>
-            <a:r>
-              <a:rPr lang="mk-MK" dirty="0"/>
-              <a:t>Повеќето болници во САД се приватни и секоја болница креирала софтвер само за нејзините потреби, стандардизацијата на сите тие софтвери било многу тешко да се постигне</a:t>
-            </a:r>
-            <a:endParaRPr lang="en-US" dirty="0"/>
-          </a:p>
-          <a:p>
-            <a:r>
-              <a:rPr lang="mk-MK" dirty="0"/>
-              <a:t>Овој проблем сеуште не е решен и приватните болници во САД сеуште не соработуваат и не споделуваат досиеја меѓусебе.</a:t>
-            </a:r>
-            <a:endParaRPr lang="en-US" dirty="0"/>
+              <a:t>Министерството за здравство на Македонија имаше еден неуспешен обид за имплементација на дигитални досиеја за пациентите поради лоша организација и лошо менаџирање на проектот</a:t>
+            </a:r>
+          </a:p>
+          <a:p>
+            <a:r>
+              <a:rPr lang="mk-MK" dirty="0"/>
+              <a:t>Информатичка неписменост кај здравствените работници, немањето на унифицирана база на податоци и нестандардизираноста на форматите преку кои се внесуваат податоци за пациентите се дел од причините за неуспешноста на проектите</a:t>
+            </a:r>
+          </a:p>
+          <a:p>
+            <a:r>
+              <a:rPr lang="mk-MK" dirty="0"/>
+              <a:t>Единствен делумно успешен модул за дигитализација на здравството беше реализацијата на системот за термини, наречен </a:t>
+            </a:r>
+            <a:r>
+              <a:rPr lang="en-US" dirty="0"/>
+              <a:t>“</a:t>
+            </a:r>
+            <a:r>
+              <a:rPr lang="mk-MK" dirty="0"/>
+              <a:t>Мој Термин</a:t>
+            </a:r>
+            <a:r>
+              <a:rPr lang="en-US" dirty="0"/>
+              <a:t>”</a:t>
+            </a:r>
           </a:p>
         </p:txBody>
       </p:sp>
     </p:spTree>
     <p:extLst>
       <p:ext uri="{BB962C8B-B14F-4D97-AF65-F5344CB8AC3E}">
-        <p14:creationId xmlns:p14="http://schemas.microsoft.com/office/powerpoint/2010/main" val="3831643289"/>
+        <p14:creationId xmlns:p14="http://schemas.microsoft.com/office/powerpoint/2010/main" val="773521276"/>
       </p:ext>
     </p:extLst>
   </p:cSld>
@@ -5641,11 +5655,11 @@
             </a:r>
             <a:r>
               <a:rPr lang="en-US" dirty="0"/>
-              <a:t>:</a:t>
-            </a:r>
-            <a:r>
-              <a:rPr lang="mk-MK" dirty="0"/>
-              <a:t> Данска	</a:t>
+              <a:t>: </a:t>
+            </a:r>
+            <a:r>
+              <a:rPr lang="mk-MK" dirty="0"/>
+              <a:t>САД</a:t>
             </a:r>
             <a:endParaRPr lang="en-US" dirty="0"/>
           </a:p>
@@ -5668,67 +5682,26 @@
           </a:xfrm>
         </p:spPr>
         <p:txBody>
-          <a:bodyPr>
-            <a:normAutofit fontScale="92500"/>
-          </a:bodyPr>
+          <a:bodyPr/>
           <a:lstStyle/>
           <a:p>
             <a:r>
               <a:rPr lang="mk-MK" dirty="0"/>
-              <a:t>Брзиот напредок на ИТ индустријата демонстрира дека дигиталните досиеја се решение за проблемите кои произлегуваат од користењето на хартиени документи на пациентите</a:t>
-            </a:r>
-          </a:p>
-          <a:p>
-            <a:r>
-              <a:rPr lang="mk-MK" dirty="0"/>
-              <a:t>Искуството покажало дека за едно ИТ решение во медицината да биде успешно треба да бидат исполнети следните услови</a:t>
-            </a:r>
-            <a:r>
-              <a:rPr lang="en-US" dirty="0"/>
-              <a:t>:</a:t>
-            </a:r>
-          </a:p>
-          <a:p>
-            <a:pPr lvl="1"/>
-            <a:r>
-              <a:rPr lang="mk-MK" dirty="0"/>
-              <a:t>рана инволвираност на медицинските работници</a:t>
+              <a:t>Проблемите од административна природа како што се недостаток на кадар и простор за евиденција резултирале со формирање на нови дисциплини меѓу кои и медицински секретари и библиотекари кои треба да ги извршуваат административните работи</a:t>
+            </a:r>
+          </a:p>
+          <a:p>
+            <a:r>
+              <a:rPr lang="mk-MK" dirty="0"/>
+              <a:t>Повеќето болници во САД се приватни и секоја болница креирала софтвер само за нејзините потреби, стандардизацијата на сите тие софтвери било многу тешко да се постигне</a:t>
             </a:r>
             <a:endParaRPr lang="en-US" dirty="0"/>
           </a:p>
           <a:p>
-            <a:pPr lvl="1"/>
-            <a:r>
-              <a:rPr lang="mk-MK" dirty="0"/>
-              <a:t>заедничко носење на одлуките</a:t>
-            </a:r>
-            <a:endParaRPr lang="en-US" dirty="0"/>
-          </a:p>
-          <a:p>
-            <a:pPr lvl="1"/>
-            <a:r>
-              <a:rPr lang="mk-MK" dirty="0"/>
-              <a:t>прифаќање на решението од страна на лекарите</a:t>
-            </a:r>
-          </a:p>
-          <a:p>
-            <a:pPr lvl="1"/>
-            <a:r>
-              <a:rPr lang="mk-MK" dirty="0"/>
-              <a:t>подолг процес на планирање</a:t>
-            </a:r>
-          </a:p>
-          <a:p>
-            <a:r>
-              <a:rPr lang="mk-MK" dirty="0"/>
-              <a:t>Лекарите мора да имаат значајна улога во фазите на планирање, развивање и имплементација на дигиталните решенија</a:t>
-            </a:r>
-            <a:br>
-              <a:rPr lang="en-US" dirty="0"/>
-            </a:br>
-            <a:endParaRPr lang="en-US" dirty="0"/>
-          </a:p>
-          <a:p>
+            <a:r>
+              <a:rPr lang="mk-MK" dirty="0"/>
+              <a:t>Овој проблем сеуште не е решен и приватните болници во САД сеуште не соработуваат и не споделуваат досиеја меѓусебе.</a:t>
+            </a:r>
             <a:endParaRPr lang="en-US" dirty="0"/>
           </a:p>
         </p:txBody>
@@ -5736,7 +5709,7 @@
     </p:spTree>
     <p:extLst>
       <p:ext uri="{BB962C8B-B14F-4D97-AF65-F5344CB8AC3E}">
-        <p14:creationId xmlns:p14="http://schemas.microsoft.com/office/powerpoint/2010/main" val="2870605462"/>
+        <p14:creationId xmlns:p14="http://schemas.microsoft.com/office/powerpoint/2010/main" val="3831643289"/>
       </p:ext>
     </p:extLst>
   </p:cSld>
@@ -5787,19 +5760,25 @@
         </p:nvSpPr>
         <p:spPr>
           <a:xfrm>
-            <a:off x="1218883" y="381000"/>
+            <a:off x="1218883" y="274637"/>
             <a:ext cx="10360501" cy="715963"/>
           </a:xfrm>
         </p:spPr>
         <p:txBody>
-          <a:bodyPr>
-            <a:normAutofit fontScale="90000"/>
-          </a:bodyPr>
+          <a:bodyPr/>
           <a:lstStyle/>
           <a:p>
             <a:r>
-              <a:rPr lang="ru-RU" dirty="0"/>
-              <a:t>Студија на случај: Кориснички ориентиран дизајн во апликација за самоуправување кај дијабетичари</a:t>
+              <a:rPr lang="mk-MK" dirty="0"/>
+              <a:t>Студија на случај</a:t>
+            </a:r>
+            <a:r>
+              <a:rPr lang="en-US" dirty="0"/>
+              <a:t>:</a:t>
+            </a:r>
+            <a:r>
+              <a:rPr lang="mk-MK" dirty="0"/>
+              <a:t> Данска	</a:t>
             </a:r>
             <a:endParaRPr lang="en-US" dirty="0"/>
           </a:p>
@@ -5822,39 +5801,64 @@
           </a:xfrm>
         </p:spPr>
         <p:txBody>
-          <a:bodyPr/>
+          <a:bodyPr>
+            <a:normAutofit fontScale="92500"/>
+          </a:bodyPr>
           <a:lstStyle/>
           <a:p>
             <a:r>
               <a:rPr lang="mk-MK" dirty="0"/>
-              <a:t>Дијабетесот кој е една од најраширените хронични заболувања бара константна нега и самоуправување</a:t>
-            </a:r>
-          </a:p>
-          <a:p>
-            <a:r>
-              <a:rPr lang="mk-MK" dirty="0"/>
-              <a:t>Квалитетни интервјуа кои биле извршени во раните фази на дизајнот допринеле за успехот на </a:t>
-            </a:r>
-            <a:r>
-              <a:rPr lang="en-US" dirty="0" err="1"/>
-              <a:t>mHealth</a:t>
-            </a:r>
-            <a:r>
-              <a:rPr lang="mk-MK" dirty="0"/>
-              <a:t> апликацијата</a:t>
-            </a:r>
-          </a:p>
-          <a:p>
-            <a:r>
-              <a:rPr lang="mk-MK" dirty="0"/>
-              <a:t>Кога корисниците се вклучени низ целиот процес на дизајн и развивање, голем број на клучни кориснички и системски побарувања можат да бидат идентификувани, кои во поинаков дизајн процес не би биле забележани</a:t>
-            </a:r>
-          </a:p>
-          <a:p>
-            <a:r>
-              <a:rPr lang="mk-MK" dirty="0"/>
-              <a:t>Придобивките од кориснички ориентираниот дизајн принцип се препознаени од страна на здравствените системи во последните неколку години</a:t>
-            </a:r>
+              <a:t>Брзиот напредок на ИТ индустријата демонстрира дека дигиталните досиеја се решение за проблемите кои произлегуваат од користењето на хартиени документи на пациентите</a:t>
+            </a:r>
+          </a:p>
+          <a:p>
+            <a:r>
+              <a:rPr lang="mk-MK" dirty="0"/>
+              <a:t>Искуството покажало дека за едно ИТ решение во медицината да биде успешно треба да бидат исполнети следните услови</a:t>
+            </a:r>
+            <a:r>
+              <a:rPr lang="en-US" dirty="0"/>
+              <a:t>:</a:t>
+            </a:r>
+          </a:p>
+          <a:p>
+            <a:pPr lvl="1"/>
+            <a:r>
+              <a:rPr lang="mk-MK" dirty="0"/>
+              <a:t>рана инволвираност на медицинските работници</a:t>
+            </a:r>
+            <a:endParaRPr lang="en-US" dirty="0"/>
+          </a:p>
+          <a:p>
+            <a:pPr lvl="1"/>
+            <a:r>
+              <a:rPr lang="mk-MK" dirty="0"/>
+              <a:t>заедничко носење на одлуките</a:t>
+            </a:r>
+            <a:endParaRPr lang="en-US" dirty="0"/>
+          </a:p>
+          <a:p>
+            <a:pPr lvl="1"/>
+            <a:r>
+              <a:rPr lang="mk-MK" dirty="0"/>
+              <a:t>прифаќање на решението од страна на лекарите</a:t>
+            </a:r>
+          </a:p>
+          <a:p>
+            <a:pPr lvl="1"/>
+            <a:r>
+              <a:rPr lang="mk-MK" dirty="0"/>
+              <a:t>подолг процес на планирање</a:t>
+            </a:r>
+          </a:p>
+          <a:p>
+            <a:r>
+              <a:rPr lang="mk-MK" dirty="0"/>
+              <a:t>Лекарите мора да имаат значајна улога во фазите на планирање, развивање и имплементација на дигиталните решенија</a:t>
+            </a:r>
+            <a:br>
+              <a:rPr lang="en-US" dirty="0"/>
+            </a:br>
             <a:endParaRPr lang="en-US" dirty="0"/>
           </a:p>
           <a:p>
@@ -5865,7 +5869,7 @@
     </p:spTree>
     <p:extLst>
       <p:ext uri="{BB962C8B-B14F-4D97-AF65-F5344CB8AC3E}">
-        <p14:creationId xmlns:p14="http://schemas.microsoft.com/office/powerpoint/2010/main" val="2769937635"/>
+        <p14:creationId xmlns:p14="http://schemas.microsoft.com/office/powerpoint/2010/main" val="2870605462"/>
       </p:ext>
     </p:extLst>
   </p:cSld>
@@ -5916,17 +5920,19 @@
         </p:nvSpPr>
         <p:spPr>
           <a:xfrm>
-            <a:off x="1218883" y="274637"/>
+            <a:off x="1218883" y="381000"/>
             <a:ext cx="10360501" cy="715963"/>
           </a:xfrm>
         </p:spPr>
         <p:txBody>
-          <a:bodyPr/>
+          <a:bodyPr>
+            <a:normAutofit fontScale="90000"/>
+          </a:bodyPr>
           <a:lstStyle/>
           <a:p>
             <a:r>
-              <a:rPr lang="mk-MK" dirty="0"/>
-              <a:t>Целни групи </a:t>
+              <a:rPr lang="ru-RU" dirty="0"/>
+              <a:t>Студија на случај: Кориснички ориентиран дизајн во апликација за самоуправување кај дијабетичари</a:t>
             </a:r>
             <a:endParaRPr lang="en-US" dirty="0"/>
           </a:p>
@@ -5954,14 +5960,35 @@
           <a:p>
             <a:r>
               <a:rPr lang="mk-MK" dirty="0"/>
-              <a:t>Пациенти	</a:t>
-            </a:r>
-          </a:p>
-          <a:p>
-            <a:r>
-              <a:rPr lang="mk-MK" dirty="0"/>
-              <a:t>Лекари</a:t>
-            </a:r>
+              <a:t>Дијабетесот кој е една од најраширените хронични заболувања бара константна нега и самоуправување</a:t>
+            </a:r>
+          </a:p>
+          <a:p>
+            <a:r>
+              <a:rPr lang="mk-MK" dirty="0"/>
+              <a:t>Квалитетни интервјуа кои биле извршени во раните фази на дизајнот допринеле за успехот на </a:t>
+            </a:r>
+            <a:r>
+              <a:rPr lang="en-US" dirty="0" err="1"/>
+              <a:t>mHealth</a:t>
+            </a:r>
+            <a:r>
+              <a:rPr lang="mk-MK" dirty="0"/>
+              <a:t> апликацијата</a:t>
+            </a:r>
+          </a:p>
+          <a:p>
+            <a:r>
+              <a:rPr lang="mk-MK" dirty="0"/>
+              <a:t>Кога корисниците се вклучени низ целиот процес на дизајн и развивање, голем број на клучни кориснички и системски побарувања можат да бидат идентификувани, кои во поинаков дизајн процес не би биле забележани</a:t>
+            </a:r>
+          </a:p>
+          <a:p>
+            <a:r>
+              <a:rPr lang="mk-MK" dirty="0"/>
+              <a:t>Придобивките од кориснички ориентираниот дизајн принцип се препознаени од страна на здравствените системи во последните неколку години</a:t>
+            </a:r>
+            <a:endParaRPr lang="en-US" dirty="0"/>
           </a:p>
           <a:p>
             <a:endParaRPr lang="en-US" dirty="0"/>
@@ -5971,7 +5998,7 @@
     </p:spTree>
     <p:extLst>
       <p:ext uri="{BB962C8B-B14F-4D97-AF65-F5344CB8AC3E}">
-        <p14:creationId xmlns:p14="http://schemas.microsoft.com/office/powerpoint/2010/main" val="3470583110"/>
+        <p14:creationId xmlns:p14="http://schemas.microsoft.com/office/powerpoint/2010/main" val="2769937635"/>
       </p:ext>
     </p:extLst>
   </p:cSld>
@@ -6032,7 +6059,7 @@
           <a:p>
             <a:r>
               <a:rPr lang="mk-MK" dirty="0"/>
-              <a:t>Пациенти</a:t>
+              <a:t>Целни групи </a:t>
             </a:r>
             <a:endParaRPr lang="en-US" dirty="0"/>
           </a:p>
@@ -6060,43 +6087,13 @@
           <a:p>
             <a:r>
               <a:rPr lang="mk-MK" dirty="0"/>
-              <a:t>Болните од хронични опструктивни белодробни заболувања и од дијабетес</a:t>
-            </a:r>
-          </a:p>
-          <a:p>
-            <a:r>
-              <a:rPr lang="mk-MK" dirty="0"/>
-              <a:t>Постари и/или изнемоштени лица</a:t>
-            </a:r>
-          </a:p>
-          <a:p>
-            <a:r>
-              <a:rPr lang="mk-MK" dirty="0"/>
-              <a:t>Потешко се справуваат со новата технологијата и не се во тек со најновите технолошки иновации</a:t>
-            </a:r>
-          </a:p>
-          <a:p>
-            <a:r>
-              <a:rPr lang="mk-MK" dirty="0"/>
-              <a:t>Тешко навигираат низ здравствениот систем</a:t>
-            </a:r>
-          </a:p>
-          <a:p>
-            <a:r>
-              <a:rPr lang="mk-MK" dirty="0"/>
-              <a:t>Многу од нив не ги добиваат неопходните насоки и совети во текот на нивната рехабилитација</a:t>
-            </a:r>
-          </a:p>
-          <a:p>
-            <a:r>
-              <a:rPr lang="mk-MK" dirty="0"/>
-              <a:t>На домашно лекување со често посетување на болница</a:t>
-            </a:r>
-          </a:p>
-          <a:p>
-            <a:r>
-              <a:rPr lang="mk-MK" dirty="0"/>
-              <a:t>Бројот на овие пациенти постојано се зголемува</a:t>
+              <a:t>Пациенти	</a:t>
+            </a:r>
+          </a:p>
+          <a:p>
+            <a:r>
+              <a:rPr lang="mk-MK" dirty="0"/>
+              <a:t>Лекари</a:t>
             </a:r>
           </a:p>
           <a:p>
@@ -6107,7 +6104,7 @@
     </p:spTree>
     <p:extLst>
       <p:ext uri="{BB962C8B-B14F-4D97-AF65-F5344CB8AC3E}">
-        <p14:creationId xmlns:p14="http://schemas.microsoft.com/office/powerpoint/2010/main" val="1528015667"/>
+        <p14:creationId xmlns:p14="http://schemas.microsoft.com/office/powerpoint/2010/main" val="3470583110"/>
       </p:ext>
     </p:extLst>
   </p:cSld>
@@ -6196,27 +6193,46 @@
           <a:p>
             <a:r>
               <a:rPr lang="mk-MK" dirty="0"/>
-              <a:t>Здравствениот систем троши два пати повеќе ресурси за пациентите болни од хронични опструктивни белодробни заболувања и од дијабетес, отколку за било која друга група на пациенти</a:t>
-            </a:r>
-          </a:p>
-          <a:p>
-            <a:r>
-              <a:rPr lang="mk-MK" dirty="0"/>
-              <a:t>Квалитетот на живот кај овие пациенти е на многу ниско ниво</a:t>
-            </a:r>
-            <a:endParaRPr lang="en-US" dirty="0"/>
-          </a:p>
-          <a:p>
-            <a:r>
-              <a:rPr lang="mk-MK" dirty="0"/>
-              <a:t>Мора секојдневно да прават вежби со кои ќе го олеснат нивното дишење</a:t>
-            </a:r>
-          </a:p>
-          <a:p>
-            <a:r>
-              <a:rPr lang="mk-MK" dirty="0"/>
-              <a:t>Овие болести се неизлечиви, па така пациентите мора да се подготват за живот со хронична болест</a:t>
-            </a:r>
+              <a:t>Болните од хронични опструктивни белодробни заболувања и од дијабетес</a:t>
+            </a:r>
+          </a:p>
+          <a:p>
+            <a:r>
+              <a:rPr lang="mk-MK" dirty="0"/>
+              <a:t>Постари и/или изнемоштени лица</a:t>
+            </a:r>
+          </a:p>
+          <a:p>
+            <a:r>
+              <a:rPr lang="mk-MK" dirty="0"/>
+              <a:t>Потешко се справуваат со новата технологијата и не се во тек со најновите технолошки иновации</a:t>
+            </a:r>
+          </a:p>
+          <a:p>
+            <a:r>
+              <a:rPr lang="mk-MK" dirty="0"/>
+              <a:t>Тешко навигираат низ здравствениот систем</a:t>
+            </a:r>
+          </a:p>
+          <a:p>
+            <a:r>
+              <a:rPr lang="mk-MK" dirty="0"/>
+              <a:t>Многу од нив не ги добиваат неопходните насоки и совети во текот на нивната рехабилитација</a:t>
+            </a:r>
+          </a:p>
+          <a:p>
+            <a:r>
+              <a:rPr lang="mk-MK" dirty="0"/>
+              <a:t>На домашно лекување со често посетување на болница</a:t>
+            </a:r>
+          </a:p>
+          <a:p>
+            <a:r>
+              <a:rPr lang="mk-MK" dirty="0"/>
+              <a:t>Бројот на овие пациенти постојано се зголемува</a:t>
+            </a:r>
+          </a:p>
+          <a:p>
             <a:endParaRPr lang="en-US" dirty="0"/>
           </a:p>
         </p:txBody>
@@ -6224,7 +6240,7 @@
     </p:spTree>
     <p:extLst>
       <p:ext uri="{BB962C8B-B14F-4D97-AF65-F5344CB8AC3E}">
-        <p14:creationId xmlns:p14="http://schemas.microsoft.com/office/powerpoint/2010/main" val="2410171979"/>
+        <p14:creationId xmlns:p14="http://schemas.microsoft.com/office/powerpoint/2010/main" val="1528015667"/>
       </p:ext>
     </p:extLst>
   </p:cSld>
@@ -6285,7 +6301,7 @@
           <a:p>
             <a:r>
               <a:rPr lang="mk-MK" dirty="0"/>
-              <a:t>Лекари</a:t>
+              <a:t>Пациенти</a:t>
             </a:r>
             <a:endParaRPr lang="en-US" dirty="0"/>
           </a:p>
@@ -6308,69 +6324,31 @@
           </a:xfrm>
         </p:spPr>
         <p:txBody>
-          <a:bodyPr>
-            <a:normAutofit lnSpcReduction="10000"/>
-          </a:bodyPr>
+          <a:bodyPr/>
           <a:lstStyle/>
           <a:p>
             <a:r>
               <a:rPr lang="mk-MK" dirty="0"/>
-              <a:t>Имаат разбирање и се отворени кон тоа да се имплементираат нови знаења и нови технологии во секојдневната грижа за нивните пациенти за да се осигура оптимален третман</a:t>
-            </a:r>
-          </a:p>
-          <a:p>
-            <a:r>
-              <a:rPr lang="mk-MK" dirty="0"/>
-              <a:t>Идентификувани се 4 главни теми кои блијаат на односот на лекарите кон имплементација на нова технологија или апликација</a:t>
-            </a:r>
-          </a:p>
-          <a:p>
-            <a:pPr marL="819096" lvl="1" indent="-514350">
-              <a:buFont typeface="+mj-lt"/>
-              <a:buAutoNum type="arabicPeriod"/>
-            </a:pPr>
-            <a:r>
-              <a:rPr lang="mk-MK" dirty="0"/>
-              <a:t>Значајни и квалитетни подобрувања</a:t>
+              <a:t>Здравствениот систем троши два пати повеќе ресурси за пациентите болни од хронични опструктивни белодробни заболувања и од дијабетес, отколку за било која друга група на пациенти</a:t>
+            </a:r>
+          </a:p>
+          <a:p>
+            <a:r>
+              <a:rPr lang="mk-MK" dirty="0"/>
+              <a:t>Квалитетот на живот кај овие пациенти е на многу ниско ниво</a:t>
             </a:r>
             <a:endParaRPr lang="en-US" dirty="0"/>
           </a:p>
           <a:p>
-            <a:pPr marL="819096" lvl="1" indent="-514350">
-              <a:buFont typeface="+mj-lt"/>
-              <a:buAutoNum type="arabicPeriod"/>
-            </a:pPr>
-            <a:r>
-              <a:rPr lang="mk-MK" dirty="0"/>
-              <a:t>Поделба на одговорноста</a:t>
-            </a:r>
-            <a:endParaRPr lang="en-US" dirty="0"/>
-          </a:p>
-          <a:p>
-            <a:pPr marL="819096" lvl="1" indent="-514350">
-              <a:buFont typeface="+mj-lt"/>
-              <a:buAutoNum type="arabicPeriod"/>
-            </a:pPr>
-            <a:r>
-              <a:rPr lang="mk-MK" dirty="0"/>
-              <a:t>Неадекватна имплементација</a:t>
-            </a:r>
-            <a:endParaRPr lang="en-US" dirty="0"/>
-          </a:p>
-          <a:p>
-            <a:pPr marL="819096" lvl="1" indent="-514350">
-              <a:buFont typeface="+mj-lt"/>
-              <a:buAutoNum type="arabicPeriod"/>
-            </a:pPr>
-            <a:r>
-              <a:rPr lang="mk-MK" dirty="0"/>
-              <a:t>Софтверски проблеми и човечкиот фактор</a:t>
-            </a:r>
-          </a:p>
-          <a:p>
-            <a:r>
-              <a:rPr lang="mk-MK" dirty="0"/>
-              <a:t>Сакаат новитетите кои се носат во медицината да бидат значајни и директно да го подобруваат квалитетот на нивната работа</a:t>
+            <a:r>
+              <a:rPr lang="mk-MK" dirty="0"/>
+              <a:t>Мора секојдневно да прават вежби со кои ќе го олеснат нивното дишење</a:t>
+            </a:r>
+          </a:p>
+          <a:p>
+            <a:r>
+              <a:rPr lang="mk-MK" dirty="0"/>
+              <a:t>Овие болести се неизлечиви, па така пациентите мора да се подготват за живот со хронична болест</a:t>
             </a:r>
             <a:endParaRPr lang="en-US" dirty="0"/>
           </a:p>
@@ -6379,7 +6357,7 @@
     </p:spTree>
     <p:extLst>
       <p:ext uri="{BB962C8B-B14F-4D97-AF65-F5344CB8AC3E}">
-        <p14:creationId xmlns:p14="http://schemas.microsoft.com/office/powerpoint/2010/main" val="160627673"/>
+        <p14:creationId xmlns:p14="http://schemas.microsoft.com/office/powerpoint/2010/main" val="2410171979"/>
       </p:ext>
     </p:extLst>
   </p:cSld>
@@ -6440,7 +6418,7 @@
           <a:p>
             <a:r>
               <a:rPr lang="mk-MK" dirty="0"/>
-              <a:t>Лекари	</a:t>
+              <a:t>Лекари</a:t>
             </a:r>
             <a:endParaRPr lang="en-US" dirty="0"/>
           </a:p>
@@ -6463,30 +6441,69 @@
           </a:xfrm>
         </p:spPr>
         <p:txBody>
-          <a:bodyPr/>
+          <a:bodyPr>
+            <a:normAutofit lnSpcReduction="10000"/>
+          </a:bodyPr>
           <a:lstStyle/>
           <a:p>
             <a:r>
               <a:rPr lang="mk-MK" dirty="0"/>
-              <a:t>Сакаат да сносат одговорност само за третманот кои тие самите го извршиле</a:t>
-            </a:r>
-          </a:p>
-          <a:p>
-            <a:r>
-              <a:rPr lang="mk-MK" dirty="0"/>
-              <a:t>Ажурирањето на податоците треба да биде извршувано често и целосно</a:t>
-            </a:r>
-          </a:p>
-          <a:p>
-            <a:r>
-              <a:rPr lang="mk-MK" dirty="0"/>
-              <a:t>Во голем број на случаеви, софтверот кој бил имплементиран, не бил целосен и немал дефиниран терк на работа, односно лекарите не знаеле како да го користат</a:t>
-            </a:r>
-          </a:p>
-          <a:p>
-            <a:r>
-              <a:rPr lang="mk-MK" dirty="0"/>
-              <a:t>Ова предизвикува еден вид на отпор и фрустрација кај лекарите да го користат новиот софтвер</a:t>
+              <a:t>Имаат разбирање и се отворени кон тоа да се имплементираат нови знаења и нови технологии во секојдневната грижа за нивните пациенти за да се осигура оптимален третман</a:t>
+            </a:r>
+          </a:p>
+          <a:p>
+            <a:r>
+              <a:rPr lang="mk-MK" dirty="0"/>
+              <a:t>Идентификувани се 4 главни теми кои блијаат на односот на лекарите кон имплементација на нова технологија или апликација</a:t>
+            </a:r>
+          </a:p>
+          <a:p>
+            <a:pPr marL="819096" lvl="1" indent="-514350">
+              <a:buFont typeface="+mj-lt"/>
+              <a:buAutoNum type="arabicPeriod"/>
+            </a:pPr>
+            <a:r>
+              <a:rPr lang="mk-MK" dirty="0"/>
+              <a:t>Значајни и квалитетни подобрувања</a:t>
+            </a:r>
+            <a:endParaRPr lang="en-US" dirty="0"/>
+          </a:p>
+          <a:p>
+            <a:pPr marL="819096" lvl="1" indent="-514350">
+              <a:buFont typeface="+mj-lt"/>
+              <a:buAutoNum type="arabicPeriod"/>
+            </a:pPr>
+            <a:r>
+              <a:rPr lang="mk-MK" dirty="0"/>
+              <a:t>Поделба на одговорноста</a:t>
+            </a:r>
+            <a:endParaRPr lang="en-US" dirty="0"/>
+          </a:p>
+          <a:p>
+            <a:pPr marL="819096" lvl="1" indent="-514350">
+              <a:buFont typeface="+mj-lt"/>
+              <a:buAutoNum type="arabicPeriod"/>
+            </a:pPr>
+            <a:r>
+              <a:rPr lang="mk-MK" dirty="0"/>
+              <a:t>Неадекватна имплементација</a:t>
+            </a:r>
+            <a:endParaRPr lang="en-US" dirty="0"/>
+          </a:p>
+          <a:p>
+            <a:pPr marL="819096" lvl="1" indent="-514350">
+              <a:buFont typeface="+mj-lt"/>
+              <a:buAutoNum type="arabicPeriod"/>
+            </a:pPr>
+            <a:r>
+              <a:rPr lang="mk-MK" dirty="0"/>
+              <a:t>Софтверски проблеми и човечкиот фактор</a:t>
+            </a:r>
+          </a:p>
+          <a:p>
+            <a:r>
+              <a:rPr lang="mk-MK" dirty="0"/>
+              <a:t>Сакаат новитетите кои се носат во медицината да бидат значајни и директно да го подобруваат квалитетот на нивната работа</a:t>
             </a:r>
             <a:endParaRPr lang="en-US" dirty="0"/>
           </a:p>
@@ -6495,7 +6512,7 @@
     </p:spTree>
     <p:extLst>
       <p:ext uri="{BB962C8B-B14F-4D97-AF65-F5344CB8AC3E}">
-        <p14:creationId xmlns:p14="http://schemas.microsoft.com/office/powerpoint/2010/main" val="140480703"/>
+        <p14:creationId xmlns:p14="http://schemas.microsoft.com/office/powerpoint/2010/main" val="160627673"/>
       </p:ext>
     </p:extLst>
   </p:cSld>
@@ -6556,7 +6573,7 @@
           <a:p>
             <a:r>
               <a:rPr lang="mk-MK" dirty="0"/>
-              <a:t>Начин на третман	</a:t>
+              <a:t>Лекари	</a:t>
             </a:r>
             <a:endParaRPr lang="en-US" dirty="0"/>
           </a:p>
@@ -6581,6 +6598,148 @@
         <p:txBody>
           <a:bodyPr/>
           <a:lstStyle/>
+          <a:p>
+            <a:r>
+              <a:rPr lang="mk-MK" dirty="0"/>
+              <a:t>Сакаат да сносат одговорност само за третманот кои тие самите го извршиле</a:t>
+            </a:r>
+          </a:p>
+          <a:p>
+            <a:r>
+              <a:rPr lang="mk-MK" dirty="0"/>
+              <a:t>Ажурирањето на податоците треба да биде извршувано често и целосно</a:t>
+            </a:r>
+          </a:p>
+          <a:p>
+            <a:r>
+              <a:rPr lang="mk-MK" dirty="0"/>
+              <a:t>Во голем број на случаеви, софтверот кој бил имплементиран, не бил целосен и немал дефиниран терк на работа, односно лекарите не знаеле како да го користат</a:t>
+            </a:r>
+          </a:p>
+          <a:p>
+            <a:r>
+              <a:rPr lang="mk-MK" dirty="0"/>
+              <a:t>Ова предизвикува еден вид на отпор и фрустрација кај лекарите да го користат новиот софтвер</a:t>
+            </a:r>
+            <a:endParaRPr lang="en-US" dirty="0"/>
+          </a:p>
+        </p:txBody>
+      </p:sp>
+    </p:spTree>
+    <p:extLst>
+      <p:ext uri="{BB962C8B-B14F-4D97-AF65-F5344CB8AC3E}">
+        <p14:creationId xmlns:p14="http://schemas.microsoft.com/office/powerpoint/2010/main" val="140480703"/>
+      </p:ext>
+    </p:extLst>
+  </p:cSld>
+  <p:clrMapOvr>
+    <a:masterClrMapping/>
+  </p:clrMapOvr>
+  <mc:AlternateContent xmlns:mc="http://schemas.openxmlformats.org/markup-compatibility/2006" xmlns:p14="http://schemas.microsoft.com/office/powerpoint/2010/main">
+    <mc:Choice Requires="p14">
+      <p:transition spd="med" p14:dur="700">
+        <p:fade/>
+      </p:transition>
+    </mc:Choice>
+    <mc:Fallback xmlns="">
+      <p:transition spd="med">
+        <p:fade/>
+      </p:transition>
+    </mc:Fallback>
+  </mc:AlternateContent>
+</p:sld>
+</file>
+
+<file path=ppt/slides/slide19.xml><?xml version="1.0" encoding="utf-8"?>
+<p:sld xmlns:a="http://schemas.openxmlformats.org/drawingml/2006/main" xmlns:r="http://schemas.openxmlformats.org/officeDocument/2006/relationships" xmlns:p="http://schemas.openxmlformats.org/presentationml/2006/main">
+  <p:cSld>
+    <p:spTree>
+      <p:nvGrpSpPr>
+        <p:cNvPr id="1" name=""/>
+        <p:cNvGrpSpPr/>
+        <p:nvPr/>
+      </p:nvGrpSpPr>
+      <p:grpSpPr>
+        <a:xfrm>
+          <a:off x="0" y="0"/>
+          <a:ext cx="0" cy="0"/>
+          <a:chOff x="0" y="0"/>
+          <a:chExt cx="0" cy="0"/>
+        </a:xfrm>
+      </p:grpSpPr>
+      <p:sp>
+        <p:nvSpPr>
+          <p:cNvPr id="13" name="Title 12"/>
+          <p:cNvSpPr>
+            <a:spLocks noGrp="1"/>
+          </p:cNvSpPr>
+          <p:nvPr>
+            <p:ph type="title"/>
+          </p:nvPr>
+        </p:nvSpPr>
+        <p:spPr>
+          <a:xfrm>
+            <a:off x="1218883" y="274637"/>
+            <a:ext cx="10360501" cy="715963"/>
+          </a:xfrm>
+        </p:spPr>
+        <p:txBody>
+          <a:bodyPr/>
+          <a:lstStyle/>
+          <a:p>
+            <a:r>
+              <a:rPr lang="mk-MK" dirty="0"/>
+              <a:t>План за напредок	</a:t>
+            </a:r>
+            <a:endParaRPr lang="en-US" dirty="0"/>
+          </a:p>
+        </p:txBody>
+      </p:sp>
+      <p:sp>
+        <p:nvSpPr>
+          <p:cNvPr id="14" name="Content Placeholder 13"/>
+          <p:cNvSpPr>
+            <a:spLocks noGrp="1"/>
+          </p:cNvSpPr>
+          <p:nvPr>
+            <p:ph idx="1"/>
+          </p:nvPr>
+        </p:nvSpPr>
+        <p:spPr>
+          <a:xfrm>
+            <a:off x="1218883" y="1371600"/>
+            <a:ext cx="10360501" cy="5334000"/>
+          </a:xfrm>
+        </p:spPr>
+        <p:txBody>
+          <a:bodyPr>
+            <a:normAutofit lnSpcReduction="10000"/>
+          </a:bodyPr>
+          <a:lstStyle/>
+          <a:p>
+            <a:r>
+              <a:rPr lang="mk-MK" dirty="0"/>
+              <a:t>За секој нов пациент кој е дијагностициран со хронични опструктивни белодробни заболувања и дијабетес, лекарот креира план за напредок</a:t>
+            </a:r>
+          </a:p>
+          <a:p>
+            <a:r>
+              <a:rPr lang="mk-MK" dirty="0"/>
+              <a:t>Еден вид на мерило за обезбедување на квалитетна нега за пациентот, преку кој подоцна ќе се процени дали на пациентот му била понудена потребната нега</a:t>
+            </a:r>
+          </a:p>
+          <a:p>
+            <a:r>
+              <a:rPr lang="mk-MK" dirty="0"/>
+              <a:t>Генерички преглед на релевантните чекори од процесот за оздравување, кој е прилагоден за секој пациент да се сноси со неговата болест</a:t>
+            </a:r>
+          </a:p>
+          <a:p>
+            <a:r>
+              <a:rPr lang="mk-MK" dirty="0"/>
+              <a:t>Треба да ги ажурира академските прирачници и да развие препораки за превенција кои би биле имплементирани на локално ниво</a:t>
+            </a:r>
+          </a:p>
           <a:p>
             <a:endParaRPr lang="en-US" dirty="0"/>
           </a:p>
@@ -6650,7 +6809,7 @@
           <a:p>
             <a:r>
               <a:rPr lang="mk-MK" dirty="0"/>
-              <a:t>Контекст и мотивација</a:t>
+              <a:t>Цели на магистерскиот труд		</a:t>
             </a:r>
             <a:endParaRPr lang="en-US" dirty="0"/>
           </a:p>
@@ -6677,41 +6836,27 @@
           <a:lstStyle/>
           <a:p>
             <a:r>
-              <a:rPr lang="mk-MK" sz="2400" dirty="0">
-                <a:latin typeface="Roboto" panose="02000000000000000000" pitchFamily="2" charset="0"/>
-                <a:ea typeface="Roboto" panose="02000000000000000000" pitchFamily="2" charset="0"/>
-              </a:rPr>
-              <a:t>Здравството генерира огромни количини на информации од најразличен тип каде што нивното складирање, пребарување и организирање претставува голем предизвик</a:t>
-            </a:r>
-          </a:p>
-          <a:p>
-            <a:r>
-              <a:rPr lang="mk-MK" sz="2400" dirty="0">
-                <a:latin typeface="Roboto" panose="02000000000000000000" pitchFamily="2" charset="0"/>
-                <a:ea typeface="Roboto" panose="02000000000000000000" pitchFamily="2" charset="0"/>
-              </a:rPr>
-              <a:t>Главните процеси во здравството сеуште се одвиваат рачно односно поголемиот дел од информациите се наоѓаат на листови од хартија</a:t>
-            </a:r>
-          </a:p>
-          <a:p>
-            <a:r>
-              <a:rPr lang="mk-MK" sz="2400" dirty="0">
-                <a:latin typeface="Roboto" panose="02000000000000000000" pitchFamily="2" charset="0"/>
-                <a:ea typeface="Roboto" panose="02000000000000000000" pitchFamily="2" charset="0"/>
-              </a:rPr>
-              <a:t>Дигитализирањето на информациите ќе придонесе да се зголеми ефикасноста на здравствениот систем</a:t>
-            </a:r>
-          </a:p>
-          <a:p>
-            <a:r>
-              <a:rPr lang="mk-MK" sz="2400" dirty="0">
-                <a:latin typeface="Roboto" panose="02000000000000000000" pitchFamily="2" charset="0"/>
-                <a:ea typeface="Roboto" panose="02000000000000000000" pitchFamily="2" charset="0"/>
-              </a:rPr>
-              <a:t>Да се намалат трошоците, пациентите поретко да имаат потреба да одат до болница, да бидат правени помалку тестови, обврските на лекарите да се намалат</a:t>
-            </a:r>
-          </a:p>
-          <a:p>
+              <a:rPr lang="mk-MK" dirty="0"/>
+              <a:t>Истражување за дигитални досиеја</a:t>
+            </a:r>
+          </a:p>
+          <a:p>
+            <a:r>
+              <a:rPr lang="mk-MK" dirty="0"/>
+              <a:t>Креирање на студии на случај од различни земји</a:t>
+            </a:r>
+          </a:p>
+          <a:p>
+            <a:r>
+              <a:rPr lang="mk-MK" dirty="0"/>
+              <a:t>Детално дефинирање на целните група</a:t>
+            </a:r>
+          </a:p>
+          <a:p>
+            <a:r>
+              <a:rPr lang="mk-MK" dirty="0"/>
+              <a:t>Креирање на повеќе-платформска медицинска апликација за луѓе болни од хронични опструктивни белодробни заболувања и дијабетес</a:t>
+            </a:r>
             <a:endParaRPr lang="en-US" dirty="0"/>
           </a:p>
         </p:txBody>
@@ -6719,7 +6864,392 @@
     </p:spTree>
     <p:extLst>
       <p:ext uri="{BB962C8B-B14F-4D97-AF65-F5344CB8AC3E}">
-        <p14:creationId xmlns:p14="http://schemas.microsoft.com/office/powerpoint/2010/main" val="3529114326"/>
+        <p14:creationId xmlns:p14="http://schemas.microsoft.com/office/powerpoint/2010/main" val="568907085"/>
+      </p:ext>
+    </p:extLst>
+  </p:cSld>
+  <p:clrMapOvr>
+    <a:masterClrMapping/>
+  </p:clrMapOvr>
+  <mc:AlternateContent xmlns:mc="http://schemas.openxmlformats.org/markup-compatibility/2006" xmlns:p14="http://schemas.microsoft.com/office/powerpoint/2010/main">
+    <mc:Choice Requires="p14">
+      <p:transition spd="med" p14:dur="700">
+        <p:fade/>
+      </p:transition>
+    </mc:Choice>
+    <mc:Fallback xmlns="">
+      <p:transition spd="med">
+        <p:fade/>
+      </p:transition>
+    </mc:Fallback>
+  </mc:AlternateContent>
+</p:sld>
+</file>
+
+<file path=ppt/slides/slide20.xml><?xml version="1.0" encoding="utf-8"?>
+<p:sld xmlns:a="http://schemas.openxmlformats.org/drawingml/2006/main" xmlns:r="http://schemas.openxmlformats.org/officeDocument/2006/relationships" xmlns:p="http://schemas.openxmlformats.org/presentationml/2006/main">
+  <p:cSld>
+    <p:spTree>
+      <p:nvGrpSpPr>
+        <p:cNvPr id="1" name=""/>
+        <p:cNvGrpSpPr/>
+        <p:nvPr/>
+      </p:nvGrpSpPr>
+      <p:grpSpPr>
+        <a:xfrm>
+          <a:off x="0" y="0"/>
+          <a:ext cx="0" cy="0"/>
+          <a:chOff x="0" y="0"/>
+          <a:chExt cx="0" cy="0"/>
+        </a:xfrm>
+      </p:grpSpPr>
+      <p:sp>
+        <p:nvSpPr>
+          <p:cNvPr id="13" name="Title 12"/>
+          <p:cNvSpPr>
+            <a:spLocks noGrp="1"/>
+          </p:cNvSpPr>
+          <p:nvPr>
+            <p:ph type="title"/>
+          </p:nvPr>
+        </p:nvSpPr>
+        <p:spPr>
+          <a:xfrm>
+            <a:off x="1218883" y="274637"/>
+            <a:ext cx="10360501" cy="715963"/>
+          </a:xfrm>
+        </p:spPr>
+        <p:txBody>
+          <a:bodyPr/>
+          <a:lstStyle/>
+          <a:p>
+            <a:r>
+              <a:rPr lang="mk-MK" dirty="0"/>
+              <a:t>План за напредок	</a:t>
+            </a:r>
+            <a:endParaRPr lang="en-US" dirty="0"/>
+          </a:p>
+        </p:txBody>
+      </p:sp>
+      <p:sp>
+        <p:nvSpPr>
+          <p:cNvPr id="14" name="Content Placeholder 13"/>
+          <p:cNvSpPr>
+            <a:spLocks noGrp="1"/>
+          </p:cNvSpPr>
+          <p:nvPr>
+            <p:ph idx="1"/>
+          </p:nvPr>
+        </p:nvSpPr>
+        <p:spPr>
+          <a:xfrm>
+            <a:off x="1218883" y="1249363"/>
+            <a:ext cx="10360501" cy="5334000"/>
+          </a:xfrm>
+        </p:spPr>
+        <p:txBody>
+          <a:bodyPr>
+            <a:normAutofit lnSpcReduction="10000"/>
+          </a:bodyPr>
+          <a:lstStyle/>
+          <a:p>
+            <a:r>
+              <a:rPr lang="mk-MK" dirty="0"/>
+              <a:t>Креирањето на еден план за напредок се одвива во 3 чекори</a:t>
+            </a:r>
+            <a:r>
+              <a:rPr lang="en-US" dirty="0"/>
+              <a:t>:</a:t>
+            </a:r>
+          </a:p>
+          <a:p>
+            <a:pPr lvl="1"/>
+            <a:r>
+              <a:rPr lang="mk-MK" dirty="0"/>
+              <a:t>Дизајн и активности за планот за напредок</a:t>
+            </a:r>
+          </a:p>
+          <a:p>
+            <a:pPr lvl="1"/>
+            <a:r>
+              <a:rPr lang="mk-MK" dirty="0"/>
+              <a:t>Насоки за планирање на напредокот</a:t>
+            </a:r>
+          </a:p>
+          <a:p>
+            <a:pPr lvl="1"/>
+            <a:r>
+              <a:rPr lang="mk-MK" dirty="0"/>
+              <a:t>Индивидуален план за напредок</a:t>
+            </a:r>
+          </a:p>
+          <a:p>
+            <a:r>
+              <a:rPr lang="mk-MK" dirty="0"/>
+              <a:t>Секој план за напредок треба да ги содржи следните информации</a:t>
+            </a:r>
+            <a:r>
+              <a:rPr lang="en-US" dirty="0"/>
+              <a:t>:</a:t>
+            </a:r>
+          </a:p>
+          <a:p>
+            <a:pPr lvl="1"/>
+            <a:r>
+              <a:rPr lang="mk-MK" dirty="0"/>
+              <a:t>Целите на пациентот</a:t>
+            </a:r>
+          </a:p>
+          <a:p>
+            <a:pPr lvl="1"/>
+            <a:r>
+              <a:rPr lang="mk-MK" dirty="0"/>
+              <a:t>Третман</a:t>
+            </a:r>
+          </a:p>
+          <a:p>
+            <a:pPr lvl="1"/>
+            <a:r>
+              <a:rPr lang="mk-MK" dirty="0"/>
+              <a:t>Информации за рехабилитација и едукација на пациентот</a:t>
+            </a:r>
+          </a:p>
+          <a:p>
+            <a:pPr lvl="1"/>
+            <a:r>
+              <a:rPr lang="mk-MK" dirty="0"/>
+              <a:t>Инструкции и информативни видеа</a:t>
+            </a:r>
+          </a:p>
+          <a:p>
+            <a:pPr lvl="1"/>
+            <a:r>
+              <a:rPr lang="mk-MK" dirty="0"/>
+              <a:t>Мерења и тестирања</a:t>
+            </a:r>
+          </a:p>
+          <a:p>
+            <a:pPr lvl="1"/>
+            <a:r>
+              <a:rPr lang="mk-MK" dirty="0"/>
+              <a:t>Информации за комуникација и инволвираност</a:t>
+            </a:r>
+            <a:endParaRPr lang="en-US" dirty="0"/>
+          </a:p>
+          <a:p>
+            <a:pPr lvl="1"/>
+            <a:r>
+              <a:rPr lang="mk-MK" dirty="0"/>
+              <a:t>Распоред на термини</a:t>
+            </a:r>
+            <a:endParaRPr lang="en-US" dirty="0"/>
+          </a:p>
+          <a:p>
+            <a:pPr lvl="1"/>
+            <a:endParaRPr lang="en-US" dirty="0"/>
+          </a:p>
+        </p:txBody>
+      </p:sp>
+    </p:spTree>
+    <p:extLst>
+      <p:ext uri="{BB962C8B-B14F-4D97-AF65-F5344CB8AC3E}">
+        <p14:creationId xmlns:p14="http://schemas.microsoft.com/office/powerpoint/2010/main" val="2342746119"/>
+      </p:ext>
+    </p:extLst>
+  </p:cSld>
+  <p:clrMapOvr>
+    <a:masterClrMapping/>
+  </p:clrMapOvr>
+  <mc:AlternateContent xmlns:mc="http://schemas.openxmlformats.org/markup-compatibility/2006" xmlns:p14="http://schemas.microsoft.com/office/powerpoint/2010/main">
+    <mc:Choice Requires="p14">
+      <p:transition spd="med" p14:dur="700">
+        <p:fade/>
+      </p:transition>
+    </mc:Choice>
+    <mc:Fallback xmlns="">
+      <p:transition spd="med">
+        <p:fade/>
+      </p:transition>
+    </mc:Fallback>
+  </mc:AlternateContent>
+</p:sld>
+</file>
+
+<file path=ppt/slides/slide21.xml><?xml version="1.0" encoding="utf-8"?>
+<p:sld xmlns:a="http://schemas.openxmlformats.org/drawingml/2006/main" xmlns:r="http://schemas.openxmlformats.org/officeDocument/2006/relationships" xmlns:p="http://schemas.openxmlformats.org/presentationml/2006/main">
+  <p:cSld>
+    <p:spTree>
+      <p:nvGrpSpPr>
+        <p:cNvPr id="1" name=""/>
+        <p:cNvGrpSpPr/>
+        <p:nvPr/>
+      </p:nvGrpSpPr>
+      <p:grpSpPr>
+        <a:xfrm>
+          <a:off x="0" y="0"/>
+          <a:ext cx="0" cy="0"/>
+          <a:chOff x="0" y="0"/>
+          <a:chExt cx="0" cy="0"/>
+        </a:xfrm>
+      </p:grpSpPr>
+      <p:sp>
+        <p:nvSpPr>
+          <p:cNvPr id="13" name="Title 12"/>
+          <p:cNvSpPr>
+            <a:spLocks noGrp="1"/>
+          </p:cNvSpPr>
+          <p:nvPr>
+            <p:ph type="title"/>
+          </p:nvPr>
+        </p:nvSpPr>
+        <p:spPr>
+          <a:xfrm>
+            <a:off x="1218883" y="274637"/>
+            <a:ext cx="10360501" cy="715963"/>
+          </a:xfrm>
+        </p:spPr>
+        <p:txBody>
+          <a:bodyPr>
+            <a:normAutofit fontScale="90000"/>
+          </a:bodyPr>
+          <a:lstStyle/>
+          <a:p>
+            <a:r>
+              <a:rPr lang="mk-MK" dirty="0"/>
+              <a:t>ИТ решение за приказ на планот за напредок		</a:t>
+            </a:r>
+            <a:endParaRPr lang="en-US" dirty="0"/>
+          </a:p>
+        </p:txBody>
+      </p:sp>
+      <p:sp>
+        <p:nvSpPr>
+          <p:cNvPr id="14" name="Content Placeholder 13"/>
+          <p:cNvSpPr>
+            <a:spLocks noGrp="1"/>
+          </p:cNvSpPr>
+          <p:nvPr>
+            <p:ph idx="1"/>
+          </p:nvPr>
+        </p:nvSpPr>
+        <p:spPr>
+          <a:xfrm>
+            <a:off x="1218883" y="1371600"/>
+            <a:ext cx="10360501" cy="5334000"/>
+          </a:xfrm>
+        </p:spPr>
+        <p:txBody>
+          <a:bodyPr/>
+          <a:lstStyle/>
+          <a:p>
+            <a:r>
+              <a:rPr lang="mk-MK"/>
+              <a:t>мора да биде во можност да прикаже било каков план за напредок, односно сите можни графици и податоци</a:t>
+            </a:r>
+          </a:p>
+          <a:p>
+            <a:endParaRPr lang="en-US" dirty="0"/>
+          </a:p>
+        </p:txBody>
+      </p:sp>
+    </p:spTree>
+    <p:extLst>
+      <p:ext uri="{BB962C8B-B14F-4D97-AF65-F5344CB8AC3E}">
+        <p14:creationId xmlns:p14="http://schemas.microsoft.com/office/powerpoint/2010/main" val="2802347387"/>
+      </p:ext>
+    </p:extLst>
+  </p:cSld>
+  <p:clrMapOvr>
+    <a:masterClrMapping/>
+  </p:clrMapOvr>
+  <mc:AlternateContent xmlns:mc="http://schemas.openxmlformats.org/markup-compatibility/2006" xmlns:p14="http://schemas.microsoft.com/office/powerpoint/2010/main">
+    <mc:Choice Requires="p14">
+      <p:transition spd="med" p14:dur="700">
+        <p:fade/>
+      </p:transition>
+    </mc:Choice>
+    <mc:Fallback xmlns="">
+      <p:transition spd="med">
+        <p:fade/>
+      </p:transition>
+    </mc:Fallback>
+  </mc:AlternateContent>
+</p:sld>
+</file>
+
+<file path=ppt/slides/slide22.xml><?xml version="1.0" encoding="utf-8"?>
+<p:sld xmlns:a="http://schemas.openxmlformats.org/drawingml/2006/main" xmlns:r="http://schemas.openxmlformats.org/officeDocument/2006/relationships" xmlns:p="http://schemas.openxmlformats.org/presentationml/2006/main">
+  <p:cSld>
+    <p:spTree>
+      <p:nvGrpSpPr>
+        <p:cNvPr id="1" name=""/>
+        <p:cNvGrpSpPr/>
+        <p:nvPr/>
+      </p:nvGrpSpPr>
+      <p:grpSpPr>
+        <a:xfrm>
+          <a:off x="0" y="0"/>
+          <a:ext cx="0" cy="0"/>
+          <a:chOff x="0" y="0"/>
+          <a:chExt cx="0" cy="0"/>
+        </a:xfrm>
+      </p:grpSpPr>
+      <p:sp>
+        <p:nvSpPr>
+          <p:cNvPr id="13" name="Title 12"/>
+          <p:cNvSpPr>
+            <a:spLocks noGrp="1"/>
+          </p:cNvSpPr>
+          <p:nvPr>
+            <p:ph type="title"/>
+          </p:nvPr>
+        </p:nvSpPr>
+        <p:spPr>
+          <a:xfrm>
+            <a:off x="1218883" y="274637"/>
+            <a:ext cx="10360501" cy="715963"/>
+          </a:xfrm>
+        </p:spPr>
+        <p:txBody>
+          <a:bodyPr/>
+          <a:lstStyle/>
+          <a:p>
+            <a:r>
+              <a:rPr lang="mk-MK" dirty="0"/>
+              <a:t>Начин на третман	</a:t>
+            </a:r>
+            <a:endParaRPr lang="en-US" dirty="0"/>
+          </a:p>
+        </p:txBody>
+      </p:sp>
+      <p:sp>
+        <p:nvSpPr>
+          <p:cNvPr id="14" name="Content Placeholder 13"/>
+          <p:cNvSpPr>
+            <a:spLocks noGrp="1"/>
+          </p:cNvSpPr>
+          <p:nvPr>
+            <p:ph idx="1"/>
+          </p:nvPr>
+        </p:nvSpPr>
+        <p:spPr>
+          <a:xfrm>
+            <a:off x="1218883" y="1371600"/>
+            <a:ext cx="10360501" cy="5334000"/>
+          </a:xfrm>
+        </p:spPr>
+        <p:txBody>
+          <a:bodyPr/>
+          <a:lstStyle/>
+          <a:p>
+            <a:endParaRPr lang="en-US" dirty="0"/>
+          </a:p>
+        </p:txBody>
+      </p:sp>
+    </p:spTree>
+    <p:extLst>
+      <p:ext uri="{BB962C8B-B14F-4D97-AF65-F5344CB8AC3E}">
+        <p14:creationId xmlns:p14="http://schemas.microsoft.com/office/powerpoint/2010/main" val="1610010894"/>
       </p:ext>
     </p:extLst>
   </p:cSld>
@@ -6780,7 +7310,7 @@
           <a:p>
             <a:r>
               <a:rPr lang="mk-MK" dirty="0"/>
-              <a:t>Опис на предизвиците	</a:t>
+              <a:t>Контекст и мотивација</a:t>
             </a:r>
             <a:endParaRPr lang="en-US" dirty="0"/>
           </a:p>
@@ -6803,9 +7333,7 @@
           </a:xfrm>
         </p:spPr>
         <p:txBody>
-          <a:bodyPr>
-            <a:normAutofit/>
-          </a:bodyPr>
+          <a:bodyPr/>
           <a:lstStyle/>
           <a:p>
             <a:r>
@@ -6813,7 +7341,7 @@
                 <a:latin typeface="Roboto" panose="02000000000000000000" pitchFamily="2" charset="0"/>
                 <a:ea typeface="Roboto" panose="02000000000000000000" pitchFamily="2" charset="0"/>
               </a:rPr>
-              <a:t>Специфичноста на целните групи</a:t>
+              <a:t>Здравството генерира огромни количини на информации од најразличен тип каде што нивното складирање, пребарување и организирање претставува голем предизвик</a:t>
             </a:r>
           </a:p>
           <a:p>
@@ -6822,7 +7350,7 @@
                 <a:latin typeface="Roboto" panose="02000000000000000000" pitchFamily="2" charset="0"/>
                 <a:ea typeface="Roboto" panose="02000000000000000000" pitchFamily="2" charset="0"/>
               </a:rPr>
-              <a:t>Комплексноста на работните дејствиа на лекарите</a:t>
+              <a:t>Главните процеси во здравството сеуште се одвиваат рачно односно поголемиот дел од информациите се наоѓаат на листови од хартија</a:t>
             </a:r>
           </a:p>
           <a:p>
@@ -6831,7 +7359,7 @@
                 <a:latin typeface="Roboto" panose="02000000000000000000" pitchFamily="2" charset="0"/>
                 <a:ea typeface="Roboto" panose="02000000000000000000" pitchFamily="2" charset="0"/>
               </a:rPr>
-              <a:t>Нецентрализирани податоци </a:t>
+              <a:t>Дигитализирањето на информациите ќе придонесе да се зголеми ефикасноста на здравствениот систем</a:t>
             </a:r>
           </a:p>
           <a:p>
@@ -6840,51 +7368,18 @@
                 <a:latin typeface="Roboto" panose="02000000000000000000" pitchFamily="2" charset="0"/>
                 <a:ea typeface="Roboto" panose="02000000000000000000" pitchFamily="2" charset="0"/>
               </a:rPr>
-              <a:t>Недостапност на целосните здравствени информации на пациентите</a:t>
-            </a:r>
-          </a:p>
-          <a:p>
-            <a:r>
-              <a:rPr lang="mk-MK" sz="2400" dirty="0">
-                <a:latin typeface="Roboto" panose="02000000000000000000" pitchFamily="2" charset="0"/>
-                <a:ea typeface="Roboto" panose="02000000000000000000" pitchFamily="2" charset="0"/>
-              </a:rPr>
-              <a:t>Информациите добиени од интервјуата да бидат добро обработени со цел да резултираат со една апликацијата која ќе биде прифатена од двете целни групи</a:t>
-            </a:r>
-          </a:p>
-          <a:p>
-            <a:r>
-              <a:rPr lang="mk-MK" sz="2400" dirty="0">
-                <a:latin typeface="Roboto" panose="02000000000000000000" pitchFamily="2" charset="0"/>
-                <a:ea typeface="Roboto" panose="02000000000000000000" pitchFamily="2" charset="0"/>
-              </a:rPr>
-              <a:t>Апликацијата да биде повеќе-платформска, односно да функционира во било каков веб прелистувач</a:t>
-            </a:r>
-            <a:r>
-              <a:rPr lang="en-US" sz="2400" dirty="0">
-                <a:latin typeface="Roboto" panose="02000000000000000000" pitchFamily="2" charset="0"/>
-                <a:ea typeface="Roboto" panose="02000000000000000000" pitchFamily="2" charset="0"/>
-              </a:rPr>
-              <a:t> </a:t>
-            </a:r>
-            <a:r>
-              <a:rPr lang="mk-MK" sz="2400" dirty="0">
-                <a:latin typeface="Roboto" panose="02000000000000000000" pitchFamily="2" charset="0"/>
-                <a:ea typeface="Roboto" panose="02000000000000000000" pitchFamily="2" charset="0"/>
-              </a:rPr>
-              <a:t>и на било каков уред</a:t>
-            </a:r>
-            <a:endParaRPr lang="en-US" sz="2400" dirty="0">
-              <a:latin typeface="Roboto" panose="02000000000000000000" pitchFamily="2" charset="0"/>
-              <a:ea typeface="Roboto" panose="02000000000000000000" pitchFamily="2" charset="0"/>
-            </a:endParaRPr>
+              <a:t>Да се намалат трошоците, пациентите поретко да имаат потреба да одат до болница, да бидат правени помалку тестови, обврските на лекарите да се намалат</a:t>
+            </a:r>
+          </a:p>
+          <a:p>
+            <a:endParaRPr lang="en-US" dirty="0"/>
           </a:p>
         </p:txBody>
       </p:sp>
     </p:spTree>
     <p:extLst>
       <p:ext uri="{BB962C8B-B14F-4D97-AF65-F5344CB8AC3E}">
-        <p14:creationId xmlns:p14="http://schemas.microsoft.com/office/powerpoint/2010/main" val="1906480325"/>
+        <p14:creationId xmlns:p14="http://schemas.microsoft.com/office/powerpoint/2010/main" val="3529114326"/>
       </p:ext>
     </p:extLst>
   </p:cSld>
@@ -6945,7 +7440,7 @@
           <a:p>
             <a:r>
               <a:rPr lang="mk-MK" dirty="0"/>
-              <a:t>Придонес на магистерскиот труд</a:t>
+              <a:t>Опис на предизвиците	</a:t>
             </a:r>
             <a:endParaRPr lang="en-US" dirty="0"/>
           </a:p>
@@ -6978,7 +7473,7 @@
                 <a:latin typeface="Roboto" panose="02000000000000000000" pitchFamily="2" charset="0"/>
                 <a:ea typeface="Roboto" panose="02000000000000000000" pitchFamily="2" charset="0"/>
               </a:rPr>
-              <a:t>Олеснување на секојдневието на пациентите</a:t>
+              <a:t>Специфичноста на целните групи</a:t>
             </a:r>
           </a:p>
           <a:p>
@@ -6987,7 +7482,7 @@
                 <a:latin typeface="Roboto" panose="02000000000000000000" pitchFamily="2" charset="0"/>
                 <a:ea typeface="Roboto" panose="02000000000000000000" pitchFamily="2" charset="0"/>
               </a:rPr>
-              <a:t>Пациентите да имаат лесен пристап кон сите информации поврзани со нивната болест, која е тестирана и поддржана од медицинската заедница</a:t>
+              <a:t>Комплексноста на работните дејствиа на лекарите</a:t>
             </a:r>
           </a:p>
           <a:p>
@@ -6996,7 +7491,7 @@
                 <a:latin typeface="Roboto" panose="02000000000000000000" pitchFamily="2" charset="0"/>
                 <a:ea typeface="Roboto" panose="02000000000000000000" pitchFamily="2" charset="0"/>
               </a:rPr>
-              <a:t>Распоредот на лекарите се ослободува, информациите кои тие треба да ги споделуваат со нивните пациенти се наоѓаат на едно централизирано место</a:t>
+              <a:t>Нецентрализирани податоци </a:t>
             </a:r>
           </a:p>
           <a:p>
@@ -7005,7 +7500,39 @@
                 <a:latin typeface="Roboto" panose="02000000000000000000" pitchFamily="2" charset="0"/>
                 <a:ea typeface="Roboto" panose="02000000000000000000" pitchFamily="2" charset="0"/>
               </a:rPr>
-              <a:t>Голем дел од грижата за пациентите ја преземаат самите пациенти, па лекарите имаат улога на еден вид на ментор во процесот</a:t>
+              <a:t>Недостапност на целосните здравствени информации на пациентите</a:t>
+            </a:r>
+          </a:p>
+          <a:p>
+            <a:r>
+              <a:rPr lang="mk-MK" sz="2400" dirty="0">
+                <a:latin typeface="Roboto" panose="02000000000000000000" pitchFamily="2" charset="0"/>
+                <a:ea typeface="Roboto" panose="02000000000000000000" pitchFamily="2" charset="0"/>
+              </a:rPr>
+              <a:t>Информациите добиени од интервјуата да бидат добро обработени со цел да резултираат со една апликацијата која ќе биде прифатена од двете целни групи</a:t>
+            </a:r>
+          </a:p>
+          <a:p>
+            <a:r>
+              <a:rPr lang="mk-MK" sz="2400" dirty="0">
+                <a:latin typeface="Roboto" panose="02000000000000000000" pitchFamily="2" charset="0"/>
+                <a:ea typeface="Roboto" panose="02000000000000000000" pitchFamily="2" charset="0"/>
+              </a:rPr>
+              <a:t>Апликацијата да биде повеќе-платформска, односно да функционира во било каков веб прелистувач</a:t>
+            </a:r>
+            <a:r>
+              <a:rPr lang="en-US" sz="2400" dirty="0">
+                <a:latin typeface="Roboto" panose="02000000000000000000" pitchFamily="2" charset="0"/>
+                <a:ea typeface="Roboto" panose="02000000000000000000" pitchFamily="2" charset="0"/>
+              </a:rPr>
+              <a:t> </a:t>
+            </a:r>
+            <a:r>
+              <a:rPr lang="mk-MK" sz="2400" dirty="0">
+                <a:latin typeface="Roboto" panose="02000000000000000000" pitchFamily="2" charset="0"/>
+                <a:ea typeface="Roboto" panose="02000000000000000000" pitchFamily="2" charset="0"/>
+              </a:rPr>
+              <a:t>и на било каков уред</a:t>
             </a:r>
             <a:endParaRPr lang="en-US" sz="2400" dirty="0">
               <a:latin typeface="Roboto" panose="02000000000000000000" pitchFamily="2" charset="0"/>
@@ -7017,7 +7544,7 @@
     </p:spTree>
     <p:extLst>
       <p:ext uri="{BB962C8B-B14F-4D97-AF65-F5344CB8AC3E}">
-        <p14:creationId xmlns:p14="http://schemas.microsoft.com/office/powerpoint/2010/main" val="463815311"/>
+        <p14:creationId xmlns:p14="http://schemas.microsoft.com/office/powerpoint/2010/main" val="1906480325"/>
       </p:ext>
     </p:extLst>
   </p:cSld>
@@ -7078,7 +7605,7 @@
           <a:p>
             <a:r>
               <a:rPr lang="mk-MK" dirty="0"/>
-              <a:t>Релеватни истражувања	</a:t>
+              <a:t>Придонес на магистерскиот труд</a:t>
             </a:r>
             <a:endParaRPr lang="en-US" dirty="0"/>
           </a:p>
@@ -7101,89 +7628,56 @@
           </a:xfrm>
         </p:spPr>
         <p:txBody>
-          <a:bodyPr/>
+          <a:bodyPr>
+            <a:normAutofit/>
+          </a:bodyPr>
           <a:lstStyle/>
           <a:p>
             <a:r>
-              <a:rPr lang="mk-MK" dirty="0"/>
-              <a:t>Историски развиток на дигиталните досиеја</a:t>
-            </a:r>
-          </a:p>
-          <a:p>
-            <a:r>
-              <a:rPr lang="mk-MK" dirty="0"/>
-              <a:t>Истражувања поврзани со дигитални досиеја</a:t>
-            </a:r>
-          </a:p>
-          <a:p>
-            <a:r>
-              <a:rPr lang="mk-MK" dirty="0"/>
-              <a:t>Кориснички ориентиран дизајн</a:t>
-            </a:r>
-          </a:p>
-          <a:p>
-            <a:r>
-              <a:rPr lang="mk-MK" dirty="0"/>
-              <a:t>Студија на случај</a:t>
-            </a:r>
-            <a:r>
-              <a:rPr lang="en-US" dirty="0"/>
-              <a:t>:</a:t>
-            </a:r>
-            <a:r>
-              <a:rPr lang="mk-MK" dirty="0"/>
-              <a:t> Македонија</a:t>
-            </a:r>
-          </a:p>
-          <a:p>
-            <a:r>
-              <a:rPr lang="mk-MK" dirty="0"/>
-              <a:t>Студија на случај</a:t>
-            </a:r>
-            <a:r>
-              <a:rPr lang="en-US" dirty="0"/>
-              <a:t>: </a:t>
-            </a:r>
-            <a:r>
-              <a:rPr lang="mk-MK" dirty="0"/>
-              <a:t>САД</a:t>
-            </a:r>
-          </a:p>
-          <a:p>
-            <a:r>
-              <a:rPr lang="mk-MK" dirty="0"/>
-              <a:t>Студија на случај</a:t>
-            </a:r>
-            <a:r>
-              <a:rPr lang="en-US" dirty="0"/>
-              <a:t>: </a:t>
-            </a:r>
-            <a:r>
-              <a:rPr lang="mk-MK" dirty="0"/>
-              <a:t>Данска</a:t>
-            </a:r>
-          </a:p>
-          <a:p>
-            <a:r>
-              <a:rPr lang="mk-MK" dirty="0"/>
-              <a:t>Студија на случај</a:t>
-            </a:r>
-            <a:r>
-              <a:rPr lang="en-US" dirty="0"/>
-              <a:t>: </a:t>
-            </a:r>
-            <a:r>
-              <a:rPr lang="mk-MK" dirty="0"/>
-              <a:t>Кориснички ориентиран дизајн</a:t>
-            </a:r>
-            <a:endParaRPr lang="en-US" dirty="0"/>
+              <a:rPr lang="mk-MK" sz="2400" dirty="0">
+                <a:latin typeface="Roboto" panose="02000000000000000000" pitchFamily="2" charset="0"/>
+                <a:ea typeface="Roboto" panose="02000000000000000000" pitchFamily="2" charset="0"/>
+              </a:rPr>
+              <a:t>Олеснување на секојдневието на пациентите</a:t>
+            </a:r>
+          </a:p>
+          <a:p>
+            <a:r>
+              <a:rPr lang="mk-MK" sz="2400" dirty="0">
+                <a:latin typeface="Roboto" panose="02000000000000000000" pitchFamily="2" charset="0"/>
+                <a:ea typeface="Roboto" panose="02000000000000000000" pitchFamily="2" charset="0"/>
+              </a:rPr>
+              <a:t>Пациентите да имаат лесен пристап кон сите информации поврзани со нивната болест, која е тестирана и поддржана од медицинската заедница</a:t>
+            </a:r>
+          </a:p>
+          <a:p>
+            <a:r>
+              <a:rPr lang="mk-MK" sz="2400" dirty="0">
+                <a:latin typeface="Roboto" panose="02000000000000000000" pitchFamily="2" charset="0"/>
+                <a:ea typeface="Roboto" panose="02000000000000000000" pitchFamily="2" charset="0"/>
+              </a:rPr>
+              <a:t>Распоредот на лекарите се ослободува, информациите кои тие треба да ги споделуваат со нивните пациенти се наоѓаат на едно централизирано место</a:t>
+            </a:r>
+          </a:p>
+          <a:p>
+            <a:r>
+              <a:rPr lang="mk-MK" sz="2400" dirty="0">
+                <a:latin typeface="Roboto" panose="02000000000000000000" pitchFamily="2" charset="0"/>
+                <a:ea typeface="Roboto" panose="02000000000000000000" pitchFamily="2" charset="0"/>
+              </a:rPr>
+              <a:t>Голем дел од грижата за пациентите ја преземаат самите пациенти, па лекарите имаат улога на еден вид на ментор во процесот</a:t>
+            </a:r>
+            <a:endParaRPr lang="en-US" sz="2400" dirty="0">
+              <a:latin typeface="Roboto" panose="02000000000000000000" pitchFamily="2" charset="0"/>
+              <a:ea typeface="Roboto" panose="02000000000000000000" pitchFamily="2" charset="0"/>
+            </a:endParaRPr>
           </a:p>
         </p:txBody>
       </p:sp>
     </p:spTree>
     <p:extLst>
       <p:ext uri="{BB962C8B-B14F-4D97-AF65-F5344CB8AC3E}">
-        <p14:creationId xmlns:p14="http://schemas.microsoft.com/office/powerpoint/2010/main" val="652429351"/>
+        <p14:creationId xmlns:p14="http://schemas.microsoft.com/office/powerpoint/2010/main" val="463815311"/>
       </p:ext>
     </p:extLst>
   </p:cSld>
@@ -7244,7 +7738,7 @@
           <a:p>
             <a:r>
               <a:rPr lang="mk-MK" dirty="0"/>
-              <a:t>Историски развиток на дигиталните досиеја</a:t>
+              <a:t>Релеватни истражувања	</a:t>
             </a:r>
             <a:endParaRPr lang="en-US" dirty="0"/>
           </a:p>
@@ -7272,19 +7766,75 @@
           <a:p>
             <a:r>
               <a:rPr lang="mk-MK" dirty="0"/>
-              <a:t>Идејата за дигитализирање на хартиените персонални здравствени досиеја е присутна уште од 1960тите години, кога за прв пат се појавиле комерцијалните компјутери </a:t>
-            </a:r>
-          </a:p>
-          <a:p>
-            <a:r>
-              <a:rPr lang="mk-MK" dirty="0"/>
-              <a:t>Предностите на дигиталните над хартиените досиеја е во тоа дека тие се секогаш достапни, лесно се ажурираат и лесно се пренесуваат</a:t>
-            </a:r>
-          </a:p>
-          <a:p>
-            <a:r>
-              <a:rPr lang="mk-MK" dirty="0"/>
-              <a:t>Со развитокот на ИТ индустријата се овозможило медицинскиот персонал да прегледува и ажурира информации во реално време</a:t>
+              <a:t>Историски развиток на дигиталните досиеја</a:t>
+            </a:r>
+          </a:p>
+          <a:p>
+            <a:r>
+              <a:rPr lang="mk-MK" dirty="0"/>
+              <a:t>Истражувања поврзани со дигитални досиеја</a:t>
+            </a:r>
+          </a:p>
+          <a:p>
+            <a:r>
+              <a:rPr lang="mk-MK" dirty="0"/>
+              <a:t>Кориснички ориентиран дизајн</a:t>
+            </a:r>
+          </a:p>
+          <a:p>
+            <a:r>
+              <a:rPr lang="mk-MK" dirty="0"/>
+              <a:t>Студија на случај</a:t>
+            </a:r>
+            <a:r>
+              <a:rPr lang="en-US" dirty="0"/>
+              <a:t>:</a:t>
+            </a:r>
+            <a:r>
+              <a:rPr lang="mk-MK" dirty="0"/>
+              <a:t> Македонија</a:t>
+            </a:r>
+          </a:p>
+          <a:p>
+            <a:r>
+              <a:rPr lang="mk-MK" dirty="0"/>
+              <a:t>Студија на случај</a:t>
+            </a:r>
+            <a:r>
+              <a:rPr lang="en-US" dirty="0"/>
+              <a:t>: </a:t>
+            </a:r>
+            <a:r>
+              <a:rPr lang="mk-MK" dirty="0"/>
+              <a:t>САД</a:t>
+            </a:r>
+          </a:p>
+          <a:p>
+            <a:r>
+              <a:rPr lang="mk-MK" dirty="0"/>
+              <a:t>Студија на случај</a:t>
+            </a:r>
+            <a:r>
+              <a:rPr lang="en-US" dirty="0"/>
+              <a:t>: </a:t>
+            </a:r>
+            <a:r>
+              <a:rPr lang="mk-MK" dirty="0"/>
+              <a:t>Данска</a:t>
+            </a:r>
+          </a:p>
+          <a:p>
+            <a:r>
+              <a:rPr lang="mk-MK" dirty="0"/>
+              <a:t>Студија на случај</a:t>
+            </a:r>
+            <a:r>
+              <a:rPr lang="en-US" dirty="0"/>
+              <a:t>: </a:t>
+            </a:r>
+            <a:r>
+              <a:rPr lang="mk-MK" dirty="0"/>
+              <a:t>Кориснички ориентиран дизајн</a:t>
             </a:r>
             <a:endParaRPr lang="en-US" dirty="0"/>
           </a:p>
@@ -7293,7 +7843,7 @@
     </p:spTree>
     <p:extLst>
       <p:ext uri="{BB962C8B-B14F-4D97-AF65-F5344CB8AC3E}">
-        <p14:creationId xmlns:p14="http://schemas.microsoft.com/office/powerpoint/2010/main" val="2363111732"/>
+        <p14:creationId xmlns:p14="http://schemas.microsoft.com/office/powerpoint/2010/main" val="652429351"/>
       </p:ext>
     </p:extLst>
   </p:cSld>
@@ -7354,7 +7904,7 @@
           <a:p>
             <a:r>
               <a:rPr lang="mk-MK" dirty="0"/>
-              <a:t>Истражувања поврзани со дигитални досиеја</a:t>
+              <a:t>Историски развиток на дигиталните досиеја</a:t>
             </a:r>
             <a:endParaRPr lang="en-US" dirty="0"/>
           </a:p>
@@ -7377,32 +7927,24 @@
           </a:xfrm>
         </p:spPr>
         <p:txBody>
-          <a:bodyPr>
-            <a:normAutofit lnSpcReduction="10000"/>
-          </a:bodyPr>
+          <a:bodyPr/>
           <a:lstStyle/>
           <a:p>
             <a:r>
               <a:rPr lang="mk-MK" dirty="0"/>
-              <a:t>Подобрувањата на здравствениот систем се наоѓаат високо на приоритетната листа на секое општество</a:t>
-            </a:r>
-          </a:p>
-          <a:p>
-            <a:r>
-              <a:rPr lang="mk-MK" dirty="0"/>
-              <a:t>Иницијативата за дигитализирање на здравството најавува револуција преку намалување на грешките и трошоците, но во исто време го зголемува квалитетот на грижата</a:t>
-            </a:r>
-          </a:p>
-          <a:p>
-            <a:r>
-              <a:rPr lang="mk-MK" dirty="0"/>
-              <a:t>Иако технолошките достигнувања во науката помогнаа многу да напредне медицината како научно поле, подобрувањата во менаџирањето на документите и досиејата на пациентите се дефицитарни</a:t>
-            </a:r>
-          </a:p>
-          <a:p>
-            <a:r>
-              <a:rPr lang="mk-MK" dirty="0"/>
-              <a:t>Потребата од прегледување и менаџирање на досиејата на пациентите значително ја зголеми побарувачката од најразлични ИТ решенија за зачувување и прегледување на клиничките податоци</a:t>
+              <a:t>Идејата за дигитализирање на хартиените персонални здравствени досиеја е присутна уште од 1960тите години, кога за прв пат се појавиле комерцијалните компјутери </a:t>
+            </a:r>
+          </a:p>
+          <a:p>
+            <a:r>
+              <a:rPr lang="mk-MK" dirty="0"/>
+              <a:t>Предностите на дигиталните над хартиените досиеја е во тоа дека тие се секогаш достапни, лесно се ажурираат и лесно се пренесуваат</a:t>
+            </a:r>
+          </a:p>
+          <a:p>
+            <a:r>
+              <a:rPr lang="mk-MK" dirty="0"/>
+              <a:t>Со развитокот на ИТ индустријата се овозможило медицинскиот персонал да прегледува и ажурира информации во реално време</a:t>
             </a:r>
             <a:endParaRPr lang="en-US" dirty="0"/>
           </a:p>
@@ -7411,7 +7953,7 @@
     </p:spTree>
     <p:extLst>
       <p:ext uri="{BB962C8B-B14F-4D97-AF65-F5344CB8AC3E}">
-        <p14:creationId xmlns:p14="http://schemas.microsoft.com/office/powerpoint/2010/main" val="226711727"/>
+        <p14:creationId xmlns:p14="http://schemas.microsoft.com/office/powerpoint/2010/main" val="2363111732"/>
       </p:ext>
     </p:extLst>
   </p:cSld>
@@ -7472,7 +8014,7 @@
           <a:p>
             <a:r>
               <a:rPr lang="mk-MK" dirty="0"/>
-              <a:t>Кориснички ориентиран дизајн</a:t>
+              <a:t>Истражувања поврзани со дигитални досиеја</a:t>
             </a:r>
             <a:endParaRPr lang="en-US" dirty="0"/>
           </a:p>
@@ -7480,13 +8022,7 @@
       </p:sp>
       <p:sp>
         <p:nvSpPr>
-          <p:cNvPr id="3" name="Content Placeholder 2">
-            <a:extLst>
-              <a:ext uri="{FF2B5EF4-FFF2-40B4-BE49-F238E27FC236}">
-                <a16:creationId xmlns:a16="http://schemas.microsoft.com/office/drawing/2014/main" id="{430D67F9-3918-439B-B567-70F3C7E87A56}"/>
-              </a:ext>
-            </a:extLst>
-          </p:cNvPr>
+          <p:cNvPr id="14" name="Content Placeholder 13"/>
           <p:cNvSpPr>
             <a:spLocks noGrp="1"/>
           </p:cNvSpPr>
@@ -7496,98 +8032,46 @@
         </p:nvSpPr>
         <p:spPr>
           <a:xfrm>
-            <a:off x="1218882" y="3124200"/>
-            <a:ext cx="10285729" cy="4462272"/>
+            <a:off x="1218883" y="1371600"/>
+            <a:ext cx="10360501" cy="5334000"/>
           </a:xfrm>
         </p:spPr>
         <p:txBody>
-          <a:bodyPr/>
+          <a:bodyPr>
+            <a:normAutofit lnSpcReduction="10000"/>
+          </a:bodyPr>
           <a:lstStyle/>
           <a:p>
             <a:r>
-              <a:rPr lang="mk-MK" b="1" dirty="0"/>
-              <a:t>План</a:t>
-            </a:r>
-            <a:r>
-              <a:rPr lang="en-US" b="1" dirty="0"/>
-              <a:t> </a:t>
-            </a:r>
-            <a:r>
-              <a:rPr lang="en-US" dirty="0"/>
-              <a:t>– </a:t>
-            </a:r>
-            <a:r>
-              <a:rPr lang="mk-MK" dirty="0"/>
-              <a:t>Дефинирање на корисничките побарувања</a:t>
-            </a:r>
-          </a:p>
-          <a:p>
-            <a:r>
-              <a:rPr lang="mk-MK" b="1" dirty="0"/>
-              <a:t>Дизајн </a:t>
-            </a:r>
-            <a:r>
-              <a:rPr lang="mk-MK" dirty="0"/>
-              <a:t>– Дизајнирање на архитектурата и на навигацијата</a:t>
-            </a:r>
-          </a:p>
-          <a:p>
-            <a:r>
-              <a:rPr lang="mk-MK" b="1" dirty="0"/>
-              <a:t>Прототип </a:t>
-            </a:r>
-            <a:r>
-              <a:rPr lang="mk-MK" dirty="0"/>
-              <a:t>– Развивање и тестирање на проторипи</a:t>
-            </a:r>
-          </a:p>
-          <a:p>
-            <a:r>
-              <a:rPr lang="mk-MK" b="1" dirty="0"/>
-              <a:t>Преглед </a:t>
-            </a:r>
-            <a:r>
-              <a:rPr lang="mk-MK" dirty="0"/>
-              <a:t>– Преглед на дизајните со корисниците</a:t>
-            </a:r>
-            <a:endParaRPr lang="en-US" b="1" dirty="0"/>
-          </a:p>
-        </p:txBody>
-      </p:sp>
-      <p:pic>
-        <p:nvPicPr>
-          <p:cNvPr id="5" name="Picture 4">
-            <a:extLst>
-              <a:ext uri="{FF2B5EF4-FFF2-40B4-BE49-F238E27FC236}">
-                <a16:creationId xmlns:a16="http://schemas.microsoft.com/office/drawing/2014/main" id="{952F28FA-30C7-4B60-BCB6-C43D65BC57EF}"/>
-              </a:ext>
-            </a:extLst>
-          </p:cNvPr>
-          <p:cNvPicPr>
-            <a:picLocks noChangeAspect="1"/>
-          </p:cNvPicPr>
-          <p:nvPr/>
-        </p:nvPicPr>
-        <p:blipFill>
-          <a:blip r:embed="rId2"/>
-          <a:stretch>
-            <a:fillRect/>
-          </a:stretch>
-        </p:blipFill>
-        <p:spPr>
-          <a:xfrm>
-            <a:off x="2970212" y="1228725"/>
-            <a:ext cx="6048375" cy="1657350"/>
-          </a:xfrm>
-          <a:prstGeom prst="rect">
-            <a:avLst/>
-          </a:prstGeom>
-        </p:spPr>
-      </p:pic>
+              <a:rPr lang="mk-MK" dirty="0"/>
+              <a:t>Подобрувањата на здравствениот систем се наоѓаат високо на приоритетната листа на секое општество</a:t>
+            </a:r>
+          </a:p>
+          <a:p>
+            <a:r>
+              <a:rPr lang="mk-MK" dirty="0"/>
+              <a:t>Иницијативата за дигитализирање на здравството најавува револуција преку намалување на грешките и трошоците, но во исто време го зголемува квалитетот на грижата</a:t>
+            </a:r>
+          </a:p>
+          <a:p>
+            <a:r>
+              <a:rPr lang="mk-MK" dirty="0"/>
+              <a:t>Иако технолошките достигнувања во науката помогнаа многу да напредне медицината како научно поле, подобрувањата во менаџирањето на документите и досиејата на пациентите се дефицитарни</a:t>
+            </a:r>
+          </a:p>
+          <a:p>
+            <a:r>
+              <a:rPr lang="mk-MK" dirty="0"/>
+              <a:t>Потребата од прегледување и менаџирање на досиејата на пациентите значително ја зголеми побарувачката од најразлични ИТ решенија за зачувување и прегледување на клиничките податоци</a:t>
+            </a:r>
+            <a:endParaRPr lang="en-US" dirty="0"/>
+          </a:p>
+        </p:txBody>
+      </p:sp>
     </p:spTree>
     <p:extLst>
       <p:ext uri="{BB962C8B-B14F-4D97-AF65-F5344CB8AC3E}">
-        <p14:creationId xmlns:p14="http://schemas.microsoft.com/office/powerpoint/2010/main" val="1903312770"/>
+        <p14:creationId xmlns:p14="http://schemas.microsoft.com/office/powerpoint/2010/main" val="226711727"/>
       </p:ext>
     </p:extLst>
   </p:cSld>
@@ -7648,15 +8132,7 @@
           <a:p>
             <a:r>
               <a:rPr lang="mk-MK" dirty="0"/>
-              <a:t>Студија на случај</a:t>
-            </a:r>
-            <a:r>
-              <a:rPr lang="en-US" dirty="0"/>
-              <a:t>: </a:t>
-            </a:r>
-            <a:r>
-              <a:rPr lang="mk-MK" dirty="0"/>
-              <a:t>Македонија</a:t>
+              <a:t>Кориснички ориентиран дизајн</a:t>
             </a:r>
             <a:endParaRPr lang="en-US" dirty="0"/>
           </a:p>
@@ -7664,7 +8140,13 @@
       </p:sp>
       <p:sp>
         <p:nvSpPr>
-          <p:cNvPr id="14" name="Content Placeholder 13"/>
+          <p:cNvPr id="3" name="Content Placeholder 2">
+            <a:extLst>
+              <a:ext uri="{FF2B5EF4-FFF2-40B4-BE49-F238E27FC236}">
+                <a16:creationId xmlns:a16="http://schemas.microsoft.com/office/drawing/2014/main" id="{430D67F9-3918-439B-B567-70F3C7E87A56}"/>
+              </a:ext>
+            </a:extLst>
+          </p:cNvPr>
           <p:cNvSpPr>
             <a:spLocks noGrp="1"/>
           </p:cNvSpPr>
@@ -7674,8 +8156,8 @@
         </p:nvSpPr>
         <p:spPr>
           <a:xfrm>
-            <a:off x="1218883" y="1371600"/>
-            <a:ext cx="10360501" cy="5334000"/>
+            <a:off x="1218882" y="3124200"/>
+            <a:ext cx="10285729" cy="4462272"/>
           </a:xfrm>
         </p:spPr>
         <p:txBody>
@@ -7683,40 +8165,89 @@
           <a:lstStyle/>
           <a:p>
             <a:r>
-              <a:rPr lang="mk-MK" dirty="0"/>
-              <a:t>Министерството за здравство на Македонија имаше еден неуспешен обид за имплементација на дигитални досиеја за пациентите поради лоша организација и лошо менаџирање на проектот</a:t>
-            </a:r>
-          </a:p>
-          <a:p>
-            <a:r>
-              <a:rPr lang="mk-MK" dirty="0"/>
-              <a:t>Информатичка неписменост кај здравствените работници, немањето на унифицирана база на податоци и нестандардизираноста на форматите преку кои се внесуваат податоци за пациентите се дел од причините за неуспешноста на проектите</a:t>
-            </a:r>
-          </a:p>
-          <a:p>
-            <a:r>
-              <a:rPr lang="mk-MK" dirty="0"/>
-              <a:t>Единствен делумно успешен модул за дигитализација на здравството беше реализацијата на системот за термини, наречен </a:t>
+              <a:rPr lang="mk-MK" b="1" dirty="0"/>
+              <a:t>План</a:t>
+            </a:r>
+            <a:r>
+              <a:rPr lang="en-US" b="1" dirty="0"/>
+              <a:t> </a:t>
             </a:r>
             <a:r>
               <a:rPr lang="en-US" dirty="0"/>
-              <a:t>“</a:t>
-            </a:r>
-            <a:r>
-              <a:rPr lang="mk-MK" dirty="0"/>
-              <a:t>Мој Термин</a:t>
-            </a:r>
-            <a:r>
-              <a:rPr lang="en-US" dirty="0"/>
-              <a:t>”</a:t>
-            </a:r>
-          </a:p>
-        </p:txBody>
-      </p:sp>
+              <a:t>– </a:t>
+            </a:r>
+            <a:r>
+              <a:rPr lang="mk-MK" dirty="0"/>
+              <a:t>Дефинирање на корисничките побарувања</a:t>
+            </a:r>
+          </a:p>
+          <a:p>
+            <a:r>
+              <a:rPr lang="mk-MK" b="1" dirty="0"/>
+              <a:t>Дизајн </a:t>
+            </a:r>
+            <a:r>
+              <a:rPr lang="mk-MK" dirty="0"/>
+              <a:t>– Дизајнирање на архитектурата и на навигацијата</a:t>
+            </a:r>
+          </a:p>
+          <a:p>
+            <a:r>
+              <a:rPr lang="mk-MK" b="1" dirty="0"/>
+              <a:t>Прототип </a:t>
+            </a:r>
+            <a:r>
+              <a:rPr lang="mk-MK" dirty="0"/>
+              <a:t>– Развивање и тестирање на проторипи</a:t>
+            </a:r>
+          </a:p>
+          <a:p>
+            <a:r>
+              <a:rPr lang="mk-MK" b="1" dirty="0"/>
+              <a:t>Преглед </a:t>
+            </a:r>
+            <a:r>
+              <a:rPr lang="mk-MK" dirty="0"/>
+              <a:t>– Преглед на дизајните со корисниците</a:t>
+            </a:r>
+            <a:endParaRPr lang="en-US" b="1" dirty="0"/>
+          </a:p>
+        </p:txBody>
+      </p:sp>
+      <p:pic>
+        <p:nvPicPr>
+          <p:cNvPr id="5" name="Picture 4">
+            <a:extLst>
+              <a:ext uri="{FF2B5EF4-FFF2-40B4-BE49-F238E27FC236}">
+                <a16:creationId xmlns:a16="http://schemas.microsoft.com/office/drawing/2014/main" id="{952F28FA-30C7-4B60-BCB6-C43D65BC57EF}"/>
+              </a:ext>
+            </a:extLst>
+          </p:cNvPr>
+          <p:cNvPicPr>
+            <a:picLocks noChangeAspect="1"/>
+          </p:cNvPicPr>
+          <p:nvPr/>
+        </p:nvPicPr>
+        <p:blipFill>
+          <a:blip r:embed="rId2"/>
+          <a:stretch>
+            <a:fillRect/>
+          </a:stretch>
+        </p:blipFill>
+        <p:spPr>
+          <a:xfrm>
+            <a:off x="2970212" y="1228725"/>
+            <a:ext cx="6048375" cy="1657350"/>
+          </a:xfrm>
+          <a:prstGeom prst="rect">
+            <a:avLst/>
+          </a:prstGeom>
+        </p:spPr>
+      </p:pic>
     </p:spTree>
     <p:extLst>
       <p:ext uri="{BB962C8B-B14F-4D97-AF65-F5344CB8AC3E}">
-        <p14:creationId xmlns:p14="http://schemas.microsoft.com/office/powerpoint/2010/main" val="773521276"/>
+        <p14:creationId xmlns:p14="http://schemas.microsoft.com/office/powerpoint/2010/main" val="1903312770"/>
       </p:ext>
     </p:extLst>
   </p:cSld>
@@ -8689,6 +9220,142 @@
 </file>
 
 <file path=customXml/item1.xml><?xml version="1.0" encoding="utf-8"?>
+<p:properties xmlns:p="http://schemas.microsoft.com/office/2006/metadata/properties" xmlns:xsi="http://www.w3.org/2001/XMLSchema-instance" xmlns:pc="http://schemas.microsoft.com/office/infopath/2007/PartnerControls">
+  <documentManagement>
+    <LocPublishedLinkedAssetsLookup xmlns="4873beb7-5857-4685-be1f-d57550cc96cc" xsi:nil="true"/>
+    <ApprovalStatus xmlns="4873beb7-5857-4685-be1f-d57550cc96cc">InProgress</ApprovalStatus>
+    <MarketSpecific xmlns="4873beb7-5857-4685-be1f-d57550cc96cc">false</MarketSpecific>
+    <LocComments xmlns="4873beb7-5857-4685-be1f-d57550cc96cc" xsi:nil="true"/>
+    <LocLastLocAttemptVersionTypeLookup xmlns="4873beb7-5857-4685-be1f-d57550cc96cc" xsi:nil="true"/>
+    <DirectSourceMarket xmlns="4873beb7-5857-4685-be1f-d57550cc96cc" xsi:nil="true"/>
+    <ThumbnailAssetId xmlns="4873beb7-5857-4685-be1f-d57550cc96cc" xsi:nil="true"/>
+    <PrimaryImageGen xmlns="4873beb7-5857-4685-be1f-d57550cc96cc">false</PrimaryImageGen>
+    <LocNewPublishedVersionLookup xmlns="4873beb7-5857-4685-be1f-d57550cc96cc" xsi:nil="true"/>
+    <LegacyData xmlns="4873beb7-5857-4685-be1f-d57550cc96cc" xsi:nil="true"/>
+    <LocRecommendedHandoff xmlns="4873beb7-5857-4685-be1f-d57550cc96cc" xsi:nil="true"/>
+    <BusinessGroup xmlns="4873beb7-5857-4685-be1f-d57550cc96cc" xsi:nil="true"/>
+    <BlockPublish xmlns="4873beb7-5857-4685-be1f-d57550cc96cc">false</BlockPublish>
+    <TPFriendlyName xmlns="4873beb7-5857-4685-be1f-d57550cc96cc" xsi:nil="true"/>
+    <LocOverallPublishStatusLookup xmlns="4873beb7-5857-4685-be1f-d57550cc96cc" xsi:nil="true"/>
+    <NumericId xmlns="4873beb7-5857-4685-be1f-d57550cc96cc" xsi:nil="true"/>
+    <APEditor xmlns="4873beb7-5857-4685-be1f-d57550cc96cc">
+      <UserInfo>
+        <DisplayName/>
+        <AccountId xsi:nil="true"/>
+        <AccountType/>
+      </UserInfo>
+    </APEditor>
+    <SourceTitle xmlns="4873beb7-5857-4685-be1f-d57550cc96cc" xsi:nil="true"/>
+    <OpenTemplate xmlns="4873beb7-5857-4685-be1f-d57550cc96cc">true</OpenTemplate>
+    <LocOverallLocStatusLookup xmlns="4873beb7-5857-4685-be1f-d57550cc96cc" xsi:nil="true"/>
+    <UALocComments xmlns="4873beb7-5857-4685-be1f-d57550cc96cc" xsi:nil="true"/>
+    <ParentAssetId xmlns="4873beb7-5857-4685-be1f-d57550cc96cc" xsi:nil="true"/>
+    <IntlLangReviewDate xmlns="4873beb7-5857-4685-be1f-d57550cc96cc" xsi:nil="true"/>
+    <FeatureTagsTaxHTField0 xmlns="4873beb7-5857-4685-be1f-d57550cc96cc">
+      <Terms xmlns="http://schemas.microsoft.com/office/infopath/2007/PartnerControls"/>
+    </FeatureTagsTaxHTField0>
+    <PublishStatusLookup xmlns="4873beb7-5857-4685-be1f-d57550cc96cc">
+      <Value>1345093</Value>
+    </PublishStatusLookup>
+    <Providers xmlns="4873beb7-5857-4685-be1f-d57550cc96cc" xsi:nil="true"/>
+    <MachineTranslated xmlns="4873beb7-5857-4685-be1f-d57550cc96cc">false</MachineTranslated>
+    <OriginalSourceMarket xmlns="4873beb7-5857-4685-be1f-d57550cc96cc" xsi:nil="true"/>
+    <APDescription xmlns="4873beb7-5857-4685-be1f-d57550cc96cc">This simple template design works for technology and  businesses, but it's versatile enough to use in other contexts.  It features multiple slide layouts designed for widescreen (16x9 resolution) and includes a sample SmartArt list and chart that are easily editable.</APDescription>
+    <ClipArtFilename xmlns="4873beb7-5857-4685-be1f-d57550cc96cc" xsi:nil="true"/>
+    <ContentItem xmlns="4873beb7-5857-4685-be1f-d57550cc96cc" xsi:nil="true"/>
+    <TPInstallLocation xmlns="4873beb7-5857-4685-be1f-d57550cc96cc" xsi:nil="true"/>
+    <PublishTargets xmlns="4873beb7-5857-4685-be1f-d57550cc96cc">OfficeOnlineVNext</PublishTargets>
+    <TimesCloned xmlns="4873beb7-5857-4685-be1f-d57550cc96cc" xsi:nil="true"/>
+    <AssetStart xmlns="4873beb7-5857-4685-be1f-d57550cc96cc">2011-11-26T00:30:00+00:00</AssetStart>
+    <Provider xmlns="4873beb7-5857-4685-be1f-d57550cc96cc" xsi:nil="true"/>
+    <AcquiredFrom xmlns="4873beb7-5857-4685-be1f-d57550cc96cc">Internal MS</AcquiredFrom>
+    <FriendlyTitle xmlns="4873beb7-5857-4685-be1f-d57550cc96cc" xsi:nil="true"/>
+    <LastHandOff xmlns="4873beb7-5857-4685-be1f-d57550cc96cc" xsi:nil="true"/>
+    <TPClientViewer xmlns="4873beb7-5857-4685-be1f-d57550cc96cc" xsi:nil="true"/>
+    <TemplateStatus xmlns="4873beb7-5857-4685-be1f-d57550cc96cc">Complete</TemplateStatus>
+    <Downloads xmlns="4873beb7-5857-4685-be1f-d57550cc96cc">0</Downloads>
+    <OOCacheId xmlns="4873beb7-5857-4685-be1f-d57550cc96cc" xsi:nil="true"/>
+    <IsDeleted xmlns="4873beb7-5857-4685-be1f-d57550cc96cc">false</IsDeleted>
+    <LocPublishedDependentAssetsLookup xmlns="4873beb7-5857-4685-be1f-d57550cc96cc" xsi:nil="true"/>
+    <TPExecutable xmlns="4873beb7-5857-4685-be1f-d57550cc96cc" xsi:nil="true"/>
+    <EditorialTags xmlns="4873beb7-5857-4685-be1f-d57550cc96cc" xsi:nil="true"/>
+    <SubmitterId xmlns="4873beb7-5857-4685-be1f-d57550cc96cc" xsi:nil="true"/>
+    <ApprovalLog xmlns="4873beb7-5857-4685-be1f-d57550cc96cc" xsi:nil="true"/>
+    <AssetType xmlns="4873beb7-5857-4685-be1f-d57550cc96cc">TP</AssetType>
+    <BugNumber xmlns="4873beb7-5857-4685-be1f-d57550cc96cc" xsi:nil="true"/>
+    <CSXSubmissionDate xmlns="4873beb7-5857-4685-be1f-d57550cc96cc" xsi:nil="true"/>
+    <CSXUpdate xmlns="4873beb7-5857-4685-be1f-d57550cc96cc">false</CSXUpdate>
+    <Milestone xmlns="4873beb7-5857-4685-be1f-d57550cc96cc" xsi:nil="true"/>
+    <RecommendationsModifier xmlns="4873beb7-5857-4685-be1f-d57550cc96cc" xsi:nil="true"/>
+    <OriginAsset xmlns="4873beb7-5857-4685-be1f-d57550cc96cc" xsi:nil="true"/>
+    <TPComponent xmlns="4873beb7-5857-4685-be1f-d57550cc96cc" xsi:nil="true"/>
+    <AssetId xmlns="4873beb7-5857-4685-be1f-d57550cc96cc">TP102787989</AssetId>
+    <IntlLocPriority xmlns="4873beb7-5857-4685-be1f-d57550cc96cc" xsi:nil="true"/>
+    <PolicheckWords xmlns="4873beb7-5857-4685-be1f-d57550cc96cc" xsi:nil="true"/>
+    <TPLaunchHelpLink xmlns="4873beb7-5857-4685-be1f-d57550cc96cc" xsi:nil="true"/>
+    <TPApplication xmlns="4873beb7-5857-4685-be1f-d57550cc96cc" xsi:nil="true"/>
+    <CrawlForDependencies xmlns="4873beb7-5857-4685-be1f-d57550cc96cc">false</CrawlForDependencies>
+    <HandoffToMSDN xmlns="4873beb7-5857-4685-be1f-d57550cc96cc" xsi:nil="true"/>
+    <PlannedPubDate xmlns="4873beb7-5857-4685-be1f-d57550cc96cc" xsi:nil="true"/>
+    <IntlLangReviewer xmlns="4873beb7-5857-4685-be1f-d57550cc96cc" xsi:nil="true"/>
+    <TrustLevel xmlns="4873beb7-5857-4685-be1f-d57550cc96cc">1 Microsoft Managed Content</TrustLevel>
+    <LocLastLocAttemptVersionLookup xmlns="4873beb7-5857-4685-be1f-d57550cc96cc">694266</LocLastLocAttemptVersionLookup>
+    <LocProcessedForHandoffsLookup xmlns="4873beb7-5857-4685-be1f-d57550cc96cc" xsi:nil="true"/>
+    <IsSearchable xmlns="4873beb7-5857-4685-be1f-d57550cc96cc">true</IsSearchable>
+    <TemplateTemplateType xmlns="4873beb7-5857-4685-be1f-d57550cc96cc">PowerPoint Presentation Template</TemplateTemplateType>
+    <CampaignTagsTaxHTField0 xmlns="4873beb7-5857-4685-be1f-d57550cc96cc">
+      <Terms xmlns="http://schemas.microsoft.com/office/infopath/2007/PartnerControls"/>
+    </CampaignTagsTaxHTField0>
+    <TPNamespace xmlns="4873beb7-5857-4685-be1f-d57550cc96cc" xsi:nil="true"/>
+    <LocOverallPreviewStatusLookup xmlns="4873beb7-5857-4685-be1f-d57550cc96cc" xsi:nil="true"/>
+    <TaxCatchAll xmlns="4873beb7-5857-4685-be1f-d57550cc96cc"/>
+    <Markets xmlns="4873beb7-5857-4685-be1f-d57550cc96cc"/>
+    <UAProjectedTotalWords xmlns="4873beb7-5857-4685-be1f-d57550cc96cc" xsi:nil="true"/>
+    <IntlLangReview xmlns="4873beb7-5857-4685-be1f-d57550cc96cc" xsi:nil="true"/>
+    <OutputCachingOn xmlns="4873beb7-5857-4685-be1f-d57550cc96cc">false</OutputCachingOn>
+    <AverageRating xmlns="4873beb7-5857-4685-be1f-d57550cc96cc" xsi:nil="true"/>
+    <APAuthor xmlns="4873beb7-5857-4685-be1f-d57550cc96cc">
+      <UserInfo>
+        <DisplayName>REDMOND\kristaa</DisplayName>
+        <AccountId>136</AccountId>
+        <AccountType/>
+      </UserInfo>
+    </APAuthor>
+    <LocManualTestRequired xmlns="4873beb7-5857-4685-be1f-d57550cc96cc">false</LocManualTestRequired>
+    <TPCommandLine xmlns="4873beb7-5857-4685-be1f-d57550cc96cc" xsi:nil="true"/>
+    <TPAppVersion xmlns="4873beb7-5857-4685-be1f-d57550cc96cc" xsi:nil="true"/>
+    <EditorialStatus xmlns="4873beb7-5857-4685-be1f-d57550cc96cc">Complete</EditorialStatus>
+    <LastModifiedDateTime xmlns="4873beb7-5857-4685-be1f-d57550cc96cc" xsi:nil="true"/>
+    <ScenarioTagsTaxHTField0 xmlns="4873beb7-5857-4685-be1f-d57550cc96cc">
+      <Terms xmlns="http://schemas.microsoft.com/office/infopath/2007/PartnerControls"/>
+    </ScenarioTagsTaxHTField0>
+    <LocProcessedForMarketsLookup xmlns="4873beb7-5857-4685-be1f-d57550cc96cc" xsi:nil="true"/>
+    <TPLaunchHelpLinkType xmlns="4873beb7-5857-4685-be1f-d57550cc96cc">Template</TPLaunchHelpLinkType>
+    <OriginalRelease xmlns="4873beb7-5857-4685-be1f-d57550cc96cc">15</OriginalRelease>
+    <LocalizationTagsTaxHTField0 xmlns="4873beb7-5857-4685-be1f-d57550cc96cc">
+      <Terms xmlns="http://schemas.microsoft.com/office/infopath/2007/PartnerControls"/>
+    </LocalizationTagsTaxHTField0>
+    <UACurrentWords xmlns="4873beb7-5857-4685-be1f-d57550cc96cc" xsi:nil="true"/>
+    <ArtSampleDocs xmlns="4873beb7-5857-4685-be1f-d57550cc96cc" xsi:nil="true"/>
+    <UALocRecommendation xmlns="4873beb7-5857-4685-be1f-d57550cc96cc">Localize</UALocRecommendation>
+    <Manager xmlns="4873beb7-5857-4685-be1f-d57550cc96cc" xsi:nil="true"/>
+    <LocOverallHandbackStatusLookup xmlns="4873beb7-5857-4685-be1f-d57550cc96cc" xsi:nil="true"/>
+    <ShowIn xmlns="4873beb7-5857-4685-be1f-d57550cc96cc">Show everywhere</ShowIn>
+    <UANotes xmlns="4873beb7-5857-4685-be1f-d57550cc96cc" xsi:nil="true"/>
+    <InternalTagsTaxHTField0 xmlns="4873beb7-5857-4685-be1f-d57550cc96cc">
+      <Terms xmlns="http://schemas.microsoft.com/office/infopath/2007/PartnerControls"/>
+    </InternalTagsTaxHTField0>
+    <CSXHash xmlns="4873beb7-5857-4685-be1f-d57550cc96cc" xsi:nil="true"/>
+    <VoteCount xmlns="4873beb7-5857-4685-be1f-d57550cc96cc" xsi:nil="true"/>
+    <AssetExpire xmlns="4873beb7-5857-4685-be1f-d57550cc96cc">2029-05-12T07:00:00+00:00</AssetExpire>
+    <DSATActionTaken xmlns="4873beb7-5857-4685-be1f-d57550cc96cc" xsi:nil="true"/>
+    <CSXSubmissionMarket xmlns="4873beb7-5857-4685-be1f-d57550cc96cc" xsi:nil="true"/>
+    <LocMarketGroupTiers2 xmlns="4873beb7-5857-4685-be1f-d57550cc96cc" xsi:nil="true"/>
+  </documentManagement>
+</p:properties>
+</file>
+
+<file path=customXml/item2.xml><?xml version="1.0" encoding="utf-8"?>
 <ct:contentTypeSchema xmlns:ct="http://schemas.microsoft.com/office/2006/metadata/contentType" xmlns:ma="http://schemas.microsoft.com/office/2006/metadata/properties/metaAttributes" ct:_="" ma:_="" ma:contentTypeName="TemplateFile" ma:contentTypeID="0x0101006EDDDB5EE6D98C44930B742096920B300400F5B6D36B3EF94B4E9A635CDF2A18F5B8" ma:contentTypeVersion="72" ma:contentTypeDescription="Create a new document." ma:contentTypeScope="" ma:versionID="a23e56308344d904b51738559c3d67c9">
   <xsd:schema xmlns:xsd="http://www.w3.org/2001/XMLSchema" xmlns:xs="http://www.w3.org/2001/XMLSchema" xmlns:p="http://schemas.microsoft.com/office/2006/metadata/properties" xmlns:ns2="4873beb7-5857-4685-be1f-d57550cc96cc" targetNamespace="http://schemas.microsoft.com/office/2006/metadata/properties" ma:root="true" ma:fieldsID="cd0908cc4600e77bf5da051303e00c8d" ns2:_="">
     <xsd:import namespace="4873beb7-5857-4685-be1f-d57550cc96cc"/>
@@ -9728,142 +10395,6 @@
 </ct:contentTypeSchema>
 </file>
 
-<file path=customXml/item2.xml><?xml version="1.0" encoding="utf-8"?>
-<p:properties xmlns:p="http://schemas.microsoft.com/office/2006/metadata/properties" xmlns:xsi="http://www.w3.org/2001/XMLSchema-instance" xmlns:pc="http://schemas.microsoft.com/office/infopath/2007/PartnerControls">
-  <documentManagement>
-    <LocPublishedLinkedAssetsLookup xmlns="4873beb7-5857-4685-be1f-d57550cc96cc" xsi:nil="true"/>
-    <ApprovalStatus xmlns="4873beb7-5857-4685-be1f-d57550cc96cc">InProgress</ApprovalStatus>
-    <MarketSpecific xmlns="4873beb7-5857-4685-be1f-d57550cc96cc">false</MarketSpecific>
-    <LocComments xmlns="4873beb7-5857-4685-be1f-d57550cc96cc" xsi:nil="true"/>
-    <LocLastLocAttemptVersionTypeLookup xmlns="4873beb7-5857-4685-be1f-d57550cc96cc" xsi:nil="true"/>
-    <DirectSourceMarket xmlns="4873beb7-5857-4685-be1f-d57550cc96cc" xsi:nil="true"/>
-    <ThumbnailAssetId xmlns="4873beb7-5857-4685-be1f-d57550cc96cc" xsi:nil="true"/>
-    <PrimaryImageGen xmlns="4873beb7-5857-4685-be1f-d57550cc96cc">false</PrimaryImageGen>
-    <LocNewPublishedVersionLookup xmlns="4873beb7-5857-4685-be1f-d57550cc96cc" xsi:nil="true"/>
-    <LegacyData xmlns="4873beb7-5857-4685-be1f-d57550cc96cc" xsi:nil="true"/>
-    <LocRecommendedHandoff xmlns="4873beb7-5857-4685-be1f-d57550cc96cc" xsi:nil="true"/>
-    <BusinessGroup xmlns="4873beb7-5857-4685-be1f-d57550cc96cc" xsi:nil="true"/>
-    <BlockPublish xmlns="4873beb7-5857-4685-be1f-d57550cc96cc">false</BlockPublish>
-    <TPFriendlyName xmlns="4873beb7-5857-4685-be1f-d57550cc96cc" xsi:nil="true"/>
-    <LocOverallPublishStatusLookup xmlns="4873beb7-5857-4685-be1f-d57550cc96cc" xsi:nil="true"/>
-    <NumericId xmlns="4873beb7-5857-4685-be1f-d57550cc96cc" xsi:nil="true"/>
-    <APEditor xmlns="4873beb7-5857-4685-be1f-d57550cc96cc">
-      <UserInfo>
-        <DisplayName/>
-        <AccountId xsi:nil="true"/>
-        <AccountType/>
-      </UserInfo>
-    </APEditor>
-    <SourceTitle xmlns="4873beb7-5857-4685-be1f-d57550cc96cc" xsi:nil="true"/>
-    <OpenTemplate xmlns="4873beb7-5857-4685-be1f-d57550cc96cc">true</OpenTemplate>
-    <LocOverallLocStatusLookup xmlns="4873beb7-5857-4685-be1f-d57550cc96cc" xsi:nil="true"/>
-    <UALocComments xmlns="4873beb7-5857-4685-be1f-d57550cc96cc" xsi:nil="true"/>
-    <ParentAssetId xmlns="4873beb7-5857-4685-be1f-d57550cc96cc" xsi:nil="true"/>
-    <IntlLangReviewDate xmlns="4873beb7-5857-4685-be1f-d57550cc96cc" xsi:nil="true"/>
-    <FeatureTagsTaxHTField0 xmlns="4873beb7-5857-4685-be1f-d57550cc96cc">
-      <Terms xmlns="http://schemas.microsoft.com/office/infopath/2007/PartnerControls"/>
-    </FeatureTagsTaxHTField0>
-    <PublishStatusLookup xmlns="4873beb7-5857-4685-be1f-d57550cc96cc">
-      <Value>1345093</Value>
-    </PublishStatusLookup>
-    <Providers xmlns="4873beb7-5857-4685-be1f-d57550cc96cc" xsi:nil="true"/>
-    <MachineTranslated xmlns="4873beb7-5857-4685-be1f-d57550cc96cc">false</MachineTranslated>
-    <OriginalSourceMarket xmlns="4873beb7-5857-4685-be1f-d57550cc96cc" xsi:nil="true"/>
-    <APDescription xmlns="4873beb7-5857-4685-be1f-d57550cc96cc">This simple template design works for technology and  businesses, but it's versatile enough to use in other contexts.  It features multiple slide layouts designed for widescreen (16x9 resolution) and includes a sample SmartArt list and chart that are easily editable.</APDescription>
-    <ClipArtFilename xmlns="4873beb7-5857-4685-be1f-d57550cc96cc" xsi:nil="true"/>
-    <ContentItem xmlns="4873beb7-5857-4685-be1f-d57550cc96cc" xsi:nil="true"/>
-    <TPInstallLocation xmlns="4873beb7-5857-4685-be1f-d57550cc96cc" xsi:nil="true"/>
-    <PublishTargets xmlns="4873beb7-5857-4685-be1f-d57550cc96cc">OfficeOnlineVNext</PublishTargets>
-    <TimesCloned xmlns="4873beb7-5857-4685-be1f-d57550cc96cc" xsi:nil="true"/>
-    <AssetStart xmlns="4873beb7-5857-4685-be1f-d57550cc96cc">2011-11-26T00:30:00+00:00</AssetStart>
-    <Provider xmlns="4873beb7-5857-4685-be1f-d57550cc96cc" xsi:nil="true"/>
-    <AcquiredFrom xmlns="4873beb7-5857-4685-be1f-d57550cc96cc">Internal MS</AcquiredFrom>
-    <FriendlyTitle xmlns="4873beb7-5857-4685-be1f-d57550cc96cc" xsi:nil="true"/>
-    <LastHandOff xmlns="4873beb7-5857-4685-be1f-d57550cc96cc" xsi:nil="true"/>
-    <TPClientViewer xmlns="4873beb7-5857-4685-be1f-d57550cc96cc" xsi:nil="true"/>
-    <TemplateStatus xmlns="4873beb7-5857-4685-be1f-d57550cc96cc">Complete</TemplateStatus>
-    <Downloads xmlns="4873beb7-5857-4685-be1f-d57550cc96cc">0</Downloads>
-    <OOCacheId xmlns="4873beb7-5857-4685-be1f-d57550cc96cc" xsi:nil="true"/>
-    <IsDeleted xmlns="4873beb7-5857-4685-be1f-d57550cc96cc">false</IsDeleted>
-    <LocPublishedDependentAssetsLookup xmlns="4873beb7-5857-4685-be1f-d57550cc96cc" xsi:nil="true"/>
-    <TPExecutable xmlns="4873beb7-5857-4685-be1f-d57550cc96cc" xsi:nil="true"/>
-    <EditorialTags xmlns="4873beb7-5857-4685-be1f-d57550cc96cc" xsi:nil="true"/>
-    <SubmitterId xmlns="4873beb7-5857-4685-be1f-d57550cc96cc" xsi:nil="true"/>
-    <ApprovalLog xmlns="4873beb7-5857-4685-be1f-d57550cc96cc" xsi:nil="true"/>
-    <AssetType xmlns="4873beb7-5857-4685-be1f-d57550cc96cc">TP</AssetType>
-    <BugNumber xmlns="4873beb7-5857-4685-be1f-d57550cc96cc" xsi:nil="true"/>
-    <CSXSubmissionDate xmlns="4873beb7-5857-4685-be1f-d57550cc96cc" xsi:nil="true"/>
-    <CSXUpdate xmlns="4873beb7-5857-4685-be1f-d57550cc96cc">false</CSXUpdate>
-    <Milestone xmlns="4873beb7-5857-4685-be1f-d57550cc96cc" xsi:nil="true"/>
-    <RecommendationsModifier xmlns="4873beb7-5857-4685-be1f-d57550cc96cc" xsi:nil="true"/>
-    <OriginAsset xmlns="4873beb7-5857-4685-be1f-d57550cc96cc" xsi:nil="true"/>
-    <TPComponent xmlns="4873beb7-5857-4685-be1f-d57550cc96cc" xsi:nil="true"/>
-    <AssetId xmlns="4873beb7-5857-4685-be1f-d57550cc96cc">TP102787989</AssetId>
-    <IntlLocPriority xmlns="4873beb7-5857-4685-be1f-d57550cc96cc" xsi:nil="true"/>
-    <PolicheckWords xmlns="4873beb7-5857-4685-be1f-d57550cc96cc" xsi:nil="true"/>
-    <TPLaunchHelpLink xmlns="4873beb7-5857-4685-be1f-d57550cc96cc" xsi:nil="true"/>
-    <TPApplication xmlns="4873beb7-5857-4685-be1f-d57550cc96cc" xsi:nil="true"/>
-    <CrawlForDependencies xmlns="4873beb7-5857-4685-be1f-d57550cc96cc">false</CrawlForDependencies>
-    <HandoffToMSDN xmlns="4873beb7-5857-4685-be1f-d57550cc96cc" xsi:nil="true"/>
-    <PlannedPubDate xmlns="4873beb7-5857-4685-be1f-d57550cc96cc" xsi:nil="true"/>
-    <IntlLangReviewer xmlns="4873beb7-5857-4685-be1f-d57550cc96cc" xsi:nil="true"/>
-    <TrustLevel xmlns="4873beb7-5857-4685-be1f-d57550cc96cc">1 Microsoft Managed Content</TrustLevel>
-    <LocLastLocAttemptVersionLookup xmlns="4873beb7-5857-4685-be1f-d57550cc96cc">694266</LocLastLocAttemptVersionLookup>
-    <LocProcessedForHandoffsLookup xmlns="4873beb7-5857-4685-be1f-d57550cc96cc" xsi:nil="true"/>
-    <IsSearchable xmlns="4873beb7-5857-4685-be1f-d57550cc96cc">true</IsSearchable>
-    <TemplateTemplateType xmlns="4873beb7-5857-4685-be1f-d57550cc96cc">PowerPoint Presentation Template</TemplateTemplateType>
-    <CampaignTagsTaxHTField0 xmlns="4873beb7-5857-4685-be1f-d57550cc96cc">
-      <Terms xmlns="http://schemas.microsoft.com/office/infopath/2007/PartnerControls"/>
-    </CampaignTagsTaxHTField0>
-    <TPNamespace xmlns="4873beb7-5857-4685-be1f-d57550cc96cc" xsi:nil="true"/>
-    <LocOverallPreviewStatusLookup xmlns="4873beb7-5857-4685-be1f-d57550cc96cc" xsi:nil="true"/>
-    <TaxCatchAll xmlns="4873beb7-5857-4685-be1f-d57550cc96cc"/>
-    <Markets xmlns="4873beb7-5857-4685-be1f-d57550cc96cc"/>
-    <UAProjectedTotalWords xmlns="4873beb7-5857-4685-be1f-d57550cc96cc" xsi:nil="true"/>
-    <IntlLangReview xmlns="4873beb7-5857-4685-be1f-d57550cc96cc" xsi:nil="true"/>
-    <OutputCachingOn xmlns="4873beb7-5857-4685-be1f-d57550cc96cc">false</OutputCachingOn>
-    <AverageRating xmlns="4873beb7-5857-4685-be1f-d57550cc96cc" xsi:nil="true"/>
-    <APAuthor xmlns="4873beb7-5857-4685-be1f-d57550cc96cc">
-      <UserInfo>
-        <DisplayName>REDMOND\kristaa</DisplayName>
-        <AccountId>136</AccountId>
-        <AccountType/>
-      </UserInfo>
-    </APAuthor>
-    <LocManualTestRequired xmlns="4873beb7-5857-4685-be1f-d57550cc96cc">false</LocManualTestRequired>
-    <TPCommandLine xmlns="4873beb7-5857-4685-be1f-d57550cc96cc" xsi:nil="true"/>
-    <TPAppVersion xmlns="4873beb7-5857-4685-be1f-d57550cc96cc" xsi:nil="true"/>
-    <EditorialStatus xmlns="4873beb7-5857-4685-be1f-d57550cc96cc">Complete</EditorialStatus>
-    <LastModifiedDateTime xmlns="4873beb7-5857-4685-be1f-d57550cc96cc" xsi:nil="true"/>
-    <ScenarioTagsTaxHTField0 xmlns="4873beb7-5857-4685-be1f-d57550cc96cc">
-      <Terms xmlns="http://schemas.microsoft.com/office/infopath/2007/PartnerControls"/>
-    </ScenarioTagsTaxHTField0>
-    <LocProcessedForMarketsLookup xmlns="4873beb7-5857-4685-be1f-d57550cc96cc" xsi:nil="true"/>
-    <TPLaunchHelpLinkType xmlns="4873beb7-5857-4685-be1f-d57550cc96cc">Template</TPLaunchHelpLinkType>
-    <OriginalRelease xmlns="4873beb7-5857-4685-be1f-d57550cc96cc">15</OriginalRelease>
-    <LocalizationTagsTaxHTField0 xmlns="4873beb7-5857-4685-be1f-d57550cc96cc">
-      <Terms xmlns="http://schemas.microsoft.com/office/infopath/2007/PartnerControls"/>
-    </LocalizationTagsTaxHTField0>
-    <UACurrentWords xmlns="4873beb7-5857-4685-be1f-d57550cc96cc" xsi:nil="true"/>
-    <ArtSampleDocs xmlns="4873beb7-5857-4685-be1f-d57550cc96cc" xsi:nil="true"/>
-    <UALocRecommendation xmlns="4873beb7-5857-4685-be1f-d57550cc96cc">Localize</UALocRecommendation>
-    <Manager xmlns="4873beb7-5857-4685-be1f-d57550cc96cc" xsi:nil="true"/>
-    <LocOverallHandbackStatusLookup xmlns="4873beb7-5857-4685-be1f-d57550cc96cc" xsi:nil="true"/>
-    <ShowIn xmlns="4873beb7-5857-4685-be1f-d57550cc96cc">Show everywhere</ShowIn>
-    <UANotes xmlns="4873beb7-5857-4685-be1f-d57550cc96cc" xsi:nil="true"/>
-    <InternalTagsTaxHTField0 xmlns="4873beb7-5857-4685-be1f-d57550cc96cc">
-      <Terms xmlns="http://schemas.microsoft.com/office/infopath/2007/PartnerControls"/>
-    </InternalTagsTaxHTField0>
-    <CSXHash xmlns="4873beb7-5857-4685-be1f-d57550cc96cc" xsi:nil="true"/>
-    <VoteCount xmlns="4873beb7-5857-4685-be1f-d57550cc96cc" xsi:nil="true"/>
-    <AssetExpire xmlns="4873beb7-5857-4685-be1f-d57550cc96cc">2029-05-12T07:00:00+00:00</AssetExpire>
-    <DSATActionTaken xmlns="4873beb7-5857-4685-be1f-d57550cc96cc" xsi:nil="true"/>
-    <CSXSubmissionMarket xmlns="4873beb7-5857-4685-be1f-d57550cc96cc" xsi:nil="true"/>
-    <LocMarketGroupTiers2 xmlns="4873beb7-5857-4685-be1f-d57550cc96cc" xsi:nil="true"/>
-  </documentManagement>
-</p:properties>
-</file>
-
 <file path=customXml/item3.xml><?xml version="1.0" encoding="utf-8"?>
 <?mso-contentType ?>
 <FormTemplates xmlns="http://schemas.microsoft.com/sharepoint/v3/contenttype/forms">
@@ -9874,6 +10405,22 @@
 </file>
 
 <file path=customXml/itemProps1.xml><?xml version="1.0" encoding="utf-8"?>
+<ds:datastoreItem xmlns:ds="http://schemas.openxmlformats.org/officeDocument/2006/customXml" ds:itemID="{60C67BEE-D13F-4BD2-98A5-34D8A0977F68}">
+  <ds:schemaRefs>
+    <ds:schemaRef ds:uri="http://purl.org/dc/terms/"/>
+    <ds:schemaRef ds:uri="http://schemas.openxmlformats.org/package/2006/metadata/core-properties"/>
+    <ds:schemaRef ds:uri="4873beb7-5857-4685-be1f-d57550cc96cc"/>
+    <ds:schemaRef ds:uri="http://schemas.microsoft.com/office/2006/documentManagement/types"/>
+    <ds:schemaRef ds:uri="http://schemas.microsoft.com/office/infopath/2007/PartnerControls"/>
+    <ds:schemaRef ds:uri="http://purl.org/dc/elements/1.1/"/>
+    <ds:schemaRef ds:uri="http://schemas.microsoft.com/office/2006/metadata/properties"/>
+    <ds:schemaRef ds:uri="http://www.w3.org/XML/1998/namespace"/>
+    <ds:schemaRef ds:uri="http://purl.org/dc/dcmitype/"/>
+  </ds:schemaRefs>
+</ds:datastoreItem>
+</file>
+
+<file path=customXml/itemProps2.xml><?xml version="1.0" encoding="utf-8"?>
 <ds:datastoreItem xmlns:ds="http://schemas.openxmlformats.org/officeDocument/2006/customXml" ds:itemID="{A09BF4D4-EF60-4196-BFC3-9462D607978C}">
   <ds:schemaRefs>
     <ds:schemaRef ds:uri="http://schemas.microsoft.com/office/2006/metadata/contentType"/>
@@ -9891,22 +10438,6 @@
 </ds:datastoreItem>
 </file>
 
-<file path=customXml/itemProps2.xml><?xml version="1.0" encoding="utf-8"?>
-<ds:datastoreItem xmlns:ds="http://schemas.openxmlformats.org/officeDocument/2006/customXml" ds:itemID="{60C67BEE-D13F-4BD2-98A5-34D8A0977F68}">
-  <ds:schemaRefs>
-    <ds:schemaRef ds:uri="http://purl.org/dc/terms/"/>
-    <ds:schemaRef ds:uri="http://schemas.openxmlformats.org/package/2006/metadata/core-properties"/>
-    <ds:schemaRef ds:uri="4873beb7-5857-4685-be1f-d57550cc96cc"/>
-    <ds:schemaRef ds:uri="http://schemas.microsoft.com/office/2006/documentManagement/types"/>
-    <ds:schemaRef ds:uri="http://schemas.microsoft.com/office/infopath/2007/PartnerControls"/>
-    <ds:schemaRef ds:uri="http://purl.org/dc/elements/1.1/"/>
-    <ds:schemaRef ds:uri="http://schemas.microsoft.com/office/2006/metadata/properties"/>
-    <ds:schemaRef ds:uri="http://www.w3.org/XML/1998/namespace"/>
-    <ds:schemaRef ds:uri="http://purl.org/dc/dcmitype/"/>
-  </ds:schemaRefs>
-</ds:datastoreItem>
-</file>
-
 <file path=customXml/itemProps3.xml><?xml version="1.0" encoding="utf-8"?>
 <ds:datastoreItem xmlns:ds="http://schemas.openxmlformats.org/officeDocument/2006/customXml" ds:itemID="{3836F65B-1B07-41EE-A0E8-BC6EF3855225}">
   <ds:schemaRefs>

--- a/Master.pptx
+++ b/Master.pptx
@@ -5,10 +5,10 @@
     <p:sldMasterId id="2147483660" r:id="rId4"/>
   </p:sldMasterIdLst>
   <p:notesMasterIdLst>
-    <p:notesMasterId r:id="rId27"/>
+    <p:notesMasterId r:id="rId36"/>
   </p:notesMasterIdLst>
   <p:handoutMasterIdLst>
-    <p:handoutMasterId r:id="rId28"/>
+    <p:handoutMasterId r:id="rId37"/>
   </p:handoutMasterIdLst>
   <p:sldIdLst>
     <p:sldId id="257" r:id="rId5"/>
@@ -33,6 +33,15 @@
     <p:sldId id="288" r:id="rId24"/>
     <p:sldId id="290" r:id="rId25"/>
     <p:sldId id="291" r:id="rId26"/>
+    <p:sldId id="292" r:id="rId27"/>
+    <p:sldId id="293" r:id="rId28"/>
+    <p:sldId id="294" r:id="rId29"/>
+    <p:sldId id="295" r:id="rId30"/>
+    <p:sldId id="296" r:id="rId31"/>
+    <p:sldId id="297" r:id="rId32"/>
+    <p:sldId id="298" r:id="rId33"/>
+    <p:sldId id="299" r:id="rId34"/>
+    <p:sldId id="300" r:id="rId35"/>
   </p:sldIdLst>
   <p:sldSz cx="12188825" cy="6858000"/>
   <p:notesSz cx="6858000" cy="9144000"/>
@@ -250,7 +259,7 @@
           <a:p>
             <a:fld id="{FE5B4EDC-59C0-49C7-8ADA-5A781B329E02}" type="datetimeFigureOut">
               <a:rPr lang="en-US"/>
-              <a:t>1/29/2018</a:t>
+              <a:t>1/30/2018</a:t>
             </a:fld>
             <a:endParaRPr/>
           </a:p>
@@ -415,7 +424,7 @@
           <a:p>
             <a:fld id="{F2D8D46A-B586-417D-BFBD-8C8FE0AAF762}" type="datetimeFigureOut">
               <a:rPr lang="en-US"/>
-              <a:t>1/29/2018</a:t>
+              <a:t>1/30/2018</a:t>
             </a:fld>
             <a:endParaRPr/>
           </a:p>
@@ -1433,7 +1442,7 @@
           <a:p>
             <a:fld id="{F0DFD029-FB74-4578-B929-F66AA97659CA}" type="datetimeFigureOut">
               <a:rPr lang="en-US"/>
-              <a:t>1/29/2018</a:t>
+              <a:t>1/30/2018</a:t>
             </a:fld>
             <a:endParaRPr/>
           </a:p>
@@ -1631,7 +1640,7 @@
           <a:p>
             <a:fld id="{F0DFD029-FB74-4578-B929-F66AA97659CA}" type="datetimeFigureOut">
               <a:rPr lang="en-US"/>
-              <a:t>1/29/2018</a:t>
+              <a:t>1/30/2018</a:t>
             </a:fld>
             <a:endParaRPr/>
           </a:p>
@@ -1839,7 +1848,7 @@
           <a:p>
             <a:fld id="{F0DFD029-FB74-4578-B929-F66AA97659CA}" type="datetimeFigureOut">
               <a:rPr lang="en-US"/>
-              <a:t>1/29/2018</a:t>
+              <a:t>1/30/2018</a:t>
             </a:fld>
             <a:endParaRPr/>
           </a:p>
@@ -2037,7 +2046,7 @@
           <a:p>
             <a:fld id="{F0DFD029-FB74-4578-B929-F66AA97659CA}" type="datetimeFigureOut">
               <a:rPr lang="en-US"/>
-              <a:t>1/29/2018</a:t>
+              <a:t>1/30/2018</a:t>
             </a:fld>
             <a:endParaRPr/>
           </a:p>
@@ -2469,7 +2478,7 @@
           <a:p>
             <a:fld id="{F0DFD029-FB74-4578-B929-F66AA97659CA}" type="datetimeFigureOut">
               <a:rPr lang="en-US"/>
-              <a:t>1/29/2018</a:t>
+              <a:t>1/30/2018</a:t>
             </a:fld>
             <a:endParaRPr/>
           </a:p>
@@ -2773,7 +2782,7 @@
           <a:p>
             <a:fld id="{F0DFD029-FB74-4578-B929-F66AA97659CA}" type="datetimeFigureOut">
               <a:rPr lang="en-US"/>
-              <a:t>1/29/2018</a:t>
+              <a:t>1/30/2018</a:t>
             </a:fld>
             <a:endParaRPr/>
           </a:p>
@@ -3229,7 +3238,7 @@
           <a:p>
             <a:fld id="{F0DFD029-FB74-4578-B929-F66AA97659CA}" type="datetimeFigureOut">
               <a:rPr lang="en-US"/>
-              <a:t>1/29/2018</a:t>
+              <a:t>1/30/2018</a:t>
             </a:fld>
             <a:endParaRPr/>
           </a:p>
@@ -3359,7 +3368,7 @@
           <a:p>
             <a:fld id="{F0DFD029-FB74-4578-B929-F66AA97659CA}" type="datetimeFigureOut">
               <a:rPr lang="en-US"/>
-              <a:t>1/29/2018</a:t>
+              <a:t>1/30/2018</a:t>
             </a:fld>
             <a:endParaRPr/>
           </a:p>
@@ -3466,7 +3475,7 @@
           <a:p>
             <a:fld id="{F0DFD029-FB74-4578-B929-F66AA97659CA}" type="datetimeFigureOut">
               <a:rPr lang="en-US"/>
-              <a:t>1/29/2018</a:t>
+              <a:t>1/30/2018</a:t>
             </a:fld>
             <a:endParaRPr/>
           </a:p>
@@ -3765,7 +3774,7 @@
           <a:p>
             <a:fld id="{F0DFD029-FB74-4578-B929-F66AA97659CA}" type="datetimeFigureOut">
               <a:rPr lang="en-US"/>
-              <a:t>1/29/2018</a:t>
+              <a:t>1/30/2018</a:t>
             </a:fld>
             <a:endParaRPr/>
           </a:p>
@@ -4053,7 +4062,7 @@
           <a:p>
             <a:fld id="{F0DFD029-FB74-4578-B929-F66AA97659CA}" type="datetimeFigureOut">
               <a:rPr lang="en-US"/>
-              <a:t>1/29/2018</a:t>
+              <a:t>1/30/2018</a:t>
             </a:fld>
             <a:endParaRPr/>
           </a:p>
@@ -4676,7 +4685,7 @@
             <a:fld id="{F0DFD029-FB74-4578-B929-F66AA97659CA}" type="datetimeFigureOut">
               <a:rPr lang="en-US"/>
               <a:pPr/>
-              <a:t>1/29/2018</a:t>
+              <a:t>1/30/2018</a:t>
             </a:fld>
             <a:endParaRPr/>
           </a:p>
@@ -5173,6 +5182,10 @@
               <a:rPr lang="mk-MK" sz="3300" dirty="0"/>
               <a:t>РЕПУБЛИКА МАКЕДОНИЈА</a:t>
             </a:r>
+            <a:r>
+              <a:rPr lang="mk-MK" sz="3400" dirty="0"/>
+              <a:t/>
+            </a:r>
             <a:br>
               <a:rPr lang="mk-MK" sz="3400" dirty="0"/>
             </a:br>
@@ -5856,6 +5869,10 @@
               <a:rPr lang="mk-MK" dirty="0"/>
               <a:t>Лекарите мора да имаат значајна улога во фазите на планирање, развивање и имплементација на дигиталните решенија</a:t>
             </a:r>
+            <a:r>
+              <a:rPr lang="en-US" dirty="0"/>
+              <a:t/>
+            </a:r>
             <a:br>
               <a:rPr lang="en-US" dirty="0"/>
             </a:br>
@@ -7143,8 +7160,51 @@
           <a:lstStyle/>
           <a:p>
             <a:r>
-              <a:rPr lang="mk-MK"/>
-              <a:t>мора да биде во можност да прикаже било каков план за напредок, односно сите можни графици и податоци</a:t>
+              <a:rPr lang="mk-MK" dirty="0"/>
+              <a:t>Апликацијата која произлегува од овој магистерски труд </a:t>
+            </a:r>
+            <a:r>
+              <a:rPr lang="mk-MK" dirty="0" smtClean="0"/>
+              <a:t>всушност претставува едно ИТ решение за приказ на планот за напредок</a:t>
+            </a:r>
+            <a:endParaRPr lang="mk-MK" dirty="0" smtClean="0"/>
+          </a:p>
+          <a:p>
+            <a:r>
+              <a:rPr lang="mk-MK" dirty="0" smtClean="0"/>
+              <a:t>Мора </a:t>
+            </a:r>
+            <a:r>
+              <a:rPr lang="mk-MK" dirty="0"/>
+              <a:t>да биде во можност да прикаже било каков план за напредок, односно сите можни графици и податоци</a:t>
+            </a:r>
+          </a:p>
+          <a:p>
+            <a:r>
+              <a:rPr lang="mk-MK" dirty="0" smtClean="0"/>
+              <a:t>Мора </a:t>
+            </a:r>
+            <a:r>
+              <a:rPr lang="mk-MK" dirty="0"/>
+              <a:t>да биде лесно за употреба од страна на пациентите за да можат ново-дијагностицираните пациенти лесно да добијат информации за својата </a:t>
+            </a:r>
+            <a:r>
+              <a:rPr lang="mk-MK" dirty="0" smtClean="0"/>
+              <a:t>болест</a:t>
+            </a:r>
+          </a:p>
+          <a:p>
+            <a:r>
+              <a:rPr lang="mk-MK" dirty="0" smtClean="0"/>
+              <a:t>Мора </a:t>
+            </a:r>
+            <a:r>
+              <a:rPr lang="mk-MK" dirty="0"/>
+              <a:t>да содржи релевантни долгорочни здравствено поврзани активности кои лесно би биле </a:t>
+            </a:r>
+            <a:r>
+              <a:rPr lang="mk-MK" dirty="0" smtClean="0"/>
+              <a:t>заменливи</a:t>
             </a:r>
           </a:p>
           <a:p>
@@ -7211,12 +7271,14 @@
           </a:xfrm>
         </p:spPr>
         <p:txBody>
-          <a:bodyPr/>
+          <a:bodyPr>
+            <a:normAutofit fontScale="90000"/>
+          </a:bodyPr>
           <a:lstStyle/>
           <a:p>
             <a:r>
               <a:rPr lang="mk-MK" dirty="0"/>
-              <a:t>Начин на третман	</a:t>
+              <a:t>ИТ решение за приказ на планот за напредок		</a:t>
             </a:r>
             <a:endParaRPr lang="en-US" dirty="0"/>
           </a:p>
@@ -7242,6 +7304,54 @@
           <a:bodyPr/>
           <a:lstStyle/>
           <a:p>
+            <a:r>
+              <a:rPr lang="mk-MK" dirty="0"/>
+              <a:t>Процесот на развивање на апликација треба да содржи 3 главни процеси, кои се меѓусебно зависни и кои се преклопуваат</a:t>
+            </a:r>
+            <a:r>
+              <a:rPr lang="ru-RU" dirty="0" smtClean="0"/>
+              <a:t>:</a:t>
+            </a:r>
+          </a:p>
+          <a:p>
+            <a:pPr marL="835086" lvl="1" indent="-457200">
+              <a:buFont typeface="+mj-lt"/>
+              <a:buAutoNum type="arabicPeriod"/>
+            </a:pPr>
+            <a:r>
+              <a:rPr lang="mk-MK" dirty="0"/>
+              <a:t>Прибирање на желбите и побарувањата на медицинските работници и на пациентите за содржината на информациите и дизајнот и подготовка на прототип</a:t>
+            </a:r>
+            <a:endParaRPr lang="en-US" dirty="0"/>
+          </a:p>
+          <a:p>
+            <a:pPr marL="835086" lvl="1" indent="-457200">
+              <a:buFont typeface="+mj-lt"/>
+              <a:buAutoNum type="arabicPeriod"/>
+            </a:pPr>
+            <a:r>
+              <a:rPr lang="mk-MK" dirty="0"/>
+              <a:t>Овозможување на системска поддршка и искористување на веќе постоечки информации</a:t>
+            </a:r>
+            <a:endParaRPr lang="en-US" dirty="0"/>
+          </a:p>
+          <a:p>
+            <a:pPr marL="835086" lvl="1" indent="-457200">
+              <a:buFont typeface="+mj-lt"/>
+              <a:buAutoNum type="arabicPeriod"/>
+            </a:pPr>
+            <a:r>
+              <a:rPr lang="mk-MK" dirty="0"/>
+              <a:t>Тестирање и пребирање на повратни одговори со корисниците на апликацијата  </a:t>
+            </a:r>
+            <a:endParaRPr lang="mk-MK" dirty="0"/>
+          </a:p>
+          <a:p>
+            <a:pPr marL="530340" indent="-457200"/>
+            <a:r>
+              <a:rPr lang="mk-MK" dirty="0"/>
+              <a:t>Повеќеплатформската апликација, која што е резултатот на ова магистерска работа, требаше да го изработи првиот процес</a:t>
+            </a:r>
             <a:endParaRPr lang="en-US" dirty="0"/>
           </a:p>
         </p:txBody>
@@ -7250,6 +7360,955 @@
     <p:extLst>
       <p:ext uri="{BB962C8B-B14F-4D97-AF65-F5344CB8AC3E}">
         <p14:creationId xmlns:p14="http://schemas.microsoft.com/office/powerpoint/2010/main" val="1610010894"/>
+      </p:ext>
+    </p:extLst>
+  </p:cSld>
+  <p:clrMapOvr>
+    <a:masterClrMapping/>
+  </p:clrMapOvr>
+  <mc:AlternateContent xmlns:mc="http://schemas.openxmlformats.org/markup-compatibility/2006" xmlns:p14="http://schemas.microsoft.com/office/powerpoint/2010/main">
+    <mc:Choice Requires="p14">
+      <p:transition spd="med" p14:dur="700">
+        <p:fade/>
+      </p:transition>
+    </mc:Choice>
+    <mc:Fallback xmlns="">
+      <p:transition spd="med">
+        <p:fade/>
+      </p:transition>
+    </mc:Fallback>
+  </mc:AlternateContent>
+</p:sld>
+</file>
+
+<file path=ppt/slides/slide23.xml><?xml version="1.0" encoding="utf-8"?>
+<p:sld xmlns:a="http://schemas.openxmlformats.org/drawingml/2006/main" xmlns:r="http://schemas.openxmlformats.org/officeDocument/2006/relationships" xmlns:p="http://schemas.openxmlformats.org/presentationml/2006/main">
+  <p:cSld>
+    <p:spTree>
+      <p:nvGrpSpPr>
+        <p:cNvPr id="1" name=""/>
+        <p:cNvGrpSpPr/>
+        <p:nvPr/>
+      </p:nvGrpSpPr>
+      <p:grpSpPr>
+        <a:xfrm>
+          <a:off x="0" y="0"/>
+          <a:ext cx="0" cy="0"/>
+          <a:chOff x="0" y="0"/>
+          <a:chExt cx="0" cy="0"/>
+        </a:xfrm>
+      </p:grpSpPr>
+      <p:sp>
+        <p:nvSpPr>
+          <p:cNvPr id="13" name="Title 12"/>
+          <p:cNvSpPr>
+            <a:spLocks noGrp="1"/>
+          </p:cNvSpPr>
+          <p:nvPr>
+            <p:ph type="title"/>
+          </p:nvPr>
+        </p:nvSpPr>
+        <p:spPr>
+          <a:xfrm>
+            <a:off x="1218883" y="274637"/>
+            <a:ext cx="10360501" cy="715963"/>
+          </a:xfrm>
+        </p:spPr>
+        <p:txBody>
+          <a:bodyPr>
+            <a:normAutofit fontScale="90000"/>
+          </a:bodyPr>
+          <a:lstStyle/>
+          <a:p>
+            <a:r>
+              <a:rPr lang="mk-MK" dirty="0"/>
+              <a:t>ИТ решение за приказ на планот за напредок		</a:t>
+            </a:r>
+            <a:endParaRPr lang="en-US" dirty="0"/>
+          </a:p>
+        </p:txBody>
+      </p:sp>
+      <p:sp>
+        <p:nvSpPr>
+          <p:cNvPr id="14" name="Content Placeholder 13"/>
+          <p:cNvSpPr>
+            <a:spLocks noGrp="1"/>
+          </p:cNvSpPr>
+          <p:nvPr>
+            <p:ph idx="1"/>
+          </p:nvPr>
+        </p:nvSpPr>
+        <p:spPr>
+          <a:xfrm>
+            <a:off x="1218883" y="1371600"/>
+            <a:ext cx="10360501" cy="5334000"/>
+          </a:xfrm>
+        </p:spPr>
+        <p:txBody>
+          <a:bodyPr/>
+          <a:lstStyle/>
+          <a:p>
+            <a:r>
+              <a:rPr lang="mk-MK" dirty="0" smtClean="0"/>
+              <a:t>Процесот </a:t>
+            </a:r>
+            <a:r>
+              <a:rPr lang="mk-MK" dirty="0"/>
+              <a:t>за изработка на прототип </a:t>
+            </a:r>
+            <a:r>
+              <a:rPr lang="mk-MK" dirty="0" smtClean="0"/>
+              <a:t>апликација </a:t>
+            </a:r>
+            <a:r>
+              <a:rPr lang="mk-MK" dirty="0"/>
+              <a:t>подразбира листа на задачи кои треба да бидат извршени</a:t>
+            </a:r>
+            <a:r>
+              <a:rPr lang="ru-RU" dirty="0" smtClean="0"/>
+              <a:t>:</a:t>
+            </a:r>
+          </a:p>
+          <a:p>
+            <a:pPr lvl="1"/>
+            <a:r>
+              <a:rPr lang="mk-MK" dirty="0"/>
+              <a:t>Дефинирање и анализирање на потребите на пациентите</a:t>
+            </a:r>
+            <a:endParaRPr lang="en-US" dirty="0"/>
+          </a:p>
+          <a:p>
+            <a:pPr lvl="1"/>
+            <a:r>
+              <a:rPr lang="mk-MK" dirty="0"/>
+              <a:t>Дефинирање и анализирање на потребите на медицинските работници</a:t>
+            </a:r>
+            <a:endParaRPr lang="en-US" dirty="0"/>
+          </a:p>
+          <a:p>
+            <a:pPr lvl="1"/>
+            <a:r>
+              <a:rPr lang="mk-MK" dirty="0"/>
+              <a:t>Интервјуирање на пациенти и лекари од областа на хронични опструктивни белодробни заболувања и дијабетес</a:t>
+            </a:r>
+            <a:endParaRPr lang="en-US" dirty="0"/>
+          </a:p>
+          <a:p>
+            <a:pPr lvl="1"/>
+            <a:r>
+              <a:rPr lang="mk-MK" dirty="0"/>
+              <a:t>Дизајн и изработка на прототипно веб решение</a:t>
+            </a:r>
+            <a:endParaRPr lang="en-US" dirty="0"/>
+          </a:p>
+          <a:p>
+            <a:endParaRPr lang="en-US" dirty="0"/>
+          </a:p>
+        </p:txBody>
+      </p:sp>
+    </p:spTree>
+    <p:extLst>
+      <p:ext uri="{BB962C8B-B14F-4D97-AF65-F5344CB8AC3E}">
+        <p14:creationId xmlns:p14="http://schemas.microsoft.com/office/powerpoint/2010/main" val="308097527"/>
+      </p:ext>
+    </p:extLst>
+  </p:cSld>
+  <p:clrMapOvr>
+    <a:masterClrMapping/>
+  </p:clrMapOvr>
+  <mc:AlternateContent xmlns:mc="http://schemas.openxmlformats.org/markup-compatibility/2006" xmlns:p14="http://schemas.microsoft.com/office/powerpoint/2010/main">
+    <mc:Choice Requires="p14">
+      <p:transition spd="med" p14:dur="700">
+        <p:fade/>
+      </p:transition>
+    </mc:Choice>
+    <mc:Fallback xmlns="">
+      <p:transition spd="med">
+        <p:fade/>
+      </p:transition>
+    </mc:Fallback>
+  </mc:AlternateContent>
+</p:sld>
+</file>
+
+<file path=ppt/slides/slide24.xml><?xml version="1.0" encoding="utf-8"?>
+<p:sld xmlns:a="http://schemas.openxmlformats.org/drawingml/2006/main" xmlns:r="http://schemas.openxmlformats.org/officeDocument/2006/relationships" xmlns:p="http://schemas.openxmlformats.org/presentationml/2006/main">
+  <p:cSld>
+    <p:spTree>
+      <p:nvGrpSpPr>
+        <p:cNvPr id="1" name=""/>
+        <p:cNvGrpSpPr/>
+        <p:nvPr/>
+      </p:nvGrpSpPr>
+      <p:grpSpPr>
+        <a:xfrm>
+          <a:off x="0" y="0"/>
+          <a:ext cx="0" cy="0"/>
+          <a:chOff x="0" y="0"/>
+          <a:chExt cx="0" cy="0"/>
+        </a:xfrm>
+      </p:grpSpPr>
+      <p:sp>
+        <p:nvSpPr>
+          <p:cNvPr id="13" name="Title 12"/>
+          <p:cNvSpPr>
+            <a:spLocks noGrp="1"/>
+          </p:cNvSpPr>
+          <p:nvPr>
+            <p:ph type="title"/>
+          </p:nvPr>
+        </p:nvSpPr>
+        <p:spPr>
+          <a:xfrm>
+            <a:off x="1218883" y="274637"/>
+            <a:ext cx="10360501" cy="715963"/>
+          </a:xfrm>
+        </p:spPr>
+        <p:txBody>
+          <a:bodyPr>
+            <a:normAutofit fontScale="90000"/>
+          </a:bodyPr>
+          <a:lstStyle/>
+          <a:p>
+            <a:r>
+              <a:rPr lang="mk-MK" dirty="0" smtClean="0"/>
+              <a:t>Класификација, третман и контрола на пациентите	</a:t>
+            </a:r>
+            <a:endParaRPr lang="en-US" dirty="0"/>
+          </a:p>
+        </p:txBody>
+      </p:sp>
+      <p:sp>
+        <p:nvSpPr>
+          <p:cNvPr id="14" name="Content Placeholder 13"/>
+          <p:cNvSpPr>
+            <a:spLocks noGrp="1"/>
+          </p:cNvSpPr>
+          <p:nvPr>
+            <p:ph idx="1"/>
+          </p:nvPr>
+        </p:nvSpPr>
+        <p:spPr>
+          <a:xfrm>
+            <a:off x="1218883" y="1371600"/>
+            <a:ext cx="10360501" cy="5334000"/>
+          </a:xfrm>
+        </p:spPr>
+        <p:txBody>
+          <a:bodyPr>
+            <a:normAutofit lnSpcReduction="10000"/>
+          </a:bodyPr>
+          <a:lstStyle/>
+          <a:p>
+            <a:r>
+              <a:rPr lang="mk-MK" dirty="0"/>
+              <a:t>Откако дијагнозата и планот за напредок е направена, пациентите се класифицираат во една од четирите групи </a:t>
+            </a:r>
+            <a:r>
+              <a:rPr lang="en-US" dirty="0"/>
+              <a:t>A</a:t>
+            </a:r>
+            <a:r>
+              <a:rPr lang="ru-RU" dirty="0"/>
+              <a:t>, </a:t>
+            </a:r>
+            <a:r>
+              <a:rPr lang="en-US" dirty="0"/>
+              <a:t>B</a:t>
+            </a:r>
+            <a:r>
+              <a:rPr lang="ru-RU" dirty="0"/>
+              <a:t>, </a:t>
+            </a:r>
+            <a:r>
+              <a:rPr lang="en-US" dirty="0"/>
+              <a:t>C </a:t>
+            </a:r>
+            <a:r>
+              <a:rPr lang="mk-MK" dirty="0"/>
+              <a:t>или </a:t>
+            </a:r>
+            <a:r>
+              <a:rPr lang="en-US" dirty="0" smtClean="0"/>
+              <a:t>D</a:t>
+            </a:r>
+            <a:endParaRPr lang="mk-MK" dirty="0" smtClean="0"/>
+          </a:p>
+          <a:p>
+            <a:r>
+              <a:rPr lang="mk-MK" dirty="0"/>
+              <a:t>Пациентите од групата </a:t>
+            </a:r>
+            <a:r>
+              <a:rPr lang="en-US" dirty="0"/>
+              <a:t>D</a:t>
+            </a:r>
+            <a:r>
+              <a:rPr lang="mk-MK" dirty="0"/>
+              <a:t> се најсериозните пациенти кои мора да бидат </a:t>
+            </a:r>
+            <a:r>
+              <a:rPr lang="mk-MK" dirty="0" smtClean="0"/>
+              <a:t>хоспитализирани</a:t>
+            </a:r>
+          </a:p>
+          <a:p>
+            <a:r>
+              <a:rPr lang="mk-MK" dirty="0"/>
+              <a:t>Рехабилитацијата се прилагодува кон потребите на пациентите и </a:t>
+            </a:r>
+            <a:r>
+              <a:rPr lang="mk-MK" dirty="0" smtClean="0"/>
+              <a:t>вклучува</a:t>
+            </a:r>
+            <a:r>
+              <a:rPr lang="en-US" dirty="0" smtClean="0"/>
+              <a:t>:</a:t>
+            </a:r>
+          </a:p>
+          <a:p>
+            <a:pPr lvl="1"/>
+            <a:r>
+              <a:rPr lang="mk-MK" dirty="0"/>
+              <a:t>стопирање на пушење </a:t>
+            </a:r>
+            <a:r>
+              <a:rPr lang="mk-MK" dirty="0" smtClean="0"/>
+              <a:t>цигари</a:t>
+            </a:r>
+          </a:p>
+          <a:p>
+            <a:pPr lvl="1"/>
+            <a:r>
+              <a:rPr lang="mk-MK" dirty="0"/>
+              <a:t>физички </a:t>
+            </a:r>
+            <a:r>
+              <a:rPr lang="mk-MK" dirty="0" smtClean="0"/>
+              <a:t>тренинг</a:t>
+            </a:r>
+          </a:p>
+          <a:p>
+            <a:pPr lvl="1"/>
+            <a:r>
+              <a:rPr lang="mk-MK" dirty="0"/>
+              <a:t>медицинска </a:t>
+            </a:r>
+            <a:r>
+              <a:rPr lang="mk-MK" dirty="0" smtClean="0"/>
+              <a:t>грижа</a:t>
+            </a:r>
+          </a:p>
+          <a:p>
+            <a:pPr lvl="1"/>
+            <a:r>
+              <a:rPr lang="mk-MK" dirty="0"/>
+              <a:t>едукација за </a:t>
+            </a:r>
+            <a:r>
+              <a:rPr lang="mk-MK" dirty="0" smtClean="0"/>
+              <a:t>исхраната</a:t>
+            </a:r>
+          </a:p>
+          <a:p>
+            <a:pPr lvl="1"/>
+            <a:r>
+              <a:rPr lang="mk-MK" dirty="0"/>
+              <a:t>терапија </a:t>
+            </a:r>
+            <a:endParaRPr lang="mk-MK" dirty="0" smtClean="0"/>
+          </a:p>
+          <a:p>
+            <a:pPr lvl="1"/>
+            <a:r>
+              <a:rPr lang="mk-MK" dirty="0"/>
+              <a:t>општа едукација</a:t>
+            </a:r>
+            <a:endParaRPr lang="mk-MK" dirty="0" smtClean="0"/>
+          </a:p>
+          <a:p>
+            <a:endParaRPr lang="en-US" dirty="0"/>
+          </a:p>
+        </p:txBody>
+      </p:sp>
+    </p:spTree>
+    <p:extLst>
+      <p:ext uri="{BB962C8B-B14F-4D97-AF65-F5344CB8AC3E}">
+        <p14:creationId xmlns:p14="http://schemas.microsoft.com/office/powerpoint/2010/main" val="2391213375"/>
+      </p:ext>
+    </p:extLst>
+  </p:cSld>
+  <p:clrMapOvr>
+    <a:masterClrMapping/>
+  </p:clrMapOvr>
+  <mc:AlternateContent xmlns:mc="http://schemas.openxmlformats.org/markup-compatibility/2006" xmlns:p14="http://schemas.microsoft.com/office/powerpoint/2010/main">
+    <mc:Choice Requires="p14">
+      <p:transition spd="med" p14:dur="700">
+        <p:fade/>
+      </p:transition>
+    </mc:Choice>
+    <mc:Fallback xmlns="">
+      <p:transition spd="med">
+        <p:fade/>
+      </p:transition>
+    </mc:Fallback>
+  </mc:AlternateContent>
+</p:sld>
+</file>
+
+<file path=ppt/slides/slide25.xml><?xml version="1.0" encoding="utf-8"?>
+<p:sld xmlns:a="http://schemas.openxmlformats.org/drawingml/2006/main" xmlns:r="http://schemas.openxmlformats.org/officeDocument/2006/relationships" xmlns:p="http://schemas.openxmlformats.org/presentationml/2006/main">
+  <p:cSld>
+    <p:spTree>
+      <p:nvGrpSpPr>
+        <p:cNvPr id="1" name=""/>
+        <p:cNvGrpSpPr/>
+        <p:nvPr/>
+      </p:nvGrpSpPr>
+      <p:grpSpPr>
+        <a:xfrm>
+          <a:off x="0" y="0"/>
+          <a:ext cx="0" cy="0"/>
+          <a:chOff x="0" y="0"/>
+          <a:chExt cx="0" cy="0"/>
+        </a:xfrm>
+      </p:grpSpPr>
+      <p:sp>
+        <p:nvSpPr>
+          <p:cNvPr id="13" name="Title 12"/>
+          <p:cNvSpPr>
+            <a:spLocks noGrp="1"/>
+          </p:cNvSpPr>
+          <p:nvPr>
+            <p:ph type="title"/>
+          </p:nvPr>
+        </p:nvSpPr>
+        <p:spPr>
+          <a:xfrm>
+            <a:off x="1218883" y="274637"/>
+            <a:ext cx="10360501" cy="715963"/>
+          </a:xfrm>
+        </p:spPr>
+        <p:txBody>
+          <a:bodyPr>
+            <a:normAutofit fontScale="90000"/>
+          </a:bodyPr>
+          <a:lstStyle/>
+          <a:p>
+            <a:r>
+              <a:rPr lang="mk-MK" dirty="0"/>
+              <a:t>Класификација, третман и контрола на пациентите	</a:t>
+            </a:r>
+            <a:endParaRPr lang="en-US" dirty="0"/>
+          </a:p>
+        </p:txBody>
+      </p:sp>
+      <p:sp>
+        <p:nvSpPr>
+          <p:cNvPr id="14" name="Content Placeholder 13"/>
+          <p:cNvSpPr>
+            <a:spLocks noGrp="1"/>
+          </p:cNvSpPr>
+          <p:nvPr>
+            <p:ph idx="1"/>
+          </p:nvPr>
+        </p:nvSpPr>
+        <p:spPr>
+          <a:xfrm>
+            <a:off x="1218883" y="1371600"/>
+            <a:ext cx="10360501" cy="5334000"/>
+          </a:xfrm>
+        </p:spPr>
+        <p:txBody>
+          <a:bodyPr/>
+          <a:lstStyle/>
+          <a:p>
+            <a:r>
+              <a:rPr lang="mk-MK" dirty="0" smtClean="0"/>
+              <a:t>Во зависност од класификацијата на пациентите им се нуди третман во болница или третман дома</a:t>
+            </a:r>
+          </a:p>
+          <a:p>
+            <a:r>
+              <a:rPr lang="mk-MK" dirty="0" smtClean="0"/>
+              <a:t>Во </a:t>
+            </a:r>
+            <a:r>
+              <a:rPr lang="mk-MK" dirty="0"/>
+              <a:t>зависност од степенот на болеста и лекарската проценка донесена врз основа на податоците, пациентите треба да одат на </a:t>
+            </a:r>
+            <a:r>
+              <a:rPr lang="mk-MK" dirty="0" smtClean="0"/>
+              <a:t>контрола </a:t>
+            </a:r>
+            <a:r>
+              <a:rPr lang="mk-MK" dirty="0"/>
+              <a:t>во </a:t>
+            </a:r>
+            <a:r>
+              <a:rPr lang="mk-MK" dirty="0" smtClean="0"/>
+              <a:t>болница</a:t>
+            </a:r>
+            <a:endParaRPr lang="en-US" dirty="0" smtClean="0"/>
+          </a:p>
+          <a:p>
+            <a:r>
+              <a:rPr lang="mk-MK" dirty="0"/>
+              <a:t>Една контрола се состои </a:t>
+            </a:r>
+            <a:r>
+              <a:rPr lang="mk-MK" dirty="0" smtClean="0"/>
+              <a:t>од</a:t>
+            </a:r>
+            <a:r>
+              <a:rPr lang="en-US" dirty="0" smtClean="0"/>
+              <a:t>:</a:t>
+            </a:r>
+          </a:p>
+          <a:p>
+            <a:pPr lvl="1"/>
+            <a:r>
+              <a:rPr lang="mk-MK" dirty="0"/>
+              <a:t>мерење на функцијата на белите </a:t>
+            </a:r>
+            <a:r>
+              <a:rPr lang="mk-MK" dirty="0" smtClean="0"/>
+              <a:t>дробови</a:t>
+            </a:r>
+          </a:p>
+          <a:p>
+            <a:pPr lvl="1"/>
+            <a:r>
+              <a:rPr lang="mk-MK" dirty="0"/>
+              <a:t>забележување на </a:t>
+            </a:r>
+            <a:r>
+              <a:rPr lang="mk-MK" dirty="0" smtClean="0"/>
+              <a:t>симптомите</a:t>
+            </a:r>
+          </a:p>
+          <a:p>
+            <a:pPr lvl="1"/>
+            <a:r>
+              <a:rPr lang="mk-MK" dirty="0"/>
+              <a:t>статус на </a:t>
+            </a:r>
+            <a:r>
+              <a:rPr lang="mk-MK" dirty="0" smtClean="0"/>
+              <a:t>пушење</a:t>
+            </a:r>
+          </a:p>
+          <a:p>
+            <a:pPr lvl="1"/>
+            <a:r>
+              <a:rPr lang="mk-MK" dirty="0"/>
+              <a:t>исхрана </a:t>
+            </a:r>
+            <a:endParaRPr lang="mk-MK" dirty="0" smtClean="0"/>
+          </a:p>
+          <a:p>
+            <a:pPr lvl="1"/>
+            <a:r>
+              <a:rPr lang="mk-MK" dirty="0"/>
+              <a:t>вакцинација</a:t>
+            </a:r>
+            <a:endParaRPr lang="mk-MK" dirty="0" smtClean="0"/>
+          </a:p>
+        </p:txBody>
+      </p:sp>
+    </p:spTree>
+    <p:extLst>
+      <p:ext uri="{BB962C8B-B14F-4D97-AF65-F5344CB8AC3E}">
+        <p14:creationId xmlns:p14="http://schemas.microsoft.com/office/powerpoint/2010/main" val="894441781"/>
+      </p:ext>
+    </p:extLst>
+  </p:cSld>
+  <p:clrMapOvr>
+    <a:masterClrMapping/>
+  </p:clrMapOvr>
+  <mc:AlternateContent xmlns:mc="http://schemas.openxmlformats.org/markup-compatibility/2006" xmlns:p14="http://schemas.microsoft.com/office/powerpoint/2010/main">
+    <mc:Choice Requires="p14">
+      <p:transition spd="med" p14:dur="700">
+        <p:fade/>
+      </p:transition>
+    </mc:Choice>
+    <mc:Fallback xmlns="">
+      <p:transition spd="med">
+        <p:fade/>
+      </p:transition>
+    </mc:Fallback>
+  </mc:AlternateContent>
+</p:sld>
+</file>
+
+<file path=ppt/slides/slide26.xml><?xml version="1.0" encoding="utf-8"?>
+<p:sld xmlns:a="http://schemas.openxmlformats.org/drawingml/2006/main" xmlns:r="http://schemas.openxmlformats.org/officeDocument/2006/relationships" xmlns:p="http://schemas.openxmlformats.org/presentationml/2006/main">
+  <p:cSld>
+    <p:spTree>
+      <p:nvGrpSpPr>
+        <p:cNvPr id="1" name=""/>
+        <p:cNvGrpSpPr/>
+        <p:nvPr/>
+      </p:nvGrpSpPr>
+      <p:grpSpPr>
+        <a:xfrm>
+          <a:off x="0" y="0"/>
+          <a:ext cx="0" cy="0"/>
+          <a:chOff x="0" y="0"/>
+          <a:chExt cx="0" cy="0"/>
+        </a:xfrm>
+      </p:grpSpPr>
+      <p:sp>
+        <p:nvSpPr>
+          <p:cNvPr id="13" name="Title 12"/>
+          <p:cNvSpPr>
+            <a:spLocks noGrp="1"/>
+          </p:cNvSpPr>
+          <p:nvPr>
+            <p:ph type="title"/>
+          </p:nvPr>
+        </p:nvSpPr>
+        <p:spPr>
+          <a:xfrm>
+            <a:off x="1218883" y="274637"/>
+            <a:ext cx="10360501" cy="715963"/>
+          </a:xfrm>
+        </p:spPr>
+        <p:txBody>
+          <a:bodyPr/>
+          <a:lstStyle/>
+          <a:p>
+            <a:r>
+              <a:rPr lang="mk-MK" dirty="0" smtClean="0"/>
+              <a:t>Еволуција на апликацијата</a:t>
+            </a:r>
+            <a:endParaRPr lang="en-US" dirty="0"/>
+          </a:p>
+        </p:txBody>
+      </p:sp>
+      <p:sp>
+        <p:nvSpPr>
+          <p:cNvPr id="14" name="Content Placeholder 13"/>
+          <p:cNvSpPr>
+            <a:spLocks noGrp="1"/>
+          </p:cNvSpPr>
+          <p:nvPr>
+            <p:ph idx="1"/>
+          </p:nvPr>
+        </p:nvSpPr>
+        <p:spPr>
+          <a:xfrm>
+            <a:off x="1218883" y="1371600"/>
+            <a:ext cx="10360501" cy="5334000"/>
+          </a:xfrm>
+        </p:spPr>
+        <p:txBody>
+          <a:bodyPr/>
+          <a:lstStyle/>
+          <a:p>
+            <a:endParaRPr lang="en-US" dirty="0"/>
+          </a:p>
+        </p:txBody>
+      </p:sp>
+    </p:spTree>
+    <p:extLst>
+      <p:ext uri="{BB962C8B-B14F-4D97-AF65-F5344CB8AC3E}">
+        <p14:creationId xmlns:p14="http://schemas.microsoft.com/office/powerpoint/2010/main" val="400038213"/>
+      </p:ext>
+    </p:extLst>
+  </p:cSld>
+  <p:clrMapOvr>
+    <a:masterClrMapping/>
+  </p:clrMapOvr>
+  <mc:AlternateContent xmlns:mc="http://schemas.openxmlformats.org/markup-compatibility/2006" xmlns:p14="http://schemas.microsoft.com/office/powerpoint/2010/main">
+    <mc:Choice Requires="p14">
+      <p:transition spd="med" p14:dur="700">
+        <p:fade/>
+      </p:transition>
+    </mc:Choice>
+    <mc:Fallback xmlns="">
+      <p:transition spd="med">
+        <p:fade/>
+      </p:transition>
+    </mc:Fallback>
+  </mc:AlternateContent>
+</p:sld>
+</file>
+
+<file path=ppt/slides/slide27.xml><?xml version="1.0" encoding="utf-8"?>
+<p:sld xmlns:a="http://schemas.openxmlformats.org/drawingml/2006/main" xmlns:r="http://schemas.openxmlformats.org/officeDocument/2006/relationships" xmlns:p="http://schemas.openxmlformats.org/presentationml/2006/main">
+  <p:cSld>
+    <p:spTree>
+      <p:nvGrpSpPr>
+        <p:cNvPr id="1" name=""/>
+        <p:cNvGrpSpPr/>
+        <p:nvPr/>
+      </p:nvGrpSpPr>
+      <p:grpSpPr>
+        <a:xfrm>
+          <a:off x="0" y="0"/>
+          <a:ext cx="0" cy="0"/>
+          <a:chOff x="0" y="0"/>
+          <a:chExt cx="0" cy="0"/>
+        </a:xfrm>
+      </p:grpSpPr>
+      <p:sp>
+        <p:nvSpPr>
+          <p:cNvPr id="13" name="Title 12"/>
+          <p:cNvSpPr>
+            <a:spLocks noGrp="1"/>
+          </p:cNvSpPr>
+          <p:nvPr>
+            <p:ph type="title"/>
+          </p:nvPr>
+        </p:nvSpPr>
+        <p:spPr>
+          <a:xfrm>
+            <a:off x="1218883" y="274637"/>
+            <a:ext cx="10360501" cy="715963"/>
+          </a:xfrm>
+        </p:spPr>
+        <p:txBody>
+          <a:bodyPr/>
+          <a:lstStyle/>
+          <a:p>
+            <a:r>
+              <a:rPr lang="mk-MK" dirty="0" smtClean="0"/>
+              <a:t>План за работа</a:t>
+            </a:r>
+            <a:endParaRPr lang="en-US" dirty="0"/>
+          </a:p>
+        </p:txBody>
+      </p:sp>
+      <p:pic>
+        <p:nvPicPr>
+          <p:cNvPr id="4" name="Content Placeholder 3"/>
+          <p:cNvPicPr>
+            <a:picLocks noGrp="1"/>
+          </p:cNvPicPr>
+          <p:nvPr>
+            <p:ph idx="1"/>
+          </p:nvPr>
+        </p:nvPicPr>
+        <p:blipFill>
+          <a:blip r:embed="rId2">
+            <a:extLst>
+              <a:ext uri="{28A0092B-C50C-407E-A947-70E740481C1C}">
+                <a14:useLocalDpi xmlns:a14="http://schemas.microsoft.com/office/drawing/2010/main" val="0"/>
+              </a:ext>
+            </a:extLst>
+          </a:blip>
+          <a:srcRect/>
+          <a:stretch>
+            <a:fillRect/>
+          </a:stretch>
+        </p:blipFill>
+        <p:spPr bwMode="auto">
+          <a:xfrm>
+            <a:off x="1370012" y="1219200"/>
+            <a:ext cx="8554555" cy="5334000"/>
+          </a:xfrm>
+          <a:prstGeom prst="rect">
+            <a:avLst/>
+          </a:prstGeom>
+          <a:noFill/>
+          <a:ln>
+            <a:noFill/>
+          </a:ln>
+        </p:spPr>
+      </p:pic>
+    </p:spTree>
+    <p:extLst>
+      <p:ext uri="{BB962C8B-B14F-4D97-AF65-F5344CB8AC3E}">
+        <p14:creationId xmlns:p14="http://schemas.microsoft.com/office/powerpoint/2010/main" val="3037662744"/>
+      </p:ext>
+    </p:extLst>
+  </p:cSld>
+  <p:clrMapOvr>
+    <a:masterClrMapping/>
+  </p:clrMapOvr>
+  <mc:AlternateContent xmlns:mc="http://schemas.openxmlformats.org/markup-compatibility/2006" xmlns:p14="http://schemas.microsoft.com/office/powerpoint/2010/main">
+    <mc:Choice Requires="p14">
+      <p:transition spd="med" p14:dur="700">
+        <p:fade/>
+      </p:transition>
+    </mc:Choice>
+    <mc:Fallback xmlns="">
+      <p:transition spd="med">
+        <p:fade/>
+      </p:transition>
+    </mc:Fallback>
+  </mc:AlternateContent>
+</p:sld>
+</file>
+
+<file path=ppt/slides/slide28.xml><?xml version="1.0" encoding="utf-8"?>
+<p:sld xmlns:a="http://schemas.openxmlformats.org/drawingml/2006/main" xmlns:r="http://schemas.openxmlformats.org/officeDocument/2006/relationships" xmlns:p="http://schemas.openxmlformats.org/presentationml/2006/main">
+  <p:cSld>
+    <p:spTree>
+      <p:nvGrpSpPr>
+        <p:cNvPr id="1" name=""/>
+        <p:cNvGrpSpPr/>
+        <p:nvPr/>
+      </p:nvGrpSpPr>
+      <p:grpSpPr>
+        <a:xfrm>
+          <a:off x="0" y="0"/>
+          <a:ext cx="0" cy="0"/>
+          <a:chOff x="0" y="0"/>
+          <a:chExt cx="0" cy="0"/>
+        </a:xfrm>
+      </p:grpSpPr>
+      <p:sp>
+        <p:nvSpPr>
+          <p:cNvPr id="13" name="Title 12"/>
+          <p:cNvSpPr>
+            <a:spLocks noGrp="1"/>
+          </p:cNvSpPr>
+          <p:nvPr>
+            <p:ph type="title"/>
+          </p:nvPr>
+        </p:nvSpPr>
+        <p:spPr>
+          <a:xfrm>
+            <a:off x="1218883" y="274637"/>
+            <a:ext cx="10360501" cy="715963"/>
+          </a:xfrm>
+        </p:spPr>
+        <p:txBody>
+          <a:bodyPr/>
+          <a:lstStyle/>
+          <a:p>
+            <a:r>
+              <a:rPr lang="mk-MK" dirty="0"/>
+              <a:t>Начин на третман	</a:t>
+            </a:r>
+            <a:endParaRPr lang="en-US" dirty="0"/>
+          </a:p>
+        </p:txBody>
+      </p:sp>
+      <p:sp>
+        <p:nvSpPr>
+          <p:cNvPr id="14" name="Content Placeholder 13"/>
+          <p:cNvSpPr>
+            <a:spLocks noGrp="1"/>
+          </p:cNvSpPr>
+          <p:nvPr>
+            <p:ph idx="1"/>
+          </p:nvPr>
+        </p:nvSpPr>
+        <p:spPr>
+          <a:xfrm>
+            <a:off x="1218883" y="1371600"/>
+            <a:ext cx="10360501" cy="5334000"/>
+          </a:xfrm>
+        </p:spPr>
+        <p:txBody>
+          <a:bodyPr/>
+          <a:lstStyle/>
+          <a:p>
+            <a:endParaRPr lang="en-US" dirty="0"/>
+          </a:p>
+        </p:txBody>
+      </p:sp>
+    </p:spTree>
+    <p:extLst>
+      <p:ext uri="{BB962C8B-B14F-4D97-AF65-F5344CB8AC3E}">
+        <p14:creationId xmlns:p14="http://schemas.microsoft.com/office/powerpoint/2010/main" val="1115375913"/>
+      </p:ext>
+    </p:extLst>
+  </p:cSld>
+  <p:clrMapOvr>
+    <a:masterClrMapping/>
+  </p:clrMapOvr>
+  <mc:AlternateContent xmlns:mc="http://schemas.openxmlformats.org/markup-compatibility/2006" xmlns:p14="http://schemas.microsoft.com/office/powerpoint/2010/main">
+    <mc:Choice Requires="p14">
+      <p:transition spd="med" p14:dur="700">
+        <p:fade/>
+      </p:transition>
+    </mc:Choice>
+    <mc:Fallback xmlns="">
+      <p:transition spd="med">
+        <p:fade/>
+      </p:transition>
+    </mc:Fallback>
+  </mc:AlternateContent>
+</p:sld>
+</file>
+
+<file path=ppt/slides/slide29.xml><?xml version="1.0" encoding="utf-8"?>
+<p:sld xmlns:a="http://schemas.openxmlformats.org/drawingml/2006/main" xmlns:r="http://schemas.openxmlformats.org/officeDocument/2006/relationships" xmlns:p="http://schemas.openxmlformats.org/presentationml/2006/main">
+  <p:cSld>
+    <p:spTree>
+      <p:nvGrpSpPr>
+        <p:cNvPr id="1" name=""/>
+        <p:cNvGrpSpPr/>
+        <p:nvPr/>
+      </p:nvGrpSpPr>
+      <p:grpSpPr>
+        <a:xfrm>
+          <a:off x="0" y="0"/>
+          <a:ext cx="0" cy="0"/>
+          <a:chOff x="0" y="0"/>
+          <a:chExt cx="0" cy="0"/>
+        </a:xfrm>
+      </p:grpSpPr>
+      <p:sp>
+        <p:nvSpPr>
+          <p:cNvPr id="13" name="Title 12"/>
+          <p:cNvSpPr>
+            <a:spLocks noGrp="1"/>
+          </p:cNvSpPr>
+          <p:nvPr>
+            <p:ph type="title"/>
+          </p:nvPr>
+        </p:nvSpPr>
+        <p:spPr>
+          <a:xfrm>
+            <a:off x="1218883" y="274637"/>
+            <a:ext cx="10360501" cy="715963"/>
+          </a:xfrm>
+        </p:spPr>
+        <p:txBody>
+          <a:bodyPr/>
+          <a:lstStyle/>
+          <a:p>
+            <a:r>
+              <a:rPr lang="mk-MK" dirty="0"/>
+              <a:t>Начин на третман	</a:t>
+            </a:r>
+            <a:endParaRPr lang="en-US" dirty="0"/>
+          </a:p>
+        </p:txBody>
+      </p:sp>
+      <p:sp>
+        <p:nvSpPr>
+          <p:cNvPr id="14" name="Content Placeholder 13"/>
+          <p:cNvSpPr>
+            <a:spLocks noGrp="1"/>
+          </p:cNvSpPr>
+          <p:nvPr>
+            <p:ph idx="1"/>
+          </p:nvPr>
+        </p:nvSpPr>
+        <p:spPr>
+          <a:xfrm>
+            <a:off x="1218883" y="1371600"/>
+            <a:ext cx="10360501" cy="5334000"/>
+          </a:xfrm>
+        </p:spPr>
+        <p:txBody>
+          <a:bodyPr/>
+          <a:lstStyle/>
+          <a:p>
+            <a:endParaRPr lang="en-US" dirty="0"/>
+          </a:p>
+        </p:txBody>
+      </p:sp>
+    </p:spTree>
+    <p:extLst>
+      <p:ext uri="{BB962C8B-B14F-4D97-AF65-F5344CB8AC3E}">
+        <p14:creationId xmlns:p14="http://schemas.microsoft.com/office/powerpoint/2010/main" val="2893588179"/>
       </p:ext>
     </p:extLst>
   </p:cSld>
@@ -7380,6 +8439,194 @@
     <p:extLst>
       <p:ext uri="{BB962C8B-B14F-4D97-AF65-F5344CB8AC3E}">
         <p14:creationId xmlns:p14="http://schemas.microsoft.com/office/powerpoint/2010/main" val="3529114326"/>
+      </p:ext>
+    </p:extLst>
+  </p:cSld>
+  <p:clrMapOvr>
+    <a:masterClrMapping/>
+  </p:clrMapOvr>
+  <mc:AlternateContent xmlns:mc="http://schemas.openxmlformats.org/markup-compatibility/2006" xmlns:p14="http://schemas.microsoft.com/office/powerpoint/2010/main">
+    <mc:Choice Requires="p14">
+      <p:transition spd="med" p14:dur="700">
+        <p:fade/>
+      </p:transition>
+    </mc:Choice>
+    <mc:Fallback xmlns="">
+      <p:transition spd="med">
+        <p:fade/>
+      </p:transition>
+    </mc:Fallback>
+  </mc:AlternateContent>
+</p:sld>
+</file>
+
+<file path=ppt/slides/slide30.xml><?xml version="1.0" encoding="utf-8"?>
+<p:sld xmlns:a="http://schemas.openxmlformats.org/drawingml/2006/main" xmlns:r="http://schemas.openxmlformats.org/officeDocument/2006/relationships" xmlns:p="http://schemas.openxmlformats.org/presentationml/2006/main">
+  <p:cSld>
+    <p:spTree>
+      <p:nvGrpSpPr>
+        <p:cNvPr id="1" name=""/>
+        <p:cNvGrpSpPr/>
+        <p:nvPr/>
+      </p:nvGrpSpPr>
+      <p:grpSpPr>
+        <a:xfrm>
+          <a:off x="0" y="0"/>
+          <a:ext cx="0" cy="0"/>
+          <a:chOff x="0" y="0"/>
+          <a:chExt cx="0" cy="0"/>
+        </a:xfrm>
+      </p:grpSpPr>
+      <p:sp>
+        <p:nvSpPr>
+          <p:cNvPr id="13" name="Title 12"/>
+          <p:cNvSpPr>
+            <a:spLocks noGrp="1"/>
+          </p:cNvSpPr>
+          <p:nvPr>
+            <p:ph type="title"/>
+          </p:nvPr>
+        </p:nvSpPr>
+        <p:spPr>
+          <a:xfrm>
+            <a:off x="1218883" y="274637"/>
+            <a:ext cx="10360501" cy="715963"/>
+          </a:xfrm>
+        </p:spPr>
+        <p:txBody>
+          <a:bodyPr/>
+          <a:lstStyle/>
+          <a:p>
+            <a:r>
+              <a:rPr lang="mk-MK" dirty="0"/>
+              <a:t>Начин на третман	</a:t>
+            </a:r>
+            <a:endParaRPr lang="en-US" dirty="0"/>
+          </a:p>
+        </p:txBody>
+      </p:sp>
+      <p:sp>
+        <p:nvSpPr>
+          <p:cNvPr id="14" name="Content Placeholder 13"/>
+          <p:cNvSpPr>
+            <a:spLocks noGrp="1"/>
+          </p:cNvSpPr>
+          <p:nvPr>
+            <p:ph idx="1"/>
+          </p:nvPr>
+        </p:nvSpPr>
+        <p:spPr>
+          <a:xfrm>
+            <a:off x="1218883" y="1371600"/>
+            <a:ext cx="10360501" cy="5334000"/>
+          </a:xfrm>
+        </p:spPr>
+        <p:txBody>
+          <a:bodyPr/>
+          <a:lstStyle/>
+          <a:p>
+            <a:endParaRPr lang="en-US" dirty="0"/>
+          </a:p>
+        </p:txBody>
+      </p:sp>
+    </p:spTree>
+    <p:extLst>
+      <p:ext uri="{BB962C8B-B14F-4D97-AF65-F5344CB8AC3E}">
+        <p14:creationId xmlns:p14="http://schemas.microsoft.com/office/powerpoint/2010/main" val="3825066217"/>
+      </p:ext>
+    </p:extLst>
+  </p:cSld>
+  <p:clrMapOvr>
+    <a:masterClrMapping/>
+  </p:clrMapOvr>
+  <mc:AlternateContent xmlns:mc="http://schemas.openxmlformats.org/markup-compatibility/2006" xmlns:p14="http://schemas.microsoft.com/office/powerpoint/2010/main">
+    <mc:Choice Requires="p14">
+      <p:transition spd="med" p14:dur="700">
+        <p:fade/>
+      </p:transition>
+    </mc:Choice>
+    <mc:Fallback xmlns="">
+      <p:transition spd="med">
+        <p:fade/>
+      </p:transition>
+    </mc:Fallback>
+  </mc:AlternateContent>
+</p:sld>
+</file>
+
+<file path=ppt/slides/slide31.xml><?xml version="1.0" encoding="utf-8"?>
+<p:sld xmlns:a="http://schemas.openxmlformats.org/drawingml/2006/main" xmlns:r="http://schemas.openxmlformats.org/officeDocument/2006/relationships" xmlns:p="http://schemas.openxmlformats.org/presentationml/2006/main">
+  <p:cSld>
+    <p:spTree>
+      <p:nvGrpSpPr>
+        <p:cNvPr id="1" name=""/>
+        <p:cNvGrpSpPr/>
+        <p:nvPr/>
+      </p:nvGrpSpPr>
+      <p:grpSpPr>
+        <a:xfrm>
+          <a:off x="0" y="0"/>
+          <a:ext cx="0" cy="0"/>
+          <a:chOff x="0" y="0"/>
+          <a:chExt cx="0" cy="0"/>
+        </a:xfrm>
+      </p:grpSpPr>
+      <p:sp>
+        <p:nvSpPr>
+          <p:cNvPr id="13" name="Title 12"/>
+          <p:cNvSpPr>
+            <a:spLocks noGrp="1"/>
+          </p:cNvSpPr>
+          <p:nvPr>
+            <p:ph type="title"/>
+          </p:nvPr>
+        </p:nvSpPr>
+        <p:spPr>
+          <a:xfrm>
+            <a:off x="1218883" y="274637"/>
+            <a:ext cx="10360501" cy="715963"/>
+          </a:xfrm>
+        </p:spPr>
+        <p:txBody>
+          <a:bodyPr/>
+          <a:lstStyle/>
+          <a:p>
+            <a:r>
+              <a:rPr lang="mk-MK" dirty="0"/>
+              <a:t>Начин на третман	</a:t>
+            </a:r>
+            <a:endParaRPr lang="en-US" dirty="0"/>
+          </a:p>
+        </p:txBody>
+      </p:sp>
+      <p:sp>
+        <p:nvSpPr>
+          <p:cNvPr id="14" name="Content Placeholder 13"/>
+          <p:cNvSpPr>
+            <a:spLocks noGrp="1"/>
+          </p:cNvSpPr>
+          <p:nvPr>
+            <p:ph idx="1"/>
+          </p:nvPr>
+        </p:nvSpPr>
+        <p:spPr>
+          <a:xfrm>
+            <a:off x="1218883" y="1371600"/>
+            <a:ext cx="10360501" cy="5334000"/>
+          </a:xfrm>
+        </p:spPr>
+        <p:txBody>
+          <a:bodyPr/>
+          <a:lstStyle/>
+          <a:p>
+            <a:endParaRPr lang="en-US" dirty="0"/>
+          </a:p>
+        </p:txBody>
+      </p:sp>
+    </p:spTree>
+    <p:extLst>
+      <p:ext uri="{BB962C8B-B14F-4D97-AF65-F5344CB8AC3E}">
+        <p14:creationId xmlns:p14="http://schemas.microsoft.com/office/powerpoint/2010/main" val="1953931532"/>
       </p:ext>
     </p:extLst>
   </p:cSld>
@@ -9220,6 +10467,1046 @@
 </file>
 
 <file path=customXml/item1.xml><?xml version="1.0" encoding="utf-8"?>
+<ct:contentTypeSchema xmlns:ct="http://schemas.microsoft.com/office/2006/metadata/contentType" xmlns:ma="http://schemas.microsoft.com/office/2006/metadata/properties/metaAttributes" ct:_="" ma:_="" ma:contentTypeName="TemplateFile" ma:contentTypeID="0x0101006EDDDB5EE6D98C44930B742096920B300400F5B6D36B3EF94B4E9A635CDF2A18F5B8" ma:contentTypeVersion="72" ma:contentTypeDescription="Create a new document." ma:contentTypeScope="" ma:versionID="a23e56308344d904b51738559c3d67c9">
+  <xsd:schema xmlns:xsd="http://www.w3.org/2001/XMLSchema" xmlns:xs="http://www.w3.org/2001/XMLSchema" xmlns:p="http://schemas.microsoft.com/office/2006/metadata/properties" xmlns:ns2="4873beb7-5857-4685-be1f-d57550cc96cc" targetNamespace="http://schemas.microsoft.com/office/2006/metadata/properties" ma:root="true" ma:fieldsID="cd0908cc4600e77bf5da051303e00c8d" ns2:_="">
+    <xsd:import namespace="4873beb7-5857-4685-be1f-d57550cc96cc"/>
+    <xsd:element name="properties">
+      <xsd:complexType>
+        <xsd:sequence>
+          <xsd:element name="documentManagement">
+            <xsd:complexType>
+              <xsd:all>
+                <xsd:element ref="ns2:AcquiredFrom" minOccurs="0"/>
+                <xsd:element ref="ns2:UACurrentWords" minOccurs="0"/>
+                <xsd:element ref="ns2:TPApplication" minOccurs="0"/>
+                <xsd:element ref="ns2:ApprovalLog" minOccurs="0"/>
+                <xsd:element ref="ns2:ApprovalStatus" minOccurs="0"/>
+                <xsd:element ref="ns2:AssetStart" minOccurs="0"/>
+                <xsd:element ref="ns2:AssetExpire" minOccurs="0"/>
+                <xsd:element ref="ns2:AssetId" minOccurs="0"/>
+                <xsd:element ref="ns2:IsSearchable" minOccurs="0"/>
+                <xsd:element ref="ns2:AssetType" minOccurs="0"/>
+                <xsd:element ref="ns2:APAuthor" minOccurs="0"/>
+                <xsd:element ref="ns2:AverageRating" minOccurs="0"/>
+                <xsd:element ref="ns2:BlockPublish" minOccurs="0"/>
+                <xsd:element ref="ns2:BugNumber" minOccurs="0"/>
+                <xsd:element ref="ns2:CampaignTagsTaxHTField0" minOccurs="0"/>
+                <xsd:element ref="ns2:TPClientViewer" minOccurs="0"/>
+                <xsd:element ref="ns2:ClipArtFilename" minOccurs="0"/>
+                <xsd:element ref="ns2:TPCommandLine" minOccurs="0"/>
+                <xsd:element ref="ns2:TPComponent" minOccurs="0"/>
+                <xsd:element ref="ns2:ContentItem" minOccurs="0"/>
+                <xsd:element ref="ns2:CrawlForDependencies" minOccurs="0"/>
+                <xsd:element ref="ns2:CSXHash" minOccurs="0"/>
+                <xsd:element ref="ns2:CSXSubmissionMarket" minOccurs="0"/>
+                <xsd:element ref="ns2:CSXUpdate" minOccurs="0"/>
+                <xsd:element ref="ns2:IntlLangReviewDate" minOccurs="0"/>
+                <xsd:element ref="ns2:IsDeleted" minOccurs="0"/>
+                <xsd:element ref="ns2:APDescription" minOccurs="0"/>
+                <xsd:element ref="ns2:DirectSourceMarket" minOccurs="0"/>
+                <xsd:element ref="ns2:Downloads" minOccurs="0"/>
+                <xsd:element ref="ns2:DSATActionTaken" minOccurs="0"/>
+                <xsd:element ref="ns2:APEditor" minOccurs="0"/>
+                <xsd:element ref="ns2:EditorialStatus" minOccurs="0"/>
+                <xsd:element ref="ns2:EditorialTags" minOccurs="0"/>
+                <xsd:element ref="ns2:TPExecutable" minOccurs="0"/>
+                <xsd:element ref="ns2:FeatureTagsTaxHTField0" minOccurs="0"/>
+                <xsd:element ref="ns2:TPFriendlyName" minOccurs="0"/>
+                <xsd:element ref="ns2:FriendlyTitle" minOccurs="0"/>
+                <xsd:element ref="ns2:PrimaryImageGen" minOccurs="0"/>
+                <xsd:element ref="ns2:HandoffToMSDN" minOccurs="0"/>
+                <xsd:element ref="ns2:InProjectListLookup" minOccurs="0"/>
+                <xsd:element ref="ns2:TPInstallLocation" minOccurs="0"/>
+                <xsd:element ref="ns2:InternalTagsTaxHTField0" minOccurs="0"/>
+                <xsd:element ref="ns2:IntlLangReview" minOccurs="0"/>
+                <xsd:element ref="ns2:IntlLangReviewer" minOccurs="0"/>
+                <xsd:element ref="ns2:MarketSpecific" minOccurs="0"/>
+                <xsd:element ref="ns2:LastCompleteVersionLookup" minOccurs="0"/>
+                <xsd:element ref="ns2:LastHandOff" minOccurs="0"/>
+                <xsd:element ref="ns2:LastModifiedDateTime" minOccurs="0"/>
+                <xsd:element ref="ns2:LastPreviewErrorLookup" minOccurs="0"/>
+                <xsd:element ref="ns2:LastPreviewResultLookup" minOccurs="0"/>
+                <xsd:element ref="ns2:LastPreviewAttemptDateLookup" minOccurs="0"/>
+                <xsd:element ref="ns2:LastPreviewedByLookup" minOccurs="0"/>
+                <xsd:element ref="ns2:LastPreviewTimeLookup" minOccurs="0"/>
+                <xsd:element ref="ns2:LastPreviewVersionLookup" minOccurs="0"/>
+                <xsd:element ref="ns2:LastPublishErrorLookup" minOccurs="0"/>
+                <xsd:element ref="ns2:LastPublishResultLookup" minOccurs="0"/>
+                <xsd:element ref="ns2:LastPublishAttemptDateLookup" minOccurs="0"/>
+                <xsd:element ref="ns2:LastPublishedByLookup" minOccurs="0"/>
+                <xsd:element ref="ns2:LastPublishTimeLookup" minOccurs="0"/>
+                <xsd:element ref="ns2:LastPublishVersionLookup" minOccurs="0"/>
+                <xsd:element ref="ns2:TPLaunchHelpLinkType" minOccurs="0"/>
+                <xsd:element ref="ns2:LegacyData" minOccurs="0"/>
+                <xsd:element ref="ns2:TPLaunchHelpLink" minOccurs="0"/>
+                <xsd:element ref="ns2:LocComments" minOccurs="0"/>
+                <xsd:element ref="ns2:LocLastLocAttemptVersionLookup" minOccurs="0"/>
+                <xsd:element ref="ns2:LocLastLocAttemptVersionTypeLookup" minOccurs="0"/>
+                <xsd:element ref="ns2:LocManualTestRequired" minOccurs="0"/>
+                <xsd:element ref="ns2:LocMarketGroupTiers2" minOccurs="0"/>
+                <xsd:element ref="ns2:LocNewPublishedVersionLookup" minOccurs="0"/>
+                <xsd:element ref="ns2:LocOverallHandbackStatusLookup" minOccurs="0"/>
+                <xsd:element ref="ns2:LocOverallLocStatusLookup" minOccurs="0"/>
+                <xsd:element ref="ns2:LocOverallPreviewStatusLookup" minOccurs="0"/>
+                <xsd:element ref="ns2:LocOverallPublishStatusLookup" minOccurs="0"/>
+                <xsd:element ref="ns2:IntlLocPriority" minOccurs="0"/>
+                <xsd:element ref="ns2:LocProcessedForHandoffsLookup" minOccurs="0"/>
+                <xsd:element ref="ns2:LocProcessedForMarketsLookup" minOccurs="0"/>
+                <xsd:element ref="ns2:LocPublishedDependentAssetsLookup" minOccurs="0"/>
+                <xsd:element ref="ns2:LocPublishedLinkedAssetsLookup" minOccurs="0"/>
+                <xsd:element ref="ns2:LocRecommendedHandoff" minOccurs="0"/>
+                <xsd:element ref="ns2:LocalizationTagsTaxHTField0" minOccurs="0"/>
+                <xsd:element ref="ns2:MachineTranslated" minOccurs="0"/>
+                <xsd:element ref="ns2:Manager" minOccurs="0"/>
+                <xsd:element ref="ns2:Markets" minOccurs="0"/>
+                <xsd:element ref="ns2:Milestone" minOccurs="0"/>
+                <xsd:element ref="ns2:TPNamespace" minOccurs="0"/>
+                <xsd:element ref="ns2:NumericId" minOccurs="0"/>
+                <xsd:element ref="ns2:NumOfRatingsLookup" minOccurs="0"/>
+                <xsd:element ref="ns2:OOCacheId" minOccurs="0"/>
+                <xsd:element ref="ns2:OpenTemplate" minOccurs="0"/>
+                <xsd:element ref="ns2:OriginAsset" minOccurs="0"/>
+                <xsd:element ref="ns2:OriginalRelease" minOccurs="0"/>
+                <xsd:element ref="ns2:OriginalSourceMarket" minOccurs="0"/>
+                <xsd:element ref="ns2:OutputCachingOn" minOccurs="0"/>
+                <xsd:element ref="ns2:ParentAssetId" minOccurs="0"/>
+                <xsd:element ref="ns2:PlannedPubDate" minOccurs="0"/>
+                <xsd:element ref="ns2:PolicheckWords" minOccurs="0"/>
+                <xsd:element ref="ns2:BusinessGroup" minOccurs="0"/>
+                <xsd:element ref="ns2:UAProjectedTotalWords" minOccurs="0"/>
+                <xsd:element ref="ns2:Provider" minOccurs="0"/>
+                <xsd:element ref="ns2:Providers" minOccurs="0"/>
+                <xsd:element ref="ns2:PublishStatusLookup" minOccurs="0"/>
+                <xsd:element ref="ns2:PublishTargets" minOccurs="0"/>
+                <xsd:element ref="ns2:RecommendationsModifier" minOccurs="0"/>
+                <xsd:element ref="ns2:ArtSampleDocs" minOccurs="0"/>
+                <xsd:element ref="ns2:ScenarioTagsTaxHTField0" minOccurs="0"/>
+                <xsd:element ref="ns2:ShowIn" minOccurs="0"/>
+                <xsd:element ref="ns2:SourceTitle" minOccurs="0"/>
+                <xsd:element ref="ns2:CSXSubmissionDate" minOccurs="0"/>
+                <xsd:element ref="ns2:SubmitterId" minOccurs="0"/>
+                <xsd:element ref="ns2:TaxCatchAll" minOccurs="0"/>
+                <xsd:element ref="ns2:TaxCatchAllLabel" minOccurs="0"/>
+                <xsd:element ref="ns2:TemplateStatus" minOccurs="0"/>
+                <xsd:element ref="ns2:TemplateTemplateType" minOccurs="0"/>
+                <xsd:element ref="ns2:ThumbnailAssetId" minOccurs="0"/>
+                <xsd:element ref="ns2:TimesCloned" minOccurs="0"/>
+                <xsd:element ref="ns2:TrustLevel" minOccurs="0"/>
+                <xsd:element ref="ns2:UALocComments" minOccurs="0"/>
+                <xsd:element ref="ns2:UALocRecommendation" minOccurs="0"/>
+                <xsd:element ref="ns2:UANotes" minOccurs="0"/>
+                <xsd:element ref="ns2:TPAppVersion" minOccurs="0"/>
+                <xsd:element ref="ns2:VoteCount" minOccurs="0"/>
+              </xsd:all>
+            </xsd:complexType>
+          </xsd:element>
+        </xsd:sequence>
+      </xsd:complexType>
+    </xsd:element>
+  </xsd:schema>
+  <xsd:schema xmlns:xsd="http://www.w3.org/2001/XMLSchema" xmlns:xs="http://www.w3.org/2001/XMLSchema" xmlns:dms="http://schemas.microsoft.com/office/2006/documentManagement/types" xmlns:pc="http://schemas.microsoft.com/office/infopath/2007/PartnerControls" targetNamespace="4873beb7-5857-4685-be1f-d57550cc96cc" elementFormDefault="qualified">
+    <xsd:import namespace="http://schemas.microsoft.com/office/2006/documentManagement/types"/>
+    <xsd:import namespace="http://schemas.microsoft.com/office/infopath/2007/PartnerControls"/>
+    <xsd:element name="AcquiredFrom" ma:index="1" nillable="true" ma:displayName="Acquired From" ma:default="Internal MS" ma:internalName="AcquiredFrom" ma:readOnly="false">
+      <xsd:simpleType>
+        <xsd:restriction base="dms:Choice">
+          <xsd:enumeration value="Internal MS"/>
+          <xsd:enumeration value="Community"/>
+          <xsd:enumeration value="MVP"/>
+          <xsd:enumeration value="Publisher"/>
+          <xsd:enumeration value="Partner"/>
+          <xsd:enumeration value="None"/>
+        </xsd:restriction>
+      </xsd:simpleType>
+    </xsd:element>
+    <xsd:element name="UACurrentWords" ma:index="2" nillable="true" ma:displayName="Actual Word Count" ma:default="" ma:internalName="UACurrentWords" ma:readOnly="false">
+      <xsd:simpleType>
+        <xsd:restriction base="dms:Unknown"/>
+      </xsd:simpleType>
+    </xsd:element>
+    <xsd:element name="TPApplication" ma:index="3" nillable="true" ma:displayName="Application to Open Template With" ma:default="" ma:internalName="TPApplication">
+      <xsd:simpleType>
+        <xsd:restriction base="dms:Text"/>
+      </xsd:simpleType>
+    </xsd:element>
+    <xsd:element name="ApprovalLog" ma:index="4" nillable="true" ma:displayName="Approval Log" ma:default="" ma:hidden="true" ma:internalName="ApprovalLog" ma:readOnly="false">
+      <xsd:simpleType>
+        <xsd:restriction base="dms:Note"/>
+      </xsd:simpleType>
+    </xsd:element>
+    <xsd:element name="ApprovalStatus" ma:index="5" nillable="true" ma:displayName="Approval Status" ma:default="InProgress" ma:internalName="ApprovalStatus" ma:readOnly="false">
+      <xsd:simpleType>
+        <xsd:restriction base="dms:Choice">
+          <xsd:enumeration value="InProgress"/>
+          <xsd:enumeration value="Rejected"/>
+          <xsd:enumeration value="Questionable"/>
+          <xsd:enumeration value="ApprovedAutomatic"/>
+          <xsd:enumeration value="ApprovedManual"/>
+          <xsd:enumeration value="On Hold"/>
+          <xsd:enumeration value="Needs Review"/>
+          <xsd:enumeration value="A Violation"/>
+          <xsd:enumeration value="Unpublished Violation"/>
+        </xsd:restriction>
+      </xsd:simpleType>
+    </xsd:element>
+    <xsd:element name="AssetStart" ma:index="6" nillable="true" ma:displayName="Asset Begin Date" ma:default="[Today]" ma:internalName="AssetStart" ma:readOnly="false">
+      <xsd:simpleType>
+        <xsd:restriction base="dms:DateTime"/>
+      </xsd:simpleType>
+    </xsd:element>
+    <xsd:element name="AssetExpire" ma:index="7" nillable="true" ma:displayName="Asset End Date" ma:default="2029-01-01T08:00:00Z" ma:format="DateTime" ma:internalName="AssetExpire" ma:readOnly="false">
+      <xsd:simpleType>
+        <xsd:restriction base="dms:DateTime"/>
+      </xsd:simpleType>
+    </xsd:element>
+    <xsd:element name="AssetId" ma:index="8" nillable="true" ma:displayName="Asset ID" ma:default="" ma:indexed="true" ma:internalName="AssetId" ma:readOnly="false">
+      <xsd:simpleType>
+        <xsd:restriction base="dms:Text">
+          <xsd:maxLength value="255"/>
+        </xsd:restriction>
+      </xsd:simpleType>
+    </xsd:element>
+    <xsd:element name="IsSearchable" ma:index="9" nillable="true" ma:displayName="Asset Searchable?" ma:default="true" ma:internalName="IsSearchable" ma:readOnly="false">
+      <xsd:simpleType>
+        <xsd:restriction base="dms:Boolean"/>
+      </xsd:simpleType>
+    </xsd:element>
+    <xsd:element name="AssetType" ma:index="10" nillable="true" ma:displayName="Asset Type" ma:default="" ma:internalName="AssetType" ma:readOnly="false">
+      <xsd:simpleType>
+        <xsd:restriction base="dms:Unknown"/>
+      </xsd:simpleType>
+    </xsd:element>
+    <xsd:element name="APAuthor" ma:index="11" nillable="true" ma:displayName="Author" ma:default="" ma:list="UserInfo" ma:internalName="APAuthor" ma:readOnly="false">
+      <xsd:complexType>
+        <xsd:complexContent>
+          <xsd:extension base="dms:User">
+            <xsd:sequence>
+              <xsd:element name="UserInfo" minOccurs="0" maxOccurs="unbounded">
+                <xsd:complexType>
+                  <xsd:sequence>
+                    <xsd:element name="DisplayName" type="xsd:string" minOccurs="0"/>
+                    <xsd:element name="AccountId" type="dms:UserId" minOccurs="0" nillable="true"/>
+                    <xsd:element name="AccountType" type="xsd:string" minOccurs="0"/>
+                  </xsd:sequence>
+                </xsd:complexType>
+              </xsd:element>
+            </xsd:sequence>
+          </xsd:extension>
+        </xsd:complexContent>
+      </xsd:complexType>
+    </xsd:element>
+    <xsd:element name="AverageRating" ma:index="12" nillable="true" ma:displayName="Average Rating" ma:internalName="AverageRating" ma:readOnly="false">
+      <xsd:simpleType>
+        <xsd:restriction base="dms:Text"/>
+      </xsd:simpleType>
+    </xsd:element>
+    <xsd:element name="BlockPublish" ma:index="13" nillable="true" ma:displayName="Block from Publishing?" ma:default="" ma:internalName="BlockPublish" ma:readOnly="false">
+      <xsd:simpleType>
+        <xsd:restriction base="dms:Boolean"/>
+      </xsd:simpleType>
+    </xsd:element>
+    <xsd:element name="BugNumber" ma:index="14" nillable="true" ma:displayName="Bug Number" ma:default="" ma:internalName="BugNumber" ma:readOnly="false">
+      <xsd:simpleType>
+        <xsd:restriction base="dms:Text"/>
+      </xsd:simpleType>
+    </xsd:element>
+    <xsd:element name="CampaignTagsTaxHTField0" ma:index="16" nillable="true" ma:taxonomy="true" ma:internalName="CampaignTagsTaxHTField0" ma:taxonomyFieldName="CampaignTags" ma:displayName="Campaigns" ma:readOnly="false" ma:default="" ma:fieldId="{1df42cc3-2301-4f11-a52a-6ead923c29ed}" ma:taxonomyMulti="true" ma:sspId="8f79753a-75d3-41f5-8ca3-40b843941b4f" ma:termSetId="ca0e50d4-faa1-44ce-961e-bb1441c60e66" ma:anchorId="00000000-0000-0000-0000-000000000000" ma:open="false" ma:isKeyword="false">
+      <xsd:complexType>
+        <xsd:sequence>
+          <xsd:element ref="pc:Terms" minOccurs="0" maxOccurs="1"/>
+        </xsd:sequence>
+      </xsd:complexType>
+    </xsd:element>
+    <xsd:element name="TPClientViewer" ma:index="17" nillable="true" ma:displayName="Client Viewer" ma:default="" ma:internalName="TPClientViewer">
+      <xsd:simpleType>
+        <xsd:restriction base="dms:Text"/>
+      </xsd:simpleType>
+    </xsd:element>
+    <xsd:element name="ClipArtFilename" ma:index="18" nillable="true" ma:displayName="Clip Art Name" ma:default="" ma:internalName="ClipArtFilename" ma:readOnly="false">
+      <xsd:simpleType>
+        <xsd:restriction base="dms:Text"/>
+      </xsd:simpleType>
+    </xsd:element>
+    <xsd:element name="TPCommandLine" ma:index="19" nillable="true" ma:displayName="Command Line" ma:default="" ma:internalName="TPCommandLine">
+      <xsd:simpleType>
+        <xsd:restriction base="dms:Text"/>
+      </xsd:simpleType>
+    </xsd:element>
+    <xsd:element name="TPComponent" ma:index="20" nillable="true" ma:displayName="Component" ma:default="" ma:internalName="TPComponent">
+      <xsd:simpleType>
+        <xsd:restriction base="dms:Text"/>
+      </xsd:simpleType>
+    </xsd:element>
+    <xsd:element name="ContentItem" ma:index="21" nillable="true" ma:displayName="Content Item" ma:default="" ma:hidden="true" ma:internalName="ContentItem" ma:readOnly="false">
+      <xsd:simpleType>
+        <xsd:restriction base="dms:Unknown"/>
+      </xsd:simpleType>
+    </xsd:element>
+    <xsd:element name="CrawlForDependencies" ma:index="23" nillable="true" ma:displayName="Crawl for Dependencies?" ma:default="true" ma:internalName="CrawlForDependencies" ma:readOnly="false">
+      <xsd:simpleType>
+        <xsd:restriction base="dms:Boolean"/>
+      </xsd:simpleType>
+    </xsd:element>
+    <xsd:element name="CSXHash" ma:index="26" nillable="true" ma:displayName="CSX Hash" ma:default="" ma:indexed="true" ma:internalName="CSXHash" ma:readOnly="false">
+      <xsd:simpleType>
+        <xsd:restriction base="dms:Text"/>
+      </xsd:simpleType>
+    </xsd:element>
+    <xsd:element name="CSXSubmissionMarket" ma:index="27" nillable="true" ma:displayName="CSX Submission Market" ma:default="" ma:list="{2FBD1B11-2ACE-4FDC-B5A3-635D4ADF6F1B}" ma:internalName="CSXSubmissionMarket" ma:readOnly="false" ma:showField="MarketName" ma:web="4873beb7-5857-4685-be1f-d57550cc96cc">
+      <xsd:simpleType>
+        <xsd:restriction base="dms:Lookup"/>
+      </xsd:simpleType>
+    </xsd:element>
+    <xsd:element name="CSXUpdate" ma:index="28" nillable="true" ma:displayName="CSX Updated?" ma:default="false" ma:internalName="CSXUpdate" ma:readOnly="false">
+      <xsd:simpleType>
+        <xsd:restriction base="dms:Boolean"/>
+      </xsd:simpleType>
+    </xsd:element>
+    <xsd:element name="IntlLangReviewDate" ma:index="29" nillable="true" ma:displayName="Date to Complete Intl QA" ma:default="" ma:internalName="IntlLangReviewDate" ma:readOnly="false">
+      <xsd:simpleType>
+        <xsd:restriction base="dms:DateTime"/>
+      </xsd:simpleType>
+    </xsd:element>
+    <xsd:element name="IsDeleted" ma:index="30" nillable="true" ma:displayName="Deleted?" ma:default="" ma:internalName="IsDeleted" ma:readOnly="false">
+      <xsd:simpleType>
+        <xsd:restriction base="dms:Boolean"/>
+      </xsd:simpleType>
+    </xsd:element>
+    <xsd:element name="APDescription" ma:index="31" nillable="true" ma:displayName="Description" ma:default="" ma:internalName="APDescription" ma:readOnly="false">
+      <xsd:simpleType>
+        <xsd:restriction base="dms:Note"/>
+      </xsd:simpleType>
+    </xsd:element>
+    <xsd:element name="DirectSourceMarket" ma:index="32" nillable="true" ma:displayName="Direct Source Market Group" ma:default="" ma:internalName="DirectSourceMarket" ma:readOnly="false">
+      <xsd:simpleType>
+        <xsd:restriction base="dms:Text"/>
+      </xsd:simpleType>
+    </xsd:element>
+    <xsd:element name="Downloads" ma:index="33" nillable="true" ma:displayName="Downloads" ma:default="0" ma:hidden="true" ma:internalName="Downloads" ma:readOnly="false">
+      <xsd:simpleType>
+        <xsd:restriction base="dms:Unknown"/>
+      </xsd:simpleType>
+    </xsd:element>
+    <xsd:element name="DSATActionTaken" ma:index="34" nillable="true" ma:displayName="DSAT Action Taken" ma:default="" ma:internalName="DSATActionTaken" ma:readOnly="false">
+      <xsd:simpleType>
+        <xsd:restriction base="dms:Choice">
+          <xsd:enumeration value="Best Bets"/>
+          <xsd:enumeration value="Expire"/>
+          <xsd:enumeration value="Hide"/>
+          <xsd:enumeration value="None"/>
+        </xsd:restriction>
+      </xsd:simpleType>
+    </xsd:element>
+    <xsd:element name="APEditor" ma:index="35" nillable="true" ma:displayName="Editor" ma:default="" ma:list="UserInfo" ma:internalName="APEditor" ma:readOnly="false">
+      <xsd:complexType>
+        <xsd:complexContent>
+          <xsd:extension base="dms:User">
+            <xsd:sequence>
+              <xsd:element name="UserInfo" minOccurs="0" maxOccurs="unbounded">
+                <xsd:complexType>
+                  <xsd:sequence>
+                    <xsd:element name="DisplayName" type="xsd:string" minOccurs="0"/>
+                    <xsd:element name="AccountId" type="dms:UserId" minOccurs="0" nillable="true"/>
+                    <xsd:element name="AccountType" type="xsd:string" minOccurs="0"/>
+                  </xsd:sequence>
+                </xsd:complexType>
+              </xsd:element>
+            </xsd:sequence>
+          </xsd:extension>
+        </xsd:complexContent>
+      </xsd:complexType>
+    </xsd:element>
+    <xsd:element name="EditorialStatus" ma:index="36" nillable="true" ma:displayName="Editorial Status" ma:default="" ma:internalName="EditorialStatus" ma:readOnly="false">
+      <xsd:simpleType>
+        <xsd:restriction base="dms:Unknown"/>
+      </xsd:simpleType>
+    </xsd:element>
+    <xsd:element name="EditorialTags" ma:index="37" nillable="true" ma:displayName="Editorial Tags" ma:default="" ma:internalName="EditorialTags">
+      <xsd:simpleType>
+        <xsd:restriction base="dms:Unknown"/>
+      </xsd:simpleType>
+    </xsd:element>
+    <xsd:element name="TPExecutable" ma:index="38" nillable="true" ma:displayName="Executable" ma:default="" ma:internalName="TPExecutable">
+      <xsd:simpleType>
+        <xsd:restriction base="dms:Text"/>
+      </xsd:simpleType>
+    </xsd:element>
+    <xsd:element name="FeatureTagsTaxHTField0" ma:index="40" nillable="true" ma:taxonomy="true" ma:internalName="FeatureTagsTaxHTField0" ma:taxonomyFieldName="FeatureTags" ma:displayName="Features" ma:readOnly="false" ma:default="" ma:fieldId="{7fc0d542-15c6-4882-a8e3-13bca44403fb}" ma:taxonomyMulti="true" ma:sspId="8f79753a-75d3-41f5-8ca3-40b843941b4f" ma:termSetId="f1ab6845-967d-4854-a0ba-4ec07f0f8113" ma:anchorId="00000000-0000-0000-0000-000000000000" ma:open="false" ma:isKeyword="false">
+      <xsd:complexType>
+        <xsd:sequence>
+          <xsd:element ref="pc:Terms" minOccurs="0" maxOccurs="1"/>
+        </xsd:sequence>
+      </xsd:complexType>
+    </xsd:element>
+    <xsd:element name="TPFriendlyName" ma:index="41" nillable="true" ma:displayName="Friendly Name" ma:default="" ma:internalName="TPFriendlyName">
+      <xsd:simpleType>
+        <xsd:restriction base="dms:Text"/>
+      </xsd:simpleType>
+    </xsd:element>
+    <xsd:element name="FriendlyTitle" ma:index="42" nillable="true" ma:displayName="Friendly Title" ma:default="" ma:description="Shorter title to be used when displaying search results" ma:internalName="FriendlyTitle" ma:readOnly="false">
+      <xsd:simpleType>
+        <xsd:restriction base="dms:Text"/>
+      </xsd:simpleType>
+    </xsd:element>
+    <xsd:element name="PrimaryImageGen" ma:index="43" nillable="true" ma:displayName="Generate Images?" ma:default="true" ma:internalName="PrimaryImageGen">
+      <xsd:simpleType>
+        <xsd:restriction base="dms:Boolean"/>
+      </xsd:simpleType>
+    </xsd:element>
+    <xsd:element name="HandoffToMSDN" ma:index="44" nillable="true" ma:displayName="Handoff To MSDN Date" ma:default="" ma:internalName="HandoffToMSDN" ma:readOnly="false">
+      <xsd:simpleType>
+        <xsd:restriction base="dms:DateTime"/>
+      </xsd:simpleType>
+    </xsd:element>
+    <xsd:element name="InProjectListLookup" ma:index="45" nillable="true" ma:displayName="InProjectListLookup" ma:list="{9E343742-310B-4684-A24C-1D137CB4B230}" ma:internalName="InProjectListLookup" ma:readOnly="true" ma:showField="InProjectList" ma:web="4873beb7-5857-4685-be1f-d57550cc96cc">
+      <xsd:complexType>
+        <xsd:complexContent>
+          <xsd:extension base="dms:MultiChoiceLookup">
+            <xsd:sequence>
+              <xsd:element name="Value" type="dms:Lookup" maxOccurs="unbounded" minOccurs="0" nillable="true"/>
+            </xsd:sequence>
+          </xsd:extension>
+        </xsd:complexContent>
+      </xsd:complexType>
+    </xsd:element>
+    <xsd:element name="TPInstallLocation" ma:index="46" nillable="true" ma:displayName="Install Location" ma:default="" ma:internalName="TPInstallLocation">
+      <xsd:simpleType>
+        <xsd:restriction base="dms:Text"/>
+      </xsd:simpleType>
+    </xsd:element>
+    <xsd:element name="InternalTagsTaxHTField0" ma:index="48" nillable="true" ma:taxonomy="true" ma:internalName="InternalTagsTaxHTField0" ma:taxonomyFieldName="InternalTags" ma:displayName="Internal Tags" ma:readOnly="false" ma:default="" ma:fieldId="{1490b8a4-2706-41ec-b5e3-73176dccf34e}" ma:taxonomyMulti="true" ma:sspId="8f79753a-75d3-41f5-8ca3-40b843941b4f" ma:termSetId="82b6639e-f7fc-4c18-ad2d-003a6e707765" ma:anchorId="00000000-0000-0000-0000-000000000000" ma:open="false" ma:isKeyword="false">
+      <xsd:complexType>
+        <xsd:sequence>
+          <xsd:element ref="pc:Terms" minOccurs="0" maxOccurs="1"/>
+        </xsd:sequence>
+      </xsd:complexType>
+    </xsd:element>
+    <xsd:element name="IntlLangReview" ma:index="49" nillable="true" ma:displayName="Intl Lang QA Review Required?" ma:default="" ma:internalName="IntlLangReview" ma:readOnly="false">
+      <xsd:simpleType>
+        <xsd:restriction base="dms:Boolean"/>
+      </xsd:simpleType>
+    </xsd:element>
+    <xsd:element name="IntlLangReviewer" ma:index="50" nillable="true" ma:displayName="Intl Lang QA Reviewer" ma:default="" ma:internalName="IntlLangReviewer" ma:readOnly="false">
+      <xsd:simpleType>
+        <xsd:restriction base="dms:Text"/>
+      </xsd:simpleType>
+    </xsd:element>
+    <xsd:element name="MarketSpecific" ma:index="51" nillable="true" ma:displayName="Is Market Specific?" ma:default="" ma:internalName="MarketSpecific" ma:readOnly="false">
+      <xsd:simpleType>
+        <xsd:restriction base="dms:Boolean"/>
+      </xsd:simpleType>
+    </xsd:element>
+    <xsd:element name="LastCompleteVersionLookup" ma:index="52" nillable="true" ma:displayName="Last Complete Version Lookup" ma:default="" ma:list="{9E343742-310B-4684-A24C-1D137CB4B230}" ma:internalName="LastCompleteVersionLookup" ma:readOnly="true" ma:showField="LastCompleteVersion" ma:web="4873beb7-5857-4685-be1f-d57550cc96cc">
+      <xsd:complexType>
+        <xsd:complexContent>
+          <xsd:extension base="dms:MultiChoiceLookup">
+            <xsd:sequence>
+              <xsd:element name="Value" type="dms:Lookup" maxOccurs="unbounded" minOccurs="0" nillable="true"/>
+            </xsd:sequence>
+          </xsd:extension>
+        </xsd:complexContent>
+      </xsd:complexType>
+    </xsd:element>
+    <xsd:element name="LastHandOff" ma:index="53" nillable="true" ma:displayName="Last Hand-off" ma:default="" ma:internalName="LastHandOff" ma:readOnly="false">
+      <xsd:simpleType>
+        <xsd:restriction base="dms:DateTime"/>
+      </xsd:simpleType>
+    </xsd:element>
+    <xsd:element name="LastModifiedDateTime" ma:index="54" nillable="true" ma:displayName="Last Modified Date" ma:default="" ma:internalName="LastModifiedDateTime" ma:readOnly="false">
+      <xsd:simpleType>
+        <xsd:restriction base="dms:DateTime"/>
+      </xsd:simpleType>
+    </xsd:element>
+    <xsd:element name="LastPreviewErrorLookup" ma:index="55" nillable="true" ma:displayName="Last Preview Attempt Error" ma:default="" ma:list="{9E343742-310B-4684-A24C-1D137CB4B230}" ma:internalName="LastPreviewErrorLookup" ma:readOnly="true" ma:showField="LastPreviewError" ma:web="4873beb7-5857-4685-be1f-d57550cc96cc">
+      <xsd:complexType>
+        <xsd:complexContent>
+          <xsd:extension base="dms:MultiChoiceLookup">
+            <xsd:sequence>
+              <xsd:element name="Value" type="dms:Lookup" maxOccurs="unbounded" minOccurs="0" nillable="true"/>
+            </xsd:sequence>
+          </xsd:extension>
+        </xsd:complexContent>
+      </xsd:complexType>
+    </xsd:element>
+    <xsd:element name="LastPreviewResultLookup" ma:index="56" nillable="true" ma:displayName="Last Preview Attempt Result" ma:default="" ma:list="{9E343742-310B-4684-A24C-1D137CB4B230}" ma:internalName="LastPreviewResultLookup" ma:readOnly="true" ma:showField="LastPreviewResult" ma:web="4873beb7-5857-4685-be1f-d57550cc96cc">
+      <xsd:complexType>
+        <xsd:complexContent>
+          <xsd:extension base="dms:MultiChoiceLookup">
+            <xsd:sequence>
+              <xsd:element name="Value" type="dms:Lookup" maxOccurs="unbounded" minOccurs="0" nillable="true"/>
+            </xsd:sequence>
+          </xsd:extension>
+        </xsd:complexContent>
+      </xsd:complexType>
+    </xsd:element>
+    <xsd:element name="LastPreviewAttemptDateLookup" ma:index="57" nillable="true" ma:displayName="Last Preview Attempted On" ma:default="" ma:list="{9E343742-310B-4684-A24C-1D137CB4B230}" ma:internalName="LastPreviewAttemptDateLookup" ma:readOnly="true" ma:showField="LastPreviewAttemptDate" ma:web="4873beb7-5857-4685-be1f-d57550cc96cc">
+      <xsd:complexType>
+        <xsd:complexContent>
+          <xsd:extension base="dms:MultiChoiceLookup">
+            <xsd:sequence>
+              <xsd:element name="Value" type="dms:Lookup" maxOccurs="unbounded" minOccurs="0" nillable="true"/>
+            </xsd:sequence>
+          </xsd:extension>
+        </xsd:complexContent>
+      </xsd:complexType>
+    </xsd:element>
+    <xsd:element name="LastPreviewedByLookup" ma:index="58" nillable="true" ma:displayName="Last Previewed By" ma:default="" ma:list="{9E343742-310B-4684-A24C-1D137CB4B230}" ma:internalName="LastPreviewedByLookup" ma:readOnly="true" ma:showField="LastPreviewedBy" ma:web="4873beb7-5857-4685-be1f-d57550cc96cc">
+      <xsd:complexType>
+        <xsd:complexContent>
+          <xsd:extension base="dms:MultiChoiceLookup">
+            <xsd:sequence>
+              <xsd:element name="Value" type="dms:Lookup" maxOccurs="unbounded" minOccurs="0" nillable="true"/>
+            </xsd:sequence>
+          </xsd:extension>
+        </xsd:complexContent>
+      </xsd:complexType>
+    </xsd:element>
+    <xsd:element name="LastPreviewTimeLookup" ma:index="59" nillable="true" ma:displayName="Last Previewed Date" ma:default="" ma:list="{9E343742-310B-4684-A24C-1D137CB4B230}" ma:internalName="LastPreviewTimeLookup" ma:readOnly="true" ma:showField="LastPreviewTime" ma:web="4873beb7-5857-4685-be1f-d57550cc96cc">
+      <xsd:complexType>
+        <xsd:complexContent>
+          <xsd:extension base="dms:MultiChoiceLookup">
+            <xsd:sequence>
+              <xsd:element name="Value" type="dms:Lookup" maxOccurs="unbounded" minOccurs="0" nillable="true"/>
+            </xsd:sequence>
+          </xsd:extension>
+        </xsd:complexContent>
+      </xsd:complexType>
+    </xsd:element>
+    <xsd:element name="LastPreviewVersionLookup" ma:index="60" nillable="true" ma:displayName="Last Previewed Version" ma:default="" ma:list="{9E343742-310B-4684-A24C-1D137CB4B230}" ma:internalName="LastPreviewVersionLookup" ma:readOnly="true" ma:showField="LastPreviewVersion" ma:web="4873beb7-5857-4685-be1f-d57550cc96cc">
+      <xsd:complexType>
+        <xsd:complexContent>
+          <xsd:extension base="dms:MultiChoiceLookup">
+            <xsd:sequence>
+              <xsd:element name="Value" type="dms:Lookup" maxOccurs="unbounded" minOccurs="0" nillable="true"/>
+            </xsd:sequence>
+          </xsd:extension>
+        </xsd:complexContent>
+      </xsd:complexType>
+    </xsd:element>
+    <xsd:element name="LastPublishErrorLookup" ma:index="61" nillable="true" ma:displayName="Last Publish Attempt Error" ma:default="" ma:list="{9E343742-310B-4684-A24C-1D137CB4B230}" ma:internalName="LastPublishErrorLookup" ma:readOnly="true" ma:showField="LastPublishError" ma:web="4873beb7-5857-4685-be1f-d57550cc96cc">
+      <xsd:complexType>
+        <xsd:complexContent>
+          <xsd:extension base="dms:MultiChoiceLookup">
+            <xsd:sequence>
+              <xsd:element name="Value" type="dms:Lookup" maxOccurs="unbounded" minOccurs="0" nillable="true"/>
+            </xsd:sequence>
+          </xsd:extension>
+        </xsd:complexContent>
+      </xsd:complexType>
+    </xsd:element>
+    <xsd:element name="LastPublishResultLookup" ma:index="62" nillable="true" ma:displayName="Last Publish Attempt Result" ma:default="" ma:list="{9E343742-310B-4684-A24C-1D137CB4B230}" ma:internalName="LastPublishResultLookup" ma:readOnly="true" ma:showField="LastPublishResult" ma:web="4873beb7-5857-4685-be1f-d57550cc96cc">
+      <xsd:complexType>
+        <xsd:complexContent>
+          <xsd:extension base="dms:MultiChoiceLookup">
+            <xsd:sequence>
+              <xsd:element name="Value" type="dms:Lookup" maxOccurs="unbounded" minOccurs="0" nillable="true"/>
+            </xsd:sequence>
+          </xsd:extension>
+        </xsd:complexContent>
+      </xsd:complexType>
+    </xsd:element>
+    <xsd:element name="LastPublishAttemptDateLookup" ma:index="63" nillable="true" ma:displayName="Last Publish Attempted On" ma:default="" ma:list="{9E343742-310B-4684-A24C-1D137CB4B230}" ma:internalName="LastPublishAttemptDateLookup" ma:readOnly="true" ma:showField="LastPublishAttemptDate" ma:web="4873beb7-5857-4685-be1f-d57550cc96cc">
+      <xsd:complexType>
+        <xsd:complexContent>
+          <xsd:extension base="dms:MultiChoiceLookup">
+            <xsd:sequence>
+              <xsd:element name="Value" type="dms:Lookup" maxOccurs="unbounded" minOccurs="0" nillable="true"/>
+            </xsd:sequence>
+          </xsd:extension>
+        </xsd:complexContent>
+      </xsd:complexType>
+    </xsd:element>
+    <xsd:element name="LastPublishedByLookup" ma:index="64" nillable="true" ma:displayName="Last Published By" ma:default="" ma:list="{9E343742-310B-4684-A24C-1D137CB4B230}" ma:internalName="LastPublishedByLookup" ma:readOnly="true" ma:showField="LastPublishedBy" ma:web="4873beb7-5857-4685-be1f-d57550cc96cc">
+      <xsd:complexType>
+        <xsd:complexContent>
+          <xsd:extension base="dms:MultiChoiceLookup">
+            <xsd:sequence>
+              <xsd:element name="Value" type="dms:Lookup" maxOccurs="unbounded" minOccurs="0" nillable="true"/>
+            </xsd:sequence>
+          </xsd:extension>
+        </xsd:complexContent>
+      </xsd:complexType>
+    </xsd:element>
+    <xsd:element name="LastPublishTimeLookup" ma:index="65" nillable="true" ma:displayName="Last Published Date" ma:default="" ma:list="{9E343742-310B-4684-A24C-1D137CB4B230}" ma:internalName="LastPublishTimeLookup" ma:readOnly="true" ma:showField="LastPublishTime" ma:web="4873beb7-5857-4685-be1f-d57550cc96cc">
+      <xsd:complexType>
+        <xsd:complexContent>
+          <xsd:extension base="dms:MultiChoiceLookup">
+            <xsd:sequence>
+              <xsd:element name="Value" type="dms:Lookup" maxOccurs="unbounded" minOccurs="0" nillable="true"/>
+            </xsd:sequence>
+          </xsd:extension>
+        </xsd:complexContent>
+      </xsd:complexType>
+    </xsd:element>
+    <xsd:element name="LastPublishVersionLookup" ma:index="66" nillable="true" ma:displayName="Last Published Version" ma:default="" ma:list="{9E343742-310B-4684-A24C-1D137CB4B230}" ma:internalName="LastPublishVersionLookup" ma:readOnly="true" ma:showField="LastPublishVersion" ma:web="4873beb7-5857-4685-be1f-d57550cc96cc">
+      <xsd:complexType>
+        <xsd:complexContent>
+          <xsd:extension base="dms:MultiChoiceLookup">
+            <xsd:sequence>
+              <xsd:element name="Value" type="dms:Lookup" maxOccurs="unbounded" minOccurs="0" nillable="true"/>
+            </xsd:sequence>
+          </xsd:extension>
+        </xsd:complexContent>
+      </xsd:complexType>
+    </xsd:element>
+    <xsd:element name="TPLaunchHelpLinkType" ma:index="67" nillable="true" ma:displayName="Launch Help Link Type" ma:default="Template" ma:internalName="TPLaunchHelpLinkType">
+      <xsd:simpleType>
+        <xsd:restriction base="dms:Choice">
+          <xsd:enumeration value="Template"/>
+          <xsd:enumeration value="Training"/>
+          <xsd:enumeration value="URL"/>
+          <xsd:enumeration value="None"/>
+        </xsd:restriction>
+      </xsd:simpleType>
+    </xsd:element>
+    <xsd:element name="LegacyData" ma:index="68" nillable="true" ma:displayName="Legacy Data" ma:default="" ma:internalName="LegacyData" ma:readOnly="false">
+      <xsd:simpleType>
+        <xsd:restriction base="dms:Note"/>
+      </xsd:simpleType>
+    </xsd:element>
+    <xsd:element name="TPLaunchHelpLink" ma:index="69" nillable="true" ma:displayName="Link to Launch Help Topic" ma:default="" ma:internalName="TPLaunchHelpLink">
+      <xsd:simpleType>
+        <xsd:restriction base="dms:Text"/>
+      </xsd:simpleType>
+    </xsd:element>
+    <xsd:element name="LocComments" ma:index="70" nillable="true" ma:displayName="Loc Approval Comments" ma:default="" ma:internalName="LocComments" ma:readOnly="false">
+      <xsd:simpleType>
+        <xsd:restriction base="dms:Note"/>
+      </xsd:simpleType>
+    </xsd:element>
+    <xsd:element name="LocLastLocAttemptVersionLookup" ma:index="71" nillable="true" ma:displayName="Loc Last Loc Attempt Version" ma:default="" ma:list="{7DD1DCEC-E449-43D3-891F-7DC62F62AD21}" ma:internalName="LocLastLocAttemptVersionLookup" ma:readOnly="false" ma:showField="LastLocAttemptVersion" ma:web="4873beb7-5857-4685-be1f-d57550cc96cc">
+      <xsd:simpleType>
+        <xsd:restriction base="dms:Lookup"/>
+      </xsd:simpleType>
+    </xsd:element>
+    <xsd:element name="LocLastLocAttemptVersionTypeLookup" ma:index="72" nillable="true" ma:displayName="Loc Last Loc Attempt Version Type" ma:default="" ma:list="{7DD1DCEC-E449-43D3-891F-7DC62F62AD21}" ma:internalName="LocLastLocAttemptVersionTypeLookup" ma:readOnly="true" ma:showField="LastLocAttemptVersionType" ma:web="4873beb7-5857-4685-be1f-d57550cc96cc">
+      <xsd:simpleType>
+        <xsd:restriction base="dms:Lookup"/>
+      </xsd:simpleType>
+    </xsd:element>
+    <xsd:element name="LocManualTestRequired" ma:index="73" nillable="true" ma:displayName="Loc Manual Test Required" ma:default="" ma:internalName="LocManualTestRequired" ma:readOnly="false">
+      <xsd:simpleType>
+        <xsd:restriction base="dms:Boolean"/>
+      </xsd:simpleType>
+    </xsd:element>
+    <xsd:element name="LocMarketGroupTiers2" ma:index="74" nillable="true" ma:displayName="Loc Market Group Tiers" ma:internalName="LocMarketGroupTiers2" ma:readOnly="false">
+      <xsd:simpleType>
+        <xsd:restriction base="dms:Unknown"/>
+      </xsd:simpleType>
+    </xsd:element>
+    <xsd:element name="LocNewPublishedVersionLookup" ma:index="75" nillable="true" ma:displayName="Loc New Published Version Lookup" ma:default="" ma:list="{7DD1DCEC-E449-43D3-891F-7DC62F62AD21}" ma:internalName="LocNewPublishedVersionLookup" ma:readOnly="true" ma:showField="NewPublishedVersion" ma:web="4873beb7-5857-4685-be1f-d57550cc96cc">
+      <xsd:simpleType>
+        <xsd:restriction base="dms:Lookup"/>
+      </xsd:simpleType>
+    </xsd:element>
+    <xsd:element name="LocOverallHandbackStatusLookup" ma:index="76" nillable="true" ma:displayName="Loc Overall Handback Status" ma:default="" ma:list="{7DD1DCEC-E449-43D3-891F-7DC62F62AD21}" ma:internalName="LocOverallHandbackStatusLookup" ma:readOnly="true" ma:showField="OverallHandbackStatus" ma:web="4873beb7-5857-4685-be1f-d57550cc96cc">
+      <xsd:simpleType>
+        <xsd:restriction base="dms:Lookup"/>
+      </xsd:simpleType>
+    </xsd:element>
+    <xsd:element name="LocOverallLocStatusLookup" ma:index="77" nillable="true" ma:displayName="Loc Overall Localize Status" ma:default="" ma:list="{7DD1DCEC-E449-43D3-891F-7DC62F62AD21}" ma:internalName="LocOverallLocStatusLookup" ma:readOnly="true" ma:showField="OverallLocStatus" ma:web="4873beb7-5857-4685-be1f-d57550cc96cc">
+      <xsd:simpleType>
+        <xsd:restriction base="dms:Lookup"/>
+      </xsd:simpleType>
+    </xsd:element>
+    <xsd:element name="LocOverallPreviewStatusLookup" ma:index="78" nillable="true" ma:displayName="Loc Overall Preview Status" ma:default="" ma:list="{7DD1DCEC-E449-43D3-891F-7DC62F62AD21}" ma:internalName="LocOverallPreviewStatusLookup" ma:readOnly="true" ma:showField="OverallPreviewStatus" ma:web="4873beb7-5857-4685-be1f-d57550cc96cc">
+      <xsd:simpleType>
+        <xsd:restriction base="dms:Lookup"/>
+      </xsd:simpleType>
+    </xsd:element>
+    <xsd:element name="LocOverallPublishStatusLookup" ma:index="79" nillable="true" ma:displayName="Loc Overall Publish Status" ma:default="" ma:list="{7DD1DCEC-E449-43D3-891F-7DC62F62AD21}" ma:internalName="LocOverallPublishStatusLookup" ma:readOnly="true" ma:showField="OverallPublishStatus" ma:web="4873beb7-5857-4685-be1f-d57550cc96cc">
+      <xsd:simpleType>
+        <xsd:restriction base="dms:Lookup"/>
+      </xsd:simpleType>
+    </xsd:element>
+    <xsd:element name="IntlLocPriority" ma:index="80" nillable="true" ma:displayName="Loc Priority" ma:default="" ma:internalName="IntlLocPriority" ma:readOnly="false">
+      <xsd:simpleType>
+        <xsd:restriction base="dms:Unknown"/>
+      </xsd:simpleType>
+    </xsd:element>
+    <xsd:element name="LocProcessedForHandoffsLookup" ma:index="81" nillable="true" ma:displayName="Loc Processed For Handoffs" ma:default="" ma:list="{7DD1DCEC-E449-43D3-891F-7DC62F62AD21}" ma:internalName="LocProcessedForHandoffsLookup" ma:readOnly="true" ma:showField="ProcessedForHandoffs" ma:web="4873beb7-5857-4685-be1f-d57550cc96cc">
+      <xsd:simpleType>
+        <xsd:restriction base="dms:Lookup"/>
+      </xsd:simpleType>
+    </xsd:element>
+    <xsd:element name="LocProcessedForMarketsLookup" ma:index="82" nillable="true" ma:displayName="Loc Processed For Markets" ma:default="" ma:list="{7DD1DCEC-E449-43D3-891F-7DC62F62AD21}" ma:internalName="LocProcessedForMarketsLookup" ma:readOnly="true" ma:showField="ProcessedForMarkets" ma:web="4873beb7-5857-4685-be1f-d57550cc96cc">
+      <xsd:simpleType>
+        <xsd:restriction base="dms:Lookup"/>
+      </xsd:simpleType>
+    </xsd:element>
+    <xsd:element name="LocPublishedDependentAssetsLookup" ma:index="83" nillable="true" ma:displayName="Loc Published Dependent Assets" ma:default="" ma:list="{7DD1DCEC-E449-43D3-891F-7DC62F62AD21}" ma:internalName="LocPublishedDependentAssetsLookup" ma:readOnly="true" ma:showField="PublishedDependentAssets" ma:web="4873beb7-5857-4685-be1f-d57550cc96cc">
+      <xsd:simpleType>
+        <xsd:restriction base="dms:Lookup"/>
+      </xsd:simpleType>
+    </xsd:element>
+    <xsd:element name="LocPublishedLinkedAssetsLookup" ma:index="84" nillable="true" ma:displayName="Loc Published Linked Assets" ma:default="" ma:list="{7DD1DCEC-E449-43D3-891F-7DC62F62AD21}" ma:internalName="LocPublishedLinkedAssetsLookup" ma:readOnly="true" ma:showField="PublishedLinkedAssets" ma:web="4873beb7-5857-4685-be1f-d57550cc96cc">
+      <xsd:simpleType>
+        <xsd:restriction base="dms:Lookup"/>
+      </xsd:simpleType>
+    </xsd:element>
+    <xsd:element name="LocRecommendedHandoff" ma:index="85" nillable="true" ma:displayName="Loc Recommended Handoff" ma:default="" ma:indexed="true" ma:internalName="LocRecommendedHandoff" ma:readOnly="false">
+      <xsd:simpleType>
+        <xsd:restriction base="dms:Text"/>
+      </xsd:simpleType>
+    </xsd:element>
+    <xsd:element name="LocalizationTagsTaxHTField0" ma:index="87" nillable="true" ma:taxonomy="true" ma:internalName="LocalizationTagsTaxHTField0" ma:taxonomyFieldName="LocalizationTags" ma:displayName="Localization Tags" ma:readOnly="false" ma:default="" ma:fieldId="{00f02cb3-2c7c-424a-9c61-10e9b6878429}" ma:taxonomyMulti="true" ma:sspId="8f79753a-75d3-41f5-8ca3-40b843941b4f" ma:termSetId="5b7703a5-8e8b-4b58-8b31-1cea35331da3" ma:anchorId="00000000-0000-0000-0000-000000000000" ma:open="false" ma:isKeyword="false">
+      <xsd:complexType>
+        <xsd:sequence>
+          <xsd:element ref="pc:Terms" minOccurs="0" maxOccurs="1"/>
+        </xsd:sequence>
+      </xsd:complexType>
+    </xsd:element>
+    <xsd:element name="MachineTranslated" ma:index="88" nillable="true" ma:displayName="Machine Translated" ma:default="" ma:internalName="MachineTranslated" ma:readOnly="false">
+      <xsd:simpleType>
+        <xsd:restriction base="dms:Boolean"/>
+      </xsd:simpleType>
+    </xsd:element>
+    <xsd:element name="Manager" ma:index="89" nillable="true" ma:displayName="Manager" ma:hidden="true" ma:internalName="Manager" ma:readOnly="false">
+      <xsd:simpleType>
+        <xsd:restriction base="dms:Text"/>
+      </xsd:simpleType>
+    </xsd:element>
+    <xsd:element name="Markets" ma:index="90" nillable="true" ma:displayName="Markets" ma:default="" ma:description="Leave blank to show in all markets" ma:list="{2FBD1B11-2ACE-4FDC-B5A3-635D4ADF6F1B}" ma:internalName="Markets" ma:readOnly="false" ma:showField="MarketName" ma:web="4873beb7-5857-4685-be1f-d57550cc96cc">
+      <xsd:complexType>
+        <xsd:complexContent>
+          <xsd:extension base="dms:MultiChoiceLookup">
+            <xsd:sequence>
+              <xsd:element name="Value" type="dms:Lookup" maxOccurs="unbounded" minOccurs="0" nillable="true"/>
+            </xsd:sequence>
+          </xsd:extension>
+        </xsd:complexContent>
+      </xsd:complexType>
+    </xsd:element>
+    <xsd:element name="Milestone" ma:index="91" nillable="true" ma:displayName="Milestone" ma:default="" ma:internalName="Milestone" ma:readOnly="false">
+      <xsd:simpleType>
+        <xsd:restriction base="dms:Unknown"/>
+      </xsd:simpleType>
+    </xsd:element>
+    <xsd:element name="TPNamespace" ma:index="94" nillable="true" ma:displayName="Namespace" ma:default="" ma:internalName="TPNamespace">
+      <xsd:simpleType>
+        <xsd:restriction base="dms:Text"/>
+      </xsd:simpleType>
+    </xsd:element>
+    <xsd:element name="NumericId" ma:index="95" nillable="true" ma:displayName="Numeric ID" ma:default="" ma:indexed="true" ma:internalName="NumericId" ma:readOnly="false">
+      <xsd:simpleType>
+        <xsd:restriction base="dms:Number"/>
+      </xsd:simpleType>
+    </xsd:element>
+    <xsd:element name="NumOfRatingsLookup" ma:index="96" nillable="true" ma:displayName="NumOfRatings" ma:default="" ma:list="{9E343742-310B-4684-A24C-1D137CB4B230}" ma:internalName="NumOfRatingsLookup" ma:readOnly="true" ma:showField="NumOfRatings" ma:web="4873beb7-5857-4685-be1f-d57550cc96cc">
+      <xsd:complexType>
+        <xsd:complexContent>
+          <xsd:extension base="dms:MultiChoiceLookup">
+            <xsd:sequence>
+              <xsd:element name="Value" type="dms:Lookup" maxOccurs="unbounded" minOccurs="0" nillable="true"/>
+            </xsd:sequence>
+          </xsd:extension>
+        </xsd:complexContent>
+      </xsd:complexType>
+    </xsd:element>
+    <xsd:element name="OOCacheId" ma:index="97" nillable="true" ma:displayName="OOCacheId" ma:internalName="OOCacheId" ma:readOnly="false">
+      <xsd:simpleType>
+        <xsd:restriction base="dms:Text"/>
+      </xsd:simpleType>
+    </xsd:element>
+    <xsd:element name="OpenTemplate" ma:index="98" nillable="true" ma:displayName="Open Template" ma:default="true" ma:internalName="OpenTemplate">
+      <xsd:simpleType>
+        <xsd:restriction base="dms:Boolean"/>
+      </xsd:simpleType>
+    </xsd:element>
+    <xsd:element name="OriginAsset" ma:index="99" nillable="true" ma:displayName="Origin Asset" ma:default="" ma:internalName="OriginAsset" ma:readOnly="false">
+      <xsd:simpleType>
+        <xsd:restriction base="dms:Text"/>
+      </xsd:simpleType>
+    </xsd:element>
+    <xsd:element name="OriginalRelease" ma:index="100" nillable="true" ma:displayName="Original Release" ma:default="15" ma:internalName="OriginalRelease" ma:readOnly="false">
+      <xsd:simpleType>
+        <xsd:restriction base="dms:Choice">
+          <xsd:enumeration value="14"/>
+          <xsd:enumeration value="15"/>
+          <xsd:enumeration value="16"/>
+        </xsd:restriction>
+      </xsd:simpleType>
+    </xsd:element>
+    <xsd:element name="OriginalSourceMarket" ma:index="101" nillable="true" ma:displayName="Original Source Market Group" ma:default="" ma:internalName="OriginalSourceMarket" ma:readOnly="false">
+      <xsd:simpleType>
+        <xsd:restriction base="dms:Text"/>
+      </xsd:simpleType>
+    </xsd:element>
+    <xsd:element name="OutputCachingOn" ma:index="102" nillable="true" ma:displayName="Output Caching" ma:default="true" ma:hidden="true" ma:internalName="OutputCachingOn" ma:readOnly="false">
+      <xsd:simpleType>
+        <xsd:restriction base="dms:Boolean"/>
+      </xsd:simpleType>
+    </xsd:element>
+    <xsd:element name="ParentAssetId" ma:index="103" nillable="true" ma:displayName="Parent Asset Id" ma:default="" ma:internalName="ParentAssetId" ma:readOnly="false">
+      <xsd:simpleType>
+        <xsd:restriction base="dms:Text"/>
+      </xsd:simpleType>
+    </xsd:element>
+    <xsd:element name="PlannedPubDate" ma:index="104" nillable="true" ma:displayName="Planned Publish Date" ma:default="" ma:indexed="true" ma:internalName="PlannedPubDate" ma:readOnly="false">
+      <xsd:simpleType>
+        <xsd:restriction base="dms:DateTime"/>
+      </xsd:simpleType>
+    </xsd:element>
+    <xsd:element name="PolicheckWords" ma:index="105" nillable="true" ma:displayName="Policheck Words" ma:default="" ma:internalName="PolicheckWords" ma:readOnly="false">
+      <xsd:simpleType>
+        <xsd:restriction base="dms:Text"/>
+      </xsd:simpleType>
+    </xsd:element>
+    <xsd:element name="BusinessGroup" ma:index="106" nillable="true" ma:displayName="Product Division Owner" ma:default="" ma:internalName="BusinessGroup" ma:readOnly="false">
+      <xsd:simpleType>
+        <xsd:restriction base="dms:Unknown"/>
+      </xsd:simpleType>
+    </xsd:element>
+    <xsd:element name="UAProjectedTotalWords" ma:index="107" nillable="true" ma:displayName="Projected Word Count" ma:default="" ma:internalName="UAProjectedTotalWords" ma:readOnly="false">
+      <xsd:simpleType>
+        <xsd:restriction base="dms:Unknown"/>
+      </xsd:simpleType>
+    </xsd:element>
+    <xsd:element name="Provider" ma:index="108" nillable="true" ma:displayName="Provider" ma:default="" ma:internalName="Provider" ma:readOnly="false">
+      <xsd:simpleType>
+        <xsd:restriction base="dms:Unknown"/>
+      </xsd:simpleType>
+    </xsd:element>
+    <xsd:element name="Providers" ma:index="109" nillable="true" ma:displayName="Providers" ma:default="" ma:internalName="Providers">
+      <xsd:simpleType>
+        <xsd:restriction base="dms:Unknown"/>
+      </xsd:simpleType>
+    </xsd:element>
+    <xsd:element name="PublishStatusLookup" ma:index="110" nillable="true" ma:displayName="Publish Status" ma:default="" ma:list="{9E343742-310B-4684-A24C-1D137CB4B230}" ma:internalName="PublishStatusLookup" ma:readOnly="false" ma:showField="PublishStatus" ma:web="4873beb7-5857-4685-be1f-d57550cc96cc">
+      <xsd:complexType>
+        <xsd:complexContent>
+          <xsd:extension base="dms:MultiChoiceLookup">
+            <xsd:sequence>
+              <xsd:element name="Value" type="dms:Lookup" maxOccurs="unbounded" minOccurs="0" nillable="true"/>
+            </xsd:sequence>
+          </xsd:extension>
+        </xsd:complexContent>
+      </xsd:complexType>
+    </xsd:element>
+    <xsd:element name="PublishTargets" ma:index="111" nillable="true" ma:displayName="Publish Target" ma:default="OfficeOnlineVNext" ma:internalName="PublishTargets" ma:readOnly="false">
+      <xsd:simpleType>
+        <xsd:restriction base="dms:Unknown"/>
+      </xsd:simpleType>
+    </xsd:element>
+    <xsd:element name="RecommendationsModifier" ma:index="112" nillable="true" ma:displayName="Recommendations Modifier" ma:default="" ma:internalName="RecommendationsModifier" ma:readOnly="false">
+      <xsd:simpleType>
+        <xsd:restriction base="dms:Number"/>
+      </xsd:simpleType>
+    </xsd:element>
+    <xsd:element name="ArtSampleDocs" ma:index="113" nillable="true" ma:displayName="Sample Docs" ma:default="" ma:hidden="true" ma:internalName="ArtSampleDocs" ma:readOnly="false">
+      <xsd:simpleType>
+        <xsd:restriction base="dms:Text"/>
+      </xsd:simpleType>
+    </xsd:element>
+    <xsd:element name="ScenarioTagsTaxHTField0" ma:index="115" nillable="true" ma:taxonomy="true" ma:internalName="ScenarioTagsTaxHTField0" ma:taxonomyFieldName="ScenarioTags" ma:displayName="Scenarios" ma:readOnly="false" ma:default="" ma:fieldId="{93aef74d-6c78-4815-8310-51477dceeccc}" ma:taxonomyMulti="true" ma:sspId="8f79753a-75d3-41f5-8ca3-40b843941b4f" ma:termSetId="4b7d5f16-e2f2-4fc0-bab3-6e8b931e57d6" ma:anchorId="00000000-0000-0000-0000-000000000000" ma:open="false" ma:isKeyword="false">
+      <xsd:complexType>
+        <xsd:sequence>
+          <xsd:element ref="pc:Terms" minOccurs="0" maxOccurs="1"/>
+        </xsd:sequence>
+      </xsd:complexType>
+    </xsd:element>
+    <xsd:element name="ShowIn" ma:index="117" nillable="true" ma:displayName="Show In" ma:default="Show everywhere" ma:internalName="ShowIn" ma:readOnly="false">
+      <xsd:simpleType>
+        <xsd:restriction base="dms:Choice">
+          <xsd:enumeration value="Hide on web"/>
+          <xsd:enumeration value="On Web no search"/>
+          <xsd:enumeration value="Show everywhere"/>
+          <xsd:enumeration value="Special use only"/>
+        </xsd:restriction>
+      </xsd:simpleType>
+    </xsd:element>
+    <xsd:element name="SourceTitle" ma:index="118" nillable="true" ma:displayName="Source Title" ma:default="" ma:indexed="true" ma:internalName="SourceTitle" ma:readOnly="false">
+      <xsd:simpleType>
+        <xsd:restriction base="dms:Text"/>
+      </xsd:simpleType>
+    </xsd:element>
+    <xsd:element name="CSXSubmissionDate" ma:index="119" nillable="true" ma:displayName="Submission Date" ma:default="" ma:internalName="CSXSubmissionDate" ma:readOnly="false">
+      <xsd:simpleType>
+        <xsd:restriction base="dms:DateTime"/>
+      </xsd:simpleType>
+    </xsd:element>
+    <xsd:element name="SubmitterId" ma:index="120" nillable="true" ma:displayName="Submitter ID" ma:default="" ma:internalName="SubmitterId" ma:readOnly="false">
+      <xsd:simpleType>
+        <xsd:restriction base="dms:Text"/>
+      </xsd:simpleType>
+    </xsd:element>
+    <xsd:element name="TaxCatchAll" ma:index="121" nillable="true" ma:displayName="Taxonomy Catch All Column" ma:hidden="true" ma:list="{530f955b-6704-4601-bd83-f81d87f1e440}" ma:internalName="TaxCatchAll" ma:showField="CatchAllData" ma:web="4873beb7-5857-4685-be1f-d57550cc96cc">
+      <xsd:complexType>
+        <xsd:complexContent>
+          <xsd:extension base="dms:MultiChoiceLookup">
+            <xsd:sequence>
+              <xsd:element name="Value" type="dms:Lookup" maxOccurs="unbounded" minOccurs="0" nillable="true"/>
+            </xsd:sequence>
+          </xsd:extension>
+        </xsd:complexContent>
+      </xsd:complexType>
+    </xsd:element>
+    <xsd:element name="TaxCatchAllLabel" ma:index="122" nillable="true" ma:displayName="Taxonomy Catch All Column1" ma:hidden="true" ma:list="{530f955b-6704-4601-bd83-f81d87f1e440}" ma:internalName="TaxCatchAllLabel" ma:readOnly="true" ma:showField="CatchAllDataLabel" ma:web="4873beb7-5857-4685-be1f-d57550cc96cc">
+      <xsd:complexType>
+        <xsd:complexContent>
+          <xsd:extension base="dms:MultiChoiceLookup">
+            <xsd:sequence>
+              <xsd:element name="Value" type="dms:Lookup" maxOccurs="unbounded" minOccurs="0" nillable="true"/>
+            </xsd:sequence>
+          </xsd:extension>
+        </xsd:complexContent>
+      </xsd:complexType>
+    </xsd:element>
+    <xsd:element name="TemplateStatus" ma:index="123" nillable="true" ma:displayName="Template Status" ma:default="" ma:internalName="TemplateStatus">
+      <xsd:simpleType>
+        <xsd:restriction base="dms:Unknown"/>
+      </xsd:simpleType>
+    </xsd:element>
+    <xsd:element name="TemplateTemplateType" ma:index="124" nillable="true" ma:displayName="Template Type" ma:default="" ma:internalName="TemplateTemplateType">
+      <xsd:simpleType>
+        <xsd:restriction base="dms:Unknown"/>
+      </xsd:simpleType>
+    </xsd:element>
+    <xsd:element name="ThumbnailAssetId" ma:index="125" nillable="true" ma:displayName="Thumbnail Image Asset" ma:default="" ma:internalName="ThumbnailAssetId" ma:readOnly="false">
+      <xsd:simpleType>
+        <xsd:restriction base="dms:Text"/>
+      </xsd:simpleType>
+    </xsd:element>
+    <xsd:element name="TimesCloned" ma:index="126" nillable="true" ma:displayName="Times Cloned" ma:default="" ma:internalName="TimesCloned" ma:readOnly="false">
+      <xsd:simpleType>
+        <xsd:restriction base="dms:Number"/>
+      </xsd:simpleType>
+    </xsd:element>
+    <xsd:element name="TrustLevel" ma:index="128" nillable="true" ma:displayName="Trust Level" ma:default="1 Microsoft Managed Content" ma:internalName="TrustLevel" ma:readOnly="false">
+      <xsd:simpleType>
+        <xsd:restriction base="dms:Unknown"/>
+      </xsd:simpleType>
+    </xsd:element>
+    <xsd:element name="UALocComments" ma:index="129" nillable="true" ma:displayName="UA Loc Comments" ma:default="" ma:internalName="UALocComments" ma:readOnly="false">
+      <xsd:simpleType>
+        <xsd:restriction base="dms:Note"/>
+      </xsd:simpleType>
+    </xsd:element>
+    <xsd:element name="UALocRecommendation" ma:index="130" nillable="true" ma:displayName="UA Loc Recommendation" ma:default="Localize" ma:internalName="UALocRecommendation" ma:readOnly="false">
+      <xsd:simpleType>
+        <xsd:restriction base="dms:Choice">
+          <xsd:enumeration value="Localize"/>
+          <xsd:enumeration value="Never Localize"/>
+          <xsd:enumeration value="Priority Localize"/>
+        </xsd:restriction>
+      </xsd:simpleType>
+    </xsd:element>
+    <xsd:element name="UANotes" ma:index="131" nillable="true" ma:displayName="UA Notes" ma:default="" ma:internalName="UANotes" ma:readOnly="false">
+      <xsd:simpleType>
+        <xsd:restriction base="dms:Note"/>
+      </xsd:simpleType>
+    </xsd:element>
+    <xsd:element name="TPAppVersion" ma:index="132" nillable="true" ma:displayName="Version" ma:default="" ma:internalName="TPAppVersion">
+      <xsd:simpleType>
+        <xsd:restriction base="dms:Text"/>
+      </xsd:simpleType>
+    </xsd:element>
+    <xsd:element name="VoteCount" ma:index="133" nillable="true" ma:displayName="Vote Count" ma:default="" ma:internalName="VoteCount" ma:readOnly="false">
+      <xsd:simpleType>
+        <xsd:restriction base="dms:Unknown"/>
+      </xsd:simpleType>
+    </xsd:element>
+  </xsd:schema>
+  <xsd:schema xmlns="http://schemas.openxmlformats.org/package/2006/metadata/core-properties" xmlns:xsd="http://www.w3.org/2001/XMLSchema" xmlns:xsi="http://www.w3.org/2001/XMLSchema-instance" xmlns:dc="http://purl.org/dc/elements/1.1/" xmlns:dcterms="http://purl.org/dc/terms/" xmlns:odoc="http://schemas.microsoft.com/internal/obd" targetNamespace="http://schemas.openxmlformats.org/package/2006/metadata/core-properties" elementFormDefault="qualified" attributeFormDefault="unqualified" blockDefault="#all">
+    <xsd:import namespace="http://purl.org/dc/elements/1.1/" schemaLocation="http://dublincore.org/schemas/xmls/qdc/2003/04/02/dc.xsd"/>
+    <xsd:import namespace="http://purl.org/dc/terms/" schemaLocation="http://dublincore.org/schemas/xmls/qdc/2003/04/02/dcterms.xsd"/>
+    <xsd:element name="coreProperties" type="CT_coreProperties"/>
+    <xsd:complexType name="CT_coreProperties">
+      <xsd:all>
+        <xsd:element ref="dc:creator" minOccurs="0" maxOccurs="1"/>
+        <xsd:element ref="dcterms:created" minOccurs="0" maxOccurs="1"/>
+        <xsd:element ref="dc:identifier" minOccurs="0" maxOccurs="1"/>
+        <xsd:element name="contentType" minOccurs="0" maxOccurs="1" type="xsd:string" ma:index="22" ma:displayName="Content Type"/>
+        <xsd:element ref="dc:title" minOccurs="0" maxOccurs="1" ma:index="127" ma:displayName="Title"/>
+        <xsd:element ref="dc:subject" minOccurs="0" maxOccurs="1"/>
+        <xsd:element ref="dc:description" minOccurs="0" maxOccurs="1"/>
+        <xsd:element name="keywords" minOccurs="0" maxOccurs="1" type="xsd:string"/>
+        <xsd:element ref="dc:language" minOccurs="0" maxOccurs="1"/>
+        <xsd:element name="category" minOccurs="0" maxOccurs="1" type="xsd:string"/>
+        <xsd:element name="version" minOccurs="0" maxOccurs="1" type="xsd:string"/>
+        <xsd:element name="revision" minOccurs="0" maxOccurs="1" type="xsd:string">
+          <xsd:annotation>
+            <xsd:documentation>
+                        This value indicates the number of saves or revisions. The application is responsible for updating this value after each revision.
+                    </xsd:documentation>
+          </xsd:annotation>
+        </xsd:element>
+        <xsd:element name="lastModifiedBy" minOccurs="0" maxOccurs="1" type="xsd:string"/>
+        <xsd:element ref="dcterms:modified" minOccurs="0" maxOccurs="1"/>
+        <xsd:element name="contentStatus" minOccurs="0" maxOccurs="1" type="xsd:string"/>
+      </xsd:all>
+    </xsd:complexType>
+  </xsd:schema>
+  <xs:schema xmlns:pc="http://schemas.microsoft.com/office/infopath/2007/PartnerControls" xmlns:xs="http://www.w3.org/2001/XMLSchema" targetNamespace="http://schemas.microsoft.com/office/infopath/2007/PartnerControls" elementFormDefault="qualified" attributeFormDefault="unqualified">
+    <xs:element name="Person">
+      <xs:complexType>
+        <xs:sequence>
+          <xs:element ref="pc:DisplayName" minOccurs="0"/>
+          <xs:element ref="pc:AccountId" minOccurs="0"/>
+          <xs:element ref="pc:AccountType" minOccurs="0"/>
+        </xs:sequence>
+      </xs:complexType>
+    </xs:element>
+    <xs:element name="DisplayName" type="xs:string"/>
+    <xs:element name="AccountId" type="xs:string"/>
+    <xs:element name="AccountType" type="xs:string"/>
+    <xs:element name="BDCAssociatedEntity">
+      <xs:complexType>
+        <xs:sequence>
+          <xs:element ref="pc:BDCEntity" minOccurs="0" maxOccurs="unbounded"/>
+        </xs:sequence>
+        <xs:attribute ref="pc:EntityNamespace"/>
+        <xs:attribute ref="pc:EntityName"/>
+        <xs:attribute ref="pc:SystemInstanceName"/>
+        <xs:attribute ref="pc:AssociationName"/>
+      </xs:complexType>
+    </xs:element>
+    <xs:attribute name="EntityNamespace" type="xs:string"/>
+    <xs:attribute name="EntityName" type="xs:string"/>
+    <xs:attribute name="SystemInstanceName" type="xs:string"/>
+    <xs:attribute name="AssociationName" type="xs:string"/>
+    <xs:element name="BDCEntity">
+      <xs:complexType>
+        <xs:sequence>
+          <xs:element ref="pc:EntityDisplayName" minOccurs="0"/>
+          <xs:element ref="pc:EntityInstanceReference" minOccurs="0"/>
+          <xs:element ref="pc:EntityId1" minOccurs="0"/>
+          <xs:element ref="pc:EntityId2" minOccurs="0"/>
+          <xs:element ref="pc:EntityId3" minOccurs="0"/>
+          <xs:element ref="pc:EntityId4" minOccurs="0"/>
+          <xs:element ref="pc:EntityId5" minOccurs="0"/>
+        </xs:sequence>
+      </xs:complexType>
+    </xs:element>
+    <xs:element name="EntityDisplayName" type="xs:string"/>
+    <xs:element name="EntityInstanceReference" type="xs:string"/>
+    <xs:element name="EntityId1" type="xs:string"/>
+    <xs:element name="EntityId2" type="xs:string"/>
+    <xs:element name="EntityId3" type="xs:string"/>
+    <xs:element name="EntityId4" type="xs:string"/>
+    <xs:element name="EntityId5" type="xs:string"/>
+    <xs:element name="Terms">
+      <xs:complexType>
+        <xs:sequence>
+          <xs:element ref="pc:TermInfo" minOccurs="0" maxOccurs="unbounded"/>
+        </xs:sequence>
+      </xs:complexType>
+    </xs:element>
+    <xs:element name="TermInfo">
+      <xs:complexType>
+        <xs:sequence>
+          <xs:element ref="pc:TermName" minOccurs="0"/>
+          <xs:element ref="pc:TermId" minOccurs="0"/>
+        </xs:sequence>
+      </xs:complexType>
+    </xs:element>
+    <xs:element name="TermName" type="xs:string"/>
+    <xs:element name="TermId" type="xs:string"/>
+  </xs:schema>
+</ct:contentTypeSchema>
+</file>
+
+<file path=customXml/item2.xml><?xml version="1.0" encoding="utf-8"?>
 <p:properties xmlns:p="http://schemas.microsoft.com/office/2006/metadata/properties" xmlns:xsi="http://www.w3.org/2001/XMLSchema-instance" xmlns:pc="http://schemas.microsoft.com/office/infopath/2007/PartnerControls">
   <documentManagement>
     <LocPublishedLinkedAssetsLookup xmlns="4873beb7-5857-4685-be1f-d57550cc96cc" xsi:nil="true"/>
@@ -9355,1046 +11642,6 @@
 </p:properties>
 </file>
 
-<file path=customXml/item2.xml><?xml version="1.0" encoding="utf-8"?>
-<ct:contentTypeSchema xmlns:ct="http://schemas.microsoft.com/office/2006/metadata/contentType" xmlns:ma="http://schemas.microsoft.com/office/2006/metadata/properties/metaAttributes" ct:_="" ma:_="" ma:contentTypeName="TemplateFile" ma:contentTypeID="0x0101006EDDDB5EE6D98C44930B742096920B300400F5B6D36B3EF94B4E9A635CDF2A18F5B8" ma:contentTypeVersion="72" ma:contentTypeDescription="Create a new document." ma:contentTypeScope="" ma:versionID="a23e56308344d904b51738559c3d67c9">
-  <xsd:schema xmlns:xsd="http://www.w3.org/2001/XMLSchema" xmlns:xs="http://www.w3.org/2001/XMLSchema" xmlns:p="http://schemas.microsoft.com/office/2006/metadata/properties" xmlns:ns2="4873beb7-5857-4685-be1f-d57550cc96cc" targetNamespace="http://schemas.microsoft.com/office/2006/metadata/properties" ma:root="true" ma:fieldsID="cd0908cc4600e77bf5da051303e00c8d" ns2:_="">
-    <xsd:import namespace="4873beb7-5857-4685-be1f-d57550cc96cc"/>
-    <xsd:element name="properties">
-      <xsd:complexType>
-        <xsd:sequence>
-          <xsd:element name="documentManagement">
-            <xsd:complexType>
-              <xsd:all>
-                <xsd:element ref="ns2:AcquiredFrom" minOccurs="0"/>
-                <xsd:element ref="ns2:UACurrentWords" minOccurs="0"/>
-                <xsd:element ref="ns2:TPApplication" minOccurs="0"/>
-                <xsd:element ref="ns2:ApprovalLog" minOccurs="0"/>
-                <xsd:element ref="ns2:ApprovalStatus" minOccurs="0"/>
-                <xsd:element ref="ns2:AssetStart" minOccurs="0"/>
-                <xsd:element ref="ns2:AssetExpire" minOccurs="0"/>
-                <xsd:element ref="ns2:AssetId" minOccurs="0"/>
-                <xsd:element ref="ns2:IsSearchable" minOccurs="0"/>
-                <xsd:element ref="ns2:AssetType" minOccurs="0"/>
-                <xsd:element ref="ns2:APAuthor" minOccurs="0"/>
-                <xsd:element ref="ns2:AverageRating" minOccurs="0"/>
-                <xsd:element ref="ns2:BlockPublish" minOccurs="0"/>
-                <xsd:element ref="ns2:BugNumber" minOccurs="0"/>
-                <xsd:element ref="ns2:CampaignTagsTaxHTField0" minOccurs="0"/>
-                <xsd:element ref="ns2:TPClientViewer" minOccurs="0"/>
-                <xsd:element ref="ns2:ClipArtFilename" minOccurs="0"/>
-                <xsd:element ref="ns2:TPCommandLine" minOccurs="0"/>
-                <xsd:element ref="ns2:TPComponent" minOccurs="0"/>
-                <xsd:element ref="ns2:ContentItem" minOccurs="0"/>
-                <xsd:element ref="ns2:CrawlForDependencies" minOccurs="0"/>
-                <xsd:element ref="ns2:CSXHash" minOccurs="0"/>
-                <xsd:element ref="ns2:CSXSubmissionMarket" minOccurs="0"/>
-                <xsd:element ref="ns2:CSXUpdate" minOccurs="0"/>
-                <xsd:element ref="ns2:IntlLangReviewDate" minOccurs="0"/>
-                <xsd:element ref="ns2:IsDeleted" minOccurs="0"/>
-                <xsd:element ref="ns2:APDescription" minOccurs="0"/>
-                <xsd:element ref="ns2:DirectSourceMarket" minOccurs="0"/>
-                <xsd:element ref="ns2:Downloads" minOccurs="0"/>
-                <xsd:element ref="ns2:DSATActionTaken" minOccurs="0"/>
-                <xsd:element ref="ns2:APEditor" minOccurs="0"/>
-                <xsd:element ref="ns2:EditorialStatus" minOccurs="0"/>
-                <xsd:element ref="ns2:EditorialTags" minOccurs="0"/>
-                <xsd:element ref="ns2:TPExecutable" minOccurs="0"/>
-                <xsd:element ref="ns2:FeatureTagsTaxHTField0" minOccurs="0"/>
-                <xsd:element ref="ns2:TPFriendlyName" minOccurs="0"/>
-                <xsd:element ref="ns2:FriendlyTitle" minOccurs="0"/>
-                <xsd:element ref="ns2:PrimaryImageGen" minOccurs="0"/>
-                <xsd:element ref="ns2:HandoffToMSDN" minOccurs="0"/>
-                <xsd:element ref="ns2:InProjectListLookup" minOccurs="0"/>
-                <xsd:element ref="ns2:TPInstallLocation" minOccurs="0"/>
-                <xsd:element ref="ns2:InternalTagsTaxHTField0" minOccurs="0"/>
-                <xsd:element ref="ns2:IntlLangReview" minOccurs="0"/>
-                <xsd:element ref="ns2:IntlLangReviewer" minOccurs="0"/>
-                <xsd:element ref="ns2:MarketSpecific" minOccurs="0"/>
-                <xsd:element ref="ns2:LastCompleteVersionLookup" minOccurs="0"/>
-                <xsd:element ref="ns2:LastHandOff" minOccurs="0"/>
-                <xsd:element ref="ns2:LastModifiedDateTime" minOccurs="0"/>
-                <xsd:element ref="ns2:LastPreviewErrorLookup" minOccurs="0"/>
-                <xsd:element ref="ns2:LastPreviewResultLookup" minOccurs="0"/>
-                <xsd:element ref="ns2:LastPreviewAttemptDateLookup" minOccurs="0"/>
-                <xsd:element ref="ns2:LastPreviewedByLookup" minOccurs="0"/>
-                <xsd:element ref="ns2:LastPreviewTimeLookup" minOccurs="0"/>
-                <xsd:element ref="ns2:LastPreviewVersionLookup" minOccurs="0"/>
-                <xsd:element ref="ns2:LastPublishErrorLookup" minOccurs="0"/>
-                <xsd:element ref="ns2:LastPublishResultLookup" minOccurs="0"/>
-                <xsd:element ref="ns2:LastPublishAttemptDateLookup" minOccurs="0"/>
-                <xsd:element ref="ns2:LastPublishedByLookup" minOccurs="0"/>
-                <xsd:element ref="ns2:LastPublishTimeLookup" minOccurs="0"/>
-                <xsd:element ref="ns2:LastPublishVersionLookup" minOccurs="0"/>
-                <xsd:element ref="ns2:TPLaunchHelpLinkType" minOccurs="0"/>
-                <xsd:element ref="ns2:LegacyData" minOccurs="0"/>
-                <xsd:element ref="ns2:TPLaunchHelpLink" minOccurs="0"/>
-                <xsd:element ref="ns2:LocComments" minOccurs="0"/>
-                <xsd:element ref="ns2:LocLastLocAttemptVersionLookup" minOccurs="0"/>
-                <xsd:element ref="ns2:LocLastLocAttemptVersionTypeLookup" minOccurs="0"/>
-                <xsd:element ref="ns2:LocManualTestRequired" minOccurs="0"/>
-                <xsd:element ref="ns2:LocMarketGroupTiers2" minOccurs="0"/>
-                <xsd:element ref="ns2:LocNewPublishedVersionLookup" minOccurs="0"/>
-                <xsd:element ref="ns2:LocOverallHandbackStatusLookup" minOccurs="0"/>
-                <xsd:element ref="ns2:LocOverallLocStatusLookup" minOccurs="0"/>
-                <xsd:element ref="ns2:LocOverallPreviewStatusLookup" minOccurs="0"/>
-                <xsd:element ref="ns2:LocOverallPublishStatusLookup" minOccurs="0"/>
-                <xsd:element ref="ns2:IntlLocPriority" minOccurs="0"/>
-                <xsd:element ref="ns2:LocProcessedForHandoffsLookup" minOccurs="0"/>
-                <xsd:element ref="ns2:LocProcessedForMarketsLookup" minOccurs="0"/>
-                <xsd:element ref="ns2:LocPublishedDependentAssetsLookup" minOccurs="0"/>
-                <xsd:element ref="ns2:LocPublishedLinkedAssetsLookup" minOccurs="0"/>
-                <xsd:element ref="ns2:LocRecommendedHandoff" minOccurs="0"/>
-                <xsd:element ref="ns2:LocalizationTagsTaxHTField0" minOccurs="0"/>
-                <xsd:element ref="ns2:MachineTranslated" minOccurs="0"/>
-                <xsd:element ref="ns2:Manager" minOccurs="0"/>
-                <xsd:element ref="ns2:Markets" minOccurs="0"/>
-                <xsd:element ref="ns2:Milestone" minOccurs="0"/>
-                <xsd:element ref="ns2:TPNamespace" minOccurs="0"/>
-                <xsd:element ref="ns2:NumericId" minOccurs="0"/>
-                <xsd:element ref="ns2:NumOfRatingsLookup" minOccurs="0"/>
-                <xsd:element ref="ns2:OOCacheId" minOccurs="0"/>
-                <xsd:element ref="ns2:OpenTemplate" minOccurs="0"/>
-                <xsd:element ref="ns2:OriginAsset" minOccurs="0"/>
-                <xsd:element ref="ns2:OriginalRelease" minOccurs="0"/>
-                <xsd:element ref="ns2:OriginalSourceMarket" minOccurs="0"/>
-                <xsd:element ref="ns2:OutputCachingOn" minOccurs="0"/>
-                <xsd:element ref="ns2:ParentAssetId" minOccurs="0"/>
-                <xsd:element ref="ns2:PlannedPubDate" minOccurs="0"/>
-                <xsd:element ref="ns2:PolicheckWords" minOccurs="0"/>
-                <xsd:element ref="ns2:BusinessGroup" minOccurs="0"/>
-                <xsd:element ref="ns2:UAProjectedTotalWords" minOccurs="0"/>
-                <xsd:element ref="ns2:Provider" minOccurs="0"/>
-                <xsd:element ref="ns2:Providers" minOccurs="0"/>
-                <xsd:element ref="ns2:PublishStatusLookup" minOccurs="0"/>
-                <xsd:element ref="ns2:PublishTargets" minOccurs="0"/>
-                <xsd:element ref="ns2:RecommendationsModifier" minOccurs="0"/>
-                <xsd:element ref="ns2:ArtSampleDocs" minOccurs="0"/>
-                <xsd:element ref="ns2:ScenarioTagsTaxHTField0" minOccurs="0"/>
-                <xsd:element ref="ns2:ShowIn" minOccurs="0"/>
-                <xsd:element ref="ns2:SourceTitle" minOccurs="0"/>
-                <xsd:element ref="ns2:CSXSubmissionDate" minOccurs="0"/>
-                <xsd:element ref="ns2:SubmitterId" minOccurs="0"/>
-                <xsd:element ref="ns2:TaxCatchAll" minOccurs="0"/>
-                <xsd:element ref="ns2:TaxCatchAllLabel" minOccurs="0"/>
-                <xsd:element ref="ns2:TemplateStatus" minOccurs="0"/>
-                <xsd:element ref="ns2:TemplateTemplateType" minOccurs="0"/>
-                <xsd:element ref="ns2:ThumbnailAssetId" minOccurs="0"/>
-                <xsd:element ref="ns2:TimesCloned" minOccurs="0"/>
-                <xsd:element ref="ns2:TrustLevel" minOccurs="0"/>
-                <xsd:element ref="ns2:UALocComments" minOccurs="0"/>
-                <xsd:element ref="ns2:UALocRecommendation" minOccurs="0"/>
-                <xsd:element ref="ns2:UANotes" minOccurs="0"/>
-                <xsd:element ref="ns2:TPAppVersion" minOccurs="0"/>
-                <xsd:element ref="ns2:VoteCount" minOccurs="0"/>
-              </xsd:all>
-            </xsd:complexType>
-          </xsd:element>
-        </xsd:sequence>
-      </xsd:complexType>
-    </xsd:element>
-  </xsd:schema>
-  <xsd:schema xmlns:xsd="http://www.w3.org/2001/XMLSchema" xmlns:xs="http://www.w3.org/2001/XMLSchema" xmlns:dms="http://schemas.microsoft.com/office/2006/documentManagement/types" xmlns:pc="http://schemas.microsoft.com/office/infopath/2007/PartnerControls" targetNamespace="4873beb7-5857-4685-be1f-d57550cc96cc" elementFormDefault="qualified">
-    <xsd:import namespace="http://schemas.microsoft.com/office/2006/documentManagement/types"/>
-    <xsd:import namespace="http://schemas.microsoft.com/office/infopath/2007/PartnerControls"/>
-    <xsd:element name="AcquiredFrom" ma:index="1" nillable="true" ma:displayName="Acquired From" ma:default="Internal MS" ma:internalName="AcquiredFrom" ma:readOnly="false">
-      <xsd:simpleType>
-        <xsd:restriction base="dms:Choice">
-          <xsd:enumeration value="Internal MS"/>
-          <xsd:enumeration value="Community"/>
-          <xsd:enumeration value="MVP"/>
-          <xsd:enumeration value="Publisher"/>
-          <xsd:enumeration value="Partner"/>
-          <xsd:enumeration value="None"/>
-        </xsd:restriction>
-      </xsd:simpleType>
-    </xsd:element>
-    <xsd:element name="UACurrentWords" ma:index="2" nillable="true" ma:displayName="Actual Word Count" ma:default="" ma:internalName="UACurrentWords" ma:readOnly="false">
-      <xsd:simpleType>
-        <xsd:restriction base="dms:Unknown"/>
-      </xsd:simpleType>
-    </xsd:element>
-    <xsd:element name="TPApplication" ma:index="3" nillable="true" ma:displayName="Application to Open Template With" ma:default="" ma:internalName="TPApplication">
-      <xsd:simpleType>
-        <xsd:restriction base="dms:Text"/>
-      </xsd:simpleType>
-    </xsd:element>
-    <xsd:element name="ApprovalLog" ma:index="4" nillable="true" ma:displayName="Approval Log" ma:default="" ma:hidden="true" ma:internalName="ApprovalLog" ma:readOnly="false">
-      <xsd:simpleType>
-        <xsd:restriction base="dms:Note"/>
-      </xsd:simpleType>
-    </xsd:element>
-    <xsd:element name="ApprovalStatus" ma:index="5" nillable="true" ma:displayName="Approval Status" ma:default="InProgress" ma:internalName="ApprovalStatus" ma:readOnly="false">
-      <xsd:simpleType>
-        <xsd:restriction base="dms:Choice">
-          <xsd:enumeration value="InProgress"/>
-          <xsd:enumeration value="Rejected"/>
-          <xsd:enumeration value="Questionable"/>
-          <xsd:enumeration value="ApprovedAutomatic"/>
-          <xsd:enumeration value="ApprovedManual"/>
-          <xsd:enumeration value="On Hold"/>
-          <xsd:enumeration value="Needs Review"/>
-          <xsd:enumeration value="A Violation"/>
-          <xsd:enumeration value="Unpublished Violation"/>
-        </xsd:restriction>
-      </xsd:simpleType>
-    </xsd:element>
-    <xsd:element name="AssetStart" ma:index="6" nillable="true" ma:displayName="Asset Begin Date" ma:default="[Today]" ma:internalName="AssetStart" ma:readOnly="false">
-      <xsd:simpleType>
-        <xsd:restriction base="dms:DateTime"/>
-      </xsd:simpleType>
-    </xsd:element>
-    <xsd:element name="AssetExpire" ma:index="7" nillable="true" ma:displayName="Asset End Date" ma:default="2029-01-01T08:00:00Z" ma:format="DateTime" ma:internalName="AssetExpire" ma:readOnly="false">
-      <xsd:simpleType>
-        <xsd:restriction base="dms:DateTime"/>
-      </xsd:simpleType>
-    </xsd:element>
-    <xsd:element name="AssetId" ma:index="8" nillable="true" ma:displayName="Asset ID" ma:default="" ma:indexed="true" ma:internalName="AssetId" ma:readOnly="false">
-      <xsd:simpleType>
-        <xsd:restriction base="dms:Text">
-          <xsd:maxLength value="255"/>
-        </xsd:restriction>
-      </xsd:simpleType>
-    </xsd:element>
-    <xsd:element name="IsSearchable" ma:index="9" nillable="true" ma:displayName="Asset Searchable?" ma:default="true" ma:internalName="IsSearchable" ma:readOnly="false">
-      <xsd:simpleType>
-        <xsd:restriction base="dms:Boolean"/>
-      </xsd:simpleType>
-    </xsd:element>
-    <xsd:element name="AssetType" ma:index="10" nillable="true" ma:displayName="Asset Type" ma:default="" ma:internalName="AssetType" ma:readOnly="false">
-      <xsd:simpleType>
-        <xsd:restriction base="dms:Unknown"/>
-      </xsd:simpleType>
-    </xsd:element>
-    <xsd:element name="APAuthor" ma:index="11" nillable="true" ma:displayName="Author" ma:default="" ma:list="UserInfo" ma:internalName="APAuthor" ma:readOnly="false">
-      <xsd:complexType>
-        <xsd:complexContent>
-          <xsd:extension base="dms:User">
-            <xsd:sequence>
-              <xsd:element name="UserInfo" minOccurs="0" maxOccurs="unbounded">
-                <xsd:complexType>
-                  <xsd:sequence>
-                    <xsd:element name="DisplayName" type="xsd:string" minOccurs="0"/>
-                    <xsd:element name="AccountId" type="dms:UserId" minOccurs="0" nillable="true"/>
-                    <xsd:element name="AccountType" type="xsd:string" minOccurs="0"/>
-                  </xsd:sequence>
-                </xsd:complexType>
-              </xsd:element>
-            </xsd:sequence>
-          </xsd:extension>
-        </xsd:complexContent>
-      </xsd:complexType>
-    </xsd:element>
-    <xsd:element name="AverageRating" ma:index="12" nillable="true" ma:displayName="Average Rating" ma:internalName="AverageRating" ma:readOnly="false">
-      <xsd:simpleType>
-        <xsd:restriction base="dms:Text"/>
-      </xsd:simpleType>
-    </xsd:element>
-    <xsd:element name="BlockPublish" ma:index="13" nillable="true" ma:displayName="Block from Publishing?" ma:default="" ma:internalName="BlockPublish" ma:readOnly="false">
-      <xsd:simpleType>
-        <xsd:restriction base="dms:Boolean"/>
-      </xsd:simpleType>
-    </xsd:element>
-    <xsd:element name="BugNumber" ma:index="14" nillable="true" ma:displayName="Bug Number" ma:default="" ma:internalName="BugNumber" ma:readOnly="false">
-      <xsd:simpleType>
-        <xsd:restriction base="dms:Text"/>
-      </xsd:simpleType>
-    </xsd:element>
-    <xsd:element name="CampaignTagsTaxHTField0" ma:index="16" nillable="true" ma:taxonomy="true" ma:internalName="CampaignTagsTaxHTField0" ma:taxonomyFieldName="CampaignTags" ma:displayName="Campaigns" ma:readOnly="false" ma:default="" ma:fieldId="{1df42cc3-2301-4f11-a52a-6ead923c29ed}" ma:taxonomyMulti="true" ma:sspId="8f79753a-75d3-41f5-8ca3-40b843941b4f" ma:termSetId="ca0e50d4-faa1-44ce-961e-bb1441c60e66" ma:anchorId="00000000-0000-0000-0000-000000000000" ma:open="false" ma:isKeyword="false">
-      <xsd:complexType>
-        <xsd:sequence>
-          <xsd:element ref="pc:Terms" minOccurs="0" maxOccurs="1"/>
-        </xsd:sequence>
-      </xsd:complexType>
-    </xsd:element>
-    <xsd:element name="TPClientViewer" ma:index="17" nillable="true" ma:displayName="Client Viewer" ma:default="" ma:internalName="TPClientViewer">
-      <xsd:simpleType>
-        <xsd:restriction base="dms:Text"/>
-      </xsd:simpleType>
-    </xsd:element>
-    <xsd:element name="ClipArtFilename" ma:index="18" nillable="true" ma:displayName="Clip Art Name" ma:default="" ma:internalName="ClipArtFilename" ma:readOnly="false">
-      <xsd:simpleType>
-        <xsd:restriction base="dms:Text"/>
-      </xsd:simpleType>
-    </xsd:element>
-    <xsd:element name="TPCommandLine" ma:index="19" nillable="true" ma:displayName="Command Line" ma:default="" ma:internalName="TPCommandLine">
-      <xsd:simpleType>
-        <xsd:restriction base="dms:Text"/>
-      </xsd:simpleType>
-    </xsd:element>
-    <xsd:element name="TPComponent" ma:index="20" nillable="true" ma:displayName="Component" ma:default="" ma:internalName="TPComponent">
-      <xsd:simpleType>
-        <xsd:restriction base="dms:Text"/>
-      </xsd:simpleType>
-    </xsd:element>
-    <xsd:element name="ContentItem" ma:index="21" nillable="true" ma:displayName="Content Item" ma:default="" ma:hidden="true" ma:internalName="ContentItem" ma:readOnly="false">
-      <xsd:simpleType>
-        <xsd:restriction base="dms:Unknown"/>
-      </xsd:simpleType>
-    </xsd:element>
-    <xsd:element name="CrawlForDependencies" ma:index="23" nillable="true" ma:displayName="Crawl for Dependencies?" ma:default="true" ma:internalName="CrawlForDependencies" ma:readOnly="false">
-      <xsd:simpleType>
-        <xsd:restriction base="dms:Boolean"/>
-      </xsd:simpleType>
-    </xsd:element>
-    <xsd:element name="CSXHash" ma:index="26" nillable="true" ma:displayName="CSX Hash" ma:default="" ma:indexed="true" ma:internalName="CSXHash" ma:readOnly="false">
-      <xsd:simpleType>
-        <xsd:restriction base="dms:Text"/>
-      </xsd:simpleType>
-    </xsd:element>
-    <xsd:element name="CSXSubmissionMarket" ma:index="27" nillable="true" ma:displayName="CSX Submission Market" ma:default="" ma:list="{2FBD1B11-2ACE-4FDC-B5A3-635D4ADF6F1B}" ma:internalName="CSXSubmissionMarket" ma:readOnly="false" ma:showField="MarketName" ma:web="4873beb7-5857-4685-be1f-d57550cc96cc">
-      <xsd:simpleType>
-        <xsd:restriction base="dms:Lookup"/>
-      </xsd:simpleType>
-    </xsd:element>
-    <xsd:element name="CSXUpdate" ma:index="28" nillable="true" ma:displayName="CSX Updated?" ma:default="false" ma:internalName="CSXUpdate" ma:readOnly="false">
-      <xsd:simpleType>
-        <xsd:restriction base="dms:Boolean"/>
-      </xsd:simpleType>
-    </xsd:element>
-    <xsd:element name="IntlLangReviewDate" ma:index="29" nillable="true" ma:displayName="Date to Complete Intl QA" ma:default="" ma:internalName="IntlLangReviewDate" ma:readOnly="false">
-      <xsd:simpleType>
-        <xsd:restriction base="dms:DateTime"/>
-      </xsd:simpleType>
-    </xsd:element>
-    <xsd:element name="IsDeleted" ma:index="30" nillable="true" ma:displayName="Deleted?" ma:default="" ma:internalName="IsDeleted" ma:readOnly="false">
-      <xsd:simpleType>
-        <xsd:restriction base="dms:Boolean"/>
-      </xsd:simpleType>
-    </xsd:element>
-    <xsd:element name="APDescription" ma:index="31" nillable="true" ma:displayName="Description" ma:default="" ma:internalName="APDescription" ma:readOnly="false">
-      <xsd:simpleType>
-        <xsd:restriction base="dms:Note"/>
-      </xsd:simpleType>
-    </xsd:element>
-    <xsd:element name="DirectSourceMarket" ma:index="32" nillable="true" ma:displayName="Direct Source Market Group" ma:default="" ma:internalName="DirectSourceMarket" ma:readOnly="false">
-      <xsd:simpleType>
-        <xsd:restriction base="dms:Text"/>
-      </xsd:simpleType>
-    </xsd:element>
-    <xsd:element name="Downloads" ma:index="33" nillable="true" ma:displayName="Downloads" ma:default="0" ma:hidden="true" ma:internalName="Downloads" ma:readOnly="false">
-      <xsd:simpleType>
-        <xsd:restriction base="dms:Unknown"/>
-      </xsd:simpleType>
-    </xsd:element>
-    <xsd:element name="DSATActionTaken" ma:index="34" nillable="true" ma:displayName="DSAT Action Taken" ma:default="" ma:internalName="DSATActionTaken" ma:readOnly="false">
-      <xsd:simpleType>
-        <xsd:restriction base="dms:Choice">
-          <xsd:enumeration value="Best Bets"/>
-          <xsd:enumeration value="Expire"/>
-          <xsd:enumeration value="Hide"/>
-          <xsd:enumeration value="None"/>
-        </xsd:restriction>
-      </xsd:simpleType>
-    </xsd:element>
-    <xsd:element name="APEditor" ma:index="35" nillable="true" ma:displayName="Editor" ma:default="" ma:list="UserInfo" ma:internalName="APEditor" ma:readOnly="false">
-      <xsd:complexType>
-        <xsd:complexContent>
-          <xsd:extension base="dms:User">
-            <xsd:sequence>
-              <xsd:element name="UserInfo" minOccurs="0" maxOccurs="unbounded">
-                <xsd:complexType>
-                  <xsd:sequence>
-                    <xsd:element name="DisplayName" type="xsd:string" minOccurs="0"/>
-                    <xsd:element name="AccountId" type="dms:UserId" minOccurs="0" nillable="true"/>
-                    <xsd:element name="AccountType" type="xsd:string" minOccurs="0"/>
-                  </xsd:sequence>
-                </xsd:complexType>
-              </xsd:element>
-            </xsd:sequence>
-          </xsd:extension>
-        </xsd:complexContent>
-      </xsd:complexType>
-    </xsd:element>
-    <xsd:element name="EditorialStatus" ma:index="36" nillable="true" ma:displayName="Editorial Status" ma:default="" ma:internalName="EditorialStatus" ma:readOnly="false">
-      <xsd:simpleType>
-        <xsd:restriction base="dms:Unknown"/>
-      </xsd:simpleType>
-    </xsd:element>
-    <xsd:element name="EditorialTags" ma:index="37" nillable="true" ma:displayName="Editorial Tags" ma:default="" ma:internalName="EditorialTags">
-      <xsd:simpleType>
-        <xsd:restriction base="dms:Unknown"/>
-      </xsd:simpleType>
-    </xsd:element>
-    <xsd:element name="TPExecutable" ma:index="38" nillable="true" ma:displayName="Executable" ma:default="" ma:internalName="TPExecutable">
-      <xsd:simpleType>
-        <xsd:restriction base="dms:Text"/>
-      </xsd:simpleType>
-    </xsd:element>
-    <xsd:element name="FeatureTagsTaxHTField0" ma:index="40" nillable="true" ma:taxonomy="true" ma:internalName="FeatureTagsTaxHTField0" ma:taxonomyFieldName="FeatureTags" ma:displayName="Features" ma:readOnly="false" ma:default="" ma:fieldId="{7fc0d542-15c6-4882-a8e3-13bca44403fb}" ma:taxonomyMulti="true" ma:sspId="8f79753a-75d3-41f5-8ca3-40b843941b4f" ma:termSetId="f1ab6845-967d-4854-a0ba-4ec07f0f8113" ma:anchorId="00000000-0000-0000-0000-000000000000" ma:open="false" ma:isKeyword="false">
-      <xsd:complexType>
-        <xsd:sequence>
-          <xsd:element ref="pc:Terms" minOccurs="0" maxOccurs="1"/>
-        </xsd:sequence>
-      </xsd:complexType>
-    </xsd:element>
-    <xsd:element name="TPFriendlyName" ma:index="41" nillable="true" ma:displayName="Friendly Name" ma:default="" ma:internalName="TPFriendlyName">
-      <xsd:simpleType>
-        <xsd:restriction base="dms:Text"/>
-      </xsd:simpleType>
-    </xsd:element>
-    <xsd:element name="FriendlyTitle" ma:index="42" nillable="true" ma:displayName="Friendly Title" ma:default="" ma:description="Shorter title to be used when displaying search results" ma:internalName="FriendlyTitle" ma:readOnly="false">
-      <xsd:simpleType>
-        <xsd:restriction base="dms:Text"/>
-      </xsd:simpleType>
-    </xsd:element>
-    <xsd:element name="PrimaryImageGen" ma:index="43" nillable="true" ma:displayName="Generate Images?" ma:default="true" ma:internalName="PrimaryImageGen">
-      <xsd:simpleType>
-        <xsd:restriction base="dms:Boolean"/>
-      </xsd:simpleType>
-    </xsd:element>
-    <xsd:element name="HandoffToMSDN" ma:index="44" nillable="true" ma:displayName="Handoff To MSDN Date" ma:default="" ma:internalName="HandoffToMSDN" ma:readOnly="false">
-      <xsd:simpleType>
-        <xsd:restriction base="dms:DateTime"/>
-      </xsd:simpleType>
-    </xsd:element>
-    <xsd:element name="InProjectListLookup" ma:index="45" nillable="true" ma:displayName="InProjectListLookup" ma:list="{9E343742-310B-4684-A24C-1D137CB4B230}" ma:internalName="InProjectListLookup" ma:readOnly="true" ma:showField="InProjectList" ma:web="4873beb7-5857-4685-be1f-d57550cc96cc">
-      <xsd:complexType>
-        <xsd:complexContent>
-          <xsd:extension base="dms:MultiChoiceLookup">
-            <xsd:sequence>
-              <xsd:element name="Value" type="dms:Lookup" maxOccurs="unbounded" minOccurs="0" nillable="true"/>
-            </xsd:sequence>
-          </xsd:extension>
-        </xsd:complexContent>
-      </xsd:complexType>
-    </xsd:element>
-    <xsd:element name="TPInstallLocation" ma:index="46" nillable="true" ma:displayName="Install Location" ma:default="" ma:internalName="TPInstallLocation">
-      <xsd:simpleType>
-        <xsd:restriction base="dms:Text"/>
-      </xsd:simpleType>
-    </xsd:element>
-    <xsd:element name="InternalTagsTaxHTField0" ma:index="48" nillable="true" ma:taxonomy="true" ma:internalName="InternalTagsTaxHTField0" ma:taxonomyFieldName="InternalTags" ma:displayName="Internal Tags" ma:readOnly="false" ma:default="" ma:fieldId="{1490b8a4-2706-41ec-b5e3-73176dccf34e}" ma:taxonomyMulti="true" ma:sspId="8f79753a-75d3-41f5-8ca3-40b843941b4f" ma:termSetId="82b6639e-f7fc-4c18-ad2d-003a6e707765" ma:anchorId="00000000-0000-0000-0000-000000000000" ma:open="false" ma:isKeyword="false">
-      <xsd:complexType>
-        <xsd:sequence>
-          <xsd:element ref="pc:Terms" minOccurs="0" maxOccurs="1"/>
-        </xsd:sequence>
-      </xsd:complexType>
-    </xsd:element>
-    <xsd:element name="IntlLangReview" ma:index="49" nillable="true" ma:displayName="Intl Lang QA Review Required?" ma:default="" ma:internalName="IntlLangReview" ma:readOnly="false">
-      <xsd:simpleType>
-        <xsd:restriction base="dms:Boolean"/>
-      </xsd:simpleType>
-    </xsd:element>
-    <xsd:element name="IntlLangReviewer" ma:index="50" nillable="true" ma:displayName="Intl Lang QA Reviewer" ma:default="" ma:internalName="IntlLangReviewer" ma:readOnly="false">
-      <xsd:simpleType>
-        <xsd:restriction base="dms:Text"/>
-      </xsd:simpleType>
-    </xsd:element>
-    <xsd:element name="MarketSpecific" ma:index="51" nillable="true" ma:displayName="Is Market Specific?" ma:default="" ma:internalName="MarketSpecific" ma:readOnly="false">
-      <xsd:simpleType>
-        <xsd:restriction base="dms:Boolean"/>
-      </xsd:simpleType>
-    </xsd:element>
-    <xsd:element name="LastCompleteVersionLookup" ma:index="52" nillable="true" ma:displayName="Last Complete Version Lookup" ma:default="" ma:list="{9E343742-310B-4684-A24C-1D137CB4B230}" ma:internalName="LastCompleteVersionLookup" ma:readOnly="true" ma:showField="LastCompleteVersion" ma:web="4873beb7-5857-4685-be1f-d57550cc96cc">
-      <xsd:complexType>
-        <xsd:complexContent>
-          <xsd:extension base="dms:MultiChoiceLookup">
-            <xsd:sequence>
-              <xsd:element name="Value" type="dms:Lookup" maxOccurs="unbounded" minOccurs="0" nillable="true"/>
-            </xsd:sequence>
-          </xsd:extension>
-        </xsd:complexContent>
-      </xsd:complexType>
-    </xsd:element>
-    <xsd:element name="LastHandOff" ma:index="53" nillable="true" ma:displayName="Last Hand-off" ma:default="" ma:internalName="LastHandOff" ma:readOnly="false">
-      <xsd:simpleType>
-        <xsd:restriction base="dms:DateTime"/>
-      </xsd:simpleType>
-    </xsd:element>
-    <xsd:element name="LastModifiedDateTime" ma:index="54" nillable="true" ma:displayName="Last Modified Date" ma:default="" ma:internalName="LastModifiedDateTime" ma:readOnly="false">
-      <xsd:simpleType>
-        <xsd:restriction base="dms:DateTime"/>
-      </xsd:simpleType>
-    </xsd:element>
-    <xsd:element name="LastPreviewErrorLookup" ma:index="55" nillable="true" ma:displayName="Last Preview Attempt Error" ma:default="" ma:list="{9E343742-310B-4684-A24C-1D137CB4B230}" ma:internalName="LastPreviewErrorLookup" ma:readOnly="true" ma:showField="LastPreviewError" ma:web="4873beb7-5857-4685-be1f-d57550cc96cc">
-      <xsd:complexType>
-        <xsd:complexContent>
-          <xsd:extension base="dms:MultiChoiceLookup">
-            <xsd:sequence>
-              <xsd:element name="Value" type="dms:Lookup" maxOccurs="unbounded" minOccurs="0" nillable="true"/>
-            </xsd:sequence>
-          </xsd:extension>
-        </xsd:complexContent>
-      </xsd:complexType>
-    </xsd:element>
-    <xsd:element name="LastPreviewResultLookup" ma:index="56" nillable="true" ma:displayName="Last Preview Attempt Result" ma:default="" ma:list="{9E343742-310B-4684-A24C-1D137CB4B230}" ma:internalName="LastPreviewResultLookup" ma:readOnly="true" ma:showField="LastPreviewResult" ma:web="4873beb7-5857-4685-be1f-d57550cc96cc">
-      <xsd:complexType>
-        <xsd:complexContent>
-          <xsd:extension base="dms:MultiChoiceLookup">
-            <xsd:sequence>
-              <xsd:element name="Value" type="dms:Lookup" maxOccurs="unbounded" minOccurs="0" nillable="true"/>
-            </xsd:sequence>
-          </xsd:extension>
-        </xsd:complexContent>
-      </xsd:complexType>
-    </xsd:element>
-    <xsd:element name="LastPreviewAttemptDateLookup" ma:index="57" nillable="true" ma:displayName="Last Preview Attempted On" ma:default="" ma:list="{9E343742-310B-4684-A24C-1D137CB4B230}" ma:internalName="LastPreviewAttemptDateLookup" ma:readOnly="true" ma:showField="LastPreviewAttemptDate" ma:web="4873beb7-5857-4685-be1f-d57550cc96cc">
-      <xsd:complexType>
-        <xsd:complexContent>
-          <xsd:extension base="dms:MultiChoiceLookup">
-            <xsd:sequence>
-              <xsd:element name="Value" type="dms:Lookup" maxOccurs="unbounded" minOccurs="0" nillable="true"/>
-            </xsd:sequence>
-          </xsd:extension>
-        </xsd:complexContent>
-      </xsd:complexType>
-    </xsd:element>
-    <xsd:element name="LastPreviewedByLookup" ma:index="58" nillable="true" ma:displayName="Last Previewed By" ma:default="" ma:list="{9E343742-310B-4684-A24C-1D137CB4B230}" ma:internalName="LastPreviewedByLookup" ma:readOnly="true" ma:showField="LastPreviewedBy" ma:web="4873beb7-5857-4685-be1f-d57550cc96cc">
-      <xsd:complexType>
-        <xsd:complexContent>
-          <xsd:extension base="dms:MultiChoiceLookup">
-            <xsd:sequence>
-              <xsd:element name="Value" type="dms:Lookup" maxOccurs="unbounded" minOccurs="0" nillable="true"/>
-            </xsd:sequence>
-          </xsd:extension>
-        </xsd:complexContent>
-      </xsd:complexType>
-    </xsd:element>
-    <xsd:element name="LastPreviewTimeLookup" ma:index="59" nillable="true" ma:displayName="Last Previewed Date" ma:default="" ma:list="{9E343742-310B-4684-A24C-1D137CB4B230}" ma:internalName="LastPreviewTimeLookup" ma:readOnly="true" ma:showField="LastPreviewTime" ma:web="4873beb7-5857-4685-be1f-d57550cc96cc">
-      <xsd:complexType>
-        <xsd:complexContent>
-          <xsd:extension base="dms:MultiChoiceLookup">
-            <xsd:sequence>
-              <xsd:element name="Value" type="dms:Lookup" maxOccurs="unbounded" minOccurs="0" nillable="true"/>
-            </xsd:sequence>
-          </xsd:extension>
-        </xsd:complexContent>
-      </xsd:complexType>
-    </xsd:element>
-    <xsd:element name="LastPreviewVersionLookup" ma:index="60" nillable="true" ma:displayName="Last Previewed Version" ma:default="" ma:list="{9E343742-310B-4684-A24C-1D137CB4B230}" ma:internalName="LastPreviewVersionLookup" ma:readOnly="true" ma:showField="LastPreviewVersion" ma:web="4873beb7-5857-4685-be1f-d57550cc96cc">
-      <xsd:complexType>
-        <xsd:complexContent>
-          <xsd:extension base="dms:MultiChoiceLookup">
-            <xsd:sequence>
-              <xsd:element name="Value" type="dms:Lookup" maxOccurs="unbounded" minOccurs="0" nillable="true"/>
-            </xsd:sequence>
-          </xsd:extension>
-        </xsd:complexContent>
-      </xsd:complexType>
-    </xsd:element>
-    <xsd:element name="LastPublishErrorLookup" ma:index="61" nillable="true" ma:displayName="Last Publish Attempt Error" ma:default="" ma:list="{9E343742-310B-4684-A24C-1D137CB4B230}" ma:internalName="LastPublishErrorLookup" ma:readOnly="true" ma:showField="LastPublishError" ma:web="4873beb7-5857-4685-be1f-d57550cc96cc">
-      <xsd:complexType>
-        <xsd:complexContent>
-          <xsd:extension base="dms:MultiChoiceLookup">
-            <xsd:sequence>
-              <xsd:element name="Value" type="dms:Lookup" maxOccurs="unbounded" minOccurs="0" nillable="true"/>
-            </xsd:sequence>
-          </xsd:extension>
-        </xsd:complexContent>
-      </xsd:complexType>
-    </xsd:element>
-    <xsd:element name="LastPublishResultLookup" ma:index="62" nillable="true" ma:displayName="Last Publish Attempt Result" ma:default="" ma:list="{9E343742-310B-4684-A24C-1D137CB4B230}" ma:internalName="LastPublishResultLookup" ma:readOnly="true" ma:showField="LastPublishResult" ma:web="4873beb7-5857-4685-be1f-d57550cc96cc">
-      <xsd:complexType>
-        <xsd:complexContent>
-          <xsd:extension base="dms:MultiChoiceLookup">
-            <xsd:sequence>
-              <xsd:element name="Value" type="dms:Lookup" maxOccurs="unbounded" minOccurs="0" nillable="true"/>
-            </xsd:sequence>
-          </xsd:extension>
-        </xsd:complexContent>
-      </xsd:complexType>
-    </xsd:element>
-    <xsd:element name="LastPublishAttemptDateLookup" ma:index="63" nillable="true" ma:displayName="Last Publish Attempted On" ma:default="" ma:list="{9E343742-310B-4684-A24C-1D137CB4B230}" ma:internalName="LastPublishAttemptDateLookup" ma:readOnly="true" ma:showField="LastPublishAttemptDate" ma:web="4873beb7-5857-4685-be1f-d57550cc96cc">
-      <xsd:complexType>
-        <xsd:complexContent>
-          <xsd:extension base="dms:MultiChoiceLookup">
-            <xsd:sequence>
-              <xsd:element name="Value" type="dms:Lookup" maxOccurs="unbounded" minOccurs="0" nillable="true"/>
-            </xsd:sequence>
-          </xsd:extension>
-        </xsd:complexContent>
-      </xsd:complexType>
-    </xsd:element>
-    <xsd:element name="LastPublishedByLookup" ma:index="64" nillable="true" ma:displayName="Last Published By" ma:default="" ma:list="{9E343742-310B-4684-A24C-1D137CB4B230}" ma:internalName="LastPublishedByLookup" ma:readOnly="true" ma:showField="LastPublishedBy" ma:web="4873beb7-5857-4685-be1f-d57550cc96cc">
-      <xsd:complexType>
-        <xsd:complexContent>
-          <xsd:extension base="dms:MultiChoiceLookup">
-            <xsd:sequence>
-              <xsd:element name="Value" type="dms:Lookup" maxOccurs="unbounded" minOccurs="0" nillable="true"/>
-            </xsd:sequence>
-          </xsd:extension>
-        </xsd:complexContent>
-      </xsd:complexType>
-    </xsd:element>
-    <xsd:element name="LastPublishTimeLookup" ma:index="65" nillable="true" ma:displayName="Last Published Date" ma:default="" ma:list="{9E343742-310B-4684-A24C-1D137CB4B230}" ma:internalName="LastPublishTimeLookup" ma:readOnly="true" ma:showField="LastPublishTime" ma:web="4873beb7-5857-4685-be1f-d57550cc96cc">
-      <xsd:complexType>
-        <xsd:complexContent>
-          <xsd:extension base="dms:MultiChoiceLookup">
-            <xsd:sequence>
-              <xsd:element name="Value" type="dms:Lookup" maxOccurs="unbounded" minOccurs="0" nillable="true"/>
-            </xsd:sequence>
-          </xsd:extension>
-        </xsd:complexContent>
-      </xsd:complexType>
-    </xsd:element>
-    <xsd:element name="LastPublishVersionLookup" ma:index="66" nillable="true" ma:displayName="Last Published Version" ma:default="" ma:list="{9E343742-310B-4684-A24C-1D137CB4B230}" ma:internalName="LastPublishVersionLookup" ma:readOnly="true" ma:showField="LastPublishVersion" ma:web="4873beb7-5857-4685-be1f-d57550cc96cc">
-      <xsd:complexType>
-        <xsd:complexContent>
-          <xsd:extension base="dms:MultiChoiceLookup">
-            <xsd:sequence>
-              <xsd:element name="Value" type="dms:Lookup" maxOccurs="unbounded" minOccurs="0" nillable="true"/>
-            </xsd:sequence>
-          </xsd:extension>
-        </xsd:complexContent>
-      </xsd:complexType>
-    </xsd:element>
-    <xsd:element name="TPLaunchHelpLinkType" ma:index="67" nillable="true" ma:displayName="Launch Help Link Type" ma:default="Template" ma:internalName="TPLaunchHelpLinkType">
-      <xsd:simpleType>
-        <xsd:restriction base="dms:Choice">
-          <xsd:enumeration value="Template"/>
-          <xsd:enumeration value="Training"/>
-          <xsd:enumeration value="URL"/>
-          <xsd:enumeration value="None"/>
-        </xsd:restriction>
-      </xsd:simpleType>
-    </xsd:element>
-    <xsd:element name="LegacyData" ma:index="68" nillable="true" ma:displayName="Legacy Data" ma:default="" ma:internalName="LegacyData" ma:readOnly="false">
-      <xsd:simpleType>
-        <xsd:restriction base="dms:Note"/>
-      </xsd:simpleType>
-    </xsd:element>
-    <xsd:element name="TPLaunchHelpLink" ma:index="69" nillable="true" ma:displayName="Link to Launch Help Topic" ma:default="" ma:internalName="TPLaunchHelpLink">
-      <xsd:simpleType>
-        <xsd:restriction base="dms:Text"/>
-      </xsd:simpleType>
-    </xsd:element>
-    <xsd:element name="LocComments" ma:index="70" nillable="true" ma:displayName="Loc Approval Comments" ma:default="" ma:internalName="LocComments" ma:readOnly="false">
-      <xsd:simpleType>
-        <xsd:restriction base="dms:Note"/>
-      </xsd:simpleType>
-    </xsd:element>
-    <xsd:element name="LocLastLocAttemptVersionLookup" ma:index="71" nillable="true" ma:displayName="Loc Last Loc Attempt Version" ma:default="" ma:list="{7DD1DCEC-E449-43D3-891F-7DC62F62AD21}" ma:internalName="LocLastLocAttemptVersionLookup" ma:readOnly="false" ma:showField="LastLocAttemptVersion" ma:web="4873beb7-5857-4685-be1f-d57550cc96cc">
-      <xsd:simpleType>
-        <xsd:restriction base="dms:Lookup"/>
-      </xsd:simpleType>
-    </xsd:element>
-    <xsd:element name="LocLastLocAttemptVersionTypeLookup" ma:index="72" nillable="true" ma:displayName="Loc Last Loc Attempt Version Type" ma:default="" ma:list="{7DD1DCEC-E449-43D3-891F-7DC62F62AD21}" ma:internalName="LocLastLocAttemptVersionTypeLookup" ma:readOnly="true" ma:showField="LastLocAttemptVersionType" ma:web="4873beb7-5857-4685-be1f-d57550cc96cc">
-      <xsd:simpleType>
-        <xsd:restriction base="dms:Lookup"/>
-      </xsd:simpleType>
-    </xsd:element>
-    <xsd:element name="LocManualTestRequired" ma:index="73" nillable="true" ma:displayName="Loc Manual Test Required" ma:default="" ma:internalName="LocManualTestRequired" ma:readOnly="false">
-      <xsd:simpleType>
-        <xsd:restriction base="dms:Boolean"/>
-      </xsd:simpleType>
-    </xsd:element>
-    <xsd:element name="LocMarketGroupTiers2" ma:index="74" nillable="true" ma:displayName="Loc Market Group Tiers" ma:internalName="LocMarketGroupTiers2" ma:readOnly="false">
-      <xsd:simpleType>
-        <xsd:restriction base="dms:Unknown"/>
-      </xsd:simpleType>
-    </xsd:element>
-    <xsd:element name="LocNewPublishedVersionLookup" ma:index="75" nillable="true" ma:displayName="Loc New Published Version Lookup" ma:default="" ma:list="{7DD1DCEC-E449-43D3-891F-7DC62F62AD21}" ma:internalName="LocNewPublishedVersionLookup" ma:readOnly="true" ma:showField="NewPublishedVersion" ma:web="4873beb7-5857-4685-be1f-d57550cc96cc">
-      <xsd:simpleType>
-        <xsd:restriction base="dms:Lookup"/>
-      </xsd:simpleType>
-    </xsd:element>
-    <xsd:element name="LocOverallHandbackStatusLookup" ma:index="76" nillable="true" ma:displayName="Loc Overall Handback Status" ma:default="" ma:list="{7DD1DCEC-E449-43D3-891F-7DC62F62AD21}" ma:internalName="LocOverallHandbackStatusLookup" ma:readOnly="true" ma:showField="OverallHandbackStatus" ma:web="4873beb7-5857-4685-be1f-d57550cc96cc">
-      <xsd:simpleType>
-        <xsd:restriction base="dms:Lookup"/>
-      </xsd:simpleType>
-    </xsd:element>
-    <xsd:element name="LocOverallLocStatusLookup" ma:index="77" nillable="true" ma:displayName="Loc Overall Localize Status" ma:default="" ma:list="{7DD1DCEC-E449-43D3-891F-7DC62F62AD21}" ma:internalName="LocOverallLocStatusLookup" ma:readOnly="true" ma:showField="OverallLocStatus" ma:web="4873beb7-5857-4685-be1f-d57550cc96cc">
-      <xsd:simpleType>
-        <xsd:restriction base="dms:Lookup"/>
-      </xsd:simpleType>
-    </xsd:element>
-    <xsd:element name="LocOverallPreviewStatusLookup" ma:index="78" nillable="true" ma:displayName="Loc Overall Preview Status" ma:default="" ma:list="{7DD1DCEC-E449-43D3-891F-7DC62F62AD21}" ma:internalName="LocOverallPreviewStatusLookup" ma:readOnly="true" ma:showField="OverallPreviewStatus" ma:web="4873beb7-5857-4685-be1f-d57550cc96cc">
-      <xsd:simpleType>
-        <xsd:restriction base="dms:Lookup"/>
-      </xsd:simpleType>
-    </xsd:element>
-    <xsd:element name="LocOverallPublishStatusLookup" ma:index="79" nillable="true" ma:displayName="Loc Overall Publish Status" ma:default="" ma:list="{7DD1DCEC-E449-43D3-891F-7DC62F62AD21}" ma:internalName="LocOverallPublishStatusLookup" ma:readOnly="true" ma:showField="OverallPublishStatus" ma:web="4873beb7-5857-4685-be1f-d57550cc96cc">
-      <xsd:simpleType>
-        <xsd:restriction base="dms:Lookup"/>
-      </xsd:simpleType>
-    </xsd:element>
-    <xsd:element name="IntlLocPriority" ma:index="80" nillable="true" ma:displayName="Loc Priority" ma:default="" ma:internalName="IntlLocPriority" ma:readOnly="false">
-      <xsd:simpleType>
-        <xsd:restriction base="dms:Unknown"/>
-      </xsd:simpleType>
-    </xsd:element>
-    <xsd:element name="LocProcessedForHandoffsLookup" ma:index="81" nillable="true" ma:displayName="Loc Processed For Handoffs" ma:default="" ma:list="{7DD1DCEC-E449-43D3-891F-7DC62F62AD21}" ma:internalName="LocProcessedForHandoffsLookup" ma:readOnly="true" ma:showField="ProcessedForHandoffs" ma:web="4873beb7-5857-4685-be1f-d57550cc96cc">
-      <xsd:simpleType>
-        <xsd:restriction base="dms:Lookup"/>
-      </xsd:simpleType>
-    </xsd:element>
-    <xsd:element name="LocProcessedForMarketsLookup" ma:index="82" nillable="true" ma:displayName="Loc Processed For Markets" ma:default="" ma:list="{7DD1DCEC-E449-43D3-891F-7DC62F62AD21}" ma:internalName="LocProcessedForMarketsLookup" ma:readOnly="true" ma:showField="ProcessedForMarkets" ma:web="4873beb7-5857-4685-be1f-d57550cc96cc">
-      <xsd:simpleType>
-        <xsd:restriction base="dms:Lookup"/>
-      </xsd:simpleType>
-    </xsd:element>
-    <xsd:element name="LocPublishedDependentAssetsLookup" ma:index="83" nillable="true" ma:displayName="Loc Published Dependent Assets" ma:default="" ma:list="{7DD1DCEC-E449-43D3-891F-7DC62F62AD21}" ma:internalName="LocPublishedDependentAssetsLookup" ma:readOnly="true" ma:showField="PublishedDependentAssets" ma:web="4873beb7-5857-4685-be1f-d57550cc96cc">
-      <xsd:simpleType>
-        <xsd:restriction base="dms:Lookup"/>
-      </xsd:simpleType>
-    </xsd:element>
-    <xsd:element name="LocPublishedLinkedAssetsLookup" ma:index="84" nillable="true" ma:displayName="Loc Published Linked Assets" ma:default="" ma:list="{7DD1DCEC-E449-43D3-891F-7DC62F62AD21}" ma:internalName="LocPublishedLinkedAssetsLookup" ma:readOnly="true" ma:showField="PublishedLinkedAssets" ma:web="4873beb7-5857-4685-be1f-d57550cc96cc">
-      <xsd:simpleType>
-        <xsd:restriction base="dms:Lookup"/>
-      </xsd:simpleType>
-    </xsd:element>
-    <xsd:element name="LocRecommendedHandoff" ma:index="85" nillable="true" ma:displayName="Loc Recommended Handoff" ma:default="" ma:indexed="true" ma:internalName="LocRecommendedHandoff" ma:readOnly="false">
-      <xsd:simpleType>
-        <xsd:restriction base="dms:Text"/>
-      </xsd:simpleType>
-    </xsd:element>
-    <xsd:element name="LocalizationTagsTaxHTField0" ma:index="87" nillable="true" ma:taxonomy="true" ma:internalName="LocalizationTagsTaxHTField0" ma:taxonomyFieldName="LocalizationTags" ma:displayName="Localization Tags" ma:readOnly="false" ma:default="" ma:fieldId="{00f02cb3-2c7c-424a-9c61-10e9b6878429}" ma:taxonomyMulti="true" ma:sspId="8f79753a-75d3-41f5-8ca3-40b843941b4f" ma:termSetId="5b7703a5-8e8b-4b58-8b31-1cea35331da3" ma:anchorId="00000000-0000-0000-0000-000000000000" ma:open="false" ma:isKeyword="false">
-      <xsd:complexType>
-        <xsd:sequence>
-          <xsd:element ref="pc:Terms" minOccurs="0" maxOccurs="1"/>
-        </xsd:sequence>
-      </xsd:complexType>
-    </xsd:element>
-    <xsd:element name="MachineTranslated" ma:index="88" nillable="true" ma:displayName="Machine Translated" ma:default="" ma:internalName="MachineTranslated" ma:readOnly="false">
-      <xsd:simpleType>
-        <xsd:restriction base="dms:Boolean"/>
-      </xsd:simpleType>
-    </xsd:element>
-    <xsd:element name="Manager" ma:index="89" nillable="true" ma:displayName="Manager" ma:hidden="true" ma:internalName="Manager" ma:readOnly="false">
-      <xsd:simpleType>
-        <xsd:restriction base="dms:Text"/>
-      </xsd:simpleType>
-    </xsd:element>
-    <xsd:element name="Markets" ma:index="90" nillable="true" ma:displayName="Markets" ma:default="" ma:description="Leave blank to show in all markets" ma:list="{2FBD1B11-2ACE-4FDC-B5A3-635D4ADF6F1B}" ma:internalName="Markets" ma:readOnly="false" ma:showField="MarketName" ma:web="4873beb7-5857-4685-be1f-d57550cc96cc">
-      <xsd:complexType>
-        <xsd:complexContent>
-          <xsd:extension base="dms:MultiChoiceLookup">
-            <xsd:sequence>
-              <xsd:element name="Value" type="dms:Lookup" maxOccurs="unbounded" minOccurs="0" nillable="true"/>
-            </xsd:sequence>
-          </xsd:extension>
-        </xsd:complexContent>
-      </xsd:complexType>
-    </xsd:element>
-    <xsd:element name="Milestone" ma:index="91" nillable="true" ma:displayName="Milestone" ma:default="" ma:internalName="Milestone" ma:readOnly="false">
-      <xsd:simpleType>
-        <xsd:restriction base="dms:Unknown"/>
-      </xsd:simpleType>
-    </xsd:element>
-    <xsd:element name="TPNamespace" ma:index="94" nillable="true" ma:displayName="Namespace" ma:default="" ma:internalName="TPNamespace">
-      <xsd:simpleType>
-        <xsd:restriction base="dms:Text"/>
-      </xsd:simpleType>
-    </xsd:element>
-    <xsd:element name="NumericId" ma:index="95" nillable="true" ma:displayName="Numeric ID" ma:default="" ma:indexed="true" ma:internalName="NumericId" ma:readOnly="false">
-      <xsd:simpleType>
-        <xsd:restriction base="dms:Number"/>
-      </xsd:simpleType>
-    </xsd:element>
-    <xsd:element name="NumOfRatingsLookup" ma:index="96" nillable="true" ma:displayName="NumOfRatings" ma:default="" ma:list="{9E343742-310B-4684-A24C-1D137CB4B230}" ma:internalName="NumOfRatingsLookup" ma:readOnly="true" ma:showField="NumOfRatings" ma:web="4873beb7-5857-4685-be1f-d57550cc96cc">
-      <xsd:complexType>
-        <xsd:complexContent>
-          <xsd:extension base="dms:MultiChoiceLookup">
-            <xsd:sequence>
-              <xsd:element name="Value" type="dms:Lookup" maxOccurs="unbounded" minOccurs="0" nillable="true"/>
-            </xsd:sequence>
-          </xsd:extension>
-        </xsd:complexContent>
-      </xsd:complexType>
-    </xsd:element>
-    <xsd:element name="OOCacheId" ma:index="97" nillable="true" ma:displayName="OOCacheId" ma:internalName="OOCacheId" ma:readOnly="false">
-      <xsd:simpleType>
-        <xsd:restriction base="dms:Text"/>
-      </xsd:simpleType>
-    </xsd:element>
-    <xsd:element name="OpenTemplate" ma:index="98" nillable="true" ma:displayName="Open Template" ma:default="true" ma:internalName="OpenTemplate">
-      <xsd:simpleType>
-        <xsd:restriction base="dms:Boolean"/>
-      </xsd:simpleType>
-    </xsd:element>
-    <xsd:element name="OriginAsset" ma:index="99" nillable="true" ma:displayName="Origin Asset" ma:default="" ma:internalName="OriginAsset" ma:readOnly="false">
-      <xsd:simpleType>
-        <xsd:restriction base="dms:Text"/>
-      </xsd:simpleType>
-    </xsd:element>
-    <xsd:element name="OriginalRelease" ma:index="100" nillable="true" ma:displayName="Original Release" ma:default="15" ma:internalName="OriginalRelease" ma:readOnly="false">
-      <xsd:simpleType>
-        <xsd:restriction base="dms:Choice">
-          <xsd:enumeration value="14"/>
-          <xsd:enumeration value="15"/>
-          <xsd:enumeration value="16"/>
-        </xsd:restriction>
-      </xsd:simpleType>
-    </xsd:element>
-    <xsd:element name="OriginalSourceMarket" ma:index="101" nillable="true" ma:displayName="Original Source Market Group" ma:default="" ma:internalName="OriginalSourceMarket" ma:readOnly="false">
-      <xsd:simpleType>
-        <xsd:restriction base="dms:Text"/>
-      </xsd:simpleType>
-    </xsd:element>
-    <xsd:element name="OutputCachingOn" ma:index="102" nillable="true" ma:displayName="Output Caching" ma:default="true" ma:hidden="true" ma:internalName="OutputCachingOn" ma:readOnly="false">
-      <xsd:simpleType>
-        <xsd:restriction base="dms:Boolean"/>
-      </xsd:simpleType>
-    </xsd:element>
-    <xsd:element name="ParentAssetId" ma:index="103" nillable="true" ma:displayName="Parent Asset Id" ma:default="" ma:internalName="ParentAssetId" ma:readOnly="false">
-      <xsd:simpleType>
-        <xsd:restriction base="dms:Text"/>
-      </xsd:simpleType>
-    </xsd:element>
-    <xsd:element name="PlannedPubDate" ma:index="104" nillable="true" ma:displayName="Planned Publish Date" ma:default="" ma:indexed="true" ma:internalName="PlannedPubDate" ma:readOnly="false">
-      <xsd:simpleType>
-        <xsd:restriction base="dms:DateTime"/>
-      </xsd:simpleType>
-    </xsd:element>
-    <xsd:element name="PolicheckWords" ma:index="105" nillable="true" ma:displayName="Policheck Words" ma:default="" ma:internalName="PolicheckWords" ma:readOnly="false">
-      <xsd:simpleType>
-        <xsd:restriction base="dms:Text"/>
-      </xsd:simpleType>
-    </xsd:element>
-    <xsd:element name="BusinessGroup" ma:index="106" nillable="true" ma:displayName="Product Division Owner" ma:default="" ma:internalName="BusinessGroup" ma:readOnly="false">
-      <xsd:simpleType>
-        <xsd:restriction base="dms:Unknown"/>
-      </xsd:simpleType>
-    </xsd:element>
-    <xsd:element name="UAProjectedTotalWords" ma:index="107" nillable="true" ma:displayName="Projected Word Count" ma:default="" ma:internalName="UAProjectedTotalWords" ma:readOnly="false">
-      <xsd:simpleType>
-        <xsd:restriction base="dms:Unknown"/>
-      </xsd:simpleType>
-    </xsd:element>
-    <xsd:element name="Provider" ma:index="108" nillable="true" ma:displayName="Provider" ma:default="" ma:internalName="Provider" ma:readOnly="false">
-      <xsd:simpleType>
-        <xsd:restriction base="dms:Unknown"/>
-      </xsd:simpleType>
-    </xsd:element>
-    <xsd:element name="Providers" ma:index="109" nillable="true" ma:displayName="Providers" ma:default="" ma:internalName="Providers">
-      <xsd:simpleType>
-        <xsd:restriction base="dms:Unknown"/>
-      </xsd:simpleType>
-    </xsd:element>
-    <xsd:element name="PublishStatusLookup" ma:index="110" nillable="true" ma:displayName="Publish Status" ma:default="" ma:list="{9E343742-310B-4684-A24C-1D137CB4B230}" ma:internalName="PublishStatusLookup" ma:readOnly="false" ma:showField="PublishStatus" ma:web="4873beb7-5857-4685-be1f-d57550cc96cc">
-      <xsd:complexType>
-        <xsd:complexContent>
-          <xsd:extension base="dms:MultiChoiceLookup">
-            <xsd:sequence>
-              <xsd:element name="Value" type="dms:Lookup" maxOccurs="unbounded" minOccurs="0" nillable="true"/>
-            </xsd:sequence>
-          </xsd:extension>
-        </xsd:complexContent>
-      </xsd:complexType>
-    </xsd:element>
-    <xsd:element name="PublishTargets" ma:index="111" nillable="true" ma:displayName="Publish Target" ma:default="OfficeOnlineVNext" ma:internalName="PublishTargets" ma:readOnly="false">
-      <xsd:simpleType>
-        <xsd:restriction base="dms:Unknown"/>
-      </xsd:simpleType>
-    </xsd:element>
-    <xsd:element name="RecommendationsModifier" ma:index="112" nillable="true" ma:displayName="Recommendations Modifier" ma:default="" ma:internalName="RecommendationsModifier" ma:readOnly="false">
-      <xsd:simpleType>
-        <xsd:restriction base="dms:Number"/>
-      </xsd:simpleType>
-    </xsd:element>
-    <xsd:element name="ArtSampleDocs" ma:index="113" nillable="true" ma:displayName="Sample Docs" ma:default="" ma:hidden="true" ma:internalName="ArtSampleDocs" ma:readOnly="false">
-      <xsd:simpleType>
-        <xsd:restriction base="dms:Text"/>
-      </xsd:simpleType>
-    </xsd:element>
-    <xsd:element name="ScenarioTagsTaxHTField0" ma:index="115" nillable="true" ma:taxonomy="true" ma:internalName="ScenarioTagsTaxHTField0" ma:taxonomyFieldName="ScenarioTags" ma:displayName="Scenarios" ma:readOnly="false" ma:default="" ma:fieldId="{93aef74d-6c78-4815-8310-51477dceeccc}" ma:taxonomyMulti="true" ma:sspId="8f79753a-75d3-41f5-8ca3-40b843941b4f" ma:termSetId="4b7d5f16-e2f2-4fc0-bab3-6e8b931e57d6" ma:anchorId="00000000-0000-0000-0000-000000000000" ma:open="false" ma:isKeyword="false">
-      <xsd:complexType>
-        <xsd:sequence>
-          <xsd:element ref="pc:Terms" minOccurs="0" maxOccurs="1"/>
-        </xsd:sequence>
-      </xsd:complexType>
-    </xsd:element>
-    <xsd:element name="ShowIn" ma:index="117" nillable="true" ma:displayName="Show In" ma:default="Show everywhere" ma:internalName="ShowIn" ma:readOnly="false">
-      <xsd:simpleType>
-        <xsd:restriction base="dms:Choice">
-          <xsd:enumeration value="Hide on web"/>
-          <xsd:enumeration value="On Web no search"/>
-          <xsd:enumeration value="Show everywhere"/>
-          <xsd:enumeration value="Special use only"/>
-        </xsd:restriction>
-      </xsd:simpleType>
-    </xsd:element>
-    <xsd:element name="SourceTitle" ma:index="118" nillable="true" ma:displayName="Source Title" ma:default="" ma:indexed="true" ma:internalName="SourceTitle" ma:readOnly="false">
-      <xsd:simpleType>
-        <xsd:restriction base="dms:Text"/>
-      </xsd:simpleType>
-    </xsd:element>
-    <xsd:element name="CSXSubmissionDate" ma:index="119" nillable="true" ma:displayName="Submission Date" ma:default="" ma:internalName="CSXSubmissionDate" ma:readOnly="false">
-      <xsd:simpleType>
-        <xsd:restriction base="dms:DateTime"/>
-      </xsd:simpleType>
-    </xsd:element>
-    <xsd:element name="SubmitterId" ma:index="120" nillable="true" ma:displayName="Submitter ID" ma:default="" ma:internalName="SubmitterId" ma:readOnly="false">
-      <xsd:simpleType>
-        <xsd:restriction base="dms:Text"/>
-      </xsd:simpleType>
-    </xsd:element>
-    <xsd:element name="TaxCatchAll" ma:index="121" nillable="true" ma:displayName="Taxonomy Catch All Column" ma:hidden="true" ma:list="{530f955b-6704-4601-bd83-f81d87f1e440}" ma:internalName="TaxCatchAll" ma:showField="CatchAllData" ma:web="4873beb7-5857-4685-be1f-d57550cc96cc">
-      <xsd:complexType>
-        <xsd:complexContent>
-          <xsd:extension base="dms:MultiChoiceLookup">
-            <xsd:sequence>
-              <xsd:element name="Value" type="dms:Lookup" maxOccurs="unbounded" minOccurs="0" nillable="true"/>
-            </xsd:sequence>
-          </xsd:extension>
-        </xsd:complexContent>
-      </xsd:complexType>
-    </xsd:element>
-    <xsd:element name="TaxCatchAllLabel" ma:index="122" nillable="true" ma:displayName="Taxonomy Catch All Column1" ma:hidden="true" ma:list="{530f955b-6704-4601-bd83-f81d87f1e440}" ma:internalName="TaxCatchAllLabel" ma:readOnly="true" ma:showField="CatchAllDataLabel" ma:web="4873beb7-5857-4685-be1f-d57550cc96cc">
-      <xsd:complexType>
-        <xsd:complexContent>
-          <xsd:extension base="dms:MultiChoiceLookup">
-            <xsd:sequence>
-              <xsd:element name="Value" type="dms:Lookup" maxOccurs="unbounded" minOccurs="0" nillable="true"/>
-            </xsd:sequence>
-          </xsd:extension>
-        </xsd:complexContent>
-      </xsd:complexType>
-    </xsd:element>
-    <xsd:element name="TemplateStatus" ma:index="123" nillable="true" ma:displayName="Template Status" ma:default="" ma:internalName="TemplateStatus">
-      <xsd:simpleType>
-        <xsd:restriction base="dms:Unknown"/>
-      </xsd:simpleType>
-    </xsd:element>
-    <xsd:element name="TemplateTemplateType" ma:index="124" nillable="true" ma:displayName="Template Type" ma:default="" ma:internalName="TemplateTemplateType">
-      <xsd:simpleType>
-        <xsd:restriction base="dms:Unknown"/>
-      </xsd:simpleType>
-    </xsd:element>
-    <xsd:element name="ThumbnailAssetId" ma:index="125" nillable="true" ma:displayName="Thumbnail Image Asset" ma:default="" ma:internalName="ThumbnailAssetId" ma:readOnly="false">
-      <xsd:simpleType>
-        <xsd:restriction base="dms:Text"/>
-      </xsd:simpleType>
-    </xsd:element>
-    <xsd:element name="TimesCloned" ma:index="126" nillable="true" ma:displayName="Times Cloned" ma:default="" ma:internalName="TimesCloned" ma:readOnly="false">
-      <xsd:simpleType>
-        <xsd:restriction base="dms:Number"/>
-      </xsd:simpleType>
-    </xsd:element>
-    <xsd:element name="TrustLevel" ma:index="128" nillable="true" ma:displayName="Trust Level" ma:default="1 Microsoft Managed Content" ma:internalName="TrustLevel" ma:readOnly="false">
-      <xsd:simpleType>
-        <xsd:restriction base="dms:Unknown"/>
-      </xsd:simpleType>
-    </xsd:element>
-    <xsd:element name="UALocComments" ma:index="129" nillable="true" ma:displayName="UA Loc Comments" ma:default="" ma:internalName="UALocComments" ma:readOnly="false">
-      <xsd:simpleType>
-        <xsd:restriction base="dms:Note"/>
-      </xsd:simpleType>
-    </xsd:element>
-    <xsd:element name="UALocRecommendation" ma:index="130" nillable="true" ma:displayName="UA Loc Recommendation" ma:default="Localize" ma:internalName="UALocRecommendation" ma:readOnly="false">
-      <xsd:simpleType>
-        <xsd:restriction base="dms:Choice">
-          <xsd:enumeration value="Localize"/>
-          <xsd:enumeration value="Never Localize"/>
-          <xsd:enumeration value="Priority Localize"/>
-        </xsd:restriction>
-      </xsd:simpleType>
-    </xsd:element>
-    <xsd:element name="UANotes" ma:index="131" nillable="true" ma:displayName="UA Notes" ma:default="" ma:internalName="UANotes" ma:readOnly="false">
-      <xsd:simpleType>
-        <xsd:restriction base="dms:Note"/>
-      </xsd:simpleType>
-    </xsd:element>
-    <xsd:element name="TPAppVersion" ma:index="132" nillable="true" ma:displayName="Version" ma:default="" ma:internalName="TPAppVersion">
-      <xsd:simpleType>
-        <xsd:restriction base="dms:Text"/>
-      </xsd:simpleType>
-    </xsd:element>
-    <xsd:element name="VoteCount" ma:index="133" nillable="true" ma:displayName="Vote Count" ma:default="" ma:internalName="VoteCount" ma:readOnly="false">
-      <xsd:simpleType>
-        <xsd:restriction base="dms:Unknown"/>
-      </xsd:simpleType>
-    </xsd:element>
-  </xsd:schema>
-  <xsd:schema xmlns="http://schemas.openxmlformats.org/package/2006/metadata/core-properties" xmlns:xsd="http://www.w3.org/2001/XMLSchema" xmlns:xsi="http://www.w3.org/2001/XMLSchema-instance" xmlns:dc="http://purl.org/dc/elements/1.1/" xmlns:dcterms="http://purl.org/dc/terms/" xmlns:odoc="http://schemas.microsoft.com/internal/obd" targetNamespace="http://schemas.openxmlformats.org/package/2006/metadata/core-properties" elementFormDefault="qualified" attributeFormDefault="unqualified" blockDefault="#all">
-    <xsd:import namespace="http://purl.org/dc/elements/1.1/" schemaLocation="http://dublincore.org/schemas/xmls/qdc/2003/04/02/dc.xsd"/>
-    <xsd:import namespace="http://purl.org/dc/terms/" schemaLocation="http://dublincore.org/schemas/xmls/qdc/2003/04/02/dcterms.xsd"/>
-    <xsd:element name="coreProperties" type="CT_coreProperties"/>
-    <xsd:complexType name="CT_coreProperties">
-      <xsd:all>
-        <xsd:element ref="dc:creator" minOccurs="0" maxOccurs="1"/>
-        <xsd:element ref="dcterms:created" minOccurs="0" maxOccurs="1"/>
-        <xsd:element ref="dc:identifier" minOccurs="0" maxOccurs="1"/>
-        <xsd:element name="contentType" minOccurs="0" maxOccurs="1" type="xsd:string" ma:index="22" ma:displayName="Content Type"/>
-        <xsd:element ref="dc:title" minOccurs="0" maxOccurs="1" ma:index="127" ma:displayName="Title"/>
-        <xsd:element ref="dc:subject" minOccurs="0" maxOccurs="1"/>
-        <xsd:element ref="dc:description" minOccurs="0" maxOccurs="1"/>
-        <xsd:element name="keywords" minOccurs="0" maxOccurs="1" type="xsd:string"/>
-        <xsd:element ref="dc:language" minOccurs="0" maxOccurs="1"/>
-        <xsd:element name="category" minOccurs="0" maxOccurs="1" type="xsd:string"/>
-        <xsd:element name="version" minOccurs="0" maxOccurs="1" type="xsd:string"/>
-        <xsd:element name="revision" minOccurs="0" maxOccurs="1" type="xsd:string">
-          <xsd:annotation>
-            <xsd:documentation>
-                        This value indicates the number of saves or revisions. The application is responsible for updating this value after each revision.
-                    </xsd:documentation>
-          </xsd:annotation>
-        </xsd:element>
-        <xsd:element name="lastModifiedBy" minOccurs="0" maxOccurs="1" type="xsd:string"/>
-        <xsd:element ref="dcterms:modified" minOccurs="0" maxOccurs="1"/>
-        <xsd:element name="contentStatus" minOccurs="0" maxOccurs="1" type="xsd:string"/>
-      </xsd:all>
-    </xsd:complexType>
-  </xsd:schema>
-  <xs:schema xmlns:pc="http://schemas.microsoft.com/office/infopath/2007/PartnerControls" xmlns:xs="http://www.w3.org/2001/XMLSchema" targetNamespace="http://schemas.microsoft.com/office/infopath/2007/PartnerControls" elementFormDefault="qualified" attributeFormDefault="unqualified">
-    <xs:element name="Person">
-      <xs:complexType>
-        <xs:sequence>
-          <xs:element ref="pc:DisplayName" minOccurs="0"/>
-          <xs:element ref="pc:AccountId" minOccurs="0"/>
-          <xs:element ref="pc:AccountType" minOccurs="0"/>
-        </xs:sequence>
-      </xs:complexType>
-    </xs:element>
-    <xs:element name="DisplayName" type="xs:string"/>
-    <xs:element name="AccountId" type="xs:string"/>
-    <xs:element name="AccountType" type="xs:string"/>
-    <xs:element name="BDCAssociatedEntity">
-      <xs:complexType>
-        <xs:sequence>
-          <xs:element ref="pc:BDCEntity" minOccurs="0" maxOccurs="unbounded"/>
-        </xs:sequence>
-        <xs:attribute ref="pc:EntityNamespace"/>
-        <xs:attribute ref="pc:EntityName"/>
-        <xs:attribute ref="pc:SystemInstanceName"/>
-        <xs:attribute ref="pc:AssociationName"/>
-      </xs:complexType>
-    </xs:element>
-    <xs:attribute name="EntityNamespace" type="xs:string"/>
-    <xs:attribute name="EntityName" type="xs:string"/>
-    <xs:attribute name="SystemInstanceName" type="xs:string"/>
-    <xs:attribute name="AssociationName" type="xs:string"/>
-    <xs:element name="BDCEntity">
-      <xs:complexType>
-        <xs:sequence>
-          <xs:element ref="pc:EntityDisplayName" minOccurs="0"/>
-          <xs:element ref="pc:EntityInstanceReference" minOccurs="0"/>
-          <xs:element ref="pc:EntityId1" minOccurs="0"/>
-          <xs:element ref="pc:EntityId2" minOccurs="0"/>
-          <xs:element ref="pc:EntityId3" minOccurs="0"/>
-          <xs:element ref="pc:EntityId4" minOccurs="0"/>
-          <xs:element ref="pc:EntityId5" minOccurs="0"/>
-        </xs:sequence>
-      </xs:complexType>
-    </xs:element>
-    <xs:element name="EntityDisplayName" type="xs:string"/>
-    <xs:element name="EntityInstanceReference" type="xs:string"/>
-    <xs:element name="EntityId1" type="xs:string"/>
-    <xs:element name="EntityId2" type="xs:string"/>
-    <xs:element name="EntityId3" type="xs:string"/>
-    <xs:element name="EntityId4" type="xs:string"/>
-    <xs:element name="EntityId5" type="xs:string"/>
-    <xs:element name="Terms">
-      <xs:complexType>
-        <xs:sequence>
-          <xs:element ref="pc:TermInfo" minOccurs="0" maxOccurs="unbounded"/>
-        </xs:sequence>
-      </xs:complexType>
-    </xs:element>
-    <xs:element name="TermInfo">
-      <xs:complexType>
-        <xs:sequence>
-          <xs:element ref="pc:TermName" minOccurs="0"/>
-          <xs:element ref="pc:TermId" minOccurs="0"/>
-        </xs:sequence>
-      </xs:complexType>
-    </xs:element>
-    <xs:element name="TermName" type="xs:string"/>
-    <xs:element name="TermId" type="xs:string"/>
-  </xs:schema>
-</ct:contentTypeSchema>
-</file>
-
 <file path=customXml/item3.xml><?xml version="1.0" encoding="utf-8"?>
 <?mso-contentType ?>
 <FormTemplates xmlns="http://schemas.microsoft.com/sharepoint/v3/contenttype/forms">
@@ -10405,22 +11652,6 @@
 </file>
 
 <file path=customXml/itemProps1.xml><?xml version="1.0" encoding="utf-8"?>
-<ds:datastoreItem xmlns:ds="http://schemas.openxmlformats.org/officeDocument/2006/customXml" ds:itemID="{60C67BEE-D13F-4BD2-98A5-34D8A0977F68}">
-  <ds:schemaRefs>
-    <ds:schemaRef ds:uri="http://purl.org/dc/terms/"/>
-    <ds:schemaRef ds:uri="http://schemas.openxmlformats.org/package/2006/metadata/core-properties"/>
-    <ds:schemaRef ds:uri="4873beb7-5857-4685-be1f-d57550cc96cc"/>
-    <ds:schemaRef ds:uri="http://schemas.microsoft.com/office/2006/documentManagement/types"/>
-    <ds:schemaRef ds:uri="http://schemas.microsoft.com/office/infopath/2007/PartnerControls"/>
-    <ds:schemaRef ds:uri="http://purl.org/dc/elements/1.1/"/>
-    <ds:schemaRef ds:uri="http://schemas.microsoft.com/office/2006/metadata/properties"/>
-    <ds:schemaRef ds:uri="http://www.w3.org/XML/1998/namespace"/>
-    <ds:schemaRef ds:uri="http://purl.org/dc/dcmitype/"/>
-  </ds:schemaRefs>
-</ds:datastoreItem>
-</file>
-
-<file path=customXml/itemProps2.xml><?xml version="1.0" encoding="utf-8"?>
 <ds:datastoreItem xmlns:ds="http://schemas.openxmlformats.org/officeDocument/2006/customXml" ds:itemID="{A09BF4D4-EF60-4196-BFC3-9462D607978C}">
   <ds:schemaRefs>
     <ds:schemaRef ds:uri="http://schemas.microsoft.com/office/2006/metadata/contentType"/>
@@ -10438,6 +11669,22 @@
 </ds:datastoreItem>
 </file>
 
+<file path=customXml/itemProps2.xml><?xml version="1.0" encoding="utf-8"?>
+<ds:datastoreItem xmlns:ds="http://schemas.openxmlformats.org/officeDocument/2006/customXml" ds:itemID="{60C67BEE-D13F-4BD2-98A5-34D8A0977F68}">
+  <ds:schemaRefs>
+    <ds:schemaRef ds:uri="http://purl.org/dc/terms/"/>
+    <ds:schemaRef ds:uri="http://schemas.openxmlformats.org/package/2006/metadata/core-properties"/>
+    <ds:schemaRef ds:uri="4873beb7-5857-4685-be1f-d57550cc96cc"/>
+    <ds:schemaRef ds:uri="http://schemas.microsoft.com/office/2006/documentManagement/types"/>
+    <ds:schemaRef ds:uri="http://schemas.microsoft.com/office/infopath/2007/PartnerControls"/>
+    <ds:schemaRef ds:uri="http://purl.org/dc/elements/1.1/"/>
+    <ds:schemaRef ds:uri="http://schemas.microsoft.com/office/2006/metadata/properties"/>
+    <ds:schemaRef ds:uri="http://www.w3.org/XML/1998/namespace"/>
+    <ds:schemaRef ds:uri="http://purl.org/dc/dcmitype/"/>
+  </ds:schemaRefs>
+</ds:datastoreItem>
+</file>
+
 <file path=customXml/itemProps3.xml><?xml version="1.0" encoding="utf-8"?>
 <ds:datastoreItem xmlns:ds="http://schemas.openxmlformats.org/officeDocument/2006/customXml" ds:itemID="{3836F65B-1B07-41EE-A0E8-BC6EF3855225}">
   <ds:schemaRefs>

--- a/Master.pptx
+++ b/Master.pptx
@@ -5,10 +5,10 @@
     <p:sldMasterId id="2147483660" r:id="rId4"/>
   </p:sldMasterIdLst>
   <p:notesMasterIdLst>
-    <p:notesMasterId r:id="rId36"/>
+    <p:notesMasterId r:id="rId37"/>
   </p:notesMasterIdLst>
   <p:handoutMasterIdLst>
-    <p:handoutMasterId r:id="rId37"/>
+    <p:handoutMasterId r:id="rId38"/>
   </p:handoutMasterIdLst>
   <p:sldIdLst>
     <p:sldId id="257" r:id="rId5"/>
@@ -24,24 +24,25 @@
     <p:sldId id="279" r:id="rId15"/>
     <p:sldId id="280" r:id="rId16"/>
     <p:sldId id="281" r:id="rId17"/>
-    <p:sldId id="282" r:id="rId18"/>
-    <p:sldId id="283" r:id="rId19"/>
-    <p:sldId id="284" r:id="rId20"/>
-    <p:sldId id="285" r:id="rId21"/>
-    <p:sldId id="286" r:id="rId22"/>
-    <p:sldId id="287" r:id="rId23"/>
-    <p:sldId id="288" r:id="rId24"/>
-    <p:sldId id="290" r:id="rId25"/>
-    <p:sldId id="291" r:id="rId26"/>
-    <p:sldId id="292" r:id="rId27"/>
-    <p:sldId id="293" r:id="rId28"/>
-    <p:sldId id="294" r:id="rId29"/>
-    <p:sldId id="295" r:id="rId30"/>
-    <p:sldId id="296" r:id="rId31"/>
-    <p:sldId id="297" r:id="rId32"/>
-    <p:sldId id="298" r:id="rId33"/>
-    <p:sldId id="299" r:id="rId34"/>
-    <p:sldId id="300" r:id="rId35"/>
+    <p:sldId id="283" r:id="rId18"/>
+    <p:sldId id="284" r:id="rId19"/>
+    <p:sldId id="285" r:id="rId20"/>
+    <p:sldId id="286" r:id="rId21"/>
+    <p:sldId id="287" r:id="rId22"/>
+    <p:sldId id="288" r:id="rId23"/>
+    <p:sldId id="290" r:id="rId24"/>
+    <p:sldId id="291" r:id="rId25"/>
+    <p:sldId id="292" r:id="rId26"/>
+    <p:sldId id="293" r:id="rId27"/>
+    <p:sldId id="294" r:id="rId28"/>
+    <p:sldId id="296" r:id="rId29"/>
+    <p:sldId id="299" r:id="rId30"/>
+    <p:sldId id="297" r:id="rId31"/>
+    <p:sldId id="298" r:id="rId32"/>
+    <p:sldId id="300" r:id="rId33"/>
+    <p:sldId id="301" r:id="rId34"/>
+    <p:sldId id="302" r:id="rId35"/>
+    <p:sldId id="303" r:id="rId36"/>
   </p:sldIdLst>
   <p:sldSz cx="12188825" cy="6858000"/>
   <p:notesSz cx="6858000" cy="9144000"/>
@@ -259,7 +260,7 @@
           <a:p>
             <a:fld id="{FE5B4EDC-59C0-49C7-8ADA-5A781B329E02}" type="datetimeFigureOut">
               <a:rPr lang="en-US"/>
-              <a:t>1/30/2018</a:t>
+              <a:t>1/31/2018</a:t>
             </a:fld>
             <a:endParaRPr/>
           </a:p>
@@ -424,7 +425,7 @@
           <a:p>
             <a:fld id="{F2D8D46A-B586-417D-BFBD-8C8FE0AAF762}" type="datetimeFigureOut">
               <a:rPr lang="en-US"/>
-              <a:t>1/30/2018</a:t>
+              <a:t>1/31/2018</a:t>
             </a:fld>
             <a:endParaRPr/>
           </a:p>
@@ -1442,7 +1443,7 @@
           <a:p>
             <a:fld id="{F0DFD029-FB74-4578-B929-F66AA97659CA}" type="datetimeFigureOut">
               <a:rPr lang="en-US"/>
-              <a:t>1/30/2018</a:t>
+              <a:t>1/31/2018</a:t>
             </a:fld>
             <a:endParaRPr/>
           </a:p>
@@ -1640,7 +1641,7 @@
           <a:p>
             <a:fld id="{F0DFD029-FB74-4578-B929-F66AA97659CA}" type="datetimeFigureOut">
               <a:rPr lang="en-US"/>
-              <a:t>1/30/2018</a:t>
+              <a:t>1/31/2018</a:t>
             </a:fld>
             <a:endParaRPr/>
           </a:p>
@@ -1848,7 +1849,7 @@
           <a:p>
             <a:fld id="{F0DFD029-FB74-4578-B929-F66AA97659CA}" type="datetimeFigureOut">
               <a:rPr lang="en-US"/>
-              <a:t>1/30/2018</a:t>
+              <a:t>1/31/2018</a:t>
             </a:fld>
             <a:endParaRPr/>
           </a:p>
@@ -2046,7 +2047,7 @@
           <a:p>
             <a:fld id="{F0DFD029-FB74-4578-B929-F66AA97659CA}" type="datetimeFigureOut">
               <a:rPr lang="en-US"/>
-              <a:t>1/30/2018</a:t>
+              <a:t>1/31/2018</a:t>
             </a:fld>
             <a:endParaRPr/>
           </a:p>
@@ -2478,7 +2479,7 @@
           <a:p>
             <a:fld id="{F0DFD029-FB74-4578-B929-F66AA97659CA}" type="datetimeFigureOut">
               <a:rPr lang="en-US"/>
-              <a:t>1/30/2018</a:t>
+              <a:t>1/31/2018</a:t>
             </a:fld>
             <a:endParaRPr/>
           </a:p>
@@ -2782,7 +2783,7 @@
           <a:p>
             <a:fld id="{F0DFD029-FB74-4578-B929-F66AA97659CA}" type="datetimeFigureOut">
               <a:rPr lang="en-US"/>
-              <a:t>1/30/2018</a:t>
+              <a:t>1/31/2018</a:t>
             </a:fld>
             <a:endParaRPr/>
           </a:p>
@@ -3238,7 +3239,7 @@
           <a:p>
             <a:fld id="{F0DFD029-FB74-4578-B929-F66AA97659CA}" type="datetimeFigureOut">
               <a:rPr lang="en-US"/>
-              <a:t>1/30/2018</a:t>
+              <a:t>1/31/2018</a:t>
             </a:fld>
             <a:endParaRPr/>
           </a:p>
@@ -3368,7 +3369,7 @@
           <a:p>
             <a:fld id="{F0DFD029-FB74-4578-B929-F66AA97659CA}" type="datetimeFigureOut">
               <a:rPr lang="en-US"/>
-              <a:t>1/30/2018</a:t>
+              <a:t>1/31/2018</a:t>
             </a:fld>
             <a:endParaRPr/>
           </a:p>
@@ -3475,7 +3476,7 @@
           <a:p>
             <a:fld id="{F0DFD029-FB74-4578-B929-F66AA97659CA}" type="datetimeFigureOut">
               <a:rPr lang="en-US"/>
-              <a:t>1/30/2018</a:t>
+              <a:t>1/31/2018</a:t>
             </a:fld>
             <a:endParaRPr/>
           </a:p>
@@ -3774,7 +3775,7 @@
           <a:p>
             <a:fld id="{F0DFD029-FB74-4578-B929-F66AA97659CA}" type="datetimeFigureOut">
               <a:rPr lang="en-US"/>
-              <a:t>1/30/2018</a:t>
+              <a:t>1/31/2018</a:t>
             </a:fld>
             <a:endParaRPr/>
           </a:p>
@@ -4062,7 +4063,7 @@
           <a:p>
             <a:fld id="{F0DFD029-FB74-4578-B929-F66AA97659CA}" type="datetimeFigureOut">
               <a:rPr lang="en-US"/>
-              <a:t>1/30/2018</a:t>
+              <a:t>1/31/2018</a:t>
             </a:fld>
             <a:endParaRPr/>
           </a:p>
@@ -4685,7 +4686,7 @@
             <a:fld id="{F0DFD029-FB74-4578-B929-F66AA97659CA}" type="datetimeFigureOut">
               <a:rPr lang="en-US"/>
               <a:pPr/>
-              <a:t>1/30/2018</a:t>
+              <a:t>1/31/2018</a:t>
             </a:fld>
             <a:endParaRPr/>
           </a:p>
@@ -5182,10 +5183,6 @@
               <a:rPr lang="mk-MK" sz="3300" dirty="0"/>
               <a:t>РЕПУБЛИКА МАКЕДОНИЈА</a:t>
             </a:r>
-            <a:r>
-              <a:rPr lang="mk-MK" sz="3400" dirty="0"/>
-              <a:t/>
-            </a:r>
             <a:br>
               <a:rPr lang="mk-MK" sz="3400" dirty="0"/>
             </a:br>
@@ -5869,10 +5866,6 @@
               <a:rPr lang="mk-MK" dirty="0"/>
               <a:t>Лекарите мора да имаат значајна улога во фазите на планирање, развивање и имплементација на дигиталните решенија</a:t>
             </a:r>
-            <a:r>
-              <a:rPr lang="en-US" dirty="0"/>
-              <a:t/>
-            </a:r>
             <a:br>
               <a:rPr lang="en-US" dirty="0"/>
             </a:br>
@@ -6076,7 +6069,23 @@
           <a:p>
             <a:r>
               <a:rPr lang="mk-MK" dirty="0"/>
-              <a:t>Целни групи </a:t>
+              <a:t>Целн</a:t>
+            </a:r>
+            <a:r>
+              <a:rPr lang="en-US" dirty="0"/>
+              <a:t>a</a:t>
+            </a:r>
+            <a:r>
+              <a:rPr lang="mk-MK" dirty="0"/>
+              <a:t> груп</a:t>
+            </a:r>
+            <a:r>
+              <a:rPr lang="en-US" dirty="0"/>
+              <a:t>a:</a:t>
+            </a:r>
+            <a:r>
+              <a:rPr lang="mk-MK" dirty="0"/>
+              <a:t> Пациенти</a:t>
             </a:r>
             <a:endParaRPr lang="en-US" dirty="0"/>
           </a:p>
@@ -6104,13 +6113,43 @@
           <a:p>
             <a:r>
               <a:rPr lang="mk-MK" dirty="0"/>
-              <a:t>Пациенти	</a:t>
-            </a:r>
-          </a:p>
-          <a:p>
-            <a:r>
-              <a:rPr lang="mk-MK" dirty="0"/>
-              <a:t>Лекари</a:t>
+              <a:t>Болните од хронични опструктивни белодробни заболувања и од дијабетес</a:t>
+            </a:r>
+          </a:p>
+          <a:p>
+            <a:r>
+              <a:rPr lang="mk-MK" dirty="0"/>
+              <a:t>Постари и/или изнемоштени лица</a:t>
+            </a:r>
+          </a:p>
+          <a:p>
+            <a:r>
+              <a:rPr lang="mk-MK" dirty="0"/>
+              <a:t>Потешко се справуваат со новата технологијата и не се во тек со најновите технолошки иновации</a:t>
+            </a:r>
+          </a:p>
+          <a:p>
+            <a:r>
+              <a:rPr lang="mk-MK" dirty="0"/>
+              <a:t>Тешко навигираат низ здравствениот систем</a:t>
+            </a:r>
+          </a:p>
+          <a:p>
+            <a:r>
+              <a:rPr lang="mk-MK" dirty="0"/>
+              <a:t>Многу од нив не ги добиваат неопходните насоки и совети во текот на нивната рехабилитација</a:t>
+            </a:r>
+          </a:p>
+          <a:p>
+            <a:r>
+              <a:rPr lang="mk-MK" dirty="0"/>
+              <a:t>На домашно лекување со често посетување на болница</a:t>
+            </a:r>
+          </a:p>
+          <a:p>
+            <a:r>
+              <a:rPr lang="mk-MK" dirty="0"/>
+              <a:t>Бројот на овие пациенти постојано се зголемува</a:t>
             </a:r>
           </a:p>
           <a:p>
@@ -6121,7 +6160,7 @@
     </p:spTree>
     <p:extLst>
       <p:ext uri="{BB962C8B-B14F-4D97-AF65-F5344CB8AC3E}">
-        <p14:creationId xmlns:p14="http://schemas.microsoft.com/office/powerpoint/2010/main" val="3470583110"/>
+        <p14:creationId xmlns:p14="http://schemas.microsoft.com/office/powerpoint/2010/main" val="1528015667"/>
       </p:ext>
     </p:extLst>
   </p:cSld>
@@ -6182,7 +6221,23 @@
           <a:p>
             <a:r>
               <a:rPr lang="mk-MK" dirty="0"/>
-              <a:t>Пациенти</a:t>
+              <a:t>Целн</a:t>
+            </a:r>
+            <a:r>
+              <a:rPr lang="en-US" dirty="0"/>
+              <a:t>a</a:t>
+            </a:r>
+            <a:r>
+              <a:rPr lang="mk-MK" dirty="0"/>
+              <a:t> груп</a:t>
+            </a:r>
+            <a:r>
+              <a:rPr lang="en-US" dirty="0"/>
+              <a:t>a:</a:t>
+            </a:r>
+            <a:r>
+              <a:rPr lang="mk-MK" dirty="0"/>
+              <a:t> Пациенти</a:t>
             </a:r>
             <a:endParaRPr lang="en-US" dirty="0"/>
           </a:p>
@@ -6210,46 +6265,27 @@
           <a:p>
             <a:r>
               <a:rPr lang="mk-MK" dirty="0"/>
-              <a:t>Болните од хронични опструктивни белодробни заболувања и од дијабетес</a:t>
-            </a:r>
-          </a:p>
-          <a:p>
-            <a:r>
-              <a:rPr lang="mk-MK" dirty="0"/>
-              <a:t>Постари и/или изнемоштени лица</a:t>
-            </a:r>
-          </a:p>
-          <a:p>
-            <a:r>
-              <a:rPr lang="mk-MK" dirty="0"/>
-              <a:t>Потешко се справуваат со новата технологијата и не се во тек со најновите технолошки иновации</a:t>
-            </a:r>
-          </a:p>
-          <a:p>
-            <a:r>
-              <a:rPr lang="mk-MK" dirty="0"/>
-              <a:t>Тешко навигираат низ здравствениот систем</a:t>
-            </a:r>
-          </a:p>
-          <a:p>
-            <a:r>
-              <a:rPr lang="mk-MK" dirty="0"/>
-              <a:t>Многу од нив не ги добиваат неопходните насоки и совети во текот на нивната рехабилитација</a:t>
-            </a:r>
-          </a:p>
-          <a:p>
-            <a:r>
-              <a:rPr lang="mk-MK" dirty="0"/>
-              <a:t>На домашно лекување со често посетување на болница</a:t>
-            </a:r>
-          </a:p>
-          <a:p>
-            <a:r>
-              <a:rPr lang="mk-MK" dirty="0"/>
-              <a:t>Бројот на овие пациенти постојано се зголемува</a:t>
-            </a:r>
-          </a:p>
-          <a:p>
+              <a:t>Здравствениот систем троши два пати повеќе ресурси за пациентите болни од хронични опструктивни белодробни заболувања и од дијабетес, отколку за било која друга група на пациенти</a:t>
+            </a:r>
+          </a:p>
+          <a:p>
+            <a:r>
+              <a:rPr lang="mk-MK" dirty="0"/>
+              <a:t>Квалитетот на живот кај овие пациенти е на многу ниско ниво</a:t>
+            </a:r>
+            <a:endParaRPr lang="en-US" dirty="0"/>
+          </a:p>
+          <a:p>
+            <a:r>
+              <a:rPr lang="mk-MK" dirty="0"/>
+              <a:t>Мора секојдневно да прават вежби со кои ќе го олеснат нивното дишење</a:t>
+            </a:r>
+          </a:p>
+          <a:p>
+            <a:r>
+              <a:rPr lang="mk-MK" dirty="0"/>
+              <a:t>Овие болести се неизлечиви, па така пациентите мора да се подготват за живот со хронична болест</a:t>
+            </a:r>
             <a:endParaRPr lang="en-US" dirty="0"/>
           </a:p>
         </p:txBody>
@@ -6257,7 +6293,7 @@
     </p:spTree>
     <p:extLst>
       <p:ext uri="{BB962C8B-B14F-4D97-AF65-F5344CB8AC3E}">
-        <p14:creationId xmlns:p14="http://schemas.microsoft.com/office/powerpoint/2010/main" val="1528015667"/>
+        <p14:creationId xmlns:p14="http://schemas.microsoft.com/office/powerpoint/2010/main" val="2410171979"/>
       </p:ext>
     </p:extLst>
   </p:cSld>
@@ -6318,7 +6354,23 @@
           <a:p>
             <a:r>
               <a:rPr lang="mk-MK" dirty="0"/>
-              <a:t>Пациенти</a:t>
+              <a:t>Целн</a:t>
+            </a:r>
+            <a:r>
+              <a:rPr lang="en-US" dirty="0"/>
+              <a:t>a</a:t>
+            </a:r>
+            <a:r>
+              <a:rPr lang="mk-MK" dirty="0"/>
+              <a:t> груп</a:t>
+            </a:r>
+            <a:r>
+              <a:rPr lang="en-US" dirty="0"/>
+              <a:t>a:</a:t>
+            </a:r>
+            <a:r>
+              <a:rPr lang="mk-MK" dirty="0"/>
+              <a:t> Лекари</a:t>
             </a:r>
             <a:endParaRPr lang="en-US" dirty="0"/>
           </a:p>
@@ -6341,31 +6393,69 @@
           </a:xfrm>
         </p:spPr>
         <p:txBody>
-          <a:bodyPr/>
+          <a:bodyPr>
+            <a:normAutofit lnSpcReduction="10000"/>
+          </a:bodyPr>
           <a:lstStyle/>
           <a:p>
             <a:r>
               <a:rPr lang="mk-MK" dirty="0"/>
-              <a:t>Здравствениот систем троши два пати повеќе ресурси за пациентите болни од хронични опструктивни белодробни заболувања и од дијабетес, отколку за било која друга група на пациенти</a:t>
-            </a:r>
-          </a:p>
-          <a:p>
-            <a:r>
-              <a:rPr lang="mk-MK" dirty="0"/>
-              <a:t>Квалитетот на живот кај овие пациенти е на многу ниско ниво</a:t>
+              <a:t>Имаат разбирање и се отворени кон тоа да се имплементираат нови знаења и нови технологии во секојдневната грижа за нивните пациенти за да се осигура оптимален третман</a:t>
+            </a:r>
+          </a:p>
+          <a:p>
+            <a:r>
+              <a:rPr lang="mk-MK" dirty="0"/>
+              <a:t>Идентификувани се 4 главни теми кои блијаат на односот на лекарите кон имплементација на нова технологија или апликација</a:t>
+            </a:r>
+          </a:p>
+          <a:p>
+            <a:pPr marL="819096" lvl="1" indent="-514350">
+              <a:buFont typeface="+mj-lt"/>
+              <a:buAutoNum type="arabicPeriod"/>
+            </a:pPr>
+            <a:r>
+              <a:rPr lang="mk-MK" dirty="0"/>
+              <a:t>Значајни и квалитетни подобрувања</a:t>
             </a:r>
             <a:endParaRPr lang="en-US" dirty="0"/>
           </a:p>
           <a:p>
-            <a:r>
-              <a:rPr lang="mk-MK" dirty="0"/>
-              <a:t>Мора секојдневно да прават вежби со кои ќе го олеснат нивното дишење</a:t>
-            </a:r>
-          </a:p>
-          <a:p>
-            <a:r>
-              <a:rPr lang="mk-MK" dirty="0"/>
-              <a:t>Овие болести се неизлечиви, па така пациентите мора да се подготват за живот со хронична болест</a:t>
+            <a:pPr marL="819096" lvl="1" indent="-514350">
+              <a:buFont typeface="+mj-lt"/>
+              <a:buAutoNum type="arabicPeriod"/>
+            </a:pPr>
+            <a:r>
+              <a:rPr lang="mk-MK" dirty="0"/>
+              <a:t>Поделба на одговорноста</a:t>
+            </a:r>
+            <a:endParaRPr lang="en-US" dirty="0"/>
+          </a:p>
+          <a:p>
+            <a:pPr marL="819096" lvl="1" indent="-514350">
+              <a:buFont typeface="+mj-lt"/>
+              <a:buAutoNum type="arabicPeriod"/>
+            </a:pPr>
+            <a:r>
+              <a:rPr lang="mk-MK" dirty="0"/>
+              <a:t>Неадекватна имплементација</a:t>
+            </a:r>
+            <a:endParaRPr lang="en-US" dirty="0"/>
+          </a:p>
+          <a:p>
+            <a:pPr marL="819096" lvl="1" indent="-514350">
+              <a:buFont typeface="+mj-lt"/>
+              <a:buAutoNum type="arabicPeriod"/>
+            </a:pPr>
+            <a:r>
+              <a:rPr lang="mk-MK" dirty="0"/>
+              <a:t>Софтверски проблеми и човечкиот фактор</a:t>
+            </a:r>
+          </a:p>
+          <a:p>
+            <a:r>
+              <a:rPr lang="mk-MK" dirty="0"/>
+              <a:t>Сакаат новитетите кои се носат во медицината да бидат значајни и директно да го подобруваат квалитетот на нивната работа</a:t>
             </a:r>
             <a:endParaRPr lang="en-US" dirty="0"/>
           </a:p>
@@ -6374,7 +6464,7 @@
     </p:spTree>
     <p:extLst>
       <p:ext uri="{BB962C8B-B14F-4D97-AF65-F5344CB8AC3E}">
-        <p14:creationId xmlns:p14="http://schemas.microsoft.com/office/powerpoint/2010/main" val="2410171979"/>
+        <p14:creationId xmlns:p14="http://schemas.microsoft.com/office/powerpoint/2010/main" val="160627673"/>
       </p:ext>
     </p:extLst>
   </p:cSld>
@@ -6435,7 +6525,23 @@
           <a:p>
             <a:r>
               <a:rPr lang="mk-MK" dirty="0"/>
-              <a:t>Лекари</a:t>
+              <a:t>Целн</a:t>
+            </a:r>
+            <a:r>
+              <a:rPr lang="en-US" dirty="0"/>
+              <a:t>a</a:t>
+            </a:r>
+            <a:r>
+              <a:rPr lang="mk-MK" dirty="0"/>
+              <a:t> груп</a:t>
+            </a:r>
+            <a:r>
+              <a:rPr lang="en-US" dirty="0"/>
+              <a:t>a:</a:t>
+            </a:r>
+            <a:r>
+              <a:rPr lang="mk-MK" dirty="0"/>
+              <a:t> Лекари	</a:t>
             </a:r>
             <a:endParaRPr lang="en-US" dirty="0"/>
           </a:p>
@@ -6458,69 +6564,30 @@
           </a:xfrm>
         </p:spPr>
         <p:txBody>
-          <a:bodyPr>
-            <a:normAutofit lnSpcReduction="10000"/>
-          </a:bodyPr>
+          <a:bodyPr/>
           <a:lstStyle/>
           <a:p>
             <a:r>
               <a:rPr lang="mk-MK" dirty="0"/>
-              <a:t>Имаат разбирање и се отворени кон тоа да се имплементираат нови знаења и нови технологии во секојдневната грижа за нивните пациенти за да се осигура оптимален третман</a:t>
-            </a:r>
-          </a:p>
-          <a:p>
-            <a:r>
-              <a:rPr lang="mk-MK" dirty="0"/>
-              <a:t>Идентификувани се 4 главни теми кои блијаат на односот на лекарите кон имплементација на нова технологија или апликација</a:t>
-            </a:r>
-          </a:p>
-          <a:p>
-            <a:pPr marL="819096" lvl="1" indent="-514350">
-              <a:buFont typeface="+mj-lt"/>
-              <a:buAutoNum type="arabicPeriod"/>
-            </a:pPr>
-            <a:r>
-              <a:rPr lang="mk-MK" dirty="0"/>
-              <a:t>Значајни и квалитетни подобрувања</a:t>
-            </a:r>
-            <a:endParaRPr lang="en-US" dirty="0"/>
-          </a:p>
-          <a:p>
-            <a:pPr marL="819096" lvl="1" indent="-514350">
-              <a:buFont typeface="+mj-lt"/>
-              <a:buAutoNum type="arabicPeriod"/>
-            </a:pPr>
-            <a:r>
-              <a:rPr lang="mk-MK" dirty="0"/>
-              <a:t>Поделба на одговорноста</a:t>
-            </a:r>
-            <a:endParaRPr lang="en-US" dirty="0"/>
-          </a:p>
-          <a:p>
-            <a:pPr marL="819096" lvl="1" indent="-514350">
-              <a:buFont typeface="+mj-lt"/>
-              <a:buAutoNum type="arabicPeriod"/>
-            </a:pPr>
-            <a:r>
-              <a:rPr lang="mk-MK" dirty="0"/>
-              <a:t>Неадекватна имплементација</a:t>
-            </a:r>
-            <a:endParaRPr lang="en-US" dirty="0"/>
-          </a:p>
-          <a:p>
-            <a:pPr marL="819096" lvl="1" indent="-514350">
-              <a:buFont typeface="+mj-lt"/>
-              <a:buAutoNum type="arabicPeriod"/>
-            </a:pPr>
-            <a:r>
-              <a:rPr lang="mk-MK" dirty="0"/>
-              <a:t>Софтверски проблеми и човечкиот фактор</a:t>
-            </a:r>
-          </a:p>
-          <a:p>
-            <a:r>
-              <a:rPr lang="mk-MK" dirty="0"/>
-              <a:t>Сакаат новитетите кои се носат во медицината да бидат значајни и директно да го подобруваат квалитетот на нивната работа</a:t>
+              <a:t>Сакаат да сносат одговорност само за третманот кои тие самите го извршиле</a:t>
+            </a:r>
+          </a:p>
+          <a:p>
+            <a:r>
+              <a:rPr lang="mk-MK" dirty="0"/>
+              <a:t>Ажурирањето на податоците треба да биде извршувано често и целосно</a:t>
+            </a:r>
+          </a:p>
+          <a:p>
+            <a:r>
+              <a:rPr lang="mk-MK" dirty="0"/>
+              <a:t>Во голем број на случаеви, софтверот кој бил имплементиран, не бил целосен и немал дефиниран терк на работа, односно лекарите не знаеле како да го користат</a:t>
+            </a:r>
+          </a:p>
+          <a:p>
+            <a:r>
+              <a:rPr lang="mk-MK" dirty="0"/>
+              <a:t>Ова предизвикува еден вид на отпор и фрустрација кај лекарите да го користат новиот софтвер</a:t>
             </a:r>
             <a:endParaRPr lang="en-US" dirty="0"/>
           </a:p>
@@ -6529,7 +6596,7 @@
     </p:spTree>
     <p:extLst>
       <p:ext uri="{BB962C8B-B14F-4D97-AF65-F5344CB8AC3E}">
-        <p14:creationId xmlns:p14="http://schemas.microsoft.com/office/powerpoint/2010/main" val="160627673"/>
+        <p14:creationId xmlns:p14="http://schemas.microsoft.com/office/powerpoint/2010/main" val="140480703"/>
       </p:ext>
     </p:extLst>
   </p:cSld>
@@ -6590,7 +6657,7 @@
           <a:p>
             <a:r>
               <a:rPr lang="mk-MK" dirty="0"/>
-              <a:t>Лекари	</a:t>
+              <a:t>План за напредок	</a:t>
             </a:r>
             <a:endParaRPr lang="en-US" dirty="0"/>
           </a:p>
@@ -6613,31 +6680,35 @@
           </a:xfrm>
         </p:spPr>
         <p:txBody>
-          <a:bodyPr/>
+          <a:bodyPr>
+            <a:normAutofit lnSpcReduction="10000"/>
+          </a:bodyPr>
           <a:lstStyle/>
           <a:p>
             <a:r>
               <a:rPr lang="mk-MK" dirty="0"/>
-              <a:t>Сакаат да сносат одговорност само за третманот кои тие самите го извршиле</a:t>
-            </a:r>
-          </a:p>
-          <a:p>
-            <a:r>
-              <a:rPr lang="mk-MK" dirty="0"/>
-              <a:t>Ажурирањето на податоците треба да биде извршувано често и целосно</a:t>
-            </a:r>
-          </a:p>
-          <a:p>
-            <a:r>
-              <a:rPr lang="mk-MK" dirty="0"/>
-              <a:t>Во голем број на случаеви, софтверот кој бил имплементиран, не бил целосен и немал дефиниран терк на работа, односно лекарите не знаеле како да го користат</a:t>
-            </a:r>
-          </a:p>
-          <a:p>
-            <a:r>
-              <a:rPr lang="mk-MK" dirty="0"/>
-              <a:t>Ова предизвикува еден вид на отпор и фрустрација кај лекарите да го користат новиот софтвер</a:t>
-            </a:r>
+              <a:t>За секој нов пациент кој е дијагностициран со хронични опструктивни белодробни заболувања и дијабетес, лекарот креира план за напредок</a:t>
+            </a:r>
+          </a:p>
+          <a:p>
+            <a:r>
+              <a:rPr lang="mk-MK" dirty="0"/>
+              <a:t>Еден вид на мерило за обезбедување на квалитетна нега за пациентот, преку кој подоцна ќе се процени дали на пациентот му била понудена потребната нега</a:t>
+            </a:r>
+          </a:p>
+          <a:p>
+            <a:r>
+              <a:rPr lang="mk-MK" dirty="0"/>
+              <a:t>Генерички преглед на релевантните чекори од процесот за оздравување, кој е прилагоден за секој пациент да се сноси со неговата болест</a:t>
+            </a:r>
+          </a:p>
+          <a:p>
+            <a:r>
+              <a:rPr lang="mk-MK" dirty="0"/>
+              <a:t>Треба да ги ажурира академските прирачници и да развие препораки за превенција кои би биле имплементирани на локално ниво</a:t>
+            </a:r>
+          </a:p>
+          <a:p>
             <a:endParaRPr lang="en-US" dirty="0"/>
           </a:p>
         </p:txBody>
@@ -6645,7 +6716,7 @@
     </p:spTree>
     <p:extLst>
       <p:ext uri="{BB962C8B-B14F-4D97-AF65-F5344CB8AC3E}">
-        <p14:creationId xmlns:p14="http://schemas.microsoft.com/office/powerpoint/2010/main" val="140480703"/>
+        <p14:creationId xmlns:p14="http://schemas.microsoft.com/office/powerpoint/2010/main" val="2039463050"/>
       </p:ext>
     </p:extLst>
   </p:cSld>
@@ -6724,7 +6795,7 @@
         </p:nvSpPr>
         <p:spPr>
           <a:xfrm>
-            <a:off x="1218883" y="1371600"/>
+            <a:off x="1218883" y="1249363"/>
             <a:ext cx="10360501" cy="5334000"/>
           </a:xfrm>
         </p:spPr>
@@ -6736,28 +6807,97 @@
           <a:p>
             <a:r>
               <a:rPr lang="mk-MK" dirty="0"/>
-              <a:t>За секој нов пациент кој е дијагностициран со хронични опструктивни белодробни заболувања и дијабетес, лекарот креира план за напредок</a:t>
-            </a:r>
-          </a:p>
-          <a:p>
-            <a:r>
-              <a:rPr lang="mk-MK" dirty="0"/>
-              <a:t>Еден вид на мерило за обезбедување на квалитетна нега за пациентот, преку кој подоцна ќе се процени дали на пациентот му била понудена потребната нега</a:t>
-            </a:r>
-          </a:p>
-          <a:p>
-            <a:r>
-              <a:rPr lang="mk-MK" dirty="0"/>
-              <a:t>Генерички преглед на релевантните чекори од процесот за оздравување, кој е прилагоден за секој пациент да се сноси со неговата болест</a:t>
-            </a:r>
-          </a:p>
-          <a:p>
-            <a:r>
-              <a:rPr lang="mk-MK" dirty="0"/>
-              <a:t>Треба да ги ажурира академските прирачници и да развие препораки за превенција кои би биле имплементирани на локално ниво</a:t>
-            </a:r>
-          </a:p>
-          <a:p>
+              <a:t>Креирањето на еден план за напредок се одвива во 3 чекори</a:t>
+            </a:r>
+            <a:r>
+              <a:rPr lang="en-US" dirty="0"/>
+              <a:t>:</a:t>
+            </a:r>
+          </a:p>
+          <a:p>
+            <a:pPr lvl="1"/>
+            <a:r>
+              <a:rPr lang="mk-MK" dirty="0"/>
+              <a:t>Дизајн и активности за планот за напредок</a:t>
+            </a:r>
+          </a:p>
+          <a:p>
+            <a:pPr lvl="1"/>
+            <a:r>
+              <a:rPr lang="mk-MK" dirty="0"/>
+              <a:t>Насоки за планирање на напредокот</a:t>
+            </a:r>
+          </a:p>
+          <a:p>
+            <a:pPr lvl="1"/>
+            <a:r>
+              <a:rPr lang="mk-MK" dirty="0"/>
+              <a:t>Индивидуален план за напредок</a:t>
+            </a:r>
+          </a:p>
+          <a:p>
+            <a:r>
+              <a:rPr lang="mk-MK" dirty="0"/>
+              <a:t>Секој план за напредок треба да ги содржи следните информации</a:t>
+            </a:r>
+            <a:r>
+              <a:rPr lang="en-US" dirty="0"/>
+              <a:t>:</a:t>
+            </a:r>
+          </a:p>
+          <a:p>
+            <a:pPr lvl="1"/>
+            <a:r>
+              <a:rPr lang="mk-MK" dirty="0"/>
+              <a:t>Целите на пациентот</a:t>
+            </a:r>
+          </a:p>
+          <a:p>
+            <a:pPr lvl="1"/>
+            <a:r>
+              <a:rPr lang="mk-MK" dirty="0"/>
+              <a:t>Третман</a:t>
+            </a:r>
+          </a:p>
+          <a:p>
+            <a:pPr lvl="1"/>
+            <a:r>
+              <a:rPr lang="mk-MK" dirty="0"/>
+              <a:t>Информации за рехабилитација и едукација на пациентот</a:t>
+            </a:r>
+          </a:p>
+          <a:p>
+            <a:pPr lvl="1"/>
+            <a:r>
+              <a:rPr lang="mk-MK" dirty="0"/>
+              <a:t>Инструкции и информативни видеа</a:t>
+            </a:r>
+          </a:p>
+          <a:p>
+            <a:pPr lvl="1"/>
+            <a:r>
+              <a:rPr lang="mk-MK" dirty="0"/>
+              <a:t>Мерења и тестирања</a:t>
+            </a:r>
+          </a:p>
+          <a:p>
+            <a:pPr lvl="1"/>
+            <a:r>
+              <a:rPr lang="mk-MK" dirty="0"/>
+              <a:t>Информации за комуникација и инволвираност</a:t>
+            </a:r>
+            <a:endParaRPr lang="en-US" dirty="0"/>
+          </a:p>
+          <a:p>
+            <a:pPr lvl="1"/>
+            <a:r>
+              <a:rPr lang="mk-MK" dirty="0"/>
+              <a:t>Распоред на термини</a:t>
+            </a:r>
+            <a:endParaRPr lang="en-US" dirty="0"/>
+          </a:p>
+          <a:p>
+            <a:pPr lvl="1"/>
             <a:endParaRPr lang="en-US" dirty="0"/>
           </a:p>
         </p:txBody>
@@ -6765,7 +6905,7 @@
     </p:spTree>
     <p:extLst>
       <p:ext uri="{BB962C8B-B14F-4D97-AF65-F5344CB8AC3E}">
-        <p14:creationId xmlns:p14="http://schemas.microsoft.com/office/powerpoint/2010/main" val="2039463050"/>
+        <p14:creationId xmlns:p14="http://schemas.microsoft.com/office/powerpoint/2010/main" val="2342746119"/>
       </p:ext>
     </p:extLst>
   </p:cSld>
@@ -6937,12 +7077,14 @@
           </a:xfrm>
         </p:spPr>
         <p:txBody>
-          <a:bodyPr/>
+          <a:bodyPr>
+            <a:normAutofit fontScale="90000"/>
+          </a:bodyPr>
           <a:lstStyle/>
           <a:p>
             <a:r>
               <a:rPr lang="mk-MK" dirty="0"/>
-              <a:t>План за напредок	</a:t>
+              <a:t>ИТ решение за приказ на планот за напредок		</a:t>
             </a:r>
             <a:endParaRPr lang="en-US" dirty="0"/>
           </a:p>
@@ -6960,109 +7102,38 @@
         </p:nvSpPr>
         <p:spPr>
           <a:xfrm>
-            <a:off x="1218883" y="1249363"/>
+            <a:off x="1218883" y="1371600"/>
             <a:ext cx="10360501" cy="5334000"/>
           </a:xfrm>
         </p:spPr>
         <p:txBody>
-          <a:bodyPr>
-            <a:normAutofit lnSpcReduction="10000"/>
-          </a:bodyPr>
+          <a:bodyPr/>
           <a:lstStyle/>
           <a:p>
             <a:r>
               <a:rPr lang="mk-MK" dirty="0"/>
-              <a:t>Креирањето на еден план за напредок се одвива во 3 чекори</a:t>
-            </a:r>
-            <a:r>
-              <a:rPr lang="en-US" dirty="0"/>
-              <a:t>:</a:t>
-            </a:r>
-          </a:p>
-          <a:p>
-            <a:pPr lvl="1"/>
-            <a:r>
-              <a:rPr lang="mk-MK" dirty="0"/>
-              <a:t>Дизајн и активности за планот за напредок</a:t>
-            </a:r>
-          </a:p>
-          <a:p>
-            <a:pPr lvl="1"/>
-            <a:r>
-              <a:rPr lang="mk-MK" dirty="0"/>
-              <a:t>Насоки за планирање на напредокот</a:t>
-            </a:r>
-          </a:p>
-          <a:p>
-            <a:pPr lvl="1"/>
-            <a:r>
-              <a:rPr lang="mk-MK" dirty="0"/>
-              <a:t>Индивидуален план за напредок</a:t>
-            </a:r>
-          </a:p>
-          <a:p>
-            <a:r>
-              <a:rPr lang="mk-MK" dirty="0"/>
-              <a:t>Секој план за напредок треба да ги содржи следните информации</a:t>
-            </a:r>
-            <a:r>
-              <a:rPr lang="en-US" dirty="0"/>
-              <a:t>:</a:t>
-            </a:r>
-          </a:p>
-          <a:p>
-            <a:pPr lvl="1"/>
-            <a:r>
-              <a:rPr lang="mk-MK" dirty="0"/>
-              <a:t>Целите на пациентот</a:t>
-            </a:r>
-          </a:p>
-          <a:p>
-            <a:pPr lvl="1"/>
-            <a:r>
-              <a:rPr lang="mk-MK" dirty="0"/>
-              <a:t>Третман</a:t>
-            </a:r>
-          </a:p>
-          <a:p>
-            <a:pPr lvl="1"/>
-            <a:r>
-              <a:rPr lang="mk-MK" dirty="0"/>
-              <a:t>Информации за рехабилитација и едукација на пациентот</a:t>
-            </a:r>
-          </a:p>
-          <a:p>
-            <a:pPr lvl="1"/>
-            <a:r>
-              <a:rPr lang="mk-MK" dirty="0"/>
-              <a:t>Инструкции и информативни видеа</a:t>
-            </a:r>
-          </a:p>
-          <a:p>
-            <a:pPr lvl="1"/>
-            <a:r>
-              <a:rPr lang="mk-MK" dirty="0"/>
-              <a:t>Мерења и тестирања</a:t>
-            </a:r>
-          </a:p>
-          <a:p>
-            <a:pPr lvl="1"/>
-            <a:r>
-              <a:rPr lang="mk-MK" dirty="0"/>
-              <a:t>Информации за комуникација и инволвираност</a:t>
-            </a:r>
-            <a:endParaRPr lang="en-US" dirty="0"/>
-          </a:p>
-          <a:p>
-            <a:pPr lvl="1"/>
-            <a:r>
-              <a:rPr lang="mk-MK" dirty="0"/>
-              <a:t>Распоред на термини</a:t>
-            </a:r>
-            <a:endParaRPr lang="en-US" dirty="0"/>
-          </a:p>
-          <a:p>
-            <a:pPr lvl="1"/>
+              <a:t>Апликацијата која произлегува од овој магистерски труд всушност претставува едно ИТ решение за приказ на планот за напредок</a:t>
+            </a:r>
+          </a:p>
+          <a:p>
+            <a:r>
+              <a:rPr lang="mk-MK" dirty="0"/>
+              <a:t>Мора да биде во можност да прикаже било каков план за напредок, односно сите можни графици и податоци</a:t>
+            </a:r>
+          </a:p>
+          <a:p>
+            <a:r>
+              <a:rPr lang="mk-MK" dirty="0"/>
+              <a:t>Мора да биде лесно за употреба од страна на пациентите за да можат ново-дијагностицираните пациенти лесно да добијат информации за својата болест</a:t>
+            </a:r>
+          </a:p>
+          <a:p>
+            <a:r>
+              <a:rPr lang="mk-MK" dirty="0"/>
+              <a:t>Мора да содржи релевантни долгорочни здравствено поврзани активности кои лесно би биле заменливи</a:t>
+            </a:r>
+          </a:p>
+          <a:p>
             <a:endParaRPr lang="en-US" dirty="0"/>
           </a:p>
         </p:txBody>
@@ -7070,7 +7141,7 @@
     </p:spTree>
     <p:extLst>
       <p:ext uri="{BB962C8B-B14F-4D97-AF65-F5344CB8AC3E}">
-        <p14:creationId xmlns:p14="http://schemas.microsoft.com/office/powerpoint/2010/main" val="2342746119"/>
+        <p14:creationId xmlns:p14="http://schemas.microsoft.com/office/powerpoint/2010/main" val="2802347387"/>
       </p:ext>
     </p:extLst>
   </p:cSld>
@@ -7161,53 +7232,51 @@
           <a:p>
             <a:r>
               <a:rPr lang="mk-MK" dirty="0"/>
-              <a:t>Апликацијата која произлегува од овој магистерски труд </a:t>
-            </a:r>
-            <a:r>
-              <a:rPr lang="mk-MK" dirty="0" smtClean="0"/>
-              <a:t>всушност претставува едно ИТ решение за приказ на планот за напредок</a:t>
-            </a:r>
-            <a:endParaRPr lang="mk-MK" dirty="0" smtClean="0"/>
-          </a:p>
-          <a:p>
-            <a:r>
-              <a:rPr lang="mk-MK" dirty="0" smtClean="0"/>
-              <a:t>Мора </a:t>
-            </a:r>
-            <a:r>
-              <a:rPr lang="mk-MK" dirty="0"/>
-              <a:t>да биде во можност да прикаже било каков план за напредок, односно сите можни графици и податоци</a:t>
-            </a:r>
-          </a:p>
-          <a:p>
-            <a:r>
-              <a:rPr lang="mk-MK" dirty="0" smtClean="0"/>
-              <a:t>Мора </a:t>
-            </a:r>
-            <a:r>
-              <a:rPr lang="mk-MK" dirty="0"/>
-              <a:t>да биде лесно за употреба од страна на пациентите за да можат ново-дијагностицираните пациенти лесно да добијат информации за својата </a:t>
-            </a:r>
-            <a:r>
-              <a:rPr lang="mk-MK" dirty="0" smtClean="0"/>
-              <a:t>болест</a:t>
-            </a:r>
-          </a:p>
-          <a:p>
-            <a:r>
-              <a:rPr lang="mk-MK" dirty="0" smtClean="0"/>
-              <a:t>Мора </a:t>
-            </a:r>
-            <a:r>
-              <a:rPr lang="mk-MK" dirty="0"/>
-              <a:t>да содржи релевантни долгорочни здравствено поврзани активности кои лесно би биле </a:t>
-            </a:r>
-            <a:r>
-              <a:rPr lang="mk-MK" dirty="0" smtClean="0"/>
-              <a:t>заменливи</a:t>
-            </a:r>
-          </a:p>
-          <a:p>
+              <a:t>Процесот на развивање на апликација треба да содржи 3 главни процеси, кои се меѓусебно зависни и кои се преклопуваат</a:t>
+            </a:r>
+            <a:r>
+              <a:rPr lang="ru-RU" dirty="0"/>
+              <a:t>:</a:t>
+            </a:r>
+          </a:p>
+          <a:p>
+            <a:pPr marL="835086" lvl="1" indent="-457200">
+              <a:buFont typeface="+mj-lt"/>
+              <a:buAutoNum type="arabicPeriod"/>
+            </a:pPr>
+            <a:r>
+              <a:rPr lang="mk-MK" dirty="0"/>
+              <a:t>Прибирање на желбите и побарувањата на медицинските работници и на пациентите за содржината на информациите и дизајнот и подготовка на прототип</a:t>
+            </a:r>
+            <a:endParaRPr lang="en-US" dirty="0"/>
+          </a:p>
+          <a:p>
+            <a:pPr marL="835086" lvl="1" indent="-457200">
+              <a:buFont typeface="+mj-lt"/>
+              <a:buAutoNum type="arabicPeriod"/>
+            </a:pPr>
+            <a:r>
+              <a:rPr lang="mk-MK" dirty="0"/>
+              <a:t>Овозможување на системска поддршка и искористување на веќе постоечки информации</a:t>
+            </a:r>
+            <a:endParaRPr lang="en-US" dirty="0"/>
+          </a:p>
+          <a:p>
+            <a:pPr marL="835086" lvl="1" indent="-457200">
+              <a:buFont typeface="+mj-lt"/>
+              <a:buAutoNum type="arabicPeriod"/>
+            </a:pPr>
+            <a:r>
+              <a:rPr lang="mk-MK" dirty="0"/>
+              <a:t>Тестирање и пребирање на повратни одговори со корисниците на апликацијата  </a:t>
+            </a:r>
+          </a:p>
+          <a:p>
+            <a:pPr marL="530340" indent="-457200"/>
+            <a:r>
+              <a:rPr lang="mk-MK" dirty="0"/>
+              <a:t>Повеќеплатформската апликација, која што е резултатот на ова магистерска работа, требаше да го изработи првиот процес</a:t>
+            </a:r>
             <a:endParaRPr lang="en-US" dirty="0"/>
           </a:p>
         </p:txBody>
@@ -7215,7 +7284,7 @@
     </p:spTree>
     <p:extLst>
       <p:ext uri="{BB962C8B-B14F-4D97-AF65-F5344CB8AC3E}">
-        <p14:creationId xmlns:p14="http://schemas.microsoft.com/office/powerpoint/2010/main" val="2802347387"/>
+        <p14:creationId xmlns:p14="http://schemas.microsoft.com/office/powerpoint/2010/main" val="1610010894"/>
       </p:ext>
     </p:extLst>
   </p:cSld>
@@ -7306,52 +7375,46 @@
           <a:p>
             <a:r>
               <a:rPr lang="mk-MK" dirty="0"/>
-              <a:t>Процесот на развивање на апликација треба да содржи 3 главни процеси, кои се меѓусебно зависни и кои се преклопуваат</a:t>
-            </a:r>
-            <a:r>
-              <a:rPr lang="ru-RU" dirty="0" smtClean="0"/>
+              <a:t>Процесот за изработка на прототип апликација подразбира листа на задачи кои треба да бидат извршени</a:t>
+            </a:r>
+            <a:r>
+              <a:rPr lang="ru-RU" dirty="0"/>
               <a:t>:</a:t>
             </a:r>
           </a:p>
           <a:p>
-            <a:pPr marL="835086" lvl="1" indent="-457200">
-              <a:buFont typeface="+mj-lt"/>
-              <a:buAutoNum type="arabicPeriod"/>
-            </a:pPr>
-            <a:r>
-              <a:rPr lang="mk-MK" dirty="0"/>
-              <a:t>Прибирање на желбите и побарувањата на медицинските работници и на пациентите за содржината на информациите и дизајнот и подготовка на прототип</a:t>
+            <a:pPr lvl="1"/>
+            <a:r>
+              <a:rPr lang="mk-MK" dirty="0"/>
+              <a:t>Дефинирање и анализирање на потребите на пациентите</a:t>
             </a:r>
             <a:endParaRPr lang="en-US" dirty="0"/>
           </a:p>
           <a:p>
-            <a:pPr marL="835086" lvl="1" indent="-457200">
-              <a:buFont typeface="+mj-lt"/>
-              <a:buAutoNum type="arabicPeriod"/>
-            </a:pPr>
-            <a:r>
-              <a:rPr lang="mk-MK" dirty="0"/>
-              <a:t>Овозможување на системска поддршка и искористување на веќе постоечки информации</a:t>
+            <a:pPr lvl="1"/>
+            <a:r>
+              <a:rPr lang="mk-MK" dirty="0"/>
+              <a:t>Дефинирање и анализирање на потребите на медицинските работници</a:t>
             </a:r>
             <a:endParaRPr lang="en-US" dirty="0"/>
           </a:p>
           <a:p>
-            <a:pPr marL="835086" lvl="1" indent="-457200">
-              <a:buFont typeface="+mj-lt"/>
-              <a:buAutoNum type="arabicPeriod"/>
-            </a:pPr>
-            <a:r>
-              <a:rPr lang="mk-MK" dirty="0"/>
-              <a:t>Тестирање и пребирање на повратни одговори со корисниците на апликацијата  </a:t>
-            </a:r>
-            <a:endParaRPr lang="mk-MK" dirty="0"/>
-          </a:p>
-          <a:p>
-            <a:pPr marL="530340" indent="-457200"/>
-            <a:r>
-              <a:rPr lang="mk-MK" dirty="0"/>
-              <a:t>Повеќеплатформската апликација, која што е резултатот на ова магистерска работа, требаше да го изработи првиот процес</a:t>
-            </a:r>
+            <a:pPr lvl="1"/>
+            <a:r>
+              <a:rPr lang="mk-MK" dirty="0"/>
+              <a:t>Интервјуирање на пациенти и лекари од областа на хронични опструктивни белодробни заболувања и дијабетес</a:t>
+            </a:r>
+            <a:endParaRPr lang="en-US" dirty="0"/>
+          </a:p>
+          <a:p>
+            <a:pPr lvl="1"/>
+            <a:r>
+              <a:rPr lang="mk-MK" dirty="0"/>
+              <a:t>Дизајн и изработка на прототипно веб решение</a:t>
+            </a:r>
+            <a:endParaRPr lang="en-US" dirty="0"/>
+          </a:p>
+          <a:p>
             <a:endParaRPr lang="en-US" dirty="0"/>
           </a:p>
         </p:txBody>
@@ -7359,7 +7422,7 @@
     </p:spTree>
     <p:extLst>
       <p:ext uri="{BB962C8B-B14F-4D97-AF65-F5344CB8AC3E}">
-        <p14:creationId xmlns:p14="http://schemas.microsoft.com/office/powerpoint/2010/main" val="1610010894"/>
+        <p14:creationId xmlns:p14="http://schemas.microsoft.com/office/powerpoint/2010/main" val="308097527"/>
       </p:ext>
     </p:extLst>
   </p:cSld>
@@ -7422,7 +7485,7 @@
           <a:p>
             <a:r>
               <a:rPr lang="mk-MK" dirty="0"/>
-              <a:t>ИТ решение за приказ на планот за напредок		</a:t>
+              <a:t>Класификација, третман и контрола на пациентите	</a:t>
             </a:r>
             <a:endParaRPr lang="en-US" dirty="0"/>
           </a:p>
@@ -7445,27 +7508,66 @@
           </a:xfrm>
         </p:spPr>
         <p:txBody>
-          <a:bodyPr/>
+          <a:bodyPr>
+            <a:normAutofit lnSpcReduction="10000"/>
+          </a:bodyPr>
           <a:lstStyle/>
           <a:p>
             <a:r>
-              <a:rPr lang="mk-MK" dirty="0" smtClean="0"/>
-              <a:t>Процесот </a:t>
-            </a:r>
-            <a:r>
-              <a:rPr lang="mk-MK" dirty="0"/>
-              <a:t>за изработка на прототип </a:t>
-            </a:r>
-            <a:r>
-              <a:rPr lang="mk-MK" dirty="0" smtClean="0"/>
-              <a:t>апликација </a:t>
-            </a:r>
-            <a:r>
-              <a:rPr lang="mk-MK" dirty="0"/>
-              <a:t>подразбира листа на задачи кои треба да бидат извршени</a:t>
-            </a:r>
-            <a:r>
-              <a:rPr lang="ru-RU" dirty="0" smtClean="0"/>
+              <a:rPr lang="mk-MK" dirty="0"/>
+              <a:t>Откако дијагнозата и планот за напредок е направена, пациентите се класифицираат во една од четирите групи </a:t>
+            </a:r>
+            <a:r>
+              <a:rPr lang="en-US" dirty="0"/>
+              <a:t>A</a:t>
+            </a:r>
+            <a:r>
+              <a:rPr lang="ru-RU" dirty="0"/>
+              <a:t>, </a:t>
+            </a:r>
+            <a:r>
+              <a:rPr lang="en-US" dirty="0"/>
+              <a:t>B</a:t>
+            </a:r>
+            <a:r>
+              <a:rPr lang="ru-RU" dirty="0"/>
+              <a:t>, </a:t>
+            </a:r>
+            <a:r>
+              <a:rPr lang="en-US" dirty="0"/>
+              <a:t>C </a:t>
+            </a:r>
+            <a:r>
+              <a:rPr lang="mk-MK" dirty="0"/>
+              <a:t>или </a:t>
+            </a:r>
+            <a:r>
+              <a:rPr lang="en-US" dirty="0"/>
+              <a:t>D</a:t>
+            </a:r>
+            <a:endParaRPr lang="mk-MK" dirty="0"/>
+          </a:p>
+          <a:p>
+            <a:r>
+              <a:rPr lang="mk-MK" dirty="0"/>
+              <a:t>Пациентите од групата </a:t>
+            </a:r>
+            <a:r>
+              <a:rPr lang="en-US" dirty="0"/>
+              <a:t>D</a:t>
+            </a:r>
+            <a:r>
+              <a:rPr lang="mk-MK" dirty="0"/>
+              <a:t> се најсериозните пациенти кои мора да бидат хоспитализирани</a:t>
+            </a:r>
+          </a:p>
+          <a:p>
+            <a:r>
+              <a:rPr lang="mk-MK" dirty="0"/>
+              <a:t>Рехабилитацијата се прилагодува кон потребите на пациентите и вклучува</a:t>
+            </a:r>
+            <a:r>
+              <a:rPr lang="en-US" dirty="0"/>
               <a:t>:</a:t>
             </a:r>
           </a:p>
@@ -7473,33 +7575,43 @@
             <a:pPr lvl="1"/>
             <a:r>
               <a:rPr lang="mk-MK" dirty="0"/>
-              <a:t>Дефинирање и анализирање на потребите на пациентите</a:t>
-            </a:r>
-            <a:endParaRPr lang="en-US" dirty="0"/>
+              <a:t>стопирање на пушење цигари</a:t>
+            </a:r>
           </a:p>
           <a:p>
             <a:pPr lvl="1"/>
             <a:r>
               <a:rPr lang="mk-MK" dirty="0"/>
-              <a:t>Дефинирање и анализирање на потребите на медицинските работници</a:t>
-            </a:r>
-            <a:endParaRPr lang="en-US" dirty="0"/>
+              <a:t>физички тренинг</a:t>
+            </a:r>
           </a:p>
           <a:p>
             <a:pPr lvl="1"/>
             <a:r>
               <a:rPr lang="mk-MK" dirty="0"/>
-              <a:t>Интервјуирање на пациенти и лекари од областа на хронични опструктивни белодробни заболувања и дијабетес</a:t>
-            </a:r>
-            <a:endParaRPr lang="en-US" dirty="0"/>
+              <a:t>медицинска грижа</a:t>
+            </a:r>
           </a:p>
           <a:p>
             <a:pPr lvl="1"/>
             <a:r>
               <a:rPr lang="mk-MK" dirty="0"/>
-              <a:t>Дизајн и изработка на прототипно веб решение</a:t>
-            </a:r>
-            <a:endParaRPr lang="en-US" dirty="0"/>
+              <a:t>едукација за исхраната</a:t>
+            </a:r>
+          </a:p>
+          <a:p>
+            <a:pPr lvl="1"/>
+            <a:r>
+              <a:rPr lang="mk-MK" dirty="0"/>
+              <a:t>терапија </a:t>
+            </a:r>
+          </a:p>
+          <a:p>
+            <a:pPr lvl="1"/>
+            <a:r>
+              <a:rPr lang="mk-MK" dirty="0"/>
+              <a:t>општа едукација</a:t>
+            </a:r>
           </a:p>
           <a:p>
             <a:endParaRPr lang="en-US" dirty="0"/>
@@ -7509,7 +7621,7 @@
     </p:spTree>
     <p:extLst>
       <p:ext uri="{BB962C8B-B14F-4D97-AF65-F5344CB8AC3E}">
-        <p14:creationId xmlns:p14="http://schemas.microsoft.com/office/powerpoint/2010/main" val="308097527"/>
+        <p14:creationId xmlns:p14="http://schemas.microsoft.com/office/powerpoint/2010/main" val="2391213375"/>
       </p:ext>
     </p:extLst>
   </p:cSld>
@@ -7571,7 +7683,7 @@
           <a:lstStyle/>
           <a:p>
             <a:r>
-              <a:rPr lang="mk-MK" dirty="0" smtClean="0"/>
+              <a:rPr lang="mk-MK" dirty="0"/>
               <a:t>Класификација, третман и контрола на пациентите	</a:t>
             </a:r>
             <a:endParaRPr lang="en-US" dirty="0"/>
@@ -7595,74 +7707,28 @@
           </a:xfrm>
         </p:spPr>
         <p:txBody>
-          <a:bodyPr>
-            <a:normAutofit lnSpcReduction="10000"/>
-          </a:bodyPr>
+          <a:bodyPr/>
           <a:lstStyle/>
           <a:p>
             <a:r>
               <a:rPr lang="mk-MK" dirty="0"/>
-              <a:t>Откако дијагнозата и планот за напредок е направена, пациентите се класифицираат во една од четирите групи </a:t>
+              <a:t>Во зависност од класификацијата на пациентите им се нуди третман во болница или третман дома</a:t>
+            </a:r>
+          </a:p>
+          <a:p>
+            <a:r>
+              <a:rPr lang="mk-MK" dirty="0"/>
+              <a:t>Во зависност од степенот на болеста и лекарската проценка донесена врз основа на податоците, пациентите треба да одат на контрола во болница</a:t>
+            </a:r>
+            <a:endParaRPr lang="en-US" dirty="0"/>
+          </a:p>
+          <a:p>
+            <a:r>
+              <a:rPr lang="mk-MK" dirty="0"/>
+              <a:t>Една контрола се состои од</a:t>
             </a:r>
             <a:r>
               <a:rPr lang="en-US" dirty="0"/>
-              <a:t>A</a:t>
-            </a:r>
-            <a:r>
-              <a:rPr lang="ru-RU" dirty="0"/>
-              <a:t>, </a:t>
-            </a:r>
-            <a:r>
-              <a:rPr lang="en-US" dirty="0"/>
-              <a:t>B</a:t>
-            </a:r>
-            <a:r>
-              <a:rPr lang="ru-RU" dirty="0"/>
-              <a:t>, </a:t>
-            </a:r>
-            <a:r>
-              <a:rPr lang="en-US" dirty="0"/>
-              <a:t>C </a:t>
-            </a:r>
-            <a:r>
-              <a:rPr lang="mk-MK" dirty="0"/>
-              <a:t>или </a:t>
-            </a:r>
-            <a:r>
-              <a:rPr lang="en-US" dirty="0" smtClean="0"/>
-              <a:t>D</a:t>
-            </a:r>
-            <a:endParaRPr lang="mk-MK" dirty="0" smtClean="0"/>
-          </a:p>
-          <a:p>
-            <a:r>
-              <a:rPr lang="mk-MK" dirty="0"/>
-              <a:t>Пациентите од групата </a:t>
-            </a:r>
-            <a:r>
-              <a:rPr lang="en-US" dirty="0"/>
-              <a:t>D</a:t>
-            </a:r>
-            <a:r>
-              <a:rPr lang="mk-MK" dirty="0"/>
-              <a:t> се најсериозните пациенти кои мора да бидат </a:t>
-            </a:r>
-            <a:r>
-              <a:rPr lang="mk-MK" dirty="0" smtClean="0"/>
-              <a:t>хоспитализирани</a:t>
-            </a:r>
-          </a:p>
-          <a:p>
-            <a:r>
-              <a:rPr lang="mk-MK" dirty="0"/>
-              <a:t>Рехабилитацијата се прилагодува кон потребите на пациентите и </a:t>
-            </a:r>
-            <a:r>
-              <a:rPr lang="mk-MK" dirty="0" smtClean="0"/>
-              <a:t>вклучува</a:t>
-            </a:r>
-            <a:r>
-              <a:rPr lang="en-US" dirty="0" smtClean="0"/>
               <a:t>:</a:t>
             </a:r>
           </a:p>
@@ -7670,71 +7736,43 @@
             <a:pPr lvl="1"/>
             <a:r>
               <a:rPr lang="mk-MK" dirty="0"/>
-              <a:t>стопирање на пушење </a:t>
-            </a:r>
-            <a:r>
-              <a:rPr lang="mk-MK" dirty="0" smtClean="0"/>
-              <a:t>цигари</a:t>
+              <a:t>мерење на функцијата на белите дробови</a:t>
             </a:r>
           </a:p>
           <a:p>
             <a:pPr lvl="1"/>
             <a:r>
               <a:rPr lang="mk-MK" dirty="0"/>
-              <a:t>физички </a:t>
-            </a:r>
-            <a:r>
-              <a:rPr lang="mk-MK" dirty="0" smtClean="0"/>
-              <a:t>тренинг</a:t>
+              <a:t>забележување на симптомите</a:t>
             </a:r>
           </a:p>
           <a:p>
             <a:pPr lvl="1"/>
             <a:r>
               <a:rPr lang="mk-MK" dirty="0"/>
-              <a:t>медицинска </a:t>
-            </a:r>
-            <a:r>
-              <a:rPr lang="mk-MK" dirty="0" smtClean="0"/>
-              <a:t>грижа</a:t>
+              <a:t>статус на пушење</a:t>
             </a:r>
           </a:p>
           <a:p>
             <a:pPr lvl="1"/>
             <a:r>
               <a:rPr lang="mk-MK" dirty="0"/>
-              <a:t>едукација за </a:t>
-            </a:r>
-            <a:r>
-              <a:rPr lang="mk-MK" dirty="0" smtClean="0"/>
-              <a:t>исхраната</a:t>
+              <a:t>исхрана </a:t>
             </a:r>
           </a:p>
           <a:p>
             <a:pPr lvl="1"/>
             <a:r>
               <a:rPr lang="mk-MK" dirty="0"/>
-              <a:t>терапија </a:t>
-            </a:r>
-            <a:endParaRPr lang="mk-MK" dirty="0" smtClean="0"/>
-          </a:p>
-          <a:p>
-            <a:pPr lvl="1"/>
-            <a:r>
-              <a:rPr lang="mk-MK" dirty="0"/>
-              <a:t>општа едукација</a:t>
-            </a:r>
-            <a:endParaRPr lang="mk-MK" dirty="0" smtClean="0"/>
-          </a:p>
-          <a:p>
-            <a:endParaRPr lang="en-US" dirty="0"/>
+              <a:t>вакцинација</a:t>
+            </a:r>
           </a:p>
         </p:txBody>
       </p:sp>
     </p:spTree>
     <p:extLst>
       <p:ext uri="{BB962C8B-B14F-4D97-AF65-F5344CB8AC3E}">
-        <p14:creationId xmlns:p14="http://schemas.microsoft.com/office/powerpoint/2010/main" val="2391213375"/>
+        <p14:creationId xmlns:p14="http://schemas.microsoft.com/office/powerpoint/2010/main" val="894441781"/>
       </p:ext>
     </p:extLst>
   </p:cSld>
@@ -7790,290 +7828,11 @@
           </a:xfrm>
         </p:spPr>
         <p:txBody>
-          <a:bodyPr>
-            <a:normAutofit fontScale="90000"/>
-          </a:bodyPr>
-          <a:lstStyle/>
-          <a:p>
-            <a:r>
-              <a:rPr lang="mk-MK" dirty="0"/>
-              <a:t>Класификација, третман и контрола на пациентите	</a:t>
-            </a:r>
-            <a:endParaRPr lang="en-US" dirty="0"/>
-          </a:p>
-        </p:txBody>
-      </p:sp>
-      <p:sp>
-        <p:nvSpPr>
-          <p:cNvPr id="14" name="Content Placeholder 13"/>
-          <p:cNvSpPr>
-            <a:spLocks noGrp="1"/>
-          </p:cNvSpPr>
-          <p:nvPr>
-            <p:ph idx="1"/>
-          </p:nvPr>
-        </p:nvSpPr>
-        <p:spPr>
-          <a:xfrm>
-            <a:off x="1218883" y="1371600"/>
-            <a:ext cx="10360501" cy="5334000"/>
-          </a:xfrm>
-        </p:spPr>
-        <p:txBody>
           <a:bodyPr/>
           <a:lstStyle/>
           <a:p>
             <a:r>
-              <a:rPr lang="mk-MK" dirty="0" smtClean="0"/>
-              <a:t>Во зависност од класификацијата на пациентите им се нуди третман во болница или третман дома</a:t>
-            </a:r>
-          </a:p>
-          <a:p>
-            <a:r>
-              <a:rPr lang="mk-MK" dirty="0" smtClean="0"/>
-              <a:t>Во </a:t>
-            </a:r>
-            <a:r>
-              <a:rPr lang="mk-MK" dirty="0"/>
-              <a:t>зависност од степенот на болеста и лекарската проценка донесена врз основа на податоците, пациентите треба да одат на </a:t>
-            </a:r>
-            <a:r>
-              <a:rPr lang="mk-MK" dirty="0" smtClean="0"/>
-              <a:t>контрола </a:t>
-            </a:r>
-            <a:r>
-              <a:rPr lang="mk-MK" dirty="0"/>
-              <a:t>во </a:t>
-            </a:r>
-            <a:r>
-              <a:rPr lang="mk-MK" dirty="0" smtClean="0"/>
-              <a:t>болница</a:t>
-            </a:r>
-            <a:endParaRPr lang="en-US" dirty="0" smtClean="0"/>
-          </a:p>
-          <a:p>
-            <a:r>
-              <a:rPr lang="mk-MK" dirty="0"/>
-              <a:t>Една контрола се состои </a:t>
-            </a:r>
-            <a:r>
-              <a:rPr lang="mk-MK" dirty="0" smtClean="0"/>
-              <a:t>од</a:t>
-            </a:r>
-            <a:r>
-              <a:rPr lang="en-US" dirty="0" smtClean="0"/>
-              <a:t>:</a:t>
-            </a:r>
-          </a:p>
-          <a:p>
-            <a:pPr lvl="1"/>
-            <a:r>
-              <a:rPr lang="mk-MK" dirty="0"/>
-              <a:t>мерење на функцијата на белите </a:t>
-            </a:r>
-            <a:r>
-              <a:rPr lang="mk-MK" dirty="0" smtClean="0"/>
-              <a:t>дробови</a:t>
-            </a:r>
-          </a:p>
-          <a:p>
-            <a:pPr lvl="1"/>
-            <a:r>
-              <a:rPr lang="mk-MK" dirty="0"/>
-              <a:t>забележување на </a:t>
-            </a:r>
-            <a:r>
-              <a:rPr lang="mk-MK" dirty="0" smtClean="0"/>
-              <a:t>симптомите</a:t>
-            </a:r>
-          </a:p>
-          <a:p>
-            <a:pPr lvl="1"/>
-            <a:r>
-              <a:rPr lang="mk-MK" dirty="0"/>
-              <a:t>статус на </a:t>
-            </a:r>
-            <a:r>
-              <a:rPr lang="mk-MK" dirty="0" smtClean="0"/>
-              <a:t>пушење</a:t>
-            </a:r>
-          </a:p>
-          <a:p>
-            <a:pPr lvl="1"/>
-            <a:r>
-              <a:rPr lang="mk-MK" dirty="0"/>
-              <a:t>исхрана </a:t>
-            </a:r>
-            <a:endParaRPr lang="mk-MK" dirty="0" smtClean="0"/>
-          </a:p>
-          <a:p>
-            <a:pPr lvl="1"/>
-            <a:r>
-              <a:rPr lang="mk-MK" dirty="0"/>
-              <a:t>вакцинација</a:t>
-            </a:r>
-            <a:endParaRPr lang="mk-MK" dirty="0" smtClean="0"/>
-          </a:p>
-        </p:txBody>
-      </p:sp>
-    </p:spTree>
-    <p:extLst>
-      <p:ext uri="{BB962C8B-B14F-4D97-AF65-F5344CB8AC3E}">
-        <p14:creationId xmlns:p14="http://schemas.microsoft.com/office/powerpoint/2010/main" val="894441781"/>
-      </p:ext>
-    </p:extLst>
-  </p:cSld>
-  <p:clrMapOvr>
-    <a:masterClrMapping/>
-  </p:clrMapOvr>
-  <mc:AlternateContent xmlns:mc="http://schemas.openxmlformats.org/markup-compatibility/2006" xmlns:p14="http://schemas.microsoft.com/office/powerpoint/2010/main">
-    <mc:Choice Requires="p14">
-      <p:transition spd="med" p14:dur="700">
-        <p:fade/>
-      </p:transition>
-    </mc:Choice>
-    <mc:Fallback xmlns="">
-      <p:transition spd="med">
-        <p:fade/>
-      </p:transition>
-    </mc:Fallback>
-  </mc:AlternateContent>
-</p:sld>
-</file>
-
-<file path=ppt/slides/slide26.xml><?xml version="1.0" encoding="utf-8"?>
-<p:sld xmlns:a="http://schemas.openxmlformats.org/drawingml/2006/main" xmlns:r="http://schemas.openxmlformats.org/officeDocument/2006/relationships" xmlns:p="http://schemas.openxmlformats.org/presentationml/2006/main">
-  <p:cSld>
-    <p:spTree>
-      <p:nvGrpSpPr>
-        <p:cNvPr id="1" name=""/>
-        <p:cNvGrpSpPr/>
-        <p:nvPr/>
-      </p:nvGrpSpPr>
-      <p:grpSpPr>
-        <a:xfrm>
-          <a:off x="0" y="0"/>
-          <a:ext cx="0" cy="0"/>
-          <a:chOff x="0" y="0"/>
-          <a:chExt cx="0" cy="0"/>
-        </a:xfrm>
-      </p:grpSpPr>
-      <p:sp>
-        <p:nvSpPr>
-          <p:cNvPr id="13" name="Title 12"/>
-          <p:cNvSpPr>
-            <a:spLocks noGrp="1"/>
-          </p:cNvSpPr>
-          <p:nvPr>
-            <p:ph type="title"/>
-          </p:nvPr>
-        </p:nvSpPr>
-        <p:spPr>
-          <a:xfrm>
-            <a:off x="1218883" y="274637"/>
-            <a:ext cx="10360501" cy="715963"/>
-          </a:xfrm>
-        </p:spPr>
-        <p:txBody>
-          <a:bodyPr/>
-          <a:lstStyle/>
-          <a:p>
-            <a:r>
-              <a:rPr lang="mk-MK" dirty="0" smtClean="0"/>
-              <a:t>Еволуција на апликацијата</a:t>
-            </a:r>
-            <a:endParaRPr lang="en-US" dirty="0"/>
-          </a:p>
-        </p:txBody>
-      </p:sp>
-      <p:sp>
-        <p:nvSpPr>
-          <p:cNvPr id="14" name="Content Placeholder 13"/>
-          <p:cNvSpPr>
-            <a:spLocks noGrp="1"/>
-          </p:cNvSpPr>
-          <p:nvPr>
-            <p:ph idx="1"/>
-          </p:nvPr>
-        </p:nvSpPr>
-        <p:spPr>
-          <a:xfrm>
-            <a:off x="1218883" y="1371600"/>
-            <a:ext cx="10360501" cy="5334000"/>
-          </a:xfrm>
-        </p:spPr>
-        <p:txBody>
-          <a:bodyPr/>
-          <a:lstStyle/>
-          <a:p>
-            <a:endParaRPr lang="en-US" dirty="0"/>
-          </a:p>
-        </p:txBody>
-      </p:sp>
-    </p:spTree>
-    <p:extLst>
-      <p:ext uri="{BB962C8B-B14F-4D97-AF65-F5344CB8AC3E}">
-        <p14:creationId xmlns:p14="http://schemas.microsoft.com/office/powerpoint/2010/main" val="400038213"/>
-      </p:ext>
-    </p:extLst>
-  </p:cSld>
-  <p:clrMapOvr>
-    <a:masterClrMapping/>
-  </p:clrMapOvr>
-  <mc:AlternateContent xmlns:mc="http://schemas.openxmlformats.org/markup-compatibility/2006" xmlns:p14="http://schemas.microsoft.com/office/powerpoint/2010/main">
-    <mc:Choice Requires="p14">
-      <p:transition spd="med" p14:dur="700">
-        <p:fade/>
-      </p:transition>
-    </mc:Choice>
-    <mc:Fallback xmlns="">
-      <p:transition spd="med">
-        <p:fade/>
-      </p:transition>
-    </mc:Fallback>
-  </mc:AlternateContent>
-</p:sld>
-</file>
-
-<file path=ppt/slides/slide27.xml><?xml version="1.0" encoding="utf-8"?>
-<p:sld xmlns:a="http://schemas.openxmlformats.org/drawingml/2006/main" xmlns:r="http://schemas.openxmlformats.org/officeDocument/2006/relationships" xmlns:p="http://schemas.openxmlformats.org/presentationml/2006/main">
-  <p:cSld>
-    <p:spTree>
-      <p:nvGrpSpPr>
-        <p:cNvPr id="1" name=""/>
-        <p:cNvGrpSpPr/>
-        <p:nvPr/>
-      </p:nvGrpSpPr>
-      <p:grpSpPr>
-        <a:xfrm>
-          <a:off x="0" y="0"/>
-          <a:ext cx="0" cy="0"/>
-          <a:chOff x="0" y="0"/>
-          <a:chExt cx="0" cy="0"/>
-        </a:xfrm>
-      </p:grpSpPr>
-      <p:sp>
-        <p:nvSpPr>
-          <p:cNvPr id="13" name="Title 12"/>
-          <p:cNvSpPr>
-            <a:spLocks noGrp="1"/>
-          </p:cNvSpPr>
-          <p:nvPr>
-            <p:ph type="title"/>
-          </p:nvPr>
-        </p:nvSpPr>
-        <p:spPr>
-          <a:xfrm>
-            <a:off x="1218883" y="274637"/>
-            <a:ext cx="10360501" cy="715963"/>
-          </a:xfrm>
-        </p:spPr>
-        <p:txBody>
-          <a:bodyPr/>
-          <a:lstStyle/>
-          <a:p>
-            <a:r>
-              <a:rPr lang="mk-MK" dirty="0" smtClean="0"/>
+              <a:rPr lang="mk-MK" dirty="0"/>
               <a:t>План за работа</a:t>
             </a:r>
             <a:endParaRPr lang="en-US" dirty="0"/>
@@ -8142,6 +7901,253 @@
 </p:sld>
 </file>
 
+<file path=ppt/slides/slide26.xml><?xml version="1.0" encoding="utf-8"?>
+<p:sld xmlns:a="http://schemas.openxmlformats.org/drawingml/2006/main" xmlns:r="http://schemas.openxmlformats.org/officeDocument/2006/relationships" xmlns:p="http://schemas.openxmlformats.org/presentationml/2006/main">
+  <p:cSld>
+    <p:spTree>
+      <p:nvGrpSpPr>
+        <p:cNvPr id="1" name=""/>
+        <p:cNvGrpSpPr/>
+        <p:nvPr/>
+      </p:nvGrpSpPr>
+      <p:grpSpPr>
+        <a:xfrm>
+          <a:off x="0" y="0"/>
+          <a:ext cx="0" cy="0"/>
+          <a:chOff x="0" y="0"/>
+          <a:chExt cx="0" cy="0"/>
+        </a:xfrm>
+      </p:grpSpPr>
+      <p:sp>
+        <p:nvSpPr>
+          <p:cNvPr id="13" name="Title 12"/>
+          <p:cNvSpPr>
+            <a:spLocks noGrp="1"/>
+          </p:cNvSpPr>
+          <p:nvPr>
+            <p:ph type="title"/>
+          </p:nvPr>
+        </p:nvSpPr>
+        <p:spPr>
+          <a:xfrm>
+            <a:off x="1218883" y="274637"/>
+            <a:ext cx="10360501" cy="715963"/>
+          </a:xfrm>
+        </p:spPr>
+        <p:txBody>
+          <a:bodyPr/>
+          <a:lstStyle/>
+          <a:p>
+            <a:r>
+              <a:rPr lang="mk-MK" dirty="0"/>
+              <a:t>Интервјуа</a:t>
+            </a:r>
+            <a:endParaRPr lang="en-US" dirty="0"/>
+          </a:p>
+        </p:txBody>
+      </p:sp>
+      <p:pic>
+        <p:nvPicPr>
+          <p:cNvPr id="2" name="Content Placeholder 1">
+            <a:extLst>
+              <a:ext uri="{FF2B5EF4-FFF2-40B4-BE49-F238E27FC236}">
+                <a16:creationId xmlns:a16="http://schemas.microsoft.com/office/drawing/2014/main" id="{18EE107C-520B-40D7-B544-0D0D02FFB0F6}"/>
+              </a:ext>
+            </a:extLst>
+          </p:cNvPr>
+          <p:cNvPicPr>
+            <a:picLocks noGrp="1" noChangeAspect="1"/>
+          </p:cNvPicPr>
+          <p:nvPr>
+            <p:ph idx="1"/>
+          </p:nvPr>
+        </p:nvPicPr>
+        <p:blipFill>
+          <a:blip r:embed="rId2"/>
+          <a:stretch>
+            <a:fillRect/>
+          </a:stretch>
+        </p:blipFill>
+        <p:spPr>
+          <a:xfrm>
+            <a:off x="1370012" y="1025553"/>
+            <a:ext cx="8991600" cy="5478039"/>
+          </a:xfrm>
+          <a:prstGeom prst="rect">
+            <a:avLst/>
+          </a:prstGeom>
+        </p:spPr>
+      </p:pic>
+    </p:spTree>
+    <p:extLst>
+      <p:ext uri="{BB962C8B-B14F-4D97-AF65-F5344CB8AC3E}">
+        <p14:creationId xmlns:p14="http://schemas.microsoft.com/office/powerpoint/2010/main" val="3825066217"/>
+      </p:ext>
+    </p:extLst>
+  </p:cSld>
+  <p:clrMapOvr>
+    <a:masterClrMapping/>
+  </p:clrMapOvr>
+  <mc:AlternateContent xmlns:mc="http://schemas.openxmlformats.org/markup-compatibility/2006" xmlns:p14="http://schemas.microsoft.com/office/powerpoint/2010/main">
+    <mc:Choice Requires="p14">
+      <p:transition spd="med" p14:dur="700">
+        <p:fade/>
+      </p:transition>
+    </mc:Choice>
+    <mc:Fallback xmlns="">
+      <p:transition spd="med">
+        <p:fade/>
+      </p:transition>
+    </mc:Fallback>
+  </mc:AlternateContent>
+</p:sld>
+</file>
+
+<file path=ppt/slides/slide27.xml><?xml version="1.0" encoding="utf-8"?>
+<p:sld xmlns:a="http://schemas.openxmlformats.org/drawingml/2006/main" xmlns:r="http://schemas.openxmlformats.org/officeDocument/2006/relationships" xmlns:p="http://schemas.openxmlformats.org/presentationml/2006/main">
+  <p:cSld>
+    <p:spTree>
+      <p:nvGrpSpPr>
+        <p:cNvPr id="1" name=""/>
+        <p:cNvGrpSpPr/>
+        <p:nvPr/>
+      </p:nvGrpSpPr>
+      <p:grpSpPr>
+        <a:xfrm>
+          <a:off x="0" y="0"/>
+          <a:ext cx="0" cy="0"/>
+          <a:chOff x="0" y="0"/>
+          <a:chExt cx="0" cy="0"/>
+        </a:xfrm>
+      </p:grpSpPr>
+      <p:sp>
+        <p:nvSpPr>
+          <p:cNvPr id="13" name="Title 12"/>
+          <p:cNvSpPr>
+            <a:spLocks noGrp="1"/>
+          </p:cNvSpPr>
+          <p:nvPr>
+            <p:ph type="title"/>
+          </p:nvPr>
+        </p:nvSpPr>
+        <p:spPr>
+          <a:xfrm>
+            <a:off x="1218883" y="274637"/>
+            <a:ext cx="10360501" cy="715963"/>
+          </a:xfrm>
+        </p:spPr>
+        <p:txBody>
+          <a:bodyPr/>
+          <a:lstStyle/>
+          <a:p>
+            <a:r>
+              <a:rPr lang="mk-MK" dirty="0"/>
+              <a:t>Интервјуа</a:t>
+            </a:r>
+            <a:endParaRPr lang="en-US" dirty="0"/>
+          </a:p>
+        </p:txBody>
+      </p:sp>
+      <p:sp>
+        <p:nvSpPr>
+          <p:cNvPr id="14" name="Content Placeholder 13"/>
+          <p:cNvSpPr>
+            <a:spLocks noGrp="1"/>
+          </p:cNvSpPr>
+          <p:nvPr>
+            <p:ph idx="1"/>
+          </p:nvPr>
+        </p:nvSpPr>
+        <p:spPr>
+          <a:xfrm>
+            <a:off x="1218883" y="1371600"/>
+            <a:ext cx="10360501" cy="5334000"/>
+          </a:xfrm>
+        </p:spPr>
+        <p:txBody>
+          <a:bodyPr>
+            <a:normAutofit/>
+          </a:bodyPr>
+          <a:lstStyle/>
+          <a:p>
+            <a:r>
+              <a:rPr lang="mk-MK" dirty="0"/>
+              <a:t>Пациентите преферираат вежбите и тренинзите да ги прават сами во домашна атмосфера</a:t>
+            </a:r>
+            <a:endParaRPr lang="en-US" dirty="0"/>
+          </a:p>
+          <a:p>
+            <a:pPr lvl="0"/>
+            <a:r>
+              <a:rPr lang="mk-MK" dirty="0"/>
+              <a:t>Пациентите често посетуваат здравствени установи</a:t>
+            </a:r>
+            <a:endParaRPr lang="en-US" dirty="0"/>
+          </a:p>
+          <a:p>
+            <a:pPr lvl="0"/>
+            <a:r>
+              <a:rPr lang="mk-MK" dirty="0"/>
+              <a:t>Пациентите користат интернет за да се информираат за нивната болест</a:t>
+            </a:r>
+            <a:endParaRPr lang="en-US" dirty="0"/>
+          </a:p>
+          <a:p>
+            <a:pPr lvl="0"/>
+            <a:r>
+              <a:rPr lang="mk-MK" dirty="0"/>
+              <a:t>Пациентите и лекарите се спремни да учествуваат во посебен тренинг за користење на апликацијата доколку е потребно</a:t>
+            </a:r>
+            <a:endParaRPr lang="en-US" dirty="0"/>
+          </a:p>
+          <a:p>
+            <a:pPr lvl="0"/>
+            <a:r>
+              <a:rPr lang="mk-MK" dirty="0"/>
+              <a:t>Пациентите имаат лимитирано познавање на нивната болест</a:t>
+            </a:r>
+          </a:p>
+          <a:p>
+            <a:r>
+              <a:rPr lang="mk-MK" dirty="0"/>
+              <a:t>Пациентите не се сигурни како и кога да ги користат препишаните медикаменти</a:t>
+            </a:r>
+            <a:endParaRPr lang="en-US" dirty="0"/>
+          </a:p>
+          <a:p>
+            <a:pPr lvl="0"/>
+            <a:endParaRPr lang="en-US" dirty="0"/>
+          </a:p>
+          <a:p>
+            <a:endParaRPr lang="en-US" dirty="0"/>
+          </a:p>
+        </p:txBody>
+      </p:sp>
+    </p:spTree>
+    <p:extLst>
+      <p:ext uri="{BB962C8B-B14F-4D97-AF65-F5344CB8AC3E}">
+        <p14:creationId xmlns:p14="http://schemas.microsoft.com/office/powerpoint/2010/main" val="1115375913"/>
+      </p:ext>
+    </p:extLst>
+  </p:cSld>
+  <p:clrMapOvr>
+    <a:masterClrMapping/>
+  </p:clrMapOvr>
+  <mc:AlternateContent xmlns:mc="http://schemas.openxmlformats.org/markup-compatibility/2006" xmlns:p14="http://schemas.microsoft.com/office/powerpoint/2010/main">
+    <mc:Choice Requires="p14">
+      <p:transition spd="med" p14:dur="700">
+        <p:fade/>
+      </p:transition>
+    </mc:Choice>
+    <mc:Fallback xmlns="">
+      <p:transition spd="med">
+        <p:fade/>
+      </p:transition>
+    </mc:Fallback>
+  </mc:AlternateContent>
+</p:sld>
+</file>
+
 <file path=ppt/slides/slide28.xml><?xml version="1.0" encoding="utf-8"?>
 <p:sld xmlns:a="http://schemas.openxmlformats.org/drawingml/2006/main" xmlns:r="http://schemas.openxmlformats.org/officeDocument/2006/relationships" xmlns:p="http://schemas.openxmlformats.org/presentationml/2006/main">
   <p:cSld>
@@ -8181,7 +8187,7 @@
           <a:p>
             <a:r>
               <a:rPr lang="mk-MK" dirty="0"/>
-              <a:t>Начин на третман	</a:t>
+              <a:t>Интервјуа</a:t>
             </a:r>
             <a:endParaRPr lang="en-US" dirty="0"/>
           </a:p>
@@ -8204,8 +8210,58 @@
           </a:xfrm>
         </p:spPr>
         <p:txBody>
-          <a:bodyPr/>
+          <a:bodyPr>
+            <a:normAutofit lnSpcReduction="10000"/>
+          </a:bodyPr>
           <a:lstStyle/>
+          <a:p>
+            <a:pPr lvl="0"/>
+            <a:r>
+              <a:rPr lang="mk-MK" dirty="0"/>
+              <a:t>Пациентите се мотивирани да користат апликација за да ја подобрат својата здравствена ситуација</a:t>
+            </a:r>
+            <a:endParaRPr lang="en-US" dirty="0"/>
+          </a:p>
+          <a:p>
+            <a:pPr lvl="0"/>
+            <a:r>
+              <a:rPr lang="mk-MK" dirty="0"/>
+              <a:t>Пациентите сакаат персонализиран план за напредок </a:t>
+            </a:r>
+            <a:endParaRPr lang="en-US" dirty="0"/>
+          </a:p>
+          <a:p>
+            <a:pPr lvl="0"/>
+            <a:r>
+              <a:rPr lang="mk-MK" dirty="0"/>
+              <a:t>Пациентите сакаат да видат како другите пациенти се справуваат со нивната болест и да слушнат нивни лични совети</a:t>
+            </a:r>
+            <a:endParaRPr lang="en-US" dirty="0"/>
+          </a:p>
+          <a:p>
+            <a:pPr lvl="0"/>
+            <a:r>
+              <a:rPr lang="mk-MK" dirty="0"/>
+              <a:t>Пациентите сакаат дополнителни, проверени информации за нивната болест</a:t>
+            </a:r>
+            <a:endParaRPr lang="en-US" dirty="0"/>
+          </a:p>
+          <a:p>
+            <a:pPr lvl="0"/>
+            <a:r>
+              <a:rPr lang="mk-MK" dirty="0"/>
+              <a:t>Лекарите и медицинските сестри веруваат дека дигиталните решениа ќе бидат подобри доколку се инволвираат пациентите</a:t>
+            </a:r>
+            <a:endParaRPr lang="en-US" dirty="0"/>
+          </a:p>
+          <a:p>
+            <a:pPr lvl="0"/>
+            <a:r>
+              <a:rPr lang="mk-MK" dirty="0"/>
+              <a:t>Пациентите немаат доволно знаење за тоа што можат да направат за нивната болест во поглед на диета и физички вежби</a:t>
+            </a:r>
+            <a:endParaRPr lang="en-US" dirty="0"/>
+          </a:p>
           <a:p>
             <a:endParaRPr lang="en-US" dirty="0"/>
           </a:p>
@@ -8214,7 +8270,7 @@
     </p:spTree>
     <p:extLst>
       <p:ext uri="{BB962C8B-B14F-4D97-AF65-F5344CB8AC3E}">
-        <p14:creationId xmlns:p14="http://schemas.microsoft.com/office/powerpoint/2010/main" val="1115375913"/>
+        <p14:creationId xmlns:p14="http://schemas.microsoft.com/office/powerpoint/2010/main" val="2893588179"/>
       </p:ext>
     </p:extLst>
   </p:cSld>
@@ -8275,7 +8331,7 @@
           <a:p>
             <a:r>
               <a:rPr lang="mk-MK" dirty="0"/>
-              <a:t>Начин на третман	</a:t>
+              <a:t>Анализа</a:t>
             </a:r>
             <a:endParaRPr lang="en-US" dirty="0"/>
           </a:p>
@@ -8298,8 +8354,56 @@
           </a:xfrm>
         </p:spPr>
         <p:txBody>
-          <a:bodyPr/>
+          <a:bodyPr>
+            <a:normAutofit lnSpcReduction="10000"/>
+          </a:bodyPr>
           <a:lstStyle/>
+          <a:p>
+            <a:r>
+              <a:rPr lang="mk-MK" dirty="0"/>
+              <a:t>Голем недостиг на најважните информации кои се значајни за пациентите или пак истите не се лесно достапни</a:t>
+            </a:r>
+          </a:p>
+          <a:p>
+            <a:r>
+              <a:rPr lang="mk-MK" dirty="0"/>
+              <a:t>Бидејќи физичка состојба на пациентите не е многу добра</a:t>
+            </a:r>
+            <a:r>
+              <a:rPr lang="ru-RU" dirty="0"/>
+              <a:t>,</a:t>
+            </a:r>
+            <a:r>
+              <a:rPr lang="mk-MK" dirty="0"/>
+              <a:t> тие тешко се движат низ здравствениот систем</a:t>
+            </a:r>
+          </a:p>
+          <a:p>
+            <a:r>
+              <a:rPr lang="mk-MK" dirty="0"/>
+              <a:t>Пациенти не добиваат насоки и совети во текот на терапијата</a:t>
+            </a:r>
+          </a:p>
+          <a:p>
+            <a:r>
+              <a:rPr lang="mk-MK" dirty="0"/>
+              <a:t>Пациенти рекоа дека сакаат и/или имаат желба да бидат повеќе вклучени во нивното лекување и нивната грижа</a:t>
+            </a:r>
+            <a:endParaRPr lang="en-US" dirty="0"/>
+          </a:p>
+          <a:p>
+            <a:r>
+              <a:rPr lang="mk-MK" dirty="0"/>
+              <a:t>Лекарите се скептични дека со дигитализирање на уште еден процес нивната работа ќе стане полесна</a:t>
+            </a:r>
+          </a:p>
+          <a:p>
+            <a:r>
+              <a:rPr lang="mk-MK"/>
+              <a:t>Двете целни групи сакаат да бидат инволвирани во процесот на развивање</a:t>
+            </a:r>
+            <a:endParaRPr lang="en-US" dirty="0"/>
+          </a:p>
           <a:p>
             <a:endParaRPr lang="en-US" dirty="0"/>
           </a:p>
@@ -8308,7 +8412,7 @@
     </p:spTree>
     <p:extLst>
       <p:ext uri="{BB962C8B-B14F-4D97-AF65-F5344CB8AC3E}">
-        <p14:creationId xmlns:p14="http://schemas.microsoft.com/office/powerpoint/2010/main" val="2893588179"/>
+        <p14:creationId xmlns:p14="http://schemas.microsoft.com/office/powerpoint/2010/main" val="1953931532"/>
       </p:ext>
     </p:extLst>
   </p:cSld>
@@ -8532,7 +8636,7 @@
     </p:spTree>
     <p:extLst>
       <p:ext uri="{BB962C8B-B14F-4D97-AF65-F5344CB8AC3E}">
-        <p14:creationId xmlns:p14="http://schemas.microsoft.com/office/powerpoint/2010/main" val="3825066217"/>
+        <p14:creationId xmlns:p14="http://schemas.microsoft.com/office/powerpoint/2010/main" val="4039199503"/>
       </p:ext>
     </p:extLst>
   </p:cSld>
@@ -8626,7 +8730,101 @@
     </p:spTree>
     <p:extLst>
       <p:ext uri="{BB962C8B-B14F-4D97-AF65-F5344CB8AC3E}">
-        <p14:creationId xmlns:p14="http://schemas.microsoft.com/office/powerpoint/2010/main" val="1953931532"/>
+        <p14:creationId xmlns:p14="http://schemas.microsoft.com/office/powerpoint/2010/main" val="417750001"/>
+      </p:ext>
+    </p:extLst>
+  </p:cSld>
+  <p:clrMapOvr>
+    <a:masterClrMapping/>
+  </p:clrMapOvr>
+  <mc:AlternateContent xmlns:mc="http://schemas.openxmlformats.org/markup-compatibility/2006" xmlns:p14="http://schemas.microsoft.com/office/powerpoint/2010/main">
+    <mc:Choice Requires="p14">
+      <p:transition spd="med" p14:dur="700">
+        <p:fade/>
+      </p:transition>
+    </mc:Choice>
+    <mc:Fallback xmlns="">
+      <p:transition spd="med">
+        <p:fade/>
+      </p:transition>
+    </mc:Fallback>
+  </mc:AlternateContent>
+</p:sld>
+</file>
+
+<file path=ppt/slides/slide32.xml><?xml version="1.0" encoding="utf-8"?>
+<p:sld xmlns:a="http://schemas.openxmlformats.org/drawingml/2006/main" xmlns:r="http://schemas.openxmlformats.org/officeDocument/2006/relationships" xmlns:p="http://schemas.openxmlformats.org/presentationml/2006/main">
+  <p:cSld>
+    <p:spTree>
+      <p:nvGrpSpPr>
+        <p:cNvPr id="1" name=""/>
+        <p:cNvGrpSpPr/>
+        <p:nvPr/>
+      </p:nvGrpSpPr>
+      <p:grpSpPr>
+        <a:xfrm>
+          <a:off x="0" y="0"/>
+          <a:ext cx="0" cy="0"/>
+          <a:chOff x="0" y="0"/>
+          <a:chExt cx="0" cy="0"/>
+        </a:xfrm>
+      </p:grpSpPr>
+      <p:sp>
+        <p:nvSpPr>
+          <p:cNvPr id="13" name="Title 12"/>
+          <p:cNvSpPr>
+            <a:spLocks noGrp="1"/>
+          </p:cNvSpPr>
+          <p:nvPr>
+            <p:ph type="title"/>
+          </p:nvPr>
+        </p:nvSpPr>
+        <p:spPr>
+          <a:xfrm>
+            <a:off x="1218883" y="274637"/>
+            <a:ext cx="10360501" cy="715963"/>
+          </a:xfrm>
+        </p:spPr>
+        <p:txBody>
+          <a:bodyPr/>
+          <a:lstStyle/>
+          <a:p>
+            <a:r>
+              <a:rPr lang="mk-MK" dirty="0"/>
+              <a:t>Начин на третман	</a:t>
+            </a:r>
+            <a:endParaRPr lang="en-US" dirty="0"/>
+          </a:p>
+        </p:txBody>
+      </p:sp>
+      <p:sp>
+        <p:nvSpPr>
+          <p:cNvPr id="14" name="Content Placeholder 13"/>
+          <p:cNvSpPr>
+            <a:spLocks noGrp="1"/>
+          </p:cNvSpPr>
+          <p:nvPr>
+            <p:ph idx="1"/>
+          </p:nvPr>
+        </p:nvSpPr>
+        <p:spPr>
+          <a:xfrm>
+            <a:off x="1218883" y="1371600"/>
+            <a:ext cx="10360501" cy="5334000"/>
+          </a:xfrm>
+        </p:spPr>
+        <p:txBody>
+          <a:bodyPr/>
+          <a:lstStyle/>
+          <a:p>
+            <a:endParaRPr lang="en-US" dirty="0"/>
+          </a:p>
+        </p:txBody>
+      </p:sp>
+    </p:spTree>
+    <p:extLst>
+      <p:ext uri="{BB962C8B-B14F-4D97-AF65-F5344CB8AC3E}">
+        <p14:creationId xmlns:p14="http://schemas.microsoft.com/office/powerpoint/2010/main" val="3866114509"/>
       </p:ext>
     </p:extLst>
   </p:cSld>
@@ -10467,6 +10665,142 @@
 </file>
 
 <file path=customXml/item1.xml><?xml version="1.0" encoding="utf-8"?>
+<p:properties xmlns:p="http://schemas.microsoft.com/office/2006/metadata/properties" xmlns:xsi="http://www.w3.org/2001/XMLSchema-instance" xmlns:pc="http://schemas.microsoft.com/office/infopath/2007/PartnerControls">
+  <documentManagement>
+    <LocPublishedLinkedAssetsLookup xmlns="4873beb7-5857-4685-be1f-d57550cc96cc" xsi:nil="true"/>
+    <ApprovalStatus xmlns="4873beb7-5857-4685-be1f-d57550cc96cc">InProgress</ApprovalStatus>
+    <MarketSpecific xmlns="4873beb7-5857-4685-be1f-d57550cc96cc">false</MarketSpecific>
+    <LocComments xmlns="4873beb7-5857-4685-be1f-d57550cc96cc" xsi:nil="true"/>
+    <LocLastLocAttemptVersionTypeLookup xmlns="4873beb7-5857-4685-be1f-d57550cc96cc" xsi:nil="true"/>
+    <DirectSourceMarket xmlns="4873beb7-5857-4685-be1f-d57550cc96cc" xsi:nil="true"/>
+    <ThumbnailAssetId xmlns="4873beb7-5857-4685-be1f-d57550cc96cc" xsi:nil="true"/>
+    <PrimaryImageGen xmlns="4873beb7-5857-4685-be1f-d57550cc96cc">false</PrimaryImageGen>
+    <LocNewPublishedVersionLookup xmlns="4873beb7-5857-4685-be1f-d57550cc96cc" xsi:nil="true"/>
+    <LegacyData xmlns="4873beb7-5857-4685-be1f-d57550cc96cc" xsi:nil="true"/>
+    <LocRecommendedHandoff xmlns="4873beb7-5857-4685-be1f-d57550cc96cc" xsi:nil="true"/>
+    <BusinessGroup xmlns="4873beb7-5857-4685-be1f-d57550cc96cc" xsi:nil="true"/>
+    <BlockPublish xmlns="4873beb7-5857-4685-be1f-d57550cc96cc">false</BlockPublish>
+    <TPFriendlyName xmlns="4873beb7-5857-4685-be1f-d57550cc96cc" xsi:nil="true"/>
+    <LocOverallPublishStatusLookup xmlns="4873beb7-5857-4685-be1f-d57550cc96cc" xsi:nil="true"/>
+    <NumericId xmlns="4873beb7-5857-4685-be1f-d57550cc96cc" xsi:nil="true"/>
+    <APEditor xmlns="4873beb7-5857-4685-be1f-d57550cc96cc">
+      <UserInfo>
+        <DisplayName/>
+        <AccountId xsi:nil="true"/>
+        <AccountType/>
+      </UserInfo>
+    </APEditor>
+    <SourceTitle xmlns="4873beb7-5857-4685-be1f-d57550cc96cc" xsi:nil="true"/>
+    <OpenTemplate xmlns="4873beb7-5857-4685-be1f-d57550cc96cc">true</OpenTemplate>
+    <LocOverallLocStatusLookup xmlns="4873beb7-5857-4685-be1f-d57550cc96cc" xsi:nil="true"/>
+    <UALocComments xmlns="4873beb7-5857-4685-be1f-d57550cc96cc" xsi:nil="true"/>
+    <ParentAssetId xmlns="4873beb7-5857-4685-be1f-d57550cc96cc" xsi:nil="true"/>
+    <IntlLangReviewDate xmlns="4873beb7-5857-4685-be1f-d57550cc96cc" xsi:nil="true"/>
+    <FeatureTagsTaxHTField0 xmlns="4873beb7-5857-4685-be1f-d57550cc96cc">
+      <Terms xmlns="http://schemas.microsoft.com/office/infopath/2007/PartnerControls"/>
+    </FeatureTagsTaxHTField0>
+    <PublishStatusLookup xmlns="4873beb7-5857-4685-be1f-d57550cc96cc">
+      <Value>1345093</Value>
+    </PublishStatusLookup>
+    <Providers xmlns="4873beb7-5857-4685-be1f-d57550cc96cc" xsi:nil="true"/>
+    <MachineTranslated xmlns="4873beb7-5857-4685-be1f-d57550cc96cc">false</MachineTranslated>
+    <OriginalSourceMarket xmlns="4873beb7-5857-4685-be1f-d57550cc96cc" xsi:nil="true"/>
+    <APDescription xmlns="4873beb7-5857-4685-be1f-d57550cc96cc">This simple template design works for technology and  businesses, but it's versatile enough to use in other contexts.  It features multiple slide layouts designed for widescreen (16x9 resolution) and includes a sample SmartArt list and chart that are easily editable.</APDescription>
+    <ClipArtFilename xmlns="4873beb7-5857-4685-be1f-d57550cc96cc" xsi:nil="true"/>
+    <ContentItem xmlns="4873beb7-5857-4685-be1f-d57550cc96cc" xsi:nil="true"/>
+    <TPInstallLocation xmlns="4873beb7-5857-4685-be1f-d57550cc96cc" xsi:nil="true"/>
+    <PublishTargets xmlns="4873beb7-5857-4685-be1f-d57550cc96cc">OfficeOnlineVNext</PublishTargets>
+    <TimesCloned xmlns="4873beb7-5857-4685-be1f-d57550cc96cc" xsi:nil="true"/>
+    <AssetStart xmlns="4873beb7-5857-4685-be1f-d57550cc96cc">2011-11-26T00:30:00+00:00</AssetStart>
+    <Provider xmlns="4873beb7-5857-4685-be1f-d57550cc96cc" xsi:nil="true"/>
+    <AcquiredFrom xmlns="4873beb7-5857-4685-be1f-d57550cc96cc">Internal MS</AcquiredFrom>
+    <FriendlyTitle xmlns="4873beb7-5857-4685-be1f-d57550cc96cc" xsi:nil="true"/>
+    <LastHandOff xmlns="4873beb7-5857-4685-be1f-d57550cc96cc" xsi:nil="true"/>
+    <TPClientViewer xmlns="4873beb7-5857-4685-be1f-d57550cc96cc" xsi:nil="true"/>
+    <TemplateStatus xmlns="4873beb7-5857-4685-be1f-d57550cc96cc">Complete</TemplateStatus>
+    <Downloads xmlns="4873beb7-5857-4685-be1f-d57550cc96cc">0</Downloads>
+    <OOCacheId xmlns="4873beb7-5857-4685-be1f-d57550cc96cc" xsi:nil="true"/>
+    <IsDeleted xmlns="4873beb7-5857-4685-be1f-d57550cc96cc">false</IsDeleted>
+    <LocPublishedDependentAssetsLookup xmlns="4873beb7-5857-4685-be1f-d57550cc96cc" xsi:nil="true"/>
+    <TPExecutable xmlns="4873beb7-5857-4685-be1f-d57550cc96cc" xsi:nil="true"/>
+    <EditorialTags xmlns="4873beb7-5857-4685-be1f-d57550cc96cc" xsi:nil="true"/>
+    <SubmitterId xmlns="4873beb7-5857-4685-be1f-d57550cc96cc" xsi:nil="true"/>
+    <ApprovalLog xmlns="4873beb7-5857-4685-be1f-d57550cc96cc" xsi:nil="true"/>
+    <AssetType xmlns="4873beb7-5857-4685-be1f-d57550cc96cc">TP</AssetType>
+    <BugNumber xmlns="4873beb7-5857-4685-be1f-d57550cc96cc" xsi:nil="true"/>
+    <CSXSubmissionDate xmlns="4873beb7-5857-4685-be1f-d57550cc96cc" xsi:nil="true"/>
+    <CSXUpdate xmlns="4873beb7-5857-4685-be1f-d57550cc96cc">false</CSXUpdate>
+    <Milestone xmlns="4873beb7-5857-4685-be1f-d57550cc96cc" xsi:nil="true"/>
+    <RecommendationsModifier xmlns="4873beb7-5857-4685-be1f-d57550cc96cc" xsi:nil="true"/>
+    <OriginAsset xmlns="4873beb7-5857-4685-be1f-d57550cc96cc" xsi:nil="true"/>
+    <TPComponent xmlns="4873beb7-5857-4685-be1f-d57550cc96cc" xsi:nil="true"/>
+    <AssetId xmlns="4873beb7-5857-4685-be1f-d57550cc96cc">TP102787989</AssetId>
+    <IntlLocPriority xmlns="4873beb7-5857-4685-be1f-d57550cc96cc" xsi:nil="true"/>
+    <PolicheckWords xmlns="4873beb7-5857-4685-be1f-d57550cc96cc" xsi:nil="true"/>
+    <TPLaunchHelpLink xmlns="4873beb7-5857-4685-be1f-d57550cc96cc" xsi:nil="true"/>
+    <TPApplication xmlns="4873beb7-5857-4685-be1f-d57550cc96cc" xsi:nil="true"/>
+    <CrawlForDependencies xmlns="4873beb7-5857-4685-be1f-d57550cc96cc">false</CrawlForDependencies>
+    <HandoffToMSDN xmlns="4873beb7-5857-4685-be1f-d57550cc96cc" xsi:nil="true"/>
+    <PlannedPubDate xmlns="4873beb7-5857-4685-be1f-d57550cc96cc" xsi:nil="true"/>
+    <IntlLangReviewer xmlns="4873beb7-5857-4685-be1f-d57550cc96cc" xsi:nil="true"/>
+    <TrustLevel xmlns="4873beb7-5857-4685-be1f-d57550cc96cc">1 Microsoft Managed Content</TrustLevel>
+    <LocLastLocAttemptVersionLookup xmlns="4873beb7-5857-4685-be1f-d57550cc96cc">694266</LocLastLocAttemptVersionLookup>
+    <LocProcessedForHandoffsLookup xmlns="4873beb7-5857-4685-be1f-d57550cc96cc" xsi:nil="true"/>
+    <IsSearchable xmlns="4873beb7-5857-4685-be1f-d57550cc96cc">true</IsSearchable>
+    <TemplateTemplateType xmlns="4873beb7-5857-4685-be1f-d57550cc96cc">PowerPoint Presentation Template</TemplateTemplateType>
+    <CampaignTagsTaxHTField0 xmlns="4873beb7-5857-4685-be1f-d57550cc96cc">
+      <Terms xmlns="http://schemas.microsoft.com/office/infopath/2007/PartnerControls"/>
+    </CampaignTagsTaxHTField0>
+    <TPNamespace xmlns="4873beb7-5857-4685-be1f-d57550cc96cc" xsi:nil="true"/>
+    <LocOverallPreviewStatusLookup xmlns="4873beb7-5857-4685-be1f-d57550cc96cc" xsi:nil="true"/>
+    <TaxCatchAll xmlns="4873beb7-5857-4685-be1f-d57550cc96cc"/>
+    <Markets xmlns="4873beb7-5857-4685-be1f-d57550cc96cc"/>
+    <UAProjectedTotalWords xmlns="4873beb7-5857-4685-be1f-d57550cc96cc" xsi:nil="true"/>
+    <IntlLangReview xmlns="4873beb7-5857-4685-be1f-d57550cc96cc" xsi:nil="true"/>
+    <OutputCachingOn xmlns="4873beb7-5857-4685-be1f-d57550cc96cc">false</OutputCachingOn>
+    <AverageRating xmlns="4873beb7-5857-4685-be1f-d57550cc96cc" xsi:nil="true"/>
+    <APAuthor xmlns="4873beb7-5857-4685-be1f-d57550cc96cc">
+      <UserInfo>
+        <DisplayName>REDMOND\kristaa</DisplayName>
+        <AccountId>136</AccountId>
+        <AccountType/>
+      </UserInfo>
+    </APAuthor>
+    <LocManualTestRequired xmlns="4873beb7-5857-4685-be1f-d57550cc96cc">false</LocManualTestRequired>
+    <TPCommandLine xmlns="4873beb7-5857-4685-be1f-d57550cc96cc" xsi:nil="true"/>
+    <TPAppVersion xmlns="4873beb7-5857-4685-be1f-d57550cc96cc" xsi:nil="true"/>
+    <EditorialStatus xmlns="4873beb7-5857-4685-be1f-d57550cc96cc">Complete</EditorialStatus>
+    <LastModifiedDateTime xmlns="4873beb7-5857-4685-be1f-d57550cc96cc" xsi:nil="true"/>
+    <ScenarioTagsTaxHTField0 xmlns="4873beb7-5857-4685-be1f-d57550cc96cc">
+      <Terms xmlns="http://schemas.microsoft.com/office/infopath/2007/PartnerControls"/>
+    </ScenarioTagsTaxHTField0>
+    <LocProcessedForMarketsLookup xmlns="4873beb7-5857-4685-be1f-d57550cc96cc" xsi:nil="true"/>
+    <TPLaunchHelpLinkType xmlns="4873beb7-5857-4685-be1f-d57550cc96cc">Template</TPLaunchHelpLinkType>
+    <OriginalRelease xmlns="4873beb7-5857-4685-be1f-d57550cc96cc">15</OriginalRelease>
+    <LocalizationTagsTaxHTField0 xmlns="4873beb7-5857-4685-be1f-d57550cc96cc">
+      <Terms xmlns="http://schemas.microsoft.com/office/infopath/2007/PartnerControls"/>
+    </LocalizationTagsTaxHTField0>
+    <UACurrentWords xmlns="4873beb7-5857-4685-be1f-d57550cc96cc" xsi:nil="true"/>
+    <ArtSampleDocs xmlns="4873beb7-5857-4685-be1f-d57550cc96cc" xsi:nil="true"/>
+    <UALocRecommendation xmlns="4873beb7-5857-4685-be1f-d57550cc96cc">Localize</UALocRecommendation>
+    <Manager xmlns="4873beb7-5857-4685-be1f-d57550cc96cc" xsi:nil="true"/>
+    <LocOverallHandbackStatusLookup xmlns="4873beb7-5857-4685-be1f-d57550cc96cc" xsi:nil="true"/>
+    <ShowIn xmlns="4873beb7-5857-4685-be1f-d57550cc96cc">Show everywhere</ShowIn>
+    <UANotes xmlns="4873beb7-5857-4685-be1f-d57550cc96cc" xsi:nil="true"/>
+    <InternalTagsTaxHTField0 xmlns="4873beb7-5857-4685-be1f-d57550cc96cc">
+      <Terms xmlns="http://schemas.microsoft.com/office/infopath/2007/PartnerControls"/>
+    </InternalTagsTaxHTField0>
+    <CSXHash xmlns="4873beb7-5857-4685-be1f-d57550cc96cc" xsi:nil="true"/>
+    <VoteCount xmlns="4873beb7-5857-4685-be1f-d57550cc96cc" xsi:nil="true"/>
+    <AssetExpire xmlns="4873beb7-5857-4685-be1f-d57550cc96cc">2029-05-12T07:00:00+00:00</AssetExpire>
+    <DSATActionTaken xmlns="4873beb7-5857-4685-be1f-d57550cc96cc" xsi:nil="true"/>
+    <CSXSubmissionMarket xmlns="4873beb7-5857-4685-be1f-d57550cc96cc" xsi:nil="true"/>
+    <LocMarketGroupTiers2 xmlns="4873beb7-5857-4685-be1f-d57550cc96cc" xsi:nil="true"/>
+  </documentManagement>
+</p:properties>
+</file>
+
+<file path=customXml/item2.xml><?xml version="1.0" encoding="utf-8"?>
 <ct:contentTypeSchema xmlns:ct="http://schemas.microsoft.com/office/2006/metadata/contentType" xmlns:ma="http://schemas.microsoft.com/office/2006/metadata/properties/metaAttributes" ct:_="" ma:_="" ma:contentTypeName="TemplateFile" ma:contentTypeID="0x0101006EDDDB5EE6D98C44930B742096920B300400F5B6D36B3EF94B4E9A635CDF2A18F5B8" ma:contentTypeVersion="72" ma:contentTypeDescription="Create a new document." ma:contentTypeScope="" ma:versionID="a23e56308344d904b51738559c3d67c9">
   <xsd:schema xmlns:xsd="http://www.w3.org/2001/XMLSchema" xmlns:xs="http://www.w3.org/2001/XMLSchema" xmlns:p="http://schemas.microsoft.com/office/2006/metadata/properties" xmlns:ns2="4873beb7-5857-4685-be1f-d57550cc96cc" targetNamespace="http://schemas.microsoft.com/office/2006/metadata/properties" ma:root="true" ma:fieldsID="cd0908cc4600e77bf5da051303e00c8d" ns2:_="">
     <xsd:import namespace="4873beb7-5857-4685-be1f-d57550cc96cc"/>
@@ -11506,142 +11840,6 @@
 </ct:contentTypeSchema>
 </file>
 
-<file path=customXml/item2.xml><?xml version="1.0" encoding="utf-8"?>
-<p:properties xmlns:p="http://schemas.microsoft.com/office/2006/metadata/properties" xmlns:xsi="http://www.w3.org/2001/XMLSchema-instance" xmlns:pc="http://schemas.microsoft.com/office/infopath/2007/PartnerControls">
-  <documentManagement>
-    <LocPublishedLinkedAssetsLookup xmlns="4873beb7-5857-4685-be1f-d57550cc96cc" xsi:nil="true"/>
-    <ApprovalStatus xmlns="4873beb7-5857-4685-be1f-d57550cc96cc">InProgress</ApprovalStatus>
-    <MarketSpecific xmlns="4873beb7-5857-4685-be1f-d57550cc96cc">false</MarketSpecific>
-    <LocComments xmlns="4873beb7-5857-4685-be1f-d57550cc96cc" xsi:nil="true"/>
-    <LocLastLocAttemptVersionTypeLookup xmlns="4873beb7-5857-4685-be1f-d57550cc96cc" xsi:nil="true"/>
-    <DirectSourceMarket xmlns="4873beb7-5857-4685-be1f-d57550cc96cc" xsi:nil="true"/>
-    <ThumbnailAssetId xmlns="4873beb7-5857-4685-be1f-d57550cc96cc" xsi:nil="true"/>
-    <PrimaryImageGen xmlns="4873beb7-5857-4685-be1f-d57550cc96cc">false</PrimaryImageGen>
-    <LocNewPublishedVersionLookup xmlns="4873beb7-5857-4685-be1f-d57550cc96cc" xsi:nil="true"/>
-    <LegacyData xmlns="4873beb7-5857-4685-be1f-d57550cc96cc" xsi:nil="true"/>
-    <LocRecommendedHandoff xmlns="4873beb7-5857-4685-be1f-d57550cc96cc" xsi:nil="true"/>
-    <BusinessGroup xmlns="4873beb7-5857-4685-be1f-d57550cc96cc" xsi:nil="true"/>
-    <BlockPublish xmlns="4873beb7-5857-4685-be1f-d57550cc96cc">false</BlockPublish>
-    <TPFriendlyName xmlns="4873beb7-5857-4685-be1f-d57550cc96cc" xsi:nil="true"/>
-    <LocOverallPublishStatusLookup xmlns="4873beb7-5857-4685-be1f-d57550cc96cc" xsi:nil="true"/>
-    <NumericId xmlns="4873beb7-5857-4685-be1f-d57550cc96cc" xsi:nil="true"/>
-    <APEditor xmlns="4873beb7-5857-4685-be1f-d57550cc96cc">
-      <UserInfo>
-        <DisplayName/>
-        <AccountId xsi:nil="true"/>
-        <AccountType/>
-      </UserInfo>
-    </APEditor>
-    <SourceTitle xmlns="4873beb7-5857-4685-be1f-d57550cc96cc" xsi:nil="true"/>
-    <OpenTemplate xmlns="4873beb7-5857-4685-be1f-d57550cc96cc">true</OpenTemplate>
-    <LocOverallLocStatusLookup xmlns="4873beb7-5857-4685-be1f-d57550cc96cc" xsi:nil="true"/>
-    <UALocComments xmlns="4873beb7-5857-4685-be1f-d57550cc96cc" xsi:nil="true"/>
-    <ParentAssetId xmlns="4873beb7-5857-4685-be1f-d57550cc96cc" xsi:nil="true"/>
-    <IntlLangReviewDate xmlns="4873beb7-5857-4685-be1f-d57550cc96cc" xsi:nil="true"/>
-    <FeatureTagsTaxHTField0 xmlns="4873beb7-5857-4685-be1f-d57550cc96cc">
-      <Terms xmlns="http://schemas.microsoft.com/office/infopath/2007/PartnerControls"/>
-    </FeatureTagsTaxHTField0>
-    <PublishStatusLookup xmlns="4873beb7-5857-4685-be1f-d57550cc96cc">
-      <Value>1345093</Value>
-    </PublishStatusLookup>
-    <Providers xmlns="4873beb7-5857-4685-be1f-d57550cc96cc" xsi:nil="true"/>
-    <MachineTranslated xmlns="4873beb7-5857-4685-be1f-d57550cc96cc">false</MachineTranslated>
-    <OriginalSourceMarket xmlns="4873beb7-5857-4685-be1f-d57550cc96cc" xsi:nil="true"/>
-    <APDescription xmlns="4873beb7-5857-4685-be1f-d57550cc96cc">This simple template design works for technology and  businesses, but it's versatile enough to use in other contexts.  It features multiple slide layouts designed for widescreen (16x9 resolution) and includes a sample SmartArt list and chart that are easily editable.</APDescription>
-    <ClipArtFilename xmlns="4873beb7-5857-4685-be1f-d57550cc96cc" xsi:nil="true"/>
-    <ContentItem xmlns="4873beb7-5857-4685-be1f-d57550cc96cc" xsi:nil="true"/>
-    <TPInstallLocation xmlns="4873beb7-5857-4685-be1f-d57550cc96cc" xsi:nil="true"/>
-    <PublishTargets xmlns="4873beb7-5857-4685-be1f-d57550cc96cc">OfficeOnlineVNext</PublishTargets>
-    <TimesCloned xmlns="4873beb7-5857-4685-be1f-d57550cc96cc" xsi:nil="true"/>
-    <AssetStart xmlns="4873beb7-5857-4685-be1f-d57550cc96cc">2011-11-26T00:30:00+00:00</AssetStart>
-    <Provider xmlns="4873beb7-5857-4685-be1f-d57550cc96cc" xsi:nil="true"/>
-    <AcquiredFrom xmlns="4873beb7-5857-4685-be1f-d57550cc96cc">Internal MS</AcquiredFrom>
-    <FriendlyTitle xmlns="4873beb7-5857-4685-be1f-d57550cc96cc" xsi:nil="true"/>
-    <LastHandOff xmlns="4873beb7-5857-4685-be1f-d57550cc96cc" xsi:nil="true"/>
-    <TPClientViewer xmlns="4873beb7-5857-4685-be1f-d57550cc96cc" xsi:nil="true"/>
-    <TemplateStatus xmlns="4873beb7-5857-4685-be1f-d57550cc96cc">Complete</TemplateStatus>
-    <Downloads xmlns="4873beb7-5857-4685-be1f-d57550cc96cc">0</Downloads>
-    <OOCacheId xmlns="4873beb7-5857-4685-be1f-d57550cc96cc" xsi:nil="true"/>
-    <IsDeleted xmlns="4873beb7-5857-4685-be1f-d57550cc96cc">false</IsDeleted>
-    <LocPublishedDependentAssetsLookup xmlns="4873beb7-5857-4685-be1f-d57550cc96cc" xsi:nil="true"/>
-    <TPExecutable xmlns="4873beb7-5857-4685-be1f-d57550cc96cc" xsi:nil="true"/>
-    <EditorialTags xmlns="4873beb7-5857-4685-be1f-d57550cc96cc" xsi:nil="true"/>
-    <SubmitterId xmlns="4873beb7-5857-4685-be1f-d57550cc96cc" xsi:nil="true"/>
-    <ApprovalLog xmlns="4873beb7-5857-4685-be1f-d57550cc96cc" xsi:nil="true"/>
-    <AssetType xmlns="4873beb7-5857-4685-be1f-d57550cc96cc">TP</AssetType>
-    <BugNumber xmlns="4873beb7-5857-4685-be1f-d57550cc96cc" xsi:nil="true"/>
-    <CSXSubmissionDate xmlns="4873beb7-5857-4685-be1f-d57550cc96cc" xsi:nil="true"/>
-    <CSXUpdate xmlns="4873beb7-5857-4685-be1f-d57550cc96cc">false</CSXUpdate>
-    <Milestone xmlns="4873beb7-5857-4685-be1f-d57550cc96cc" xsi:nil="true"/>
-    <RecommendationsModifier xmlns="4873beb7-5857-4685-be1f-d57550cc96cc" xsi:nil="true"/>
-    <OriginAsset xmlns="4873beb7-5857-4685-be1f-d57550cc96cc" xsi:nil="true"/>
-    <TPComponent xmlns="4873beb7-5857-4685-be1f-d57550cc96cc" xsi:nil="true"/>
-    <AssetId xmlns="4873beb7-5857-4685-be1f-d57550cc96cc">TP102787989</AssetId>
-    <IntlLocPriority xmlns="4873beb7-5857-4685-be1f-d57550cc96cc" xsi:nil="true"/>
-    <PolicheckWords xmlns="4873beb7-5857-4685-be1f-d57550cc96cc" xsi:nil="true"/>
-    <TPLaunchHelpLink xmlns="4873beb7-5857-4685-be1f-d57550cc96cc" xsi:nil="true"/>
-    <TPApplication xmlns="4873beb7-5857-4685-be1f-d57550cc96cc" xsi:nil="true"/>
-    <CrawlForDependencies xmlns="4873beb7-5857-4685-be1f-d57550cc96cc">false</CrawlForDependencies>
-    <HandoffToMSDN xmlns="4873beb7-5857-4685-be1f-d57550cc96cc" xsi:nil="true"/>
-    <PlannedPubDate xmlns="4873beb7-5857-4685-be1f-d57550cc96cc" xsi:nil="true"/>
-    <IntlLangReviewer xmlns="4873beb7-5857-4685-be1f-d57550cc96cc" xsi:nil="true"/>
-    <TrustLevel xmlns="4873beb7-5857-4685-be1f-d57550cc96cc">1 Microsoft Managed Content</TrustLevel>
-    <LocLastLocAttemptVersionLookup xmlns="4873beb7-5857-4685-be1f-d57550cc96cc">694266</LocLastLocAttemptVersionLookup>
-    <LocProcessedForHandoffsLookup xmlns="4873beb7-5857-4685-be1f-d57550cc96cc" xsi:nil="true"/>
-    <IsSearchable xmlns="4873beb7-5857-4685-be1f-d57550cc96cc">true</IsSearchable>
-    <TemplateTemplateType xmlns="4873beb7-5857-4685-be1f-d57550cc96cc">PowerPoint Presentation Template</TemplateTemplateType>
-    <CampaignTagsTaxHTField0 xmlns="4873beb7-5857-4685-be1f-d57550cc96cc">
-      <Terms xmlns="http://schemas.microsoft.com/office/infopath/2007/PartnerControls"/>
-    </CampaignTagsTaxHTField0>
-    <TPNamespace xmlns="4873beb7-5857-4685-be1f-d57550cc96cc" xsi:nil="true"/>
-    <LocOverallPreviewStatusLookup xmlns="4873beb7-5857-4685-be1f-d57550cc96cc" xsi:nil="true"/>
-    <TaxCatchAll xmlns="4873beb7-5857-4685-be1f-d57550cc96cc"/>
-    <Markets xmlns="4873beb7-5857-4685-be1f-d57550cc96cc"/>
-    <UAProjectedTotalWords xmlns="4873beb7-5857-4685-be1f-d57550cc96cc" xsi:nil="true"/>
-    <IntlLangReview xmlns="4873beb7-5857-4685-be1f-d57550cc96cc" xsi:nil="true"/>
-    <OutputCachingOn xmlns="4873beb7-5857-4685-be1f-d57550cc96cc">false</OutputCachingOn>
-    <AverageRating xmlns="4873beb7-5857-4685-be1f-d57550cc96cc" xsi:nil="true"/>
-    <APAuthor xmlns="4873beb7-5857-4685-be1f-d57550cc96cc">
-      <UserInfo>
-        <DisplayName>REDMOND\kristaa</DisplayName>
-        <AccountId>136</AccountId>
-        <AccountType/>
-      </UserInfo>
-    </APAuthor>
-    <LocManualTestRequired xmlns="4873beb7-5857-4685-be1f-d57550cc96cc">false</LocManualTestRequired>
-    <TPCommandLine xmlns="4873beb7-5857-4685-be1f-d57550cc96cc" xsi:nil="true"/>
-    <TPAppVersion xmlns="4873beb7-5857-4685-be1f-d57550cc96cc" xsi:nil="true"/>
-    <EditorialStatus xmlns="4873beb7-5857-4685-be1f-d57550cc96cc">Complete</EditorialStatus>
-    <LastModifiedDateTime xmlns="4873beb7-5857-4685-be1f-d57550cc96cc" xsi:nil="true"/>
-    <ScenarioTagsTaxHTField0 xmlns="4873beb7-5857-4685-be1f-d57550cc96cc">
-      <Terms xmlns="http://schemas.microsoft.com/office/infopath/2007/PartnerControls"/>
-    </ScenarioTagsTaxHTField0>
-    <LocProcessedForMarketsLookup xmlns="4873beb7-5857-4685-be1f-d57550cc96cc" xsi:nil="true"/>
-    <TPLaunchHelpLinkType xmlns="4873beb7-5857-4685-be1f-d57550cc96cc">Template</TPLaunchHelpLinkType>
-    <OriginalRelease xmlns="4873beb7-5857-4685-be1f-d57550cc96cc">15</OriginalRelease>
-    <LocalizationTagsTaxHTField0 xmlns="4873beb7-5857-4685-be1f-d57550cc96cc">
-      <Terms xmlns="http://schemas.microsoft.com/office/infopath/2007/PartnerControls"/>
-    </LocalizationTagsTaxHTField0>
-    <UACurrentWords xmlns="4873beb7-5857-4685-be1f-d57550cc96cc" xsi:nil="true"/>
-    <ArtSampleDocs xmlns="4873beb7-5857-4685-be1f-d57550cc96cc" xsi:nil="true"/>
-    <UALocRecommendation xmlns="4873beb7-5857-4685-be1f-d57550cc96cc">Localize</UALocRecommendation>
-    <Manager xmlns="4873beb7-5857-4685-be1f-d57550cc96cc" xsi:nil="true"/>
-    <LocOverallHandbackStatusLookup xmlns="4873beb7-5857-4685-be1f-d57550cc96cc" xsi:nil="true"/>
-    <ShowIn xmlns="4873beb7-5857-4685-be1f-d57550cc96cc">Show everywhere</ShowIn>
-    <UANotes xmlns="4873beb7-5857-4685-be1f-d57550cc96cc" xsi:nil="true"/>
-    <InternalTagsTaxHTField0 xmlns="4873beb7-5857-4685-be1f-d57550cc96cc">
-      <Terms xmlns="http://schemas.microsoft.com/office/infopath/2007/PartnerControls"/>
-    </InternalTagsTaxHTField0>
-    <CSXHash xmlns="4873beb7-5857-4685-be1f-d57550cc96cc" xsi:nil="true"/>
-    <VoteCount xmlns="4873beb7-5857-4685-be1f-d57550cc96cc" xsi:nil="true"/>
-    <AssetExpire xmlns="4873beb7-5857-4685-be1f-d57550cc96cc">2029-05-12T07:00:00+00:00</AssetExpire>
-    <DSATActionTaken xmlns="4873beb7-5857-4685-be1f-d57550cc96cc" xsi:nil="true"/>
-    <CSXSubmissionMarket xmlns="4873beb7-5857-4685-be1f-d57550cc96cc" xsi:nil="true"/>
-    <LocMarketGroupTiers2 xmlns="4873beb7-5857-4685-be1f-d57550cc96cc" xsi:nil="true"/>
-  </documentManagement>
-</p:properties>
-</file>
-
 <file path=customXml/item3.xml><?xml version="1.0" encoding="utf-8"?>
 <?mso-contentType ?>
 <FormTemplates xmlns="http://schemas.microsoft.com/sharepoint/v3/contenttype/forms">
@@ -11652,6 +11850,22 @@
 </file>
 
 <file path=customXml/itemProps1.xml><?xml version="1.0" encoding="utf-8"?>
+<ds:datastoreItem xmlns:ds="http://schemas.openxmlformats.org/officeDocument/2006/customXml" ds:itemID="{60C67BEE-D13F-4BD2-98A5-34D8A0977F68}">
+  <ds:schemaRefs>
+    <ds:schemaRef ds:uri="http://purl.org/dc/terms/"/>
+    <ds:schemaRef ds:uri="http://schemas.openxmlformats.org/package/2006/metadata/core-properties"/>
+    <ds:schemaRef ds:uri="4873beb7-5857-4685-be1f-d57550cc96cc"/>
+    <ds:schemaRef ds:uri="http://schemas.microsoft.com/office/2006/documentManagement/types"/>
+    <ds:schemaRef ds:uri="http://schemas.microsoft.com/office/infopath/2007/PartnerControls"/>
+    <ds:schemaRef ds:uri="http://purl.org/dc/elements/1.1/"/>
+    <ds:schemaRef ds:uri="http://schemas.microsoft.com/office/2006/metadata/properties"/>
+    <ds:schemaRef ds:uri="http://www.w3.org/XML/1998/namespace"/>
+    <ds:schemaRef ds:uri="http://purl.org/dc/dcmitype/"/>
+  </ds:schemaRefs>
+</ds:datastoreItem>
+</file>
+
+<file path=customXml/itemProps2.xml><?xml version="1.0" encoding="utf-8"?>
 <ds:datastoreItem xmlns:ds="http://schemas.openxmlformats.org/officeDocument/2006/customXml" ds:itemID="{A09BF4D4-EF60-4196-BFC3-9462D607978C}">
   <ds:schemaRefs>
     <ds:schemaRef ds:uri="http://schemas.microsoft.com/office/2006/metadata/contentType"/>
@@ -11669,22 +11883,6 @@
 </ds:datastoreItem>
 </file>
 
-<file path=customXml/itemProps2.xml><?xml version="1.0" encoding="utf-8"?>
-<ds:datastoreItem xmlns:ds="http://schemas.openxmlformats.org/officeDocument/2006/customXml" ds:itemID="{60C67BEE-D13F-4BD2-98A5-34D8A0977F68}">
-  <ds:schemaRefs>
-    <ds:schemaRef ds:uri="http://purl.org/dc/terms/"/>
-    <ds:schemaRef ds:uri="http://schemas.openxmlformats.org/package/2006/metadata/core-properties"/>
-    <ds:schemaRef ds:uri="4873beb7-5857-4685-be1f-d57550cc96cc"/>
-    <ds:schemaRef ds:uri="http://schemas.microsoft.com/office/2006/documentManagement/types"/>
-    <ds:schemaRef ds:uri="http://schemas.microsoft.com/office/infopath/2007/PartnerControls"/>
-    <ds:schemaRef ds:uri="http://purl.org/dc/elements/1.1/"/>
-    <ds:schemaRef ds:uri="http://schemas.microsoft.com/office/2006/metadata/properties"/>
-    <ds:schemaRef ds:uri="http://www.w3.org/XML/1998/namespace"/>
-    <ds:schemaRef ds:uri="http://purl.org/dc/dcmitype/"/>
-  </ds:schemaRefs>
-</ds:datastoreItem>
-</file>
-
 <file path=customXml/itemProps3.xml><?xml version="1.0" encoding="utf-8"?>
 <ds:datastoreItem xmlns:ds="http://schemas.openxmlformats.org/officeDocument/2006/customXml" ds:itemID="{3836F65B-1B07-41EE-A0E8-BC6EF3855225}">
   <ds:schemaRefs>

--- a/Master.pptx
+++ b/Master.pptx
@@ -5,10 +5,10 @@
     <p:sldMasterId id="2147483660" r:id="rId4"/>
   </p:sldMasterIdLst>
   <p:notesMasterIdLst>
-    <p:notesMasterId r:id="rId37"/>
+    <p:notesMasterId r:id="rId51"/>
   </p:notesMasterIdLst>
   <p:handoutMasterIdLst>
-    <p:handoutMasterId r:id="rId38"/>
+    <p:handoutMasterId r:id="rId52"/>
   </p:handoutMasterIdLst>
   <p:sldIdLst>
     <p:sldId id="257" r:id="rId5"/>
@@ -41,8 +41,22 @@
     <p:sldId id="298" r:id="rId32"/>
     <p:sldId id="300" r:id="rId33"/>
     <p:sldId id="301" r:id="rId34"/>
-    <p:sldId id="302" r:id="rId35"/>
-    <p:sldId id="303" r:id="rId36"/>
+    <p:sldId id="304" r:id="rId35"/>
+    <p:sldId id="305" r:id="rId36"/>
+    <p:sldId id="306" r:id="rId37"/>
+    <p:sldId id="307" r:id="rId38"/>
+    <p:sldId id="308" r:id="rId39"/>
+    <p:sldId id="309" r:id="rId40"/>
+    <p:sldId id="310" r:id="rId41"/>
+    <p:sldId id="311" r:id="rId42"/>
+    <p:sldId id="312" r:id="rId43"/>
+    <p:sldId id="313" r:id="rId44"/>
+    <p:sldId id="314" r:id="rId45"/>
+    <p:sldId id="315" r:id="rId46"/>
+    <p:sldId id="316" r:id="rId47"/>
+    <p:sldId id="317" r:id="rId48"/>
+    <p:sldId id="318" r:id="rId49"/>
+    <p:sldId id="319" r:id="rId50"/>
   </p:sldIdLst>
   <p:sldSz cx="12188825" cy="6858000"/>
   <p:notesSz cx="6858000" cy="9144000"/>
@@ -260,7 +274,7 @@
           <a:p>
             <a:fld id="{FE5B4EDC-59C0-49C7-8ADA-5A781B329E02}" type="datetimeFigureOut">
               <a:rPr lang="en-US"/>
-              <a:t>1/31/2018</a:t>
+              <a:t>2/1/2018</a:t>
             </a:fld>
             <a:endParaRPr/>
           </a:p>
@@ -425,7 +439,7 @@
           <a:p>
             <a:fld id="{F2D8D46A-B586-417D-BFBD-8C8FE0AAF762}" type="datetimeFigureOut">
               <a:rPr lang="en-US"/>
-              <a:t>1/31/2018</a:t>
+              <a:t>2/1/2018</a:t>
             </a:fld>
             <a:endParaRPr/>
           </a:p>
@@ -1443,7 +1457,7 @@
           <a:p>
             <a:fld id="{F0DFD029-FB74-4578-B929-F66AA97659CA}" type="datetimeFigureOut">
               <a:rPr lang="en-US"/>
-              <a:t>1/31/2018</a:t>
+              <a:t>2/1/2018</a:t>
             </a:fld>
             <a:endParaRPr/>
           </a:p>
@@ -1641,7 +1655,7 @@
           <a:p>
             <a:fld id="{F0DFD029-FB74-4578-B929-F66AA97659CA}" type="datetimeFigureOut">
               <a:rPr lang="en-US"/>
-              <a:t>1/31/2018</a:t>
+              <a:t>2/1/2018</a:t>
             </a:fld>
             <a:endParaRPr/>
           </a:p>
@@ -1849,7 +1863,7 @@
           <a:p>
             <a:fld id="{F0DFD029-FB74-4578-B929-F66AA97659CA}" type="datetimeFigureOut">
               <a:rPr lang="en-US"/>
-              <a:t>1/31/2018</a:t>
+              <a:t>2/1/2018</a:t>
             </a:fld>
             <a:endParaRPr/>
           </a:p>
@@ -2047,7 +2061,7 @@
           <a:p>
             <a:fld id="{F0DFD029-FB74-4578-B929-F66AA97659CA}" type="datetimeFigureOut">
               <a:rPr lang="en-US"/>
-              <a:t>1/31/2018</a:t>
+              <a:t>2/1/2018</a:t>
             </a:fld>
             <a:endParaRPr/>
           </a:p>
@@ -2479,7 +2493,7 @@
           <a:p>
             <a:fld id="{F0DFD029-FB74-4578-B929-F66AA97659CA}" type="datetimeFigureOut">
               <a:rPr lang="en-US"/>
-              <a:t>1/31/2018</a:t>
+              <a:t>2/1/2018</a:t>
             </a:fld>
             <a:endParaRPr/>
           </a:p>
@@ -2783,7 +2797,7 @@
           <a:p>
             <a:fld id="{F0DFD029-FB74-4578-B929-F66AA97659CA}" type="datetimeFigureOut">
               <a:rPr lang="en-US"/>
-              <a:t>1/31/2018</a:t>
+              <a:t>2/1/2018</a:t>
             </a:fld>
             <a:endParaRPr/>
           </a:p>
@@ -3239,7 +3253,7 @@
           <a:p>
             <a:fld id="{F0DFD029-FB74-4578-B929-F66AA97659CA}" type="datetimeFigureOut">
               <a:rPr lang="en-US"/>
-              <a:t>1/31/2018</a:t>
+              <a:t>2/1/2018</a:t>
             </a:fld>
             <a:endParaRPr/>
           </a:p>
@@ -3369,7 +3383,7 @@
           <a:p>
             <a:fld id="{F0DFD029-FB74-4578-B929-F66AA97659CA}" type="datetimeFigureOut">
               <a:rPr lang="en-US"/>
-              <a:t>1/31/2018</a:t>
+              <a:t>2/1/2018</a:t>
             </a:fld>
             <a:endParaRPr/>
           </a:p>
@@ -3476,7 +3490,7 @@
           <a:p>
             <a:fld id="{F0DFD029-FB74-4578-B929-F66AA97659CA}" type="datetimeFigureOut">
               <a:rPr lang="en-US"/>
-              <a:t>1/31/2018</a:t>
+              <a:t>2/1/2018</a:t>
             </a:fld>
             <a:endParaRPr/>
           </a:p>
@@ -3775,7 +3789,7 @@
           <a:p>
             <a:fld id="{F0DFD029-FB74-4578-B929-F66AA97659CA}" type="datetimeFigureOut">
               <a:rPr lang="en-US"/>
-              <a:t>1/31/2018</a:t>
+              <a:t>2/1/2018</a:t>
             </a:fld>
             <a:endParaRPr/>
           </a:p>
@@ -4063,7 +4077,7 @@
           <a:p>
             <a:fld id="{F0DFD029-FB74-4578-B929-F66AA97659CA}" type="datetimeFigureOut">
               <a:rPr lang="en-US"/>
-              <a:t>1/31/2018</a:t>
+              <a:t>2/1/2018</a:t>
             </a:fld>
             <a:endParaRPr/>
           </a:p>
@@ -4686,7 +4700,7 @@
             <a:fld id="{F0DFD029-FB74-4578-B929-F66AA97659CA}" type="datetimeFigureOut">
               <a:rPr lang="en-US"/>
               <a:pPr/>
-              <a:t>1/31/2018</a:t>
+              <a:t>2/1/2018</a:t>
             </a:fld>
             <a:endParaRPr/>
           </a:p>
@@ -8603,7 +8617,7 @@
           <a:p>
             <a:r>
               <a:rPr lang="mk-MK" dirty="0"/>
-              <a:t>Начин на третман	</a:t>
+              <a:t>Пилот прототип	</a:t>
             </a:r>
             <a:endParaRPr lang="en-US" dirty="0"/>
           </a:p>
@@ -8629,6 +8643,65 @@
           <a:bodyPr/>
           <a:lstStyle/>
           <a:p>
+            <a:r>
+              <a:rPr lang="mk-MK" dirty="0"/>
+              <a:t>Во пилотот влегоа 4 главни функционалности</a:t>
+            </a:r>
+            <a:r>
+              <a:rPr lang="en-US" dirty="0"/>
+              <a:t>:</a:t>
+            </a:r>
+            <a:endParaRPr lang="mk-MK" dirty="0"/>
+          </a:p>
+          <a:p>
+            <a:pPr marL="835086" lvl="1" indent="-457200">
+              <a:buFont typeface="+mj-lt"/>
+              <a:buAutoNum type="arabicPeriod"/>
+            </a:pPr>
+            <a:r>
+              <a:rPr lang="mk-MK" dirty="0"/>
+              <a:t>Виртуелен календар</a:t>
+            </a:r>
+            <a:endParaRPr lang="en-US" dirty="0"/>
+          </a:p>
+          <a:p>
+            <a:pPr marL="835086" lvl="1" indent="-457200">
+              <a:buFont typeface="+mj-lt"/>
+              <a:buAutoNum type="arabicPeriod"/>
+            </a:pPr>
+            <a:r>
+              <a:rPr lang="mk-MK" dirty="0"/>
+              <a:t>Водич до релевантни третмани и лекарства</a:t>
+            </a:r>
+            <a:endParaRPr lang="en-US" dirty="0"/>
+          </a:p>
+          <a:p>
+            <a:pPr marL="835086" lvl="1" indent="-457200">
+              <a:buFont typeface="+mj-lt"/>
+              <a:buAutoNum type="arabicPeriod"/>
+            </a:pPr>
+            <a:r>
+              <a:rPr lang="mk-MK" dirty="0"/>
+              <a:t>Дијаграми за напредокот на пациентите</a:t>
+            </a:r>
+            <a:endParaRPr lang="en-US" dirty="0"/>
+          </a:p>
+          <a:p>
+            <a:pPr marL="835086" lvl="1" indent="-457200">
+              <a:buFont typeface="+mj-lt"/>
+              <a:buAutoNum type="arabicPeriod"/>
+            </a:pPr>
+            <a:r>
+              <a:rPr lang="mk-MK" dirty="0"/>
+              <a:t>Видеа со искуства и инструкции</a:t>
+            </a:r>
+            <a:endParaRPr lang="en-US" dirty="0"/>
+          </a:p>
+          <a:p>
+            <a:pPr marL="835086" lvl="1" indent="-457200">
+              <a:buFont typeface="+mj-lt"/>
+              <a:buAutoNum type="arabicPeriod"/>
+            </a:pPr>
             <a:endParaRPr lang="en-US" dirty="0"/>
           </a:p>
         </p:txBody>
@@ -8697,40 +8770,67 @@
           <a:p>
             <a:r>
               <a:rPr lang="mk-MK" dirty="0"/>
-              <a:t>Начин на третман	</a:t>
+              <a:t>Пилот прототип</a:t>
+            </a:r>
+            <a:r>
+              <a:rPr lang="en-US" dirty="0"/>
+              <a:t>: </a:t>
+            </a:r>
+            <a:r>
+              <a:rPr lang="mk-MK" dirty="0"/>
+              <a:t>Виртуелен календар	</a:t>
             </a:r>
             <a:endParaRPr lang="en-US" dirty="0"/>
           </a:p>
         </p:txBody>
       </p:sp>
-      <p:sp>
-        <p:nvSpPr>
-          <p:cNvPr id="14" name="Content Placeholder 13"/>
-          <p:cNvSpPr>
-            <a:spLocks noGrp="1"/>
-          </p:cNvSpPr>
+      <p:pic>
+        <p:nvPicPr>
+          <p:cNvPr id="4" name="Content Placeholder 3">
+            <a:extLst>
+              <a:ext uri="{FF2B5EF4-FFF2-40B4-BE49-F238E27FC236}">
+                <a16:creationId xmlns:a16="http://schemas.microsoft.com/office/drawing/2014/main" id="{42C51909-AA3A-49D4-92D2-4699CA560DD7}"/>
+              </a:ext>
+            </a:extLst>
+          </p:cNvPr>
+          <p:cNvPicPr>
+            <a:picLocks noGrp="1"/>
+          </p:cNvPicPr>
           <p:nvPr>
             <p:ph idx="1"/>
           </p:nvPr>
-        </p:nvSpPr>
-        <p:spPr>
+        </p:nvPicPr>
+        <p:blipFill>
+          <a:blip r:embed="rId2">
+            <a:extLst>
+              <a:ext uri="{28A0092B-C50C-407E-A947-70E740481C1C}">
+                <a14:useLocalDpi xmlns:a14="http://schemas.microsoft.com/office/drawing/2010/main" val="0"/>
+              </a:ext>
+            </a:extLst>
+          </a:blip>
+          <a:srcRect/>
+          <a:stretch>
+            <a:fillRect/>
+          </a:stretch>
+        </p:blipFill>
+        <p:spPr bwMode="auto">
           <a:xfrm>
-            <a:off x="1218883" y="1371600"/>
-            <a:ext cx="10360501" cy="5334000"/>
+            <a:off x="1370012" y="1219200"/>
+            <a:ext cx="7323455" cy="4602879"/>
           </a:xfrm>
+          <a:prstGeom prst="rect">
+            <a:avLst/>
+          </a:prstGeom>
+          <a:noFill/>
+          <a:ln>
+            <a:noFill/>
+          </a:ln>
         </p:spPr>
-        <p:txBody>
-          <a:bodyPr/>
-          <a:lstStyle/>
-          <a:p>
-            <a:endParaRPr lang="en-US" dirty="0"/>
-          </a:p>
-        </p:txBody>
-      </p:sp>
+      </p:pic>
     </p:spTree>
     <p:extLst>
       <p:ext uri="{BB962C8B-B14F-4D97-AF65-F5344CB8AC3E}">
-        <p14:creationId xmlns:p14="http://schemas.microsoft.com/office/powerpoint/2010/main" val="417750001"/>
+        <p14:creationId xmlns:p14="http://schemas.microsoft.com/office/powerpoint/2010/main" val="969149246"/>
       </p:ext>
     </p:extLst>
   </p:cSld>
@@ -8786,12 +8886,508 @@
           </a:xfrm>
         </p:spPr>
         <p:txBody>
+          <a:bodyPr>
+            <a:normAutofit fontScale="90000"/>
+          </a:bodyPr>
+          <a:lstStyle/>
+          <a:p>
+            <a:r>
+              <a:rPr lang="mk-MK" dirty="0"/>
+              <a:t>Пилот прототип</a:t>
+            </a:r>
+            <a:r>
+              <a:rPr lang="en-US" dirty="0"/>
+              <a:t>: </a:t>
+            </a:r>
+            <a:r>
+              <a:rPr lang="mk-MK" dirty="0"/>
+              <a:t>Водич до релевантни тертмани и лекарства	</a:t>
+            </a:r>
+            <a:endParaRPr lang="en-US" dirty="0"/>
+          </a:p>
+        </p:txBody>
+      </p:sp>
+      <p:pic>
+        <p:nvPicPr>
+          <p:cNvPr id="4" name="Content Placeholder 3">
+            <a:extLst>
+              <a:ext uri="{FF2B5EF4-FFF2-40B4-BE49-F238E27FC236}">
+                <a16:creationId xmlns:a16="http://schemas.microsoft.com/office/drawing/2014/main" id="{7E634F21-D029-4081-ABC6-508CA01540BD}"/>
+              </a:ext>
+            </a:extLst>
+          </p:cNvPr>
+          <p:cNvPicPr>
+            <a:picLocks noGrp="1"/>
+          </p:cNvPicPr>
+          <p:nvPr>
+            <p:ph idx="1"/>
+          </p:nvPr>
+        </p:nvPicPr>
+        <p:blipFill>
+          <a:blip r:embed="rId2">
+            <a:extLst>
+              <a:ext uri="{28A0092B-C50C-407E-A947-70E740481C1C}">
+                <a14:useLocalDpi xmlns:a14="http://schemas.microsoft.com/office/drawing/2010/main" val="0"/>
+              </a:ext>
+            </a:extLst>
+          </a:blip>
+          <a:srcRect/>
+          <a:stretch>
+            <a:fillRect/>
+          </a:stretch>
+        </p:blipFill>
+        <p:spPr bwMode="auto">
+          <a:xfrm>
+            <a:off x="1370012" y="1245169"/>
+            <a:ext cx="5312250" cy="5334000"/>
+          </a:xfrm>
+          <a:prstGeom prst="rect">
+            <a:avLst/>
+          </a:prstGeom>
+          <a:noFill/>
+          <a:ln>
+            <a:noFill/>
+          </a:ln>
+        </p:spPr>
+      </p:pic>
+    </p:spTree>
+    <p:extLst>
+      <p:ext uri="{BB962C8B-B14F-4D97-AF65-F5344CB8AC3E}">
+        <p14:creationId xmlns:p14="http://schemas.microsoft.com/office/powerpoint/2010/main" val="988132257"/>
+      </p:ext>
+    </p:extLst>
+  </p:cSld>
+  <p:clrMapOvr>
+    <a:masterClrMapping/>
+  </p:clrMapOvr>
+  <mc:AlternateContent xmlns:mc="http://schemas.openxmlformats.org/markup-compatibility/2006" xmlns:p14="http://schemas.microsoft.com/office/powerpoint/2010/main">
+    <mc:Choice Requires="p14">
+      <p:transition spd="med" p14:dur="700">
+        <p:fade/>
+      </p:transition>
+    </mc:Choice>
+    <mc:Fallback xmlns="">
+      <p:transition spd="med">
+        <p:fade/>
+      </p:transition>
+    </mc:Fallback>
+  </mc:AlternateContent>
+</p:sld>
+</file>
+
+<file path=ppt/slides/slide33.xml><?xml version="1.0" encoding="utf-8"?>
+<p:sld xmlns:a="http://schemas.openxmlformats.org/drawingml/2006/main" xmlns:r="http://schemas.openxmlformats.org/officeDocument/2006/relationships" xmlns:p="http://schemas.openxmlformats.org/presentationml/2006/main">
+  <p:cSld>
+    <p:spTree>
+      <p:nvGrpSpPr>
+        <p:cNvPr id="1" name=""/>
+        <p:cNvGrpSpPr/>
+        <p:nvPr/>
+      </p:nvGrpSpPr>
+      <p:grpSpPr>
+        <a:xfrm>
+          <a:off x="0" y="0"/>
+          <a:ext cx="0" cy="0"/>
+          <a:chOff x="0" y="0"/>
+          <a:chExt cx="0" cy="0"/>
+        </a:xfrm>
+      </p:grpSpPr>
+      <p:sp>
+        <p:nvSpPr>
+          <p:cNvPr id="13" name="Title 12"/>
+          <p:cNvSpPr>
+            <a:spLocks noGrp="1"/>
+          </p:cNvSpPr>
+          <p:nvPr>
+            <p:ph type="title"/>
+          </p:nvPr>
+        </p:nvSpPr>
+        <p:spPr>
+          <a:xfrm>
+            <a:off x="1218882" y="533400"/>
+            <a:ext cx="10360501" cy="715963"/>
+          </a:xfrm>
+        </p:spPr>
+        <p:txBody>
+          <a:bodyPr>
+            <a:normAutofit fontScale="90000"/>
+          </a:bodyPr>
+          <a:lstStyle/>
+          <a:p>
+            <a:r>
+              <a:rPr lang="mk-MK" dirty="0"/>
+              <a:t>Пилот прототип</a:t>
+            </a:r>
+            <a:r>
+              <a:rPr lang="en-US" dirty="0"/>
+              <a:t>: </a:t>
+            </a:r>
+            <a:r>
+              <a:rPr lang="mk-MK" dirty="0"/>
+              <a:t>Дијаграми за напредокот на пациентите	</a:t>
+            </a:r>
+            <a:endParaRPr lang="en-US" dirty="0"/>
+          </a:p>
+        </p:txBody>
+      </p:sp>
+      <p:pic>
+        <p:nvPicPr>
+          <p:cNvPr id="4" name="Content Placeholder 3">
+            <a:extLst>
+              <a:ext uri="{FF2B5EF4-FFF2-40B4-BE49-F238E27FC236}">
+                <a16:creationId xmlns:a16="http://schemas.microsoft.com/office/drawing/2014/main" id="{AF7C3661-A2F1-4EDB-8CB2-DCB0005991D1}"/>
+              </a:ext>
+            </a:extLst>
+          </p:cNvPr>
+          <p:cNvPicPr>
+            <a:picLocks noGrp="1"/>
+          </p:cNvPicPr>
+          <p:nvPr>
+            <p:ph idx="1"/>
+          </p:nvPr>
+        </p:nvPicPr>
+        <p:blipFill>
+          <a:blip r:embed="rId2">
+            <a:extLst>
+              <a:ext uri="{28A0092B-C50C-407E-A947-70E740481C1C}">
+                <a14:useLocalDpi xmlns:a14="http://schemas.microsoft.com/office/drawing/2010/main" val="0"/>
+              </a:ext>
+            </a:extLst>
+          </a:blip>
+          <a:srcRect/>
+          <a:stretch>
+            <a:fillRect/>
+          </a:stretch>
+        </p:blipFill>
+        <p:spPr bwMode="auto">
+          <a:xfrm>
+            <a:off x="1370012" y="990600"/>
+            <a:ext cx="4385733" cy="5334000"/>
+          </a:xfrm>
+          <a:prstGeom prst="rect">
+            <a:avLst/>
+          </a:prstGeom>
+          <a:noFill/>
+          <a:ln>
+            <a:noFill/>
+          </a:ln>
+        </p:spPr>
+      </p:pic>
+    </p:spTree>
+    <p:extLst>
+      <p:ext uri="{BB962C8B-B14F-4D97-AF65-F5344CB8AC3E}">
+        <p14:creationId xmlns:p14="http://schemas.microsoft.com/office/powerpoint/2010/main" val="4201469270"/>
+      </p:ext>
+    </p:extLst>
+  </p:cSld>
+  <p:clrMapOvr>
+    <a:masterClrMapping/>
+  </p:clrMapOvr>
+  <mc:AlternateContent xmlns:mc="http://schemas.openxmlformats.org/markup-compatibility/2006" xmlns:p14="http://schemas.microsoft.com/office/powerpoint/2010/main">
+    <mc:Choice Requires="p14">
+      <p:transition spd="med" p14:dur="700">
+        <p:fade/>
+      </p:transition>
+    </mc:Choice>
+    <mc:Fallback xmlns="">
+      <p:transition spd="med">
+        <p:fade/>
+      </p:transition>
+    </mc:Fallback>
+  </mc:AlternateContent>
+</p:sld>
+</file>
+
+<file path=ppt/slides/slide34.xml><?xml version="1.0" encoding="utf-8"?>
+<p:sld xmlns:a="http://schemas.openxmlformats.org/drawingml/2006/main" xmlns:r="http://schemas.openxmlformats.org/officeDocument/2006/relationships" xmlns:p="http://schemas.openxmlformats.org/presentationml/2006/main">
+  <p:cSld>
+    <p:spTree>
+      <p:nvGrpSpPr>
+        <p:cNvPr id="1" name=""/>
+        <p:cNvGrpSpPr/>
+        <p:nvPr/>
+      </p:nvGrpSpPr>
+      <p:grpSpPr>
+        <a:xfrm>
+          <a:off x="0" y="0"/>
+          <a:ext cx="0" cy="0"/>
+          <a:chOff x="0" y="0"/>
+          <a:chExt cx="0" cy="0"/>
+        </a:xfrm>
+      </p:grpSpPr>
+      <p:sp>
+        <p:nvSpPr>
+          <p:cNvPr id="13" name="Title 12"/>
+          <p:cNvSpPr>
+            <a:spLocks noGrp="1"/>
+          </p:cNvSpPr>
+          <p:nvPr>
+            <p:ph type="title"/>
+          </p:nvPr>
+        </p:nvSpPr>
+        <p:spPr>
+          <a:xfrm>
+            <a:off x="1218883" y="274637"/>
+            <a:ext cx="10360501" cy="715963"/>
+          </a:xfrm>
+        </p:spPr>
+        <p:txBody>
           <a:bodyPr/>
           <a:lstStyle/>
           <a:p>
             <a:r>
               <a:rPr lang="mk-MK" dirty="0"/>
-              <a:t>Начин на третман	</a:t>
+              <a:t>Пилот прототип</a:t>
+            </a:r>
+            <a:r>
+              <a:rPr lang="en-US" dirty="0"/>
+              <a:t>: </a:t>
+            </a:r>
+            <a:r>
+              <a:rPr lang="mk-MK" dirty="0"/>
+              <a:t>Видеа со искуства и инструкции	</a:t>
+            </a:r>
+            <a:endParaRPr lang="en-US" dirty="0"/>
+          </a:p>
+        </p:txBody>
+      </p:sp>
+      <p:pic>
+        <p:nvPicPr>
+          <p:cNvPr id="4" name="Content Placeholder 3">
+            <a:extLst>
+              <a:ext uri="{FF2B5EF4-FFF2-40B4-BE49-F238E27FC236}">
+                <a16:creationId xmlns:a16="http://schemas.microsoft.com/office/drawing/2014/main" id="{1133EE3B-27E7-4EE7-B54D-D7137192952B}"/>
+              </a:ext>
+            </a:extLst>
+          </p:cNvPr>
+          <p:cNvPicPr>
+            <a:picLocks noGrp="1"/>
+          </p:cNvPicPr>
+          <p:nvPr>
+            <p:ph idx="1"/>
+          </p:nvPr>
+        </p:nvPicPr>
+        <p:blipFill>
+          <a:blip r:embed="rId2">
+            <a:extLst>
+              <a:ext uri="{28A0092B-C50C-407E-A947-70E740481C1C}">
+                <a14:useLocalDpi xmlns:a14="http://schemas.microsoft.com/office/drawing/2010/main" val="0"/>
+              </a:ext>
+            </a:extLst>
+          </a:blip>
+          <a:srcRect/>
+          <a:stretch>
+            <a:fillRect/>
+          </a:stretch>
+        </p:blipFill>
+        <p:spPr bwMode="auto">
+          <a:xfrm>
+            <a:off x="1293812" y="1143000"/>
+            <a:ext cx="5186855" cy="5334000"/>
+          </a:xfrm>
+          <a:prstGeom prst="rect">
+            <a:avLst/>
+          </a:prstGeom>
+          <a:noFill/>
+          <a:ln>
+            <a:noFill/>
+          </a:ln>
+        </p:spPr>
+      </p:pic>
+    </p:spTree>
+    <p:extLst>
+      <p:ext uri="{BB962C8B-B14F-4D97-AF65-F5344CB8AC3E}">
+        <p14:creationId xmlns:p14="http://schemas.microsoft.com/office/powerpoint/2010/main" val="2546938025"/>
+      </p:ext>
+    </p:extLst>
+  </p:cSld>
+  <p:clrMapOvr>
+    <a:masterClrMapping/>
+  </p:clrMapOvr>
+  <mc:AlternateContent xmlns:mc="http://schemas.openxmlformats.org/markup-compatibility/2006" xmlns:p14="http://schemas.microsoft.com/office/powerpoint/2010/main">
+    <mc:Choice Requires="p14">
+      <p:transition spd="med" p14:dur="700">
+        <p:fade/>
+      </p:transition>
+    </mc:Choice>
+    <mc:Fallback xmlns="">
+      <p:transition spd="med">
+        <p:fade/>
+      </p:transition>
+    </mc:Fallback>
+  </mc:AlternateContent>
+</p:sld>
+</file>
+
+<file path=ppt/slides/slide35.xml><?xml version="1.0" encoding="utf-8"?>
+<p:sld xmlns:a="http://schemas.openxmlformats.org/drawingml/2006/main" xmlns:r="http://schemas.openxmlformats.org/officeDocument/2006/relationships" xmlns:p="http://schemas.openxmlformats.org/presentationml/2006/main">
+  <p:cSld>
+    <p:spTree>
+      <p:nvGrpSpPr>
+        <p:cNvPr id="1" name=""/>
+        <p:cNvGrpSpPr/>
+        <p:nvPr/>
+      </p:nvGrpSpPr>
+      <p:grpSpPr>
+        <a:xfrm>
+          <a:off x="0" y="0"/>
+          <a:ext cx="0" cy="0"/>
+          <a:chOff x="0" y="0"/>
+          <a:chExt cx="0" cy="0"/>
+        </a:xfrm>
+      </p:grpSpPr>
+      <p:sp>
+        <p:nvSpPr>
+          <p:cNvPr id="13" name="Title 12"/>
+          <p:cNvSpPr>
+            <a:spLocks noGrp="1"/>
+          </p:cNvSpPr>
+          <p:nvPr>
+            <p:ph type="title"/>
+          </p:nvPr>
+        </p:nvSpPr>
+        <p:spPr>
+          <a:xfrm>
+            <a:off x="1218883" y="274637"/>
+            <a:ext cx="10360501" cy="715963"/>
+          </a:xfrm>
+        </p:spPr>
+        <p:txBody>
+          <a:bodyPr/>
+          <a:lstStyle/>
+          <a:p>
+            <a:r>
+              <a:rPr lang="mk-MK" dirty="0"/>
+              <a:t>Пилот прототип</a:t>
+            </a:r>
+            <a:r>
+              <a:rPr lang="en-US" dirty="0"/>
+              <a:t>: </a:t>
+            </a:r>
+            <a:r>
+              <a:rPr lang="mk-MK" dirty="0"/>
+              <a:t>Тестирања и анализа	</a:t>
+            </a:r>
+            <a:endParaRPr lang="en-US" dirty="0"/>
+          </a:p>
+        </p:txBody>
+      </p:sp>
+      <p:pic>
+        <p:nvPicPr>
+          <p:cNvPr id="4" name="Content Placeholder 3">
+            <a:extLst>
+              <a:ext uri="{FF2B5EF4-FFF2-40B4-BE49-F238E27FC236}">
+                <a16:creationId xmlns:a16="http://schemas.microsoft.com/office/drawing/2014/main" id="{C1067622-9EAC-4E11-942B-6C9B9DFDD344}"/>
+              </a:ext>
+            </a:extLst>
+          </p:cNvPr>
+          <p:cNvPicPr>
+            <a:picLocks noGrp="1"/>
+          </p:cNvPicPr>
+          <p:nvPr>
+            <p:ph idx="1"/>
+          </p:nvPr>
+        </p:nvPicPr>
+        <p:blipFill>
+          <a:blip r:embed="rId2">
+            <a:extLst>
+              <a:ext uri="{28A0092B-C50C-407E-A947-70E740481C1C}">
+                <a14:useLocalDpi xmlns:a14="http://schemas.microsoft.com/office/drawing/2010/main" val="0"/>
+              </a:ext>
+            </a:extLst>
+          </a:blip>
+          <a:srcRect/>
+          <a:stretch>
+            <a:fillRect/>
+          </a:stretch>
+        </p:blipFill>
+        <p:spPr bwMode="auto">
+          <a:xfrm>
+            <a:off x="1370012" y="1143000"/>
+            <a:ext cx="7510910" cy="5334000"/>
+          </a:xfrm>
+          <a:prstGeom prst="rect">
+            <a:avLst/>
+          </a:prstGeom>
+          <a:noFill/>
+          <a:ln>
+            <a:noFill/>
+          </a:ln>
+        </p:spPr>
+      </p:pic>
+    </p:spTree>
+    <p:extLst>
+      <p:ext uri="{BB962C8B-B14F-4D97-AF65-F5344CB8AC3E}">
+        <p14:creationId xmlns:p14="http://schemas.microsoft.com/office/powerpoint/2010/main" val="2603123628"/>
+      </p:ext>
+    </p:extLst>
+  </p:cSld>
+  <p:clrMapOvr>
+    <a:masterClrMapping/>
+  </p:clrMapOvr>
+  <mc:AlternateContent xmlns:mc="http://schemas.openxmlformats.org/markup-compatibility/2006" xmlns:p14="http://schemas.microsoft.com/office/powerpoint/2010/main">
+    <mc:Choice Requires="p14">
+      <p:transition spd="med" p14:dur="700">
+        <p:fade/>
+      </p:transition>
+    </mc:Choice>
+    <mc:Fallback xmlns="">
+      <p:transition spd="med">
+        <p:fade/>
+      </p:transition>
+    </mc:Fallback>
+  </mc:AlternateContent>
+</p:sld>
+</file>
+
+<file path=ppt/slides/slide36.xml><?xml version="1.0" encoding="utf-8"?>
+<p:sld xmlns:a="http://schemas.openxmlformats.org/drawingml/2006/main" xmlns:r="http://schemas.openxmlformats.org/officeDocument/2006/relationships" xmlns:p="http://schemas.openxmlformats.org/presentationml/2006/main">
+  <p:cSld>
+    <p:spTree>
+      <p:nvGrpSpPr>
+        <p:cNvPr id="1" name=""/>
+        <p:cNvGrpSpPr/>
+        <p:nvPr/>
+      </p:nvGrpSpPr>
+      <p:grpSpPr>
+        <a:xfrm>
+          <a:off x="0" y="0"/>
+          <a:ext cx="0" cy="0"/>
+          <a:chOff x="0" y="0"/>
+          <a:chExt cx="0" cy="0"/>
+        </a:xfrm>
+      </p:grpSpPr>
+      <p:sp>
+        <p:nvSpPr>
+          <p:cNvPr id="13" name="Title 12"/>
+          <p:cNvSpPr>
+            <a:spLocks noGrp="1"/>
+          </p:cNvSpPr>
+          <p:nvPr>
+            <p:ph type="title"/>
+          </p:nvPr>
+        </p:nvSpPr>
+        <p:spPr>
+          <a:xfrm>
+            <a:off x="1218883" y="274637"/>
+            <a:ext cx="10360501" cy="715963"/>
+          </a:xfrm>
+        </p:spPr>
+        <p:txBody>
+          <a:bodyPr/>
+          <a:lstStyle/>
+          <a:p>
+            <a:r>
+              <a:rPr lang="mk-MK" dirty="0"/>
+              <a:t>Пилот прототип</a:t>
+            </a:r>
+            <a:r>
+              <a:rPr lang="en-US" dirty="0"/>
+              <a:t> : </a:t>
+            </a:r>
+            <a:r>
+              <a:rPr lang="mk-MK" dirty="0"/>
+              <a:t>Тестирања и анализа 	</a:t>
             </a:r>
             <a:endParaRPr lang="en-US" dirty="0"/>
           </a:p>
@@ -8817,6 +9413,58 @@
           <a:bodyPr/>
           <a:lstStyle/>
           <a:p>
+            <a:pPr lvl="1"/>
+            <a:r>
+              <a:rPr lang="mk-MK" dirty="0"/>
+              <a:t>Со помош на интервјуата беа дефинирани неколку делови од апликацијата кои требаше да бидат поправени во следната итерација</a:t>
+            </a:r>
+            <a:r>
+              <a:rPr lang="en-US" dirty="0"/>
+              <a:t>:</a:t>
+            </a:r>
+          </a:p>
+          <a:p>
+            <a:pPr lvl="2"/>
+            <a:r>
+              <a:rPr lang="mk-MK" dirty="0"/>
+              <a:t>Главните табови на апликацијата треба да бидат редизајнирани за да им биде појасно на корисниците во кој дел од апликацијата се наоѓаат</a:t>
+            </a:r>
+            <a:endParaRPr lang="en-US" dirty="0"/>
+          </a:p>
+          <a:p>
+            <a:pPr lvl="2"/>
+            <a:r>
+              <a:rPr lang="mk-MK" dirty="0"/>
+              <a:t>Картичките во календарот така треба да бидат подобрени за да изгледаат пореално и да бидат поголеми</a:t>
+            </a:r>
+            <a:endParaRPr lang="en-US" dirty="0"/>
+          </a:p>
+          <a:p>
+            <a:pPr lvl="2"/>
+            <a:r>
+              <a:rPr lang="mk-MK" dirty="0"/>
+              <a:t>Копчињата кои помагаат при листањето на картичките треба да бидат поблиску до самите картички</a:t>
+            </a:r>
+            <a:endParaRPr lang="en-US" dirty="0"/>
+          </a:p>
+          <a:p>
+            <a:pPr lvl="2"/>
+            <a:r>
+              <a:rPr lang="mk-MK" dirty="0"/>
+              <a:t>Скокачките прозорци да не се затвараат при клик надвор од нив туку само преку кликање на копчето во горниот десен агол</a:t>
+            </a:r>
+            <a:endParaRPr lang="en-US" dirty="0"/>
+          </a:p>
+          <a:p>
+            <a:pPr lvl="2"/>
+            <a:r>
+              <a:rPr lang="mk-MK" dirty="0"/>
+              <a:t>Додека видеото да биде вчитано да има знак дека тоа се вчитува</a:t>
+            </a:r>
+            <a:endParaRPr lang="en-US" dirty="0"/>
+          </a:p>
+          <a:p>
+            <a:pPr lvl="2"/>
             <a:endParaRPr lang="en-US" dirty="0"/>
           </a:p>
         </p:txBody>
@@ -8824,7 +9472,372 @@
     </p:spTree>
     <p:extLst>
       <p:ext uri="{BB962C8B-B14F-4D97-AF65-F5344CB8AC3E}">
-        <p14:creationId xmlns:p14="http://schemas.microsoft.com/office/powerpoint/2010/main" val="3866114509"/>
+        <p14:creationId xmlns:p14="http://schemas.microsoft.com/office/powerpoint/2010/main" val="2833345328"/>
+      </p:ext>
+    </p:extLst>
+  </p:cSld>
+  <p:clrMapOvr>
+    <a:masterClrMapping/>
+  </p:clrMapOvr>
+  <mc:AlternateContent xmlns:mc="http://schemas.openxmlformats.org/markup-compatibility/2006" xmlns:p14="http://schemas.microsoft.com/office/powerpoint/2010/main">
+    <mc:Choice Requires="p14">
+      <p:transition spd="med" p14:dur="700">
+        <p:fade/>
+      </p:transition>
+    </mc:Choice>
+    <mc:Fallback xmlns="">
+      <p:transition spd="med">
+        <p:fade/>
+      </p:transition>
+    </mc:Fallback>
+  </mc:AlternateContent>
+</p:sld>
+</file>
+
+<file path=ppt/slides/slide37.xml><?xml version="1.0" encoding="utf-8"?>
+<p:sld xmlns:a="http://schemas.openxmlformats.org/drawingml/2006/main" xmlns:r="http://schemas.openxmlformats.org/officeDocument/2006/relationships" xmlns:p="http://schemas.openxmlformats.org/presentationml/2006/main">
+  <p:cSld>
+    <p:spTree>
+      <p:nvGrpSpPr>
+        <p:cNvPr id="1" name=""/>
+        <p:cNvGrpSpPr/>
+        <p:nvPr/>
+      </p:nvGrpSpPr>
+      <p:grpSpPr>
+        <a:xfrm>
+          <a:off x="0" y="0"/>
+          <a:ext cx="0" cy="0"/>
+          <a:chOff x="0" y="0"/>
+          <a:chExt cx="0" cy="0"/>
+        </a:xfrm>
+      </p:grpSpPr>
+      <p:sp>
+        <p:nvSpPr>
+          <p:cNvPr id="13" name="Title 12"/>
+          <p:cNvSpPr>
+            <a:spLocks noGrp="1"/>
+          </p:cNvSpPr>
+          <p:nvPr>
+            <p:ph type="title"/>
+          </p:nvPr>
+        </p:nvSpPr>
+        <p:spPr>
+          <a:xfrm>
+            <a:off x="1218883" y="274637"/>
+            <a:ext cx="10360501" cy="715963"/>
+          </a:xfrm>
+        </p:spPr>
+        <p:txBody>
+          <a:bodyPr>
+            <a:normAutofit fontScale="90000"/>
+          </a:bodyPr>
+          <a:lstStyle/>
+          <a:p>
+            <a:r>
+              <a:rPr lang="mk-MK" dirty="0"/>
+              <a:t>Итерација 2</a:t>
+            </a:r>
+            <a:r>
+              <a:rPr lang="en-US" dirty="0"/>
+              <a:t>: </a:t>
+            </a:r>
+            <a:r>
+              <a:rPr lang="mk-MK" dirty="0"/>
+              <a:t>Редизајнирање на проблематичните делови</a:t>
+            </a:r>
+            <a:endParaRPr lang="en-US" dirty="0"/>
+          </a:p>
+        </p:txBody>
+      </p:sp>
+      <p:pic>
+        <p:nvPicPr>
+          <p:cNvPr id="4" name="Content Placeholder 3">
+            <a:extLst>
+              <a:ext uri="{FF2B5EF4-FFF2-40B4-BE49-F238E27FC236}">
+                <a16:creationId xmlns:a16="http://schemas.microsoft.com/office/drawing/2014/main" id="{37743314-9271-448E-A9A0-76B1264883C8}"/>
+              </a:ext>
+            </a:extLst>
+          </p:cNvPr>
+          <p:cNvPicPr>
+            <a:picLocks noGrp="1"/>
+          </p:cNvPicPr>
+          <p:nvPr>
+            <p:ph idx="1"/>
+          </p:nvPr>
+        </p:nvPicPr>
+        <p:blipFill>
+          <a:blip r:embed="rId2">
+            <a:extLst>
+              <a:ext uri="{28A0092B-C50C-407E-A947-70E740481C1C}">
+                <a14:useLocalDpi xmlns:a14="http://schemas.microsoft.com/office/drawing/2010/main" val="0"/>
+              </a:ext>
+            </a:extLst>
+          </a:blip>
+          <a:srcRect/>
+          <a:stretch>
+            <a:fillRect/>
+          </a:stretch>
+        </p:blipFill>
+        <p:spPr bwMode="auto">
+          <a:xfrm>
+            <a:off x="1370012" y="1143000"/>
+            <a:ext cx="6652837" cy="5128704"/>
+          </a:xfrm>
+          <a:prstGeom prst="rect">
+            <a:avLst/>
+          </a:prstGeom>
+          <a:noFill/>
+          <a:ln>
+            <a:noFill/>
+          </a:ln>
+        </p:spPr>
+      </p:pic>
+    </p:spTree>
+    <p:extLst>
+      <p:ext uri="{BB962C8B-B14F-4D97-AF65-F5344CB8AC3E}">
+        <p14:creationId xmlns:p14="http://schemas.microsoft.com/office/powerpoint/2010/main" val="3431015107"/>
+      </p:ext>
+    </p:extLst>
+  </p:cSld>
+  <p:clrMapOvr>
+    <a:masterClrMapping/>
+  </p:clrMapOvr>
+  <mc:AlternateContent xmlns:mc="http://schemas.openxmlformats.org/markup-compatibility/2006" xmlns:p14="http://schemas.microsoft.com/office/powerpoint/2010/main">
+    <mc:Choice Requires="p14">
+      <p:transition spd="med" p14:dur="700">
+        <p:fade/>
+      </p:transition>
+    </mc:Choice>
+    <mc:Fallback xmlns="">
+      <p:transition spd="med">
+        <p:fade/>
+      </p:transition>
+    </mc:Fallback>
+  </mc:AlternateContent>
+</p:sld>
+</file>
+
+<file path=ppt/slides/slide38.xml><?xml version="1.0" encoding="utf-8"?>
+<p:sld xmlns:a="http://schemas.openxmlformats.org/drawingml/2006/main" xmlns:r="http://schemas.openxmlformats.org/officeDocument/2006/relationships" xmlns:p="http://schemas.openxmlformats.org/presentationml/2006/main">
+  <p:cSld>
+    <p:spTree>
+      <p:nvGrpSpPr>
+        <p:cNvPr id="1" name=""/>
+        <p:cNvGrpSpPr/>
+        <p:nvPr/>
+      </p:nvGrpSpPr>
+      <p:grpSpPr>
+        <a:xfrm>
+          <a:off x="0" y="0"/>
+          <a:ext cx="0" cy="0"/>
+          <a:chOff x="0" y="0"/>
+          <a:chExt cx="0" cy="0"/>
+        </a:xfrm>
+      </p:grpSpPr>
+      <p:sp>
+        <p:nvSpPr>
+          <p:cNvPr id="13" name="Title 12"/>
+          <p:cNvSpPr>
+            <a:spLocks noGrp="1"/>
+          </p:cNvSpPr>
+          <p:nvPr>
+            <p:ph type="title"/>
+          </p:nvPr>
+        </p:nvSpPr>
+        <p:spPr>
+          <a:xfrm>
+            <a:off x="1218883" y="274637"/>
+            <a:ext cx="10360501" cy="715963"/>
+          </a:xfrm>
+        </p:spPr>
+        <p:txBody>
+          <a:bodyPr/>
+          <a:lstStyle/>
+          <a:p>
+            <a:r>
+              <a:rPr lang="mk-MK" dirty="0"/>
+              <a:t>Итерација 2</a:t>
+            </a:r>
+            <a:r>
+              <a:rPr lang="en-US" dirty="0"/>
+              <a:t>: </a:t>
+            </a:r>
+            <a:r>
+              <a:rPr lang="mk-MK" dirty="0"/>
+              <a:t>Вметнување на персонализација	</a:t>
+            </a:r>
+            <a:endParaRPr lang="en-US" dirty="0"/>
+          </a:p>
+        </p:txBody>
+      </p:sp>
+      <p:pic>
+        <p:nvPicPr>
+          <p:cNvPr id="4" name="Content Placeholder 3">
+            <a:extLst>
+              <a:ext uri="{FF2B5EF4-FFF2-40B4-BE49-F238E27FC236}">
+                <a16:creationId xmlns:a16="http://schemas.microsoft.com/office/drawing/2014/main" id="{CD84A35E-B5BE-43FD-B299-2E8F13D41A11}"/>
+              </a:ext>
+            </a:extLst>
+          </p:cNvPr>
+          <p:cNvPicPr>
+            <a:picLocks noGrp="1"/>
+          </p:cNvPicPr>
+          <p:nvPr>
+            <p:ph idx="1"/>
+          </p:nvPr>
+        </p:nvPicPr>
+        <p:blipFill>
+          <a:blip r:embed="rId2">
+            <a:extLst>
+              <a:ext uri="{28A0092B-C50C-407E-A947-70E740481C1C}">
+                <a14:useLocalDpi xmlns:a14="http://schemas.microsoft.com/office/drawing/2010/main" val="0"/>
+              </a:ext>
+            </a:extLst>
+          </a:blip>
+          <a:srcRect/>
+          <a:stretch>
+            <a:fillRect/>
+          </a:stretch>
+        </p:blipFill>
+        <p:spPr bwMode="auto">
+          <a:xfrm>
+            <a:off x="1370012" y="1295666"/>
+            <a:ext cx="6027942" cy="4266667"/>
+          </a:xfrm>
+          <a:prstGeom prst="rect">
+            <a:avLst/>
+          </a:prstGeom>
+          <a:noFill/>
+          <a:ln>
+            <a:noFill/>
+          </a:ln>
+        </p:spPr>
+      </p:pic>
+    </p:spTree>
+    <p:extLst>
+      <p:ext uri="{BB962C8B-B14F-4D97-AF65-F5344CB8AC3E}">
+        <p14:creationId xmlns:p14="http://schemas.microsoft.com/office/powerpoint/2010/main" val="2745379593"/>
+      </p:ext>
+    </p:extLst>
+  </p:cSld>
+  <p:clrMapOvr>
+    <a:masterClrMapping/>
+  </p:clrMapOvr>
+  <mc:AlternateContent xmlns:mc="http://schemas.openxmlformats.org/markup-compatibility/2006" xmlns:p14="http://schemas.microsoft.com/office/powerpoint/2010/main">
+    <mc:Choice Requires="p14">
+      <p:transition spd="med" p14:dur="700">
+        <p:fade/>
+      </p:transition>
+    </mc:Choice>
+    <mc:Fallback xmlns="">
+      <p:transition spd="med">
+        <p:fade/>
+      </p:transition>
+    </mc:Fallback>
+  </mc:AlternateContent>
+</p:sld>
+</file>
+
+<file path=ppt/slides/slide39.xml><?xml version="1.0" encoding="utf-8"?>
+<p:sld xmlns:a="http://schemas.openxmlformats.org/drawingml/2006/main" xmlns:r="http://schemas.openxmlformats.org/officeDocument/2006/relationships" xmlns:p="http://schemas.openxmlformats.org/presentationml/2006/main">
+  <p:cSld>
+    <p:spTree>
+      <p:nvGrpSpPr>
+        <p:cNvPr id="1" name=""/>
+        <p:cNvGrpSpPr/>
+        <p:nvPr/>
+      </p:nvGrpSpPr>
+      <p:grpSpPr>
+        <a:xfrm>
+          <a:off x="0" y="0"/>
+          <a:ext cx="0" cy="0"/>
+          <a:chOff x="0" y="0"/>
+          <a:chExt cx="0" cy="0"/>
+        </a:xfrm>
+      </p:grpSpPr>
+      <p:sp>
+        <p:nvSpPr>
+          <p:cNvPr id="13" name="Title 12"/>
+          <p:cNvSpPr>
+            <a:spLocks noGrp="1"/>
+          </p:cNvSpPr>
+          <p:nvPr>
+            <p:ph type="title"/>
+          </p:nvPr>
+        </p:nvSpPr>
+        <p:spPr>
+          <a:xfrm>
+            <a:off x="1218883" y="274637"/>
+            <a:ext cx="10360501" cy="715963"/>
+          </a:xfrm>
+        </p:spPr>
+        <p:txBody>
+          <a:bodyPr/>
+          <a:lstStyle/>
+          <a:p>
+            <a:r>
+              <a:rPr lang="mk-MK" dirty="0"/>
+              <a:t>Итерација 2</a:t>
+            </a:r>
+            <a:r>
+              <a:rPr lang="en-US" dirty="0"/>
+              <a:t>: </a:t>
+            </a:r>
+            <a:r>
+              <a:rPr lang="mk-MK" dirty="0"/>
+              <a:t>Прозорец со информативна содржина</a:t>
+            </a:r>
+            <a:endParaRPr lang="en-US" dirty="0"/>
+          </a:p>
+        </p:txBody>
+      </p:sp>
+      <p:pic>
+        <p:nvPicPr>
+          <p:cNvPr id="4" name="Content Placeholder 3">
+            <a:extLst>
+              <a:ext uri="{FF2B5EF4-FFF2-40B4-BE49-F238E27FC236}">
+                <a16:creationId xmlns:a16="http://schemas.microsoft.com/office/drawing/2014/main" id="{F681B96B-F0CF-4075-A2CF-FD062191610B}"/>
+              </a:ext>
+            </a:extLst>
+          </p:cNvPr>
+          <p:cNvPicPr>
+            <a:picLocks noGrp="1"/>
+          </p:cNvPicPr>
+          <p:nvPr>
+            <p:ph idx="1"/>
+          </p:nvPr>
+        </p:nvPicPr>
+        <p:blipFill>
+          <a:blip r:embed="rId2">
+            <a:extLst>
+              <a:ext uri="{28A0092B-C50C-407E-A947-70E740481C1C}">
+                <a14:useLocalDpi xmlns:a14="http://schemas.microsoft.com/office/drawing/2010/main" val="0"/>
+              </a:ext>
+            </a:extLst>
+          </a:blip>
+          <a:srcRect/>
+          <a:stretch>
+            <a:fillRect/>
+          </a:stretch>
+        </p:blipFill>
+        <p:spPr bwMode="auto">
+          <a:xfrm>
+            <a:off x="1370012" y="1143000"/>
+            <a:ext cx="5117463" cy="5334000"/>
+          </a:xfrm>
+          <a:prstGeom prst="rect">
+            <a:avLst/>
+          </a:prstGeom>
+          <a:noFill/>
+          <a:ln>
+            <a:noFill/>
+          </a:ln>
+        </p:spPr>
+      </p:pic>
+    </p:spTree>
+    <p:extLst>
+      <p:ext uri="{BB962C8B-B14F-4D97-AF65-F5344CB8AC3E}">
+        <p14:creationId xmlns:p14="http://schemas.microsoft.com/office/powerpoint/2010/main" val="863651812"/>
       </p:ext>
     </p:extLst>
   </p:cSld>
@@ -8990,6 +10003,904 @@
     <p:extLst>
       <p:ext uri="{BB962C8B-B14F-4D97-AF65-F5344CB8AC3E}">
         <p14:creationId xmlns:p14="http://schemas.microsoft.com/office/powerpoint/2010/main" val="1906480325"/>
+      </p:ext>
+    </p:extLst>
+  </p:cSld>
+  <p:clrMapOvr>
+    <a:masterClrMapping/>
+  </p:clrMapOvr>
+  <mc:AlternateContent xmlns:mc="http://schemas.openxmlformats.org/markup-compatibility/2006" xmlns:p14="http://schemas.microsoft.com/office/powerpoint/2010/main">
+    <mc:Choice Requires="p14">
+      <p:transition spd="med" p14:dur="700">
+        <p:fade/>
+      </p:transition>
+    </mc:Choice>
+    <mc:Fallback xmlns="">
+      <p:transition spd="med">
+        <p:fade/>
+      </p:transition>
+    </mc:Fallback>
+  </mc:AlternateContent>
+</p:sld>
+</file>
+
+<file path=ppt/slides/slide40.xml><?xml version="1.0" encoding="utf-8"?>
+<p:sld xmlns:a="http://schemas.openxmlformats.org/drawingml/2006/main" xmlns:r="http://schemas.openxmlformats.org/officeDocument/2006/relationships" xmlns:p="http://schemas.openxmlformats.org/presentationml/2006/main">
+  <p:cSld>
+    <p:spTree>
+      <p:nvGrpSpPr>
+        <p:cNvPr id="1" name=""/>
+        <p:cNvGrpSpPr/>
+        <p:nvPr/>
+      </p:nvGrpSpPr>
+      <p:grpSpPr>
+        <a:xfrm>
+          <a:off x="0" y="0"/>
+          <a:ext cx="0" cy="0"/>
+          <a:chOff x="0" y="0"/>
+          <a:chExt cx="0" cy="0"/>
+        </a:xfrm>
+      </p:grpSpPr>
+      <p:sp>
+        <p:nvSpPr>
+          <p:cNvPr id="13" name="Title 12"/>
+          <p:cNvSpPr>
+            <a:spLocks noGrp="1"/>
+          </p:cNvSpPr>
+          <p:nvPr>
+            <p:ph type="title"/>
+          </p:nvPr>
+        </p:nvSpPr>
+        <p:spPr>
+          <a:xfrm>
+            <a:off x="1218883" y="274637"/>
+            <a:ext cx="10360501" cy="715963"/>
+          </a:xfrm>
+        </p:spPr>
+        <p:txBody>
+          <a:bodyPr/>
+          <a:lstStyle/>
+          <a:p>
+            <a:r>
+              <a:rPr lang="mk-MK" dirty="0"/>
+              <a:t>Итерација 2</a:t>
+            </a:r>
+            <a:r>
+              <a:rPr lang="en-US" dirty="0"/>
+              <a:t>: </a:t>
+            </a:r>
+            <a:r>
+              <a:rPr lang="mk-MK" dirty="0"/>
+              <a:t>Тестирање и анализа</a:t>
+            </a:r>
+            <a:endParaRPr lang="en-US" dirty="0"/>
+          </a:p>
+        </p:txBody>
+      </p:sp>
+      <p:sp>
+        <p:nvSpPr>
+          <p:cNvPr id="14" name="Content Placeholder 13"/>
+          <p:cNvSpPr>
+            <a:spLocks noGrp="1"/>
+          </p:cNvSpPr>
+          <p:nvPr>
+            <p:ph idx="1"/>
+          </p:nvPr>
+        </p:nvSpPr>
+        <p:spPr>
+          <a:xfrm>
+            <a:off x="1218883" y="1371600"/>
+            <a:ext cx="10360501" cy="5334000"/>
+          </a:xfrm>
+        </p:spPr>
+        <p:txBody>
+          <a:bodyPr>
+            <a:normAutofit lnSpcReduction="10000"/>
+          </a:bodyPr>
+          <a:lstStyle/>
+          <a:p>
+            <a:pPr lvl="1"/>
+            <a:r>
+              <a:rPr lang="mk-MK" dirty="0"/>
+              <a:t>Поголем број од тестираните корисници дадоа позитивен повратен одговор за содржината на информативните прозорци</a:t>
+            </a:r>
+          </a:p>
+          <a:p>
+            <a:pPr lvl="1"/>
+            <a:r>
+              <a:rPr lang="mk-MK" dirty="0"/>
+              <a:t>беа многу задоволни од скокачките прозорци</a:t>
+            </a:r>
+          </a:p>
+          <a:p>
+            <a:pPr lvl="1"/>
+            <a:r>
+              <a:rPr lang="mk-MK" dirty="0"/>
+              <a:t>брзо сфатија како да се движат низ различните прозорци со помош на линковите</a:t>
+            </a:r>
+          </a:p>
+          <a:p>
+            <a:pPr lvl="1"/>
+            <a:r>
+              <a:rPr lang="mk-MK" dirty="0"/>
+              <a:t>лентата со навигација во горниот дел од прозорецот им беше доста корисна</a:t>
+            </a:r>
+          </a:p>
+          <a:p>
+            <a:pPr lvl="1"/>
+            <a:r>
+              <a:rPr lang="mk-MK" dirty="0"/>
+              <a:t>побараа датумите во горниот десен агол на картичките од виртуелниот календар да бидат видливи и на картичките кои не се во фокус</a:t>
+            </a:r>
+          </a:p>
+          <a:p>
+            <a:pPr lvl="1"/>
+            <a:r>
+              <a:rPr lang="mk-MK" dirty="0"/>
+              <a:t>побараа да имаат можност да ги печатат графиците, односно прозорецот со нивните мерења</a:t>
+            </a:r>
+          </a:p>
+          <a:p>
+            <a:pPr lvl="1"/>
+            <a:r>
+              <a:rPr lang="mk-MK" dirty="0"/>
+              <a:t>одреден тренинг или водич за деловите на апликацијата за новите корисници бил многу добра функционалност</a:t>
+            </a:r>
+          </a:p>
+          <a:p>
+            <a:pPr lvl="1"/>
+            <a:r>
+              <a:rPr lang="mk-MK" dirty="0"/>
+              <a:t>сакаат делот со општи информации и видеа да биде достапен за сите</a:t>
+            </a:r>
+            <a:endParaRPr lang="en-US" dirty="0"/>
+          </a:p>
+          <a:p>
+            <a:pPr lvl="1"/>
+            <a:endParaRPr lang="en-US" dirty="0"/>
+          </a:p>
+        </p:txBody>
+      </p:sp>
+    </p:spTree>
+    <p:extLst>
+      <p:ext uri="{BB962C8B-B14F-4D97-AF65-F5344CB8AC3E}">
+        <p14:creationId xmlns:p14="http://schemas.microsoft.com/office/powerpoint/2010/main" val="1257020520"/>
+      </p:ext>
+    </p:extLst>
+  </p:cSld>
+  <p:clrMapOvr>
+    <a:masterClrMapping/>
+  </p:clrMapOvr>
+  <mc:AlternateContent xmlns:mc="http://schemas.openxmlformats.org/markup-compatibility/2006" xmlns:p14="http://schemas.microsoft.com/office/powerpoint/2010/main">
+    <mc:Choice Requires="p14">
+      <p:transition spd="med" p14:dur="700">
+        <p:fade/>
+      </p:transition>
+    </mc:Choice>
+    <mc:Fallback xmlns="">
+      <p:transition spd="med">
+        <p:fade/>
+      </p:transition>
+    </mc:Fallback>
+  </mc:AlternateContent>
+</p:sld>
+</file>
+
+<file path=ppt/slides/slide41.xml><?xml version="1.0" encoding="utf-8"?>
+<p:sld xmlns:a="http://schemas.openxmlformats.org/drawingml/2006/main" xmlns:r="http://schemas.openxmlformats.org/officeDocument/2006/relationships" xmlns:p="http://schemas.openxmlformats.org/presentationml/2006/main">
+  <p:cSld>
+    <p:spTree>
+      <p:nvGrpSpPr>
+        <p:cNvPr id="1" name=""/>
+        <p:cNvGrpSpPr/>
+        <p:nvPr/>
+      </p:nvGrpSpPr>
+      <p:grpSpPr>
+        <a:xfrm>
+          <a:off x="0" y="0"/>
+          <a:ext cx="0" cy="0"/>
+          <a:chOff x="0" y="0"/>
+          <a:chExt cx="0" cy="0"/>
+        </a:xfrm>
+      </p:grpSpPr>
+      <p:sp>
+        <p:nvSpPr>
+          <p:cNvPr id="13" name="Title 12"/>
+          <p:cNvSpPr>
+            <a:spLocks noGrp="1"/>
+          </p:cNvSpPr>
+          <p:nvPr>
+            <p:ph type="title"/>
+          </p:nvPr>
+        </p:nvSpPr>
+        <p:spPr>
+          <a:xfrm>
+            <a:off x="1218883" y="274637"/>
+            <a:ext cx="10360501" cy="715963"/>
+          </a:xfrm>
+        </p:spPr>
+        <p:txBody>
+          <a:bodyPr>
+            <a:normAutofit fontScale="90000"/>
+          </a:bodyPr>
+          <a:lstStyle/>
+          <a:p>
+            <a:r>
+              <a:rPr lang="mk-MK" dirty="0"/>
+              <a:t>Итерација 3</a:t>
+            </a:r>
+            <a:r>
+              <a:rPr lang="en-US" dirty="0"/>
+              <a:t>: </a:t>
+            </a:r>
+            <a:r>
+              <a:rPr lang="mk-MK" dirty="0"/>
+              <a:t>Редизајн на главниот дел на апликацијата	</a:t>
+            </a:r>
+            <a:endParaRPr lang="en-US" dirty="0"/>
+          </a:p>
+        </p:txBody>
+      </p:sp>
+      <p:pic>
+        <p:nvPicPr>
+          <p:cNvPr id="4" name="Content Placeholder 3">
+            <a:extLst>
+              <a:ext uri="{FF2B5EF4-FFF2-40B4-BE49-F238E27FC236}">
+                <a16:creationId xmlns:a16="http://schemas.microsoft.com/office/drawing/2014/main" id="{B6101FEC-B488-4DFA-B48F-E306A1C7E641}"/>
+              </a:ext>
+            </a:extLst>
+          </p:cNvPr>
+          <p:cNvPicPr>
+            <a:picLocks noGrp="1"/>
+          </p:cNvPicPr>
+          <p:nvPr>
+            <p:ph idx="1"/>
+          </p:nvPr>
+        </p:nvPicPr>
+        <p:blipFill>
+          <a:blip r:embed="rId2" cstate="print">
+            <a:extLst>
+              <a:ext uri="{28A0092B-C50C-407E-A947-70E740481C1C}">
+                <a14:useLocalDpi xmlns:a14="http://schemas.microsoft.com/office/drawing/2010/main" val="0"/>
+              </a:ext>
+            </a:extLst>
+          </a:blip>
+          <a:srcRect/>
+          <a:stretch>
+            <a:fillRect/>
+          </a:stretch>
+        </p:blipFill>
+        <p:spPr bwMode="auto">
+          <a:xfrm>
+            <a:off x="1370012" y="1143000"/>
+            <a:ext cx="8771380" cy="5151566"/>
+          </a:xfrm>
+          <a:prstGeom prst="rect">
+            <a:avLst/>
+          </a:prstGeom>
+          <a:noFill/>
+          <a:ln>
+            <a:noFill/>
+          </a:ln>
+        </p:spPr>
+      </p:pic>
+    </p:spTree>
+    <p:extLst>
+      <p:ext uri="{BB962C8B-B14F-4D97-AF65-F5344CB8AC3E}">
+        <p14:creationId xmlns:p14="http://schemas.microsoft.com/office/powerpoint/2010/main" val="2874576759"/>
+      </p:ext>
+    </p:extLst>
+  </p:cSld>
+  <p:clrMapOvr>
+    <a:masterClrMapping/>
+  </p:clrMapOvr>
+  <mc:AlternateContent xmlns:mc="http://schemas.openxmlformats.org/markup-compatibility/2006" xmlns:p14="http://schemas.microsoft.com/office/powerpoint/2010/main">
+    <mc:Choice Requires="p14">
+      <p:transition spd="med" p14:dur="700">
+        <p:fade/>
+      </p:transition>
+    </mc:Choice>
+    <mc:Fallback xmlns="">
+      <p:transition spd="med">
+        <p:fade/>
+      </p:transition>
+    </mc:Fallback>
+  </mc:AlternateContent>
+</p:sld>
+</file>
+
+<file path=ppt/slides/slide42.xml><?xml version="1.0" encoding="utf-8"?>
+<p:sld xmlns:a="http://schemas.openxmlformats.org/drawingml/2006/main" xmlns:r="http://schemas.openxmlformats.org/officeDocument/2006/relationships" xmlns:p="http://schemas.openxmlformats.org/presentationml/2006/main">
+  <p:cSld>
+    <p:spTree>
+      <p:nvGrpSpPr>
+        <p:cNvPr id="1" name=""/>
+        <p:cNvGrpSpPr/>
+        <p:nvPr/>
+      </p:nvGrpSpPr>
+      <p:grpSpPr>
+        <a:xfrm>
+          <a:off x="0" y="0"/>
+          <a:ext cx="0" cy="0"/>
+          <a:chOff x="0" y="0"/>
+          <a:chExt cx="0" cy="0"/>
+        </a:xfrm>
+      </p:grpSpPr>
+      <p:sp>
+        <p:nvSpPr>
+          <p:cNvPr id="13" name="Title 12"/>
+          <p:cNvSpPr>
+            <a:spLocks noGrp="1"/>
+          </p:cNvSpPr>
+          <p:nvPr>
+            <p:ph type="title"/>
+          </p:nvPr>
+        </p:nvSpPr>
+        <p:spPr>
+          <a:xfrm>
+            <a:off x="1141412" y="609600"/>
+            <a:ext cx="10360501" cy="715963"/>
+          </a:xfrm>
+        </p:spPr>
+        <p:txBody>
+          <a:bodyPr>
+            <a:normAutofit fontScale="90000"/>
+          </a:bodyPr>
+          <a:lstStyle/>
+          <a:p>
+            <a:r>
+              <a:rPr lang="mk-MK" dirty="0"/>
+              <a:t>Итерација 3</a:t>
+            </a:r>
+            <a:r>
+              <a:rPr lang="en-US" dirty="0"/>
+              <a:t>: </a:t>
+            </a:r>
+            <a:r>
+              <a:rPr lang="mk-MK" dirty="0"/>
+              <a:t>Листа на статии поврзани со нивната болест	</a:t>
+            </a:r>
+            <a:endParaRPr lang="en-US" dirty="0"/>
+          </a:p>
+        </p:txBody>
+      </p:sp>
+      <p:pic>
+        <p:nvPicPr>
+          <p:cNvPr id="4" name="Content Placeholder 3">
+            <a:extLst>
+              <a:ext uri="{FF2B5EF4-FFF2-40B4-BE49-F238E27FC236}">
+                <a16:creationId xmlns:a16="http://schemas.microsoft.com/office/drawing/2014/main" id="{CB40D376-B385-4E41-B14D-C3DE7557A637}"/>
+              </a:ext>
+            </a:extLst>
+          </p:cNvPr>
+          <p:cNvPicPr>
+            <a:picLocks noGrp="1"/>
+          </p:cNvPicPr>
+          <p:nvPr>
+            <p:ph idx="1"/>
+          </p:nvPr>
+        </p:nvPicPr>
+        <p:blipFill>
+          <a:blip r:embed="rId2">
+            <a:extLst>
+              <a:ext uri="{28A0092B-C50C-407E-A947-70E740481C1C}">
+                <a14:useLocalDpi xmlns:a14="http://schemas.microsoft.com/office/drawing/2010/main" val="0"/>
+              </a:ext>
+            </a:extLst>
+          </a:blip>
+          <a:srcRect/>
+          <a:stretch>
+            <a:fillRect/>
+          </a:stretch>
+        </p:blipFill>
+        <p:spPr bwMode="auto">
+          <a:xfrm>
+            <a:off x="1224286" y="1143000"/>
+            <a:ext cx="4534193" cy="5334000"/>
+          </a:xfrm>
+          <a:prstGeom prst="rect">
+            <a:avLst/>
+          </a:prstGeom>
+          <a:noFill/>
+          <a:ln>
+            <a:noFill/>
+          </a:ln>
+        </p:spPr>
+      </p:pic>
+    </p:spTree>
+    <p:extLst>
+      <p:ext uri="{BB962C8B-B14F-4D97-AF65-F5344CB8AC3E}">
+        <p14:creationId xmlns:p14="http://schemas.microsoft.com/office/powerpoint/2010/main" val="3278908224"/>
+      </p:ext>
+    </p:extLst>
+  </p:cSld>
+  <p:clrMapOvr>
+    <a:masterClrMapping/>
+  </p:clrMapOvr>
+  <mc:AlternateContent xmlns:mc="http://schemas.openxmlformats.org/markup-compatibility/2006" xmlns:p14="http://schemas.microsoft.com/office/powerpoint/2010/main">
+    <mc:Choice Requires="p14">
+      <p:transition spd="med" p14:dur="700">
+        <p:fade/>
+      </p:transition>
+    </mc:Choice>
+    <mc:Fallback xmlns="">
+      <p:transition spd="med">
+        <p:fade/>
+      </p:transition>
+    </mc:Fallback>
+  </mc:AlternateContent>
+</p:sld>
+</file>
+
+<file path=ppt/slides/slide43.xml><?xml version="1.0" encoding="utf-8"?>
+<p:sld xmlns:a="http://schemas.openxmlformats.org/drawingml/2006/main" xmlns:r="http://schemas.openxmlformats.org/officeDocument/2006/relationships" xmlns:p="http://schemas.openxmlformats.org/presentationml/2006/main">
+  <p:cSld>
+    <p:spTree>
+      <p:nvGrpSpPr>
+        <p:cNvPr id="1" name=""/>
+        <p:cNvGrpSpPr/>
+        <p:nvPr/>
+      </p:nvGrpSpPr>
+      <p:grpSpPr>
+        <a:xfrm>
+          <a:off x="0" y="0"/>
+          <a:ext cx="0" cy="0"/>
+          <a:chOff x="0" y="0"/>
+          <a:chExt cx="0" cy="0"/>
+        </a:xfrm>
+      </p:grpSpPr>
+      <p:sp>
+        <p:nvSpPr>
+          <p:cNvPr id="13" name="Title 12"/>
+          <p:cNvSpPr>
+            <a:spLocks noGrp="1"/>
+          </p:cNvSpPr>
+          <p:nvPr>
+            <p:ph type="title"/>
+          </p:nvPr>
+        </p:nvSpPr>
+        <p:spPr>
+          <a:xfrm>
+            <a:off x="1218883" y="274637"/>
+            <a:ext cx="10360501" cy="715963"/>
+          </a:xfrm>
+        </p:spPr>
+        <p:txBody>
+          <a:bodyPr/>
+          <a:lstStyle/>
+          <a:p>
+            <a:r>
+              <a:rPr lang="mk-MK" dirty="0"/>
+              <a:t>Итерација 3</a:t>
+            </a:r>
+            <a:r>
+              <a:rPr lang="en-US" dirty="0"/>
+              <a:t>: </a:t>
+            </a:r>
+            <a:r>
+              <a:rPr lang="mk-MK" dirty="0"/>
+              <a:t>Потсетник за пациентите</a:t>
+            </a:r>
+            <a:endParaRPr lang="en-US" dirty="0"/>
+          </a:p>
+        </p:txBody>
+      </p:sp>
+      <p:pic>
+        <p:nvPicPr>
+          <p:cNvPr id="4" name="Content Placeholder 3">
+            <a:extLst>
+              <a:ext uri="{FF2B5EF4-FFF2-40B4-BE49-F238E27FC236}">
+                <a16:creationId xmlns:a16="http://schemas.microsoft.com/office/drawing/2014/main" id="{8ADDF332-D714-4447-8523-C344F595D51D}"/>
+              </a:ext>
+            </a:extLst>
+          </p:cNvPr>
+          <p:cNvPicPr>
+            <a:picLocks noGrp="1"/>
+          </p:cNvPicPr>
+          <p:nvPr>
+            <p:ph idx="1"/>
+          </p:nvPr>
+        </p:nvPicPr>
+        <p:blipFill>
+          <a:blip r:embed="rId2">
+            <a:extLst>
+              <a:ext uri="{28A0092B-C50C-407E-A947-70E740481C1C}">
+                <a14:useLocalDpi xmlns:a14="http://schemas.microsoft.com/office/drawing/2010/main" val="0"/>
+              </a:ext>
+            </a:extLst>
+          </a:blip>
+          <a:srcRect/>
+          <a:stretch>
+            <a:fillRect/>
+          </a:stretch>
+        </p:blipFill>
+        <p:spPr bwMode="auto">
+          <a:xfrm>
+            <a:off x="1293812" y="1219200"/>
+            <a:ext cx="8817104" cy="4945809"/>
+          </a:xfrm>
+          <a:prstGeom prst="rect">
+            <a:avLst/>
+          </a:prstGeom>
+          <a:noFill/>
+          <a:ln>
+            <a:noFill/>
+          </a:ln>
+        </p:spPr>
+      </p:pic>
+    </p:spTree>
+    <p:extLst>
+      <p:ext uri="{BB962C8B-B14F-4D97-AF65-F5344CB8AC3E}">
+        <p14:creationId xmlns:p14="http://schemas.microsoft.com/office/powerpoint/2010/main" val="651272323"/>
+      </p:ext>
+    </p:extLst>
+  </p:cSld>
+  <p:clrMapOvr>
+    <a:masterClrMapping/>
+  </p:clrMapOvr>
+  <mc:AlternateContent xmlns:mc="http://schemas.openxmlformats.org/markup-compatibility/2006" xmlns:p14="http://schemas.microsoft.com/office/powerpoint/2010/main">
+    <mc:Choice Requires="p14">
+      <p:transition spd="med" p14:dur="700">
+        <p:fade/>
+      </p:transition>
+    </mc:Choice>
+    <mc:Fallback xmlns="">
+      <p:transition spd="med">
+        <p:fade/>
+      </p:transition>
+    </mc:Fallback>
+  </mc:AlternateContent>
+</p:sld>
+</file>
+
+<file path=ppt/slides/slide44.xml><?xml version="1.0" encoding="utf-8"?>
+<p:sld xmlns:a="http://schemas.openxmlformats.org/drawingml/2006/main" xmlns:r="http://schemas.openxmlformats.org/officeDocument/2006/relationships" xmlns:p="http://schemas.openxmlformats.org/presentationml/2006/main">
+  <p:cSld>
+    <p:spTree>
+      <p:nvGrpSpPr>
+        <p:cNvPr id="1" name=""/>
+        <p:cNvGrpSpPr/>
+        <p:nvPr/>
+      </p:nvGrpSpPr>
+      <p:grpSpPr>
+        <a:xfrm>
+          <a:off x="0" y="0"/>
+          <a:ext cx="0" cy="0"/>
+          <a:chOff x="0" y="0"/>
+          <a:chExt cx="0" cy="0"/>
+        </a:xfrm>
+      </p:grpSpPr>
+      <p:sp>
+        <p:nvSpPr>
+          <p:cNvPr id="13" name="Title 12"/>
+          <p:cNvSpPr>
+            <a:spLocks noGrp="1"/>
+          </p:cNvSpPr>
+          <p:nvPr>
+            <p:ph type="title"/>
+          </p:nvPr>
+        </p:nvSpPr>
+        <p:spPr>
+          <a:xfrm>
+            <a:off x="1218883" y="274637"/>
+            <a:ext cx="10360501" cy="715963"/>
+          </a:xfrm>
+        </p:spPr>
+        <p:txBody>
+          <a:bodyPr/>
+          <a:lstStyle/>
+          <a:p>
+            <a:r>
+              <a:rPr lang="mk-MK" dirty="0"/>
+              <a:t>Итерација 3</a:t>
+            </a:r>
+            <a:r>
+              <a:rPr lang="en-US" dirty="0"/>
+              <a:t>: </a:t>
+            </a:r>
+            <a:r>
+              <a:rPr lang="mk-MK" dirty="0"/>
+              <a:t>Компатабилност на мобилен уред	</a:t>
+            </a:r>
+            <a:endParaRPr lang="en-US" dirty="0"/>
+          </a:p>
+        </p:txBody>
+      </p:sp>
+      <p:pic>
+        <p:nvPicPr>
+          <p:cNvPr id="4" name="Content Placeholder 3">
+            <a:extLst>
+              <a:ext uri="{FF2B5EF4-FFF2-40B4-BE49-F238E27FC236}">
+                <a16:creationId xmlns:a16="http://schemas.microsoft.com/office/drawing/2014/main" id="{69FCCDBA-590B-493D-A340-F489F82860AB}"/>
+              </a:ext>
+            </a:extLst>
+          </p:cNvPr>
+          <p:cNvPicPr>
+            <a:picLocks noGrp="1"/>
+          </p:cNvPicPr>
+          <p:nvPr>
+            <p:ph idx="1"/>
+          </p:nvPr>
+        </p:nvPicPr>
+        <p:blipFill>
+          <a:blip r:embed="rId2">
+            <a:extLst>
+              <a:ext uri="{28A0092B-C50C-407E-A947-70E740481C1C}">
+                <a14:useLocalDpi xmlns:a14="http://schemas.microsoft.com/office/drawing/2010/main" val="0"/>
+              </a:ext>
+            </a:extLst>
+          </a:blip>
+          <a:srcRect/>
+          <a:stretch>
+            <a:fillRect/>
+          </a:stretch>
+        </p:blipFill>
+        <p:spPr bwMode="auto">
+          <a:xfrm>
+            <a:off x="1446212" y="1143000"/>
+            <a:ext cx="2060427" cy="5334000"/>
+          </a:xfrm>
+          <a:prstGeom prst="rect">
+            <a:avLst/>
+          </a:prstGeom>
+          <a:noFill/>
+          <a:ln>
+            <a:noFill/>
+          </a:ln>
+        </p:spPr>
+      </p:pic>
+    </p:spTree>
+    <p:extLst>
+      <p:ext uri="{BB962C8B-B14F-4D97-AF65-F5344CB8AC3E}">
+        <p14:creationId xmlns:p14="http://schemas.microsoft.com/office/powerpoint/2010/main" val="4031941129"/>
+      </p:ext>
+    </p:extLst>
+  </p:cSld>
+  <p:clrMapOvr>
+    <a:masterClrMapping/>
+  </p:clrMapOvr>
+  <mc:AlternateContent xmlns:mc="http://schemas.openxmlformats.org/markup-compatibility/2006" xmlns:p14="http://schemas.microsoft.com/office/powerpoint/2010/main">
+    <mc:Choice Requires="p14">
+      <p:transition spd="med" p14:dur="700">
+        <p:fade/>
+      </p:transition>
+    </mc:Choice>
+    <mc:Fallback xmlns="">
+      <p:transition spd="med">
+        <p:fade/>
+      </p:transition>
+    </mc:Fallback>
+  </mc:AlternateContent>
+</p:sld>
+</file>
+
+<file path=ppt/slides/slide45.xml><?xml version="1.0" encoding="utf-8"?>
+<p:sld xmlns:a="http://schemas.openxmlformats.org/drawingml/2006/main" xmlns:r="http://schemas.openxmlformats.org/officeDocument/2006/relationships" xmlns:p="http://schemas.openxmlformats.org/presentationml/2006/main">
+  <p:cSld>
+    <p:spTree>
+      <p:nvGrpSpPr>
+        <p:cNvPr id="1" name=""/>
+        <p:cNvGrpSpPr/>
+        <p:nvPr/>
+      </p:nvGrpSpPr>
+      <p:grpSpPr>
+        <a:xfrm>
+          <a:off x="0" y="0"/>
+          <a:ext cx="0" cy="0"/>
+          <a:chOff x="0" y="0"/>
+          <a:chExt cx="0" cy="0"/>
+        </a:xfrm>
+      </p:grpSpPr>
+      <p:sp>
+        <p:nvSpPr>
+          <p:cNvPr id="13" name="Title 12"/>
+          <p:cNvSpPr>
+            <a:spLocks noGrp="1"/>
+          </p:cNvSpPr>
+          <p:nvPr>
+            <p:ph type="title"/>
+          </p:nvPr>
+        </p:nvSpPr>
+        <p:spPr>
+          <a:xfrm>
+            <a:off x="1218883" y="274637"/>
+            <a:ext cx="10360501" cy="715963"/>
+          </a:xfrm>
+        </p:spPr>
+        <p:txBody>
+          <a:bodyPr/>
+          <a:lstStyle/>
+          <a:p>
+            <a:r>
+              <a:rPr lang="mk-MK" dirty="0"/>
+              <a:t>Итерација 3</a:t>
+            </a:r>
+            <a:r>
+              <a:rPr lang="en-US" dirty="0"/>
+              <a:t>: </a:t>
+            </a:r>
+            <a:r>
+              <a:rPr lang="mk-MK" dirty="0"/>
+              <a:t>Тестирање и анализа</a:t>
+            </a:r>
+            <a:endParaRPr lang="en-US" dirty="0"/>
+          </a:p>
+        </p:txBody>
+      </p:sp>
+      <p:sp>
+        <p:nvSpPr>
+          <p:cNvPr id="14" name="Content Placeholder 13"/>
+          <p:cNvSpPr>
+            <a:spLocks noGrp="1"/>
+          </p:cNvSpPr>
+          <p:nvPr>
+            <p:ph idx="1"/>
+          </p:nvPr>
+        </p:nvSpPr>
+        <p:spPr>
+          <a:xfrm>
+            <a:off x="1218883" y="1371600"/>
+            <a:ext cx="10360501" cy="5334000"/>
+          </a:xfrm>
+        </p:spPr>
+        <p:txBody>
+          <a:bodyPr/>
+          <a:lstStyle/>
+          <a:p>
+            <a:pPr lvl="1"/>
+            <a:r>
+              <a:rPr lang="mk-MK" dirty="0"/>
+              <a:t>Поради тоа што веќе беа направени неколку тестирања и анкети, желбите и начинот на кој сакаат да им бидат прикажани функционалностите веќе беше доста јасен и секоја нова функционалност имаше сè помалку негативни коментари</a:t>
+            </a:r>
+          </a:p>
+          <a:p>
+            <a:pPr lvl="1"/>
+            <a:r>
+              <a:rPr lang="mk-MK" dirty="0"/>
+              <a:t>Редизајнирањето на почетната страна доби многу позитивни коментари, а новите функционалности беа многу добро прифатени со минимални забелешки</a:t>
+            </a:r>
+          </a:p>
+          <a:p>
+            <a:pPr lvl="1"/>
+            <a:r>
+              <a:rPr lang="mk-MK" dirty="0"/>
+              <a:t>Оваа итерација претставуваше финалната верзија на апликацијата која претставува целосно тестиран прототип, одобрен од корисниците кој е спремен за имплементација</a:t>
+            </a:r>
+            <a:endParaRPr lang="en-US" dirty="0"/>
+          </a:p>
+        </p:txBody>
+      </p:sp>
+    </p:spTree>
+    <p:extLst>
+      <p:ext uri="{BB962C8B-B14F-4D97-AF65-F5344CB8AC3E}">
+        <p14:creationId xmlns:p14="http://schemas.microsoft.com/office/powerpoint/2010/main" val="583881796"/>
+      </p:ext>
+    </p:extLst>
+  </p:cSld>
+  <p:clrMapOvr>
+    <a:masterClrMapping/>
+  </p:clrMapOvr>
+  <mc:AlternateContent xmlns:mc="http://schemas.openxmlformats.org/markup-compatibility/2006" xmlns:p14="http://schemas.microsoft.com/office/powerpoint/2010/main">
+    <mc:Choice Requires="p14">
+      <p:transition spd="med" p14:dur="700">
+        <p:fade/>
+      </p:transition>
+    </mc:Choice>
+    <mc:Fallback xmlns="">
+      <p:transition spd="med">
+        <p:fade/>
+      </p:transition>
+    </mc:Fallback>
+  </mc:AlternateContent>
+</p:sld>
+</file>
+
+<file path=ppt/slides/slide46.xml><?xml version="1.0" encoding="utf-8"?>
+<p:sld xmlns:a="http://schemas.openxmlformats.org/drawingml/2006/main" xmlns:r="http://schemas.openxmlformats.org/officeDocument/2006/relationships" xmlns:p="http://schemas.openxmlformats.org/presentationml/2006/main">
+  <p:cSld>
+    <p:spTree>
+      <p:nvGrpSpPr>
+        <p:cNvPr id="1" name=""/>
+        <p:cNvGrpSpPr/>
+        <p:nvPr/>
+      </p:nvGrpSpPr>
+      <p:grpSpPr>
+        <a:xfrm>
+          <a:off x="0" y="0"/>
+          <a:ext cx="0" cy="0"/>
+          <a:chOff x="0" y="0"/>
+          <a:chExt cx="0" cy="0"/>
+        </a:xfrm>
+      </p:grpSpPr>
+      <p:sp>
+        <p:nvSpPr>
+          <p:cNvPr id="13" name="Title 12"/>
+          <p:cNvSpPr>
+            <a:spLocks noGrp="1"/>
+          </p:cNvSpPr>
+          <p:nvPr>
+            <p:ph type="title"/>
+          </p:nvPr>
+        </p:nvSpPr>
+        <p:spPr>
+          <a:xfrm>
+            <a:off x="1218883" y="274637"/>
+            <a:ext cx="10360501" cy="715963"/>
+          </a:xfrm>
+        </p:spPr>
+        <p:txBody>
+          <a:bodyPr/>
+          <a:lstStyle/>
+          <a:p>
+            <a:r>
+              <a:rPr lang="mk-MK" dirty="0"/>
+              <a:t>Заклучок</a:t>
+            </a:r>
+            <a:endParaRPr lang="en-US" dirty="0"/>
+          </a:p>
+        </p:txBody>
+      </p:sp>
+      <p:sp>
+        <p:nvSpPr>
+          <p:cNvPr id="14" name="Content Placeholder 13"/>
+          <p:cNvSpPr>
+            <a:spLocks noGrp="1"/>
+          </p:cNvSpPr>
+          <p:nvPr>
+            <p:ph idx="1"/>
+          </p:nvPr>
+        </p:nvSpPr>
+        <p:spPr>
+          <a:xfrm>
+            <a:off x="1218883" y="1371600"/>
+            <a:ext cx="10360501" cy="5334000"/>
+          </a:xfrm>
+        </p:spPr>
+        <p:txBody>
+          <a:bodyPr/>
+          <a:lstStyle/>
+          <a:p>
+            <a:pPr lvl="1"/>
+            <a:r>
+              <a:rPr lang="mk-MK" dirty="0"/>
+              <a:t>Мотивот за креирање на ваква апликација доаѓа од Министерството за Здравство на Данска кое сакаше да го дигитализира одделот за хронични опструктивни белодробни заболувања и дијабетес</a:t>
+            </a:r>
+          </a:p>
+          <a:p>
+            <a:pPr lvl="1"/>
+            <a:r>
+              <a:rPr lang="mk-MK" dirty="0"/>
+              <a:t>Истражувањата кои беа направени се фокусираа на слични вакви системи кои се креирани и имплементирани и согледување на проблемите со кои тие се соочиле, грешките кои биле направени, но и со работите кои биле успешни</a:t>
+            </a:r>
+          </a:p>
+          <a:p>
+            <a:pPr lvl="1"/>
+            <a:r>
+              <a:rPr lang="mk-MK" dirty="0"/>
+              <a:t>Како главен проблем во скоро сите случаи се издвојува тоа што лекарите и пациентите не биле доволно вклучени во процесот на развивање</a:t>
+            </a:r>
+          </a:p>
+          <a:p>
+            <a:pPr lvl="1"/>
+            <a:r>
+              <a:rPr lang="mk-MK" dirty="0"/>
+              <a:t>за развивање на оваа апликација се користеше кориснички ориентиран дизајн модел развиван со помош на итеративен метод</a:t>
+            </a:r>
+          </a:p>
+          <a:p>
+            <a:pPr lvl="1"/>
+            <a:r>
+              <a:rPr lang="mk-MK" dirty="0"/>
+              <a:t>Ваквиот начин на работа со кориснички ориентиран дизајн не секогаш треба и може да биде користен</a:t>
+            </a:r>
+            <a:endParaRPr lang="en-US" dirty="0"/>
+          </a:p>
+        </p:txBody>
+      </p:sp>
+    </p:spTree>
+    <p:extLst>
+      <p:ext uri="{BB962C8B-B14F-4D97-AF65-F5344CB8AC3E}">
+        <p14:creationId xmlns:p14="http://schemas.microsoft.com/office/powerpoint/2010/main" val="613488169"/>
       </p:ext>
     </p:extLst>
   </p:cSld>
@@ -10665,142 +12576,6 @@
 </file>
 
 <file path=customXml/item1.xml><?xml version="1.0" encoding="utf-8"?>
-<p:properties xmlns:p="http://schemas.microsoft.com/office/2006/metadata/properties" xmlns:xsi="http://www.w3.org/2001/XMLSchema-instance" xmlns:pc="http://schemas.microsoft.com/office/infopath/2007/PartnerControls">
-  <documentManagement>
-    <LocPublishedLinkedAssetsLookup xmlns="4873beb7-5857-4685-be1f-d57550cc96cc" xsi:nil="true"/>
-    <ApprovalStatus xmlns="4873beb7-5857-4685-be1f-d57550cc96cc">InProgress</ApprovalStatus>
-    <MarketSpecific xmlns="4873beb7-5857-4685-be1f-d57550cc96cc">false</MarketSpecific>
-    <LocComments xmlns="4873beb7-5857-4685-be1f-d57550cc96cc" xsi:nil="true"/>
-    <LocLastLocAttemptVersionTypeLookup xmlns="4873beb7-5857-4685-be1f-d57550cc96cc" xsi:nil="true"/>
-    <DirectSourceMarket xmlns="4873beb7-5857-4685-be1f-d57550cc96cc" xsi:nil="true"/>
-    <ThumbnailAssetId xmlns="4873beb7-5857-4685-be1f-d57550cc96cc" xsi:nil="true"/>
-    <PrimaryImageGen xmlns="4873beb7-5857-4685-be1f-d57550cc96cc">false</PrimaryImageGen>
-    <LocNewPublishedVersionLookup xmlns="4873beb7-5857-4685-be1f-d57550cc96cc" xsi:nil="true"/>
-    <LegacyData xmlns="4873beb7-5857-4685-be1f-d57550cc96cc" xsi:nil="true"/>
-    <LocRecommendedHandoff xmlns="4873beb7-5857-4685-be1f-d57550cc96cc" xsi:nil="true"/>
-    <BusinessGroup xmlns="4873beb7-5857-4685-be1f-d57550cc96cc" xsi:nil="true"/>
-    <BlockPublish xmlns="4873beb7-5857-4685-be1f-d57550cc96cc">false</BlockPublish>
-    <TPFriendlyName xmlns="4873beb7-5857-4685-be1f-d57550cc96cc" xsi:nil="true"/>
-    <LocOverallPublishStatusLookup xmlns="4873beb7-5857-4685-be1f-d57550cc96cc" xsi:nil="true"/>
-    <NumericId xmlns="4873beb7-5857-4685-be1f-d57550cc96cc" xsi:nil="true"/>
-    <APEditor xmlns="4873beb7-5857-4685-be1f-d57550cc96cc">
-      <UserInfo>
-        <DisplayName/>
-        <AccountId xsi:nil="true"/>
-        <AccountType/>
-      </UserInfo>
-    </APEditor>
-    <SourceTitle xmlns="4873beb7-5857-4685-be1f-d57550cc96cc" xsi:nil="true"/>
-    <OpenTemplate xmlns="4873beb7-5857-4685-be1f-d57550cc96cc">true</OpenTemplate>
-    <LocOverallLocStatusLookup xmlns="4873beb7-5857-4685-be1f-d57550cc96cc" xsi:nil="true"/>
-    <UALocComments xmlns="4873beb7-5857-4685-be1f-d57550cc96cc" xsi:nil="true"/>
-    <ParentAssetId xmlns="4873beb7-5857-4685-be1f-d57550cc96cc" xsi:nil="true"/>
-    <IntlLangReviewDate xmlns="4873beb7-5857-4685-be1f-d57550cc96cc" xsi:nil="true"/>
-    <FeatureTagsTaxHTField0 xmlns="4873beb7-5857-4685-be1f-d57550cc96cc">
-      <Terms xmlns="http://schemas.microsoft.com/office/infopath/2007/PartnerControls"/>
-    </FeatureTagsTaxHTField0>
-    <PublishStatusLookup xmlns="4873beb7-5857-4685-be1f-d57550cc96cc">
-      <Value>1345093</Value>
-    </PublishStatusLookup>
-    <Providers xmlns="4873beb7-5857-4685-be1f-d57550cc96cc" xsi:nil="true"/>
-    <MachineTranslated xmlns="4873beb7-5857-4685-be1f-d57550cc96cc">false</MachineTranslated>
-    <OriginalSourceMarket xmlns="4873beb7-5857-4685-be1f-d57550cc96cc" xsi:nil="true"/>
-    <APDescription xmlns="4873beb7-5857-4685-be1f-d57550cc96cc">This simple template design works for technology and  businesses, but it's versatile enough to use in other contexts.  It features multiple slide layouts designed for widescreen (16x9 resolution) and includes a sample SmartArt list and chart that are easily editable.</APDescription>
-    <ClipArtFilename xmlns="4873beb7-5857-4685-be1f-d57550cc96cc" xsi:nil="true"/>
-    <ContentItem xmlns="4873beb7-5857-4685-be1f-d57550cc96cc" xsi:nil="true"/>
-    <TPInstallLocation xmlns="4873beb7-5857-4685-be1f-d57550cc96cc" xsi:nil="true"/>
-    <PublishTargets xmlns="4873beb7-5857-4685-be1f-d57550cc96cc">OfficeOnlineVNext</PublishTargets>
-    <TimesCloned xmlns="4873beb7-5857-4685-be1f-d57550cc96cc" xsi:nil="true"/>
-    <AssetStart xmlns="4873beb7-5857-4685-be1f-d57550cc96cc">2011-11-26T00:30:00+00:00</AssetStart>
-    <Provider xmlns="4873beb7-5857-4685-be1f-d57550cc96cc" xsi:nil="true"/>
-    <AcquiredFrom xmlns="4873beb7-5857-4685-be1f-d57550cc96cc">Internal MS</AcquiredFrom>
-    <FriendlyTitle xmlns="4873beb7-5857-4685-be1f-d57550cc96cc" xsi:nil="true"/>
-    <LastHandOff xmlns="4873beb7-5857-4685-be1f-d57550cc96cc" xsi:nil="true"/>
-    <TPClientViewer xmlns="4873beb7-5857-4685-be1f-d57550cc96cc" xsi:nil="true"/>
-    <TemplateStatus xmlns="4873beb7-5857-4685-be1f-d57550cc96cc">Complete</TemplateStatus>
-    <Downloads xmlns="4873beb7-5857-4685-be1f-d57550cc96cc">0</Downloads>
-    <OOCacheId xmlns="4873beb7-5857-4685-be1f-d57550cc96cc" xsi:nil="true"/>
-    <IsDeleted xmlns="4873beb7-5857-4685-be1f-d57550cc96cc">false</IsDeleted>
-    <LocPublishedDependentAssetsLookup xmlns="4873beb7-5857-4685-be1f-d57550cc96cc" xsi:nil="true"/>
-    <TPExecutable xmlns="4873beb7-5857-4685-be1f-d57550cc96cc" xsi:nil="true"/>
-    <EditorialTags xmlns="4873beb7-5857-4685-be1f-d57550cc96cc" xsi:nil="true"/>
-    <SubmitterId xmlns="4873beb7-5857-4685-be1f-d57550cc96cc" xsi:nil="true"/>
-    <ApprovalLog xmlns="4873beb7-5857-4685-be1f-d57550cc96cc" xsi:nil="true"/>
-    <AssetType xmlns="4873beb7-5857-4685-be1f-d57550cc96cc">TP</AssetType>
-    <BugNumber xmlns="4873beb7-5857-4685-be1f-d57550cc96cc" xsi:nil="true"/>
-    <CSXSubmissionDate xmlns="4873beb7-5857-4685-be1f-d57550cc96cc" xsi:nil="true"/>
-    <CSXUpdate xmlns="4873beb7-5857-4685-be1f-d57550cc96cc">false</CSXUpdate>
-    <Milestone xmlns="4873beb7-5857-4685-be1f-d57550cc96cc" xsi:nil="true"/>
-    <RecommendationsModifier xmlns="4873beb7-5857-4685-be1f-d57550cc96cc" xsi:nil="true"/>
-    <OriginAsset xmlns="4873beb7-5857-4685-be1f-d57550cc96cc" xsi:nil="true"/>
-    <TPComponent xmlns="4873beb7-5857-4685-be1f-d57550cc96cc" xsi:nil="true"/>
-    <AssetId xmlns="4873beb7-5857-4685-be1f-d57550cc96cc">TP102787989</AssetId>
-    <IntlLocPriority xmlns="4873beb7-5857-4685-be1f-d57550cc96cc" xsi:nil="true"/>
-    <PolicheckWords xmlns="4873beb7-5857-4685-be1f-d57550cc96cc" xsi:nil="true"/>
-    <TPLaunchHelpLink xmlns="4873beb7-5857-4685-be1f-d57550cc96cc" xsi:nil="true"/>
-    <TPApplication xmlns="4873beb7-5857-4685-be1f-d57550cc96cc" xsi:nil="true"/>
-    <CrawlForDependencies xmlns="4873beb7-5857-4685-be1f-d57550cc96cc">false</CrawlForDependencies>
-    <HandoffToMSDN xmlns="4873beb7-5857-4685-be1f-d57550cc96cc" xsi:nil="true"/>
-    <PlannedPubDate xmlns="4873beb7-5857-4685-be1f-d57550cc96cc" xsi:nil="true"/>
-    <IntlLangReviewer xmlns="4873beb7-5857-4685-be1f-d57550cc96cc" xsi:nil="true"/>
-    <TrustLevel xmlns="4873beb7-5857-4685-be1f-d57550cc96cc">1 Microsoft Managed Content</TrustLevel>
-    <LocLastLocAttemptVersionLookup xmlns="4873beb7-5857-4685-be1f-d57550cc96cc">694266</LocLastLocAttemptVersionLookup>
-    <LocProcessedForHandoffsLookup xmlns="4873beb7-5857-4685-be1f-d57550cc96cc" xsi:nil="true"/>
-    <IsSearchable xmlns="4873beb7-5857-4685-be1f-d57550cc96cc">true</IsSearchable>
-    <TemplateTemplateType xmlns="4873beb7-5857-4685-be1f-d57550cc96cc">PowerPoint Presentation Template</TemplateTemplateType>
-    <CampaignTagsTaxHTField0 xmlns="4873beb7-5857-4685-be1f-d57550cc96cc">
-      <Terms xmlns="http://schemas.microsoft.com/office/infopath/2007/PartnerControls"/>
-    </CampaignTagsTaxHTField0>
-    <TPNamespace xmlns="4873beb7-5857-4685-be1f-d57550cc96cc" xsi:nil="true"/>
-    <LocOverallPreviewStatusLookup xmlns="4873beb7-5857-4685-be1f-d57550cc96cc" xsi:nil="true"/>
-    <TaxCatchAll xmlns="4873beb7-5857-4685-be1f-d57550cc96cc"/>
-    <Markets xmlns="4873beb7-5857-4685-be1f-d57550cc96cc"/>
-    <UAProjectedTotalWords xmlns="4873beb7-5857-4685-be1f-d57550cc96cc" xsi:nil="true"/>
-    <IntlLangReview xmlns="4873beb7-5857-4685-be1f-d57550cc96cc" xsi:nil="true"/>
-    <OutputCachingOn xmlns="4873beb7-5857-4685-be1f-d57550cc96cc">false</OutputCachingOn>
-    <AverageRating xmlns="4873beb7-5857-4685-be1f-d57550cc96cc" xsi:nil="true"/>
-    <APAuthor xmlns="4873beb7-5857-4685-be1f-d57550cc96cc">
-      <UserInfo>
-        <DisplayName>REDMOND\kristaa</DisplayName>
-        <AccountId>136</AccountId>
-        <AccountType/>
-      </UserInfo>
-    </APAuthor>
-    <LocManualTestRequired xmlns="4873beb7-5857-4685-be1f-d57550cc96cc">false</LocManualTestRequired>
-    <TPCommandLine xmlns="4873beb7-5857-4685-be1f-d57550cc96cc" xsi:nil="true"/>
-    <TPAppVersion xmlns="4873beb7-5857-4685-be1f-d57550cc96cc" xsi:nil="true"/>
-    <EditorialStatus xmlns="4873beb7-5857-4685-be1f-d57550cc96cc">Complete</EditorialStatus>
-    <LastModifiedDateTime xmlns="4873beb7-5857-4685-be1f-d57550cc96cc" xsi:nil="true"/>
-    <ScenarioTagsTaxHTField0 xmlns="4873beb7-5857-4685-be1f-d57550cc96cc">
-      <Terms xmlns="http://schemas.microsoft.com/office/infopath/2007/PartnerControls"/>
-    </ScenarioTagsTaxHTField0>
-    <LocProcessedForMarketsLookup xmlns="4873beb7-5857-4685-be1f-d57550cc96cc" xsi:nil="true"/>
-    <TPLaunchHelpLinkType xmlns="4873beb7-5857-4685-be1f-d57550cc96cc">Template</TPLaunchHelpLinkType>
-    <OriginalRelease xmlns="4873beb7-5857-4685-be1f-d57550cc96cc">15</OriginalRelease>
-    <LocalizationTagsTaxHTField0 xmlns="4873beb7-5857-4685-be1f-d57550cc96cc">
-      <Terms xmlns="http://schemas.microsoft.com/office/infopath/2007/PartnerControls"/>
-    </LocalizationTagsTaxHTField0>
-    <UACurrentWords xmlns="4873beb7-5857-4685-be1f-d57550cc96cc" xsi:nil="true"/>
-    <ArtSampleDocs xmlns="4873beb7-5857-4685-be1f-d57550cc96cc" xsi:nil="true"/>
-    <UALocRecommendation xmlns="4873beb7-5857-4685-be1f-d57550cc96cc">Localize</UALocRecommendation>
-    <Manager xmlns="4873beb7-5857-4685-be1f-d57550cc96cc" xsi:nil="true"/>
-    <LocOverallHandbackStatusLookup xmlns="4873beb7-5857-4685-be1f-d57550cc96cc" xsi:nil="true"/>
-    <ShowIn xmlns="4873beb7-5857-4685-be1f-d57550cc96cc">Show everywhere</ShowIn>
-    <UANotes xmlns="4873beb7-5857-4685-be1f-d57550cc96cc" xsi:nil="true"/>
-    <InternalTagsTaxHTField0 xmlns="4873beb7-5857-4685-be1f-d57550cc96cc">
-      <Terms xmlns="http://schemas.microsoft.com/office/infopath/2007/PartnerControls"/>
-    </InternalTagsTaxHTField0>
-    <CSXHash xmlns="4873beb7-5857-4685-be1f-d57550cc96cc" xsi:nil="true"/>
-    <VoteCount xmlns="4873beb7-5857-4685-be1f-d57550cc96cc" xsi:nil="true"/>
-    <AssetExpire xmlns="4873beb7-5857-4685-be1f-d57550cc96cc">2029-05-12T07:00:00+00:00</AssetExpire>
-    <DSATActionTaken xmlns="4873beb7-5857-4685-be1f-d57550cc96cc" xsi:nil="true"/>
-    <CSXSubmissionMarket xmlns="4873beb7-5857-4685-be1f-d57550cc96cc" xsi:nil="true"/>
-    <LocMarketGroupTiers2 xmlns="4873beb7-5857-4685-be1f-d57550cc96cc" xsi:nil="true"/>
-  </documentManagement>
-</p:properties>
-</file>
-
-<file path=customXml/item2.xml><?xml version="1.0" encoding="utf-8"?>
 <ct:contentTypeSchema xmlns:ct="http://schemas.microsoft.com/office/2006/metadata/contentType" xmlns:ma="http://schemas.microsoft.com/office/2006/metadata/properties/metaAttributes" ct:_="" ma:_="" ma:contentTypeName="TemplateFile" ma:contentTypeID="0x0101006EDDDB5EE6D98C44930B742096920B300400F5B6D36B3EF94B4E9A635CDF2A18F5B8" ma:contentTypeVersion="72" ma:contentTypeDescription="Create a new document." ma:contentTypeScope="" ma:versionID="a23e56308344d904b51738559c3d67c9">
   <xsd:schema xmlns:xsd="http://www.w3.org/2001/XMLSchema" xmlns:xs="http://www.w3.org/2001/XMLSchema" xmlns:p="http://schemas.microsoft.com/office/2006/metadata/properties" xmlns:ns2="4873beb7-5857-4685-be1f-d57550cc96cc" targetNamespace="http://schemas.microsoft.com/office/2006/metadata/properties" ma:root="true" ma:fieldsID="cd0908cc4600e77bf5da051303e00c8d" ns2:_="">
     <xsd:import namespace="4873beb7-5857-4685-be1f-d57550cc96cc"/>
@@ -11840,6 +13615,142 @@
 </ct:contentTypeSchema>
 </file>
 
+<file path=customXml/item2.xml><?xml version="1.0" encoding="utf-8"?>
+<p:properties xmlns:p="http://schemas.microsoft.com/office/2006/metadata/properties" xmlns:xsi="http://www.w3.org/2001/XMLSchema-instance" xmlns:pc="http://schemas.microsoft.com/office/infopath/2007/PartnerControls">
+  <documentManagement>
+    <LocPublishedLinkedAssetsLookup xmlns="4873beb7-5857-4685-be1f-d57550cc96cc" xsi:nil="true"/>
+    <ApprovalStatus xmlns="4873beb7-5857-4685-be1f-d57550cc96cc">InProgress</ApprovalStatus>
+    <MarketSpecific xmlns="4873beb7-5857-4685-be1f-d57550cc96cc">false</MarketSpecific>
+    <LocComments xmlns="4873beb7-5857-4685-be1f-d57550cc96cc" xsi:nil="true"/>
+    <LocLastLocAttemptVersionTypeLookup xmlns="4873beb7-5857-4685-be1f-d57550cc96cc" xsi:nil="true"/>
+    <DirectSourceMarket xmlns="4873beb7-5857-4685-be1f-d57550cc96cc" xsi:nil="true"/>
+    <ThumbnailAssetId xmlns="4873beb7-5857-4685-be1f-d57550cc96cc" xsi:nil="true"/>
+    <PrimaryImageGen xmlns="4873beb7-5857-4685-be1f-d57550cc96cc">false</PrimaryImageGen>
+    <LocNewPublishedVersionLookup xmlns="4873beb7-5857-4685-be1f-d57550cc96cc" xsi:nil="true"/>
+    <LegacyData xmlns="4873beb7-5857-4685-be1f-d57550cc96cc" xsi:nil="true"/>
+    <LocRecommendedHandoff xmlns="4873beb7-5857-4685-be1f-d57550cc96cc" xsi:nil="true"/>
+    <BusinessGroup xmlns="4873beb7-5857-4685-be1f-d57550cc96cc" xsi:nil="true"/>
+    <BlockPublish xmlns="4873beb7-5857-4685-be1f-d57550cc96cc">false</BlockPublish>
+    <TPFriendlyName xmlns="4873beb7-5857-4685-be1f-d57550cc96cc" xsi:nil="true"/>
+    <LocOverallPublishStatusLookup xmlns="4873beb7-5857-4685-be1f-d57550cc96cc" xsi:nil="true"/>
+    <NumericId xmlns="4873beb7-5857-4685-be1f-d57550cc96cc" xsi:nil="true"/>
+    <APEditor xmlns="4873beb7-5857-4685-be1f-d57550cc96cc">
+      <UserInfo>
+        <DisplayName/>
+        <AccountId xsi:nil="true"/>
+        <AccountType/>
+      </UserInfo>
+    </APEditor>
+    <SourceTitle xmlns="4873beb7-5857-4685-be1f-d57550cc96cc" xsi:nil="true"/>
+    <OpenTemplate xmlns="4873beb7-5857-4685-be1f-d57550cc96cc">true</OpenTemplate>
+    <LocOverallLocStatusLookup xmlns="4873beb7-5857-4685-be1f-d57550cc96cc" xsi:nil="true"/>
+    <UALocComments xmlns="4873beb7-5857-4685-be1f-d57550cc96cc" xsi:nil="true"/>
+    <ParentAssetId xmlns="4873beb7-5857-4685-be1f-d57550cc96cc" xsi:nil="true"/>
+    <IntlLangReviewDate xmlns="4873beb7-5857-4685-be1f-d57550cc96cc" xsi:nil="true"/>
+    <FeatureTagsTaxHTField0 xmlns="4873beb7-5857-4685-be1f-d57550cc96cc">
+      <Terms xmlns="http://schemas.microsoft.com/office/infopath/2007/PartnerControls"/>
+    </FeatureTagsTaxHTField0>
+    <PublishStatusLookup xmlns="4873beb7-5857-4685-be1f-d57550cc96cc">
+      <Value>1345093</Value>
+    </PublishStatusLookup>
+    <Providers xmlns="4873beb7-5857-4685-be1f-d57550cc96cc" xsi:nil="true"/>
+    <MachineTranslated xmlns="4873beb7-5857-4685-be1f-d57550cc96cc">false</MachineTranslated>
+    <OriginalSourceMarket xmlns="4873beb7-5857-4685-be1f-d57550cc96cc" xsi:nil="true"/>
+    <APDescription xmlns="4873beb7-5857-4685-be1f-d57550cc96cc">This simple template design works for technology and  businesses, but it's versatile enough to use in other contexts.  It features multiple slide layouts designed for widescreen (16x9 resolution) and includes a sample SmartArt list and chart that are easily editable.</APDescription>
+    <ClipArtFilename xmlns="4873beb7-5857-4685-be1f-d57550cc96cc" xsi:nil="true"/>
+    <ContentItem xmlns="4873beb7-5857-4685-be1f-d57550cc96cc" xsi:nil="true"/>
+    <TPInstallLocation xmlns="4873beb7-5857-4685-be1f-d57550cc96cc" xsi:nil="true"/>
+    <PublishTargets xmlns="4873beb7-5857-4685-be1f-d57550cc96cc">OfficeOnlineVNext</PublishTargets>
+    <TimesCloned xmlns="4873beb7-5857-4685-be1f-d57550cc96cc" xsi:nil="true"/>
+    <AssetStart xmlns="4873beb7-5857-4685-be1f-d57550cc96cc">2011-11-26T00:30:00+00:00</AssetStart>
+    <Provider xmlns="4873beb7-5857-4685-be1f-d57550cc96cc" xsi:nil="true"/>
+    <AcquiredFrom xmlns="4873beb7-5857-4685-be1f-d57550cc96cc">Internal MS</AcquiredFrom>
+    <FriendlyTitle xmlns="4873beb7-5857-4685-be1f-d57550cc96cc" xsi:nil="true"/>
+    <LastHandOff xmlns="4873beb7-5857-4685-be1f-d57550cc96cc" xsi:nil="true"/>
+    <TPClientViewer xmlns="4873beb7-5857-4685-be1f-d57550cc96cc" xsi:nil="true"/>
+    <TemplateStatus xmlns="4873beb7-5857-4685-be1f-d57550cc96cc">Complete</TemplateStatus>
+    <Downloads xmlns="4873beb7-5857-4685-be1f-d57550cc96cc">0</Downloads>
+    <OOCacheId xmlns="4873beb7-5857-4685-be1f-d57550cc96cc" xsi:nil="true"/>
+    <IsDeleted xmlns="4873beb7-5857-4685-be1f-d57550cc96cc">false</IsDeleted>
+    <LocPublishedDependentAssetsLookup xmlns="4873beb7-5857-4685-be1f-d57550cc96cc" xsi:nil="true"/>
+    <TPExecutable xmlns="4873beb7-5857-4685-be1f-d57550cc96cc" xsi:nil="true"/>
+    <EditorialTags xmlns="4873beb7-5857-4685-be1f-d57550cc96cc" xsi:nil="true"/>
+    <SubmitterId xmlns="4873beb7-5857-4685-be1f-d57550cc96cc" xsi:nil="true"/>
+    <ApprovalLog xmlns="4873beb7-5857-4685-be1f-d57550cc96cc" xsi:nil="true"/>
+    <AssetType xmlns="4873beb7-5857-4685-be1f-d57550cc96cc">TP</AssetType>
+    <BugNumber xmlns="4873beb7-5857-4685-be1f-d57550cc96cc" xsi:nil="true"/>
+    <CSXSubmissionDate xmlns="4873beb7-5857-4685-be1f-d57550cc96cc" xsi:nil="true"/>
+    <CSXUpdate xmlns="4873beb7-5857-4685-be1f-d57550cc96cc">false</CSXUpdate>
+    <Milestone xmlns="4873beb7-5857-4685-be1f-d57550cc96cc" xsi:nil="true"/>
+    <RecommendationsModifier xmlns="4873beb7-5857-4685-be1f-d57550cc96cc" xsi:nil="true"/>
+    <OriginAsset xmlns="4873beb7-5857-4685-be1f-d57550cc96cc" xsi:nil="true"/>
+    <TPComponent xmlns="4873beb7-5857-4685-be1f-d57550cc96cc" xsi:nil="true"/>
+    <AssetId xmlns="4873beb7-5857-4685-be1f-d57550cc96cc">TP102787989</AssetId>
+    <IntlLocPriority xmlns="4873beb7-5857-4685-be1f-d57550cc96cc" xsi:nil="true"/>
+    <PolicheckWords xmlns="4873beb7-5857-4685-be1f-d57550cc96cc" xsi:nil="true"/>
+    <TPLaunchHelpLink xmlns="4873beb7-5857-4685-be1f-d57550cc96cc" xsi:nil="true"/>
+    <TPApplication xmlns="4873beb7-5857-4685-be1f-d57550cc96cc" xsi:nil="true"/>
+    <CrawlForDependencies xmlns="4873beb7-5857-4685-be1f-d57550cc96cc">false</CrawlForDependencies>
+    <HandoffToMSDN xmlns="4873beb7-5857-4685-be1f-d57550cc96cc" xsi:nil="true"/>
+    <PlannedPubDate xmlns="4873beb7-5857-4685-be1f-d57550cc96cc" xsi:nil="true"/>
+    <IntlLangReviewer xmlns="4873beb7-5857-4685-be1f-d57550cc96cc" xsi:nil="true"/>
+    <TrustLevel xmlns="4873beb7-5857-4685-be1f-d57550cc96cc">1 Microsoft Managed Content</TrustLevel>
+    <LocLastLocAttemptVersionLookup xmlns="4873beb7-5857-4685-be1f-d57550cc96cc">694266</LocLastLocAttemptVersionLookup>
+    <LocProcessedForHandoffsLookup xmlns="4873beb7-5857-4685-be1f-d57550cc96cc" xsi:nil="true"/>
+    <IsSearchable xmlns="4873beb7-5857-4685-be1f-d57550cc96cc">true</IsSearchable>
+    <TemplateTemplateType xmlns="4873beb7-5857-4685-be1f-d57550cc96cc">PowerPoint Presentation Template</TemplateTemplateType>
+    <CampaignTagsTaxHTField0 xmlns="4873beb7-5857-4685-be1f-d57550cc96cc">
+      <Terms xmlns="http://schemas.microsoft.com/office/infopath/2007/PartnerControls"/>
+    </CampaignTagsTaxHTField0>
+    <TPNamespace xmlns="4873beb7-5857-4685-be1f-d57550cc96cc" xsi:nil="true"/>
+    <LocOverallPreviewStatusLookup xmlns="4873beb7-5857-4685-be1f-d57550cc96cc" xsi:nil="true"/>
+    <TaxCatchAll xmlns="4873beb7-5857-4685-be1f-d57550cc96cc"/>
+    <Markets xmlns="4873beb7-5857-4685-be1f-d57550cc96cc"/>
+    <UAProjectedTotalWords xmlns="4873beb7-5857-4685-be1f-d57550cc96cc" xsi:nil="true"/>
+    <IntlLangReview xmlns="4873beb7-5857-4685-be1f-d57550cc96cc" xsi:nil="true"/>
+    <OutputCachingOn xmlns="4873beb7-5857-4685-be1f-d57550cc96cc">false</OutputCachingOn>
+    <AverageRating xmlns="4873beb7-5857-4685-be1f-d57550cc96cc" xsi:nil="true"/>
+    <APAuthor xmlns="4873beb7-5857-4685-be1f-d57550cc96cc">
+      <UserInfo>
+        <DisplayName>REDMOND\kristaa</DisplayName>
+        <AccountId>136</AccountId>
+        <AccountType/>
+      </UserInfo>
+    </APAuthor>
+    <LocManualTestRequired xmlns="4873beb7-5857-4685-be1f-d57550cc96cc">false</LocManualTestRequired>
+    <TPCommandLine xmlns="4873beb7-5857-4685-be1f-d57550cc96cc" xsi:nil="true"/>
+    <TPAppVersion xmlns="4873beb7-5857-4685-be1f-d57550cc96cc" xsi:nil="true"/>
+    <EditorialStatus xmlns="4873beb7-5857-4685-be1f-d57550cc96cc">Complete</EditorialStatus>
+    <LastModifiedDateTime xmlns="4873beb7-5857-4685-be1f-d57550cc96cc" xsi:nil="true"/>
+    <ScenarioTagsTaxHTField0 xmlns="4873beb7-5857-4685-be1f-d57550cc96cc">
+      <Terms xmlns="http://schemas.microsoft.com/office/infopath/2007/PartnerControls"/>
+    </ScenarioTagsTaxHTField0>
+    <LocProcessedForMarketsLookup xmlns="4873beb7-5857-4685-be1f-d57550cc96cc" xsi:nil="true"/>
+    <TPLaunchHelpLinkType xmlns="4873beb7-5857-4685-be1f-d57550cc96cc">Template</TPLaunchHelpLinkType>
+    <OriginalRelease xmlns="4873beb7-5857-4685-be1f-d57550cc96cc">15</OriginalRelease>
+    <LocalizationTagsTaxHTField0 xmlns="4873beb7-5857-4685-be1f-d57550cc96cc">
+      <Terms xmlns="http://schemas.microsoft.com/office/infopath/2007/PartnerControls"/>
+    </LocalizationTagsTaxHTField0>
+    <UACurrentWords xmlns="4873beb7-5857-4685-be1f-d57550cc96cc" xsi:nil="true"/>
+    <ArtSampleDocs xmlns="4873beb7-5857-4685-be1f-d57550cc96cc" xsi:nil="true"/>
+    <UALocRecommendation xmlns="4873beb7-5857-4685-be1f-d57550cc96cc">Localize</UALocRecommendation>
+    <Manager xmlns="4873beb7-5857-4685-be1f-d57550cc96cc" xsi:nil="true"/>
+    <LocOverallHandbackStatusLookup xmlns="4873beb7-5857-4685-be1f-d57550cc96cc" xsi:nil="true"/>
+    <ShowIn xmlns="4873beb7-5857-4685-be1f-d57550cc96cc">Show everywhere</ShowIn>
+    <UANotes xmlns="4873beb7-5857-4685-be1f-d57550cc96cc" xsi:nil="true"/>
+    <InternalTagsTaxHTField0 xmlns="4873beb7-5857-4685-be1f-d57550cc96cc">
+      <Terms xmlns="http://schemas.microsoft.com/office/infopath/2007/PartnerControls"/>
+    </InternalTagsTaxHTField0>
+    <CSXHash xmlns="4873beb7-5857-4685-be1f-d57550cc96cc" xsi:nil="true"/>
+    <VoteCount xmlns="4873beb7-5857-4685-be1f-d57550cc96cc" xsi:nil="true"/>
+    <AssetExpire xmlns="4873beb7-5857-4685-be1f-d57550cc96cc">2029-05-12T07:00:00+00:00</AssetExpire>
+    <DSATActionTaken xmlns="4873beb7-5857-4685-be1f-d57550cc96cc" xsi:nil="true"/>
+    <CSXSubmissionMarket xmlns="4873beb7-5857-4685-be1f-d57550cc96cc" xsi:nil="true"/>
+    <LocMarketGroupTiers2 xmlns="4873beb7-5857-4685-be1f-d57550cc96cc" xsi:nil="true"/>
+  </documentManagement>
+</p:properties>
+</file>
+
 <file path=customXml/item3.xml><?xml version="1.0" encoding="utf-8"?>
 <?mso-contentType ?>
 <FormTemplates xmlns="http://schemas.microsoft.com/sharepoint/v3/contenttype/forms">
@@ -11850,22 +13761,6 @@
 </file>
 
 <file path=customXml/itemProps1.xml><?xml version="1.0" encoding="utf-8"?>
-<ds:datastoreItem xmlns:ds="http://schemas.openxmlformats.org/officeDocument/2006/customXml" ds:itemID="{60C67BEE-D13F-4BD2-98A5-34D8A0977F68}">
-  <ds:schemaRefs>
-    <ds:schemaRef ds:uri="http://purl.org/dc/terms/"/>
-    <ds:schemaRef ds:uri="http://schemas.openxmlformats.org/package/2006/metadata/core-properties"/>
-    <ds:schemaRef ds:uri="4873beb7-5857-4685-be1f-d57550cc96cc"/>
-    <ds:schemaRef ds:uri="http://schemas.microsoft.com/office/2006/documentManagement/types"/>
-    <ds:schemaRef ds:uri="http://schemas.microsoft.com/office/infopath/2007/PartnerControls"/>
-    <ds:schemaRef ds:uri="http://purl.org/dc/elements/1.1/"/>
-    <ds:schemaRef ds:uri="http://schemas.microsoft.com/office/2006/metadata/properties"/>
-    <ds:schemaRef ds:uri="http://www.w3.org/XML/1998/namespace"/>
-    <ds:schemaRef ds:uri="http://purl.org/dc/dcmitype/"/>
-  </ds:schemaRefs>
-</ds:datastoreItem>
-</file>
-
-<file path=customXml/itemProps2.xml><?xml version="1.0" encoding="utf-8"?>
 <ds:datastoreItem xmlns:ds="http://schemas.openxmlformats.org/officeDocument/2006/customXml" ds:itemID="{A09BF4D4-EF60-4196-BFC3-9462D607978C}">
   <ds:schemaRefs>
     <ds:schemaRef ds:uri="http://schemas.microsoft.com/office/2006/metadata/contentType"/>
@@ -11883,6 +13778,22 @@
 </ds:datastoreItem>
 </file>
 
+<file path=customXml/itemProps2.xml><?xml version="1.0" encoding="utf-8"?>
+<ds:datastoreItem xmlns:ds="http://schemas.openxmlformats.org/officeDocument/2006/customXml" ds:itemID="{60C67BEE-D13F-4BD2-98A5-34D8A0977F68}">
+  <ds:schemaRefs>
+    <ds:schemaRef ds:uri="http://purl.org/dc/terms/"/>
+    <ds:schemaRef ds:uri="http://schemas.openxmlformats.org/package/2006/metadata/core-properties"/>
+    <ds:schemaRef ds:uri="4873beb7-5857-4685-be1f-d57550cc96cc"/>
+    <ds:schemaRef ds:uri="http://schemas.microsoft.com/office/2006/documentManagement/types"/>
+    <ds:schemaRef ds:uri="http://schemas.microsoft.com/office/infopath/2007/PartnerControls"/>
+    <ds:schemaRef ds:uri="http://purl.org/dc/elements/1.1/"/>
+    <ds:schemaRef ds:uri="http://schemas.microsoft.com/office/2006/metadata/properties"/>
+    <ds:schemaRef ds:uri="http://www.w3.org/XML/1998/namespace"/>
+    <ds:schemaRef ds:uri="http://purl.org/dc/dcmitype/"/>
+  </ds:schemaRefs>
+</ds:datastoreItem>
+</file>
+
 <file path=customXml/itemProps3.xml><?xml version="1.0" encoding="utf-8"?>
 <ds:datastoreItem xmlns:ds="http://schemas.openxmlformats.org/officeDocument/2006/customXml" ds:itemID="{3836F65B-1B07-41EE-A0E8-BC6EF3855225}">
   <ds:schemaRefs>
